--- a/slides/03 Lists_Loops_Files.pptx
+++ b/slides/03 Lists_Loops_Files.pptx
@@ -6,47 +6,32 @@
   </p:sldMasterIdLst>
   <p:sldIdLst>
     <p:sldId id="256" r:id="rId2"/>
-    <p:sldId id="286" r:id="rId3"/>
-    <p:sldId id="287" r:id="rId4"/>
-    <p:sldId id="288" r:id="rId5"/>
-    <p:sldId id="289" r:id="rId6"/>
-    <p:sldId id="290" r:id="rId7"/>
-    <p:sldId id="291" r:id="rId8"/>
-    <p:sldId id="292" r:id="rId9"/>
-    <p:sldId id="293" r:id="rId10"/>
-    <p:sldId id="294" r:id="rId11"/>
-    <p:sldId id="295" r:id="rId12"/>
-    <p:sldId id="296" r:id="rId13"/>
-    <p:sldId id="297" r:id="rId14"/>
-    <p:sldId id="299" r:id="rId15"/>
-    <p:sldId id="298" r:id="rId16"/>
-    <p:sldId id="300" r:id="rId17"/>
-    <p:sldId id="301" r:id="rId18"/>
-    <p:sldId id="302" r:id="rId19"/>
-    <p:sldId id="303" r:id="rId20"/>
-    <p:sldId id="304" r:id="rId21"/>
-    <p:sldId id="328" r:id="rId22"/>
-    <p:sldId id="305" r:id="rId23"/>
-    <p:sldId id="306" r:id="rId24"/>
-    <p:sldId id="307" r:id="rId25"/>
-    <p:sldId id="308" r:id="rId26"/>
-    <p:sldId id="309" r:id="rId27"/>
-    <p:sldId id="310" r:id="rId28"/>
-    <p:sldId id="311" r:id="rId29"/>
-    <p:sldId id="312" r:id="rId30"/>
-    <p:sldId id="313" r:id="rId31"/>
-    <p:sldId id="314" r:id="rId32"/>
-    <p:sldId id="316" r:id="rId33"/>
-    <p:sldId id="317" r:id="rId34"/>
-    <p:sldId id="327" r:id="rId35"/>
-    <p:sldId id="318" r:id="rId36"/>
-    <p:sldId id="319" r:id="rId37"/>
-    <p:sldId id="322" r:id="rId38"/>
-    <p:sldId id="323" r:id="rId39"/>
-    <p:sldId id="320" r:id="rId40"/>
-    <p:sldId id="324" r:id="rId41"/>
-    <p:sldId id="325" r:id="rId42"/>
-    <p:sldId id="326" r:id="rId43"/>
+    <p:sldId id="297" r:id="rId3"/>
+    <p:sldId id="299" r:id="rId4"/>
+    <p:sldId id="298" r:id="rId5"/>
+    <p:sldId id="300" r:id="rId6"/>
+    <p:sldId id="301" r:id="rId7"/>
+    <p:sldId id="302" r:id="rId8"/>
+    <p:sldId id="303" r:id="rId9"/>
+    <p:sldId id="304" r:id="rId10"/>
+    <p:sldId id="328" r:id="rId11"/>
+    <p:sldId id="309" r:id="rId12"/>
+    <p:sldId id="310" r:id="rId13"/>
+    <p:sldId id="311" r:id="rId14"/>
+    <p:sldId id="312" r:id="rId15"/>
+    <p:sldId id="313" r:id="rId16"/>
+    <p:sldId id="314" r:id="rId17"/>
+    <p:sldId id="316" r:id="rId18"/>
+    <p:sldId id="317" r:id="rId19"/>
+    <p:sldId id="327" r:id="rId20"/>
+    <p:sldId id="318" r:id="rId21"/>
+    <p:sldId id="319" r:id="rId22"/>
+    <p:sldId id="322" r:id="rId23"/>
+    <p:sldId id="323" r:id="rId24"/>
+    <p:sldId id="320" r:id="rId25"/>
+    <p:sldId id="324" r:id="rId26"/>
+    <p:sldId id="325" r:id="rId27"/>
+    <p:sldId id="326" r:id="rId28"/>
   </p:sldIdLst>
   <p:sldSz cx="12192000" cy="6858000"/>
   <p:notesSz cx="6858000" cy="9144000"/>
@@ -488,7 +473,7 @@
           <a:p>
             <a:fld id="{9819AC5B-5C28-4682-8A2A-3D2C4E3BE131}" type="datetimeFigureOut">
               <a:rPr lang="en-US" smtClean="0"/>
-              <a:t>7/3/2018</a:t>
+              <a:t>7/10/2018</a:t>
             </a:fld>
             <a:endParaRPr lang="en-US"/>
           </a:p>
@@ -696,7 +681,7 @@
           <a:p>
             <a:fld id="{9819AC5B-5C28-4682-8A2A-3D2C4E3BE131}" type="datetimeFigureOut">
               <a:rPr lang="en-US" smtClean="0"/>
-              <a:t>7/3/2018</a:t>
+              <a:t>7/10/2018</a:t>
             </a:fld>
             <a:endParaRPr lang="en-US"/>
           </a:p>
@@ -1150,7 +1135,7 @@
           <a:p>
             <a:fld id="{9819AC5B-5C28-4682-8A2A-3D2C4E3BE131}" type="datetimeFigureOut">
               <a:rPr lang="en-US" smtClean="0"/>
-              <a:t>7/3/2018</a:t>
+              <a:t>7/10/2018</a:t>
             </a:fld>
             <a:endParaRPr lang="en-US"/>
           </a:p>
@@ -1415,7 +1400,7 @@
           <a:p>
             <a:fld id="{9819AC5B-5C28-4682-8A2A-3D2C4E3BE131}" type="datetimeFigureOut">
               <a:rPr lang="en-US" smtClean="0"/>
-              <a:t>7/3/2018</a:t>
+              <a:t>7/10/2018</a:t>
             </a:fld>
             <a:endParaRPr lang="en-US"/>
           </a:p>
@@ -1827,7 +1812,7 @@
           <a:p>
             <a:fld id="{9819AC5B-5C28-4682-8A2A-3D2C4E3BE131}" type="datetimeFigureOut">
               <a:rPr lang="en-US" smtClean="0"/>
-              <a:t>7/3/2018</a:t>
+              <a:t>7/10/2018</a:t>
             </a:fld>
             <a:endParaRPr lang="en-US"/>
           </a:p>
@@ -1968,7 +1953,7 @@
           <a:p>
             <a:fld id="{9819AC5B-5C28-4682-8A2A-3D2C4E3BE131}" type="datetimeFigureOut">
               <a:rPr lang="en-US" smtClean="0"/>
-              <a:t>7/3/2018</a:t>
+              <a:t>7/10/2018</a:t>
             </a:fld>
             <a:endParaRPr lang="en-US"/>
           </a:p>
@@ -2081,7 +2066,7 @@
           <a:p>
             <a:fld id="{9819AC5B-5C28-4682-8A2A-3D2C4E3BE131}" type="datetimeFigureOut">
               <a:rPr lang="en-US" smtClean="0"/>
-              <a:t>7/3/2018</a:t>
+              <a:t>7/10/2018</a:t>
             </a:fld>
             <a:endParaRPr lang="en-US"/>
           </a:p>
@@ -2392,7 +2377,7 @@
           <a:p>
             <a:fld id="{9819AC5B-5C28-4682-8A2A-3D2C4E3BE131}" type="datetimeFigureOut">
               <a:rPr lang="en-US" smtClean="0"/>
-              <a:t>7/3/2018</a:t>
+              <a:t>7/10/2018</a:t>
             </a:fld>
             <a:endParaRPr lang="en-US"/>
           </a:p>
@@ -2680,7 +2665,7 @@
           <a:p>
             <a:fld id="{9819AC5B-5C28-4682-8A2A-3D2C4E3BE131}" type="datetimeFigureOut">
               <a:rPr lang="en-US" smtClean="0"/>
-              <a:t>7/3/2018</a:t>
+              <a:t>7/10/2018</a:t>
             </a:fld>
             <a:endParaRPr lang="en-US"/>
           </a:p>
@@ -2921,7 +2906,7 @@
           <a:p>
             <a:fld id="{9819AC5B-5C28-4682-8A2A-3D2C4E3BE131}" type="datetimeFigureOut">
               <a:rPr lang="en-US" smtClean="0"/>
-              <a:t>7/3/2018</a:t>
+              <a:t>7/10/2018</a:t>
             </a:fld>
             <a:endParaRPr lang="en-US"/>
           </a:p>
@@ -3487,7 +3472,7 @@
           <a:p>
             <a:r>
               <a:rPr lang="en-US" dirty="0"/>
-              <a:t>Slicing Strings</a:t>
+              <a:t>Interlude: Plotting in Notebooks</a:t>
             </a:r>
             <a:endParaRPr lang="en-US" dirty="0">
               <a:latin typeface="Courier New" panose="02070309020205020404" pitchFamily="49" charset="0"/>
@@ -3496,12 +3481,48 @@
           </a:p>
         </p:txBody>
       </p:sp>
+      <p:pic>
+        <p:nvPicPr>
+          <p:cNvPr id="11" name="Picture 10">
+            <a:extLst>
+              <a:ext uri="{FF2B5EF4-FFF2-40B4-BE49-F238E27FC236}">
+                <a16:creationId xmlns:a16="http://schemas.microsoft.com/office/drawing/2014/main" id="{9C340890-9CFC-466D-98C7-DC913EA220D9}"/>
+              </a:ext>
+            </a:extLst>
+          </p:cNvPr>
+          <p:cNvPicPr>
+            <a:picLocks noChangeAspect="1"/>
+          </p:cNvPicPr>
+          <p:nvPr/>
+        </p:nvPicPr>
+        <p:blipFill>
+          <a:blip r:embed="rId2">
+            <a:extLst>
+              <a:ext uri="{28A0092B-C50C-407E-A947-70E740481C1C}">
+                <a14:useLocalDpi xmlns:a14="http://schemas.microsoft.com/office/drawing/2010/main" val="0"/>
+              </a:ext>
+            </a:extLst>
+          </a:blip>
+          <a:stretch>
+            <a:fillRect/>
+          </a:stretch>
+        </p:blipFill>
+        <p:spPr>
+          <a:xfrm>
+            <a:off x="3609696" y="2736434"/>
+            <a:ext cx="4620270" cy="3029373"/>
+          </a:xfrm>
+          <a:prstGeom prst="rect">
+            <a:avLst/>
+          </a:prstGeom>
+        </p:spPr>
+      </p:pic>
       <p:sp>
         <p:nvSpPr>
-          <p:cNvPr id="3" name="Content Placeholder 2">
-            <a:extLst>
-              <a:ext uri="{FF2B5EF4-FFF2-40B4-BE49-F238E27FC236}">
-                <a16:creationId xmlns:a16="http://schemas.microsoft.com/office/drawing/2014/main" id="{5F4835C5-2666-4F19-88FF-ACF2518A749F}"/>
+          <p:cNvPr id="12" name="Content Placeholder 2">
+            <a:extLst>
+              <a:ext uri="{FF2B5EF4-FFF2-40B4-BE49-F238E27FC236}">
+                <a16:creationId xmlns:a16="http://schemas.microsoft.com/office/drawing/2014/main" id="{7110C751-335D-4441-97EB-A0EDCB87C406}"/>
               </a:ext>
             </a:extLst>
           </p:cNvPr>
@@ -3515,7 +3536,7 @@
         <p:spPr>
           <a:xfrm>
             <a:off x="838199" y="2043739"/>
-            <a:ext cx="10738607" cy="3652386"/>
+            <a:ext cx="10738607" cy="1068577"/>
           </a:xfrm>
         </p:spPr>
         <p:txBody>
@@ -3525,104 +3546,33 @@
           <a:lstStyle/>
           <a:p>
             <a:pPr marL="0" indent="0">
-              <a:buNone/>
-            </a:pPr>
-            <a:r>
-              <a:rPr lang="en-US" altLang="en-US" sz="2300" dirty="0">
-                <a:ea typeface="ＭＳ Ｐゴシック" panose="020B0600070205080204" pitchFamily="34" charset="-128"/>
-                <a:cs typeface="Courier New" panose="02070309020205020404" pitchFamily="49" charset="0"/>
-              </a:rPr>
-              <a:t>Why is slicing interesting/useful?</a:t>
-            </a:r>
-          </a:p>
-          <a:p>
-            <a:pPr marL="0" indent="0">
-              <a:buNone/>
-            </a:pPr>
-            <a:endParaRPr lang="en-US" altLang="en-US" sz="2300" dirty="0">
+              <a:buFont typeface="Symbol" panose="05050102010706020507" pitchFamily="18" charset="2"/>
+              <a:buNone/>
+            </a:pPr>
+            <a:r>
+              <a:rPr lang="en-US" altLang="en-US" sz="2400" dirty="0"/>
+              <a:t>Now that we know how to create lists of numbers, let’s see how we can plot them in a </a:t>
+            </a:r>
+            <a:r>
+              <a:rPr lang="en-US" altLang="en-US" sz="2400" dirty="0" err="1"/>
+              <a:t>Jupyter</a:t>
+            </a:r>
+            <a:r>
+              <a:rPr lang="en-US" altLang="en-US" sz="2400" dirty="0"/>
+              <a:t> Notebook.</a:t>
+            </a:r>
+            <a:endParaRPr lang="en-US" altLang="en-US" sz="2400" dirty="0">
+              <a:latin typeface="Courier New" panose="02070309020205020404" pitchFamily="49" charset="0"/>
               <a:ea typeface="ＭＳ Ｐゴシック" panose="020B0600070205080204" pitchFamily="34" charset="-128"/>
               <a:cs typeface="Courier New" panose="02070309020205020404" pitchFamily="49" charset="0"/>
             </a:endParaRPr>
-          </a:p>
-          <a:p>
-            <a:pPr marL="0" indent="0">
-              <a:buNone/>
-            </a:pPr>
-            <a:r>
-              <a:rPr lang="en-US" altLang="en-US" sz="2300" dirty="0">
-                <a:ea typeface="ＭＳ Ｐゴシック" panose="020B0600070205080204" pitchFamily="34" charset="-128"/>
-                <a:cs typeface="Courier New" panose="02070309020205020404" pitchFamily="49" charset="0"/>
-              </a:rPr>
-              <a:t>Slicing is a core concept in Python.</a:t>
-            </a:r>
-          </a:p>
-          <a:p>
-            <a:pPr marL="0" indent="0">
-              <a:buNone/>
-            </a:pPr>
-            <a:r>
-              <a:rPr lang="en-US" altLang="en-US" sz="2300" dirty="0">
-                <a:ea typeface="ＭＳ Ｐゴシック" panose="020B0600070205080204" pitchFamily="34" charset="-128"/>
-                <a:cs typeface="Courier New" panose="02070309020205020404" pitchFamily="49" charset="0"/>
-              </a:rPr>
-              <a:t>Used frequently when you start to slice </a:t>
-            </a:r>
-            <a:r>
-              <a:rPr lang="en-US" altLang="en-US" sz="2300" dirty="0" err="1">
-                <a:ea typeface="ＭＳ Ｐゴシック" panose="020B0600070205080204" pitchFamily="34" charset="-128"/>
-                <a:cs typeface="Courier New" panose="02070309020205020404" pitchFamily="49" charset="0"/>
-              </a:rPr>
-              <a:t>numpy</a:t>
-            </a:r>
-            <a:r>
-              <a:rPr lang="en-US" altLang="en-US" sz="2300" dirty="0">
-                <a:ea typeface="ＭＳ Ｐゴシック" panose="020B0600070205080204" pitchFamily="34" charset="-128"/>
-                <a:cs typeface="Courier New" panose="02070309020205020404" pitchFamily="49" charset="0"/>
-              </a:rPr>
-              <a:t> arrays or pandas </a:t>
-            </a:r>
-            <a:r>
-              <a:rPr lang="en-US" altLang="en-US" sz="2300" dirty="0" err="1">
-                <a:ea typeface="ＭＳ Ｐゴシック" panose="020B0600070205080204" pitchFamily="34" charset="-128"/>
-                <a:cs typeface="Courier New" panose="02070309020205020404" pitchFamily="49" charset="0"/>
-              </a:rPr>
-              <a:t>Dataframes</a:t>
-            </a:r>
-            <a:r>
-              <a:rPr lang="en-US" altLang="en-US" sz="2300" dirty="0">
-                <a:ea typeface="ＭＳ Ｐゴシック" panose="020B0600070205080204" pitchFamily="34" charset="-128"/>
-                <a:cs typeface="Courier New" panose="02070309020205020404" pitchFamily="49" charset="0"/>
-              </a:rPr>
-              <a:t>!</a:t>
-            </a:r>
-          </a:p>
-          <a:p>
-            <a:pPr marL="0" indent="0">
-              <a:buNone/>
-            </a:pPr>
-            <a:endParaRPr lang="en-US" altLang="en-US" sz="2300" dirty="0">
-              <a:ea typeface="ＭＳ Ｐゴシック" panose="020B0600070205080204" pitchFamily="34" charset="-128"/>
-              <a:cs typeface="Courier New" panose="02070309020205020404" pitchFamily="49" charset="0"/>
-            </a:endParaRPr>
-          </a:p>
-          <a:p>
-            <a:pPr marL="0" indent="0">
-              <a:buNone/>
-            </a:pPr>
-            <a:r>
-              <a:rPr lang="en-US" altLang="en-US" sz="2300" dirty="0">
-                <a:ea typeface="ＭＳ Ｐゴシック" panose="020B0600070205080204" pitchFamily="34" charset="-128"/>
-                <a:cs typeface="Courier New" panose="02070309020205020404" pitchFamily="49" charset="0"/>
-              </a:rPr>
-              <a:t>Exercises 2.1, 2.2</a:t>
-            </a:r>
           </a:p>
         </p:txBody>
       </p:sp>
     </p:spTree>
     <p:extLst>
       <p:ext uri="{BB962C8B-B14F-4D97-AF65-F5344CB8AC3E}">
-        <p14:creationId xmlns:p14="http://schemas.microsoft.com/office/powerpoint/2010/main" val="3800816263"/>
+        <p14:creationId xmlns:p14="http://schemas.microsoft.com/office/powerpoint/2010/main" val="3999343036"/>
       </p:ext>
     </p:extLst>
   </p:cSld>
@@ -3676,4727 +3626,6 @@
           <a:lstStyle/>
           <a:p>
             <a:r>
-              <a:rPr lang="en-US" dirty="0"/>
-              <a:t>Strings are immutable too</a:t>
-            </a:r>
-            <a:endParaRPr lang="en-US" dirty="0">
-              <a:latin typeface="Courier New" panose="02070309020205020404" pitchFamily="49" charset="0"/>
-              <a:cs typeface="Courier New" panose="02070309020205020404" pitchFamily="49" charset="0"/>
-            </a:endParaRPr>
-          </a:p>
-        </p:txBody>
-      </p:sp>
-      <p:sp>
-        <p:nvSpPr>
-          <p:cNvPr id="3" name="Content Placeholder 2">
-            <a:extLst>
-              <a:ext uri="{FF2B5EF4-FFF2-40B4-BE49-F238E27FC236}">
-                <a16:creationId xmlns:a16="http://schemas.microsoft.com/office/drawing/2014/main" id="{5F4835C5-2666-4F19-88FF-ACF2518A749F}"/>
-              </a:ext>
-            </a:extLst>
-          </p:cNvPr>
-          <p:cNvSpPr>
-            <a:spLocks noGrp="1"/>
-          </p:cNvSpPr>
-          <p:nvPr>
-            <p:ph idx="1"/>
-          </p:nvPr>
-        </p:nvSpPr>
-        <p:spPr>
-          <a:xfrm>
-            <a:off x="838199" y="2043739"/>
-            <a:ext cx="10738607" cy="4097002"/>
-          </a:xfrm>
-        </p:spPr>
-        <p:txBody>
-          <a:bodyPr>
-            <a:normAutofit/>
-          </a:bodyPr>
-          <a:lstStyle/>
-          <a:p>
-            <a:pPr marL="0" indent="0">
-              <a:lnSpc>
-                <a:spcPct val="80000"/>
-              </a:lnSpc>
-              <a:buNone/>
-            </a:pPr>
-            <a:r>
-              <a:rPr lang="en-US" altLang="en-US" sz="1300" dirty="0">
-                <a:solidFill>
-                  <a:schemeClr val="accent2"/>
-                </a:solidFill>
-                <a:latin typeface="Lucida Sans Typewriter" panose="020B0509030504030204" pitchFamily="49" charset="0"/>
-                <a:ea typeface="ＭＳ Ｐゴシック" panose="020B0600070205080204" pitchFamily="34" charset="-128"/>
-              </a:rPr>
-              <a:t>&gt;&gt;&gt; s = ‘Alecto </a:t>
-            </a:r>
-            <a:r>
-              <a:rPr lang="en-US" altLang="en-US" sz="1300" dirty="0" err="1">
-                <a:solidFill>
-                  <a:schemeClr val="accent2"/>
-                </a:solidFill>
-                <a:latin typeface="Lucida Sans Typewriter" panose="020B0509030504030204" pitchFamily="49" charset="0"/>
-                <a:ea typeface="ＭＳ Ｐゴシック" panose="020B0600070205080204" pitchFamily="34" charset="-128"/>
-              </a:rPr>
-              <a:t>Carrow</a:t>
-            </a:r>
-            <a:r>
-              <a:rPr lang="en-US" altLang="en-US" sz="1300" dirty="0">
-                <a:solidFill>
-                  <a:schemeClr val="accent2"/>
-                </a:solidFill>
-                <a:latin typeface="Lucida Sans Typewriter" panose="020B0509030504030204" pitchFamily="49" charset="0"/>
-                <a:ea typeface="ＭＳ Ｐゴシック" panose="020B0600070205080204" pitchFamily="34" charset="-128"/>
-              </a:rPr>
-              <a:t>’</a:t>
-            </a:r>
-          </a:p>
-          <a:p>
-            <a:pPr marL="0" indent="0">
-              <a:lnSpc>
-                <a:spcPct val="80000"/>
-              </a:lnSpc>
-              <a:buNone/>
-            </a:pPr>
-            <a:r>
-              <a:rPr lang="en-US" altLang="en-US" sz="1300" dirty="0">
-                <a:solidFill>
-                  <a:schemeClr val="accent2"/>
-                </a:solidFill>
-                <a:latin typeface="Lucida Sans Typewriter" panose="020B0509030504030204" pitchFamily="49" charset="0"/>
-                <a:ea typeface="ＭＳ Ｐゴシック" panose="020B0600070205080204" pitchFamily="34" charset="-128"/>
-              </a:rPr>
-              <a:t>&gt;&gt;&gt; s[0:6] = ‘</a:t>
-            </a:r>
-            <a:r>
-              <a:rPr lang="en-US" altLang="en-US" sz="1300" dirty="0" err="1">
-                <a:solidFill>
-                  <a:schemeClr val="accent2"/>
-                </a:solidFill>
-                <a:latin typeface="Lucida Sans Typewriter" panose="020B0509030504030204" pitchFamily="49" charset="0"/>
-                <a:ea typeface="ＭＳ Ｐゴシック" panose="020B0600070205080204" pitchFamily="34" charset="-128"/>
-              </a:rPr>
-              <a:t>Amycus</a:t>
-            </a:r>
-            <a:r>
-              <a:rPr lang="en-US" altLang="en-US" sz="1300" dirty="0">
-                <a:solidFill>
-                  <a:schemeClr val="accent2"/>
-                </a:solidFill>
-                <a:latin typeface="Lucida Sans Typewriter" panose="020B0509030504030204" pitchFamily="49" charset="0"/>
-                <a:ea typeface="ＭＳ Ｐゴシック" panose="020B0600070205080204" pitchFamily="34" charset="-128"/>
-              </a:rPr>
-              <a:t>’</a:t>
-            </a:r>
-          </a:p>
-          <a:p>
-            <a:pPr marL="0" indent="0">
-              <a:lnSpc>
-                <a:spcPct val="80000"/>
-              </a:lnSpc>
-              <a:buNone/>
-            </a:pPr>
-            <a:r>
-              <a:rPr lang="en-US" altLang="en-US" sz="1300" dirty="0">
-                <a:solidFill>
-                  <a:schemeClr val="accent2"/>
-                </a:solidFill>
-                <a:latin typeface="Lucida Sans Typewriter" panose="020B0509030504030204" pitchFamily="49" charset="0"/>
-                <a:ea typeface="ＭＳ Ｐゴシック" panose="020B0600070205080204" pitchFamily="34" charset="-128"/>
-              </a:rPr>
-              <a:t>Traceback (most recent call last):</a:t>
-            </a:r>
-          </a:p>
-          <a:p>
-            <a:pPr marL="0" indent="0">
-              <a:lnSpc>
-                <a:spcPct val="80000"/>
-              </a:lnSpc>
-              <a:buNone/>
-            </a:pPr>
-            <a:r>
-              <a:rPr lang="en-US" altLang="en-US" sz="1300" dirty="0">
-                <a:solidFill>
-                  <a:schemeClr val="accent2"/>
-                </a:solidFill>
-                <a:latin typeface="Lucida Sans Typewriter" panose="020B0509030504030204" pitchFamily="49" charset="0"/>
-                <a:ea typeface="ＭＳ Ｐゴシック" panose="020B0600070205080204" pitchFamily="34" charset="-128"/>
-              </a:rPr>
-              <a:t>  File "&lt;stdin&gt;", line 1, in &lt;module&gt;</a:t>
-            </a:r>
-          </a:p>
-          <a:p>
-            <a:pPr marL="0" indent="0">
-              <a:lnSpc>
-                <a:spcPct val="80000"/>
-              </a:lnSpc>
-              <a:buNone/>
-            </a:pPr>
-            <a:r>
-              <a:rPr lang="en-US" altLang="en-US" sz="1300" dirty="0" err="1">
-                <a:solidFill>
-                  <a:schemeClr val="accent2"/>
-                </a:solidFill>
-                <a:latin typeface="Lucida Sans Typewriter" panose="020B0509030504030204" pitchFamily="49" charset="0"/>
-                <a:ea typeface="ＭＳ Ｐゴシック" panose="020B0600070205080204" pitchFamily="34" charset="-128"/>
-              </a:rPr>
-              <a:t>TypeError</a:t>
-            </a:r>
-            <a:r>
-              <a:rPr lang="en-US" altLang="en-US" sz="1300" dirty="0">
-                <a:solidFill>
-                  <a:schemeClr val="accent2"/>
-                </a:solidFill>
-                <a:latin typeface="Lucida Sans Typewriter" panose="020B0509030504030204" pitchFamily="49" charset="0"/>
-                <a:ea typeface="ＭＳ Ｐゴシック" panose="020B0600070205080204" pitchFamily="34" charset="-128"/>
-              </a:rPr>
-              <a:t>: 'str' object does not support item assignment</a:t>
-            </a:r>
-          </a:p>
-          <a:p>
-            <a:pPr marL="0" indent="0">
-              <a:buFont typeface="Symbol" panose="05050102010706020507" pitchFamily="18" charset="2"/>
-              <a:buNone/>
-            </a:pPr>
-            <a:endParaRPr lang="en-US" altLang="en-US" sz="2400" dirty="0">
-              <a:latin typeface="Courier New" panose="02070309020205020404" pitchFamily="49" charset="0"/>
-              <a:ea typeface="ＭＳ Ｐゴシック" panose="020B0600070205080204" pitchFamily="34" charset="-128"/>
-              <a:cs typeface="Courier New" panose="02070309020205020404" pitchFamily="49" charset="0"/>
-            </a:endParaRPr>
-          </a:p>
-          <a:p>
-            <a:pPr marL="0" indent="0">
-              <a:lnSpc>
-                <a:spcPct val="100000"/>
-              </a:lnSpc>
-              <a:buNone/>
-            </a:pPr>
-            <a:r>
-              <a:rPr lang="en-US" altLang="en-US" sz="2500" dirty="0">
-                <a:ea typeface="ＭＳ Ｐゴシック" panose="020B0600070205080204" pitchFamily="34" charset="-128"/>
-                <a:cs typeface="Courier New" panose="02070309020205020404" pitchFamily="49" charset="0"/>
-              </a:rPr>
-              <a:t>But we can create new strings of course:</a:t>
-            </a:r>
-          </a:p>
-          <a:p>
-            <a:pPr marL="0" indent="0">
-              <a:lnSpc>
-                <a:spcPct val="70000"/>
-              </a:lnSpc>
-              <a:buNone/>
-            </a:pPr>
-            <a:r>
-              <a:rPr lang="en-US" altLang="en-US" sz="1200" dirty="0">
-                <a:solidFill>
-                  <a:schemeClr val="accent2"/>
-                </a:solidFill>
-                <a:latin typeface="Lucida Sans Typewriter" panose="020B0509030504030204" pitchFamily="49" charset="0"/>
-                <a:ea typeface="ＭＳ Ｐゴシック" panose="020B0600070205080204" pitchFamily="34" charset="-128"/>
-              </a:rPr>
-              <a:t>&gt;&gt;&gt; s = ‘</a:t>
-            </a:r>
-            <a:r>
-              <a:rPr lang="en-US" altLang="en-US" sz="1200" dirty="0" err="1">
-                <a:solidFill>
-                  <a:schemeClr val="accent2"/>
-                </a:solidFill>
-                <a:latin typeface="Lucida Sans Typewriter" panose="020B0509030504030204" pitchFamily="49" charset="0"/>
-                <a:ea typeface="ＭＳ Ｐゴシック" panose="020B0600070205080204" pitchFamily="34" charset="-128"/>
-              </a:rPr>
-              <a:t>Amycus</a:t>
-            </a:r>
-            <a:r>
-              <a:rPr lang="en-US" altLang="en-US" sz="1200" dirty="0">
-                <a:solidFill>
-                  <a:schemeClr val="accent2"/>
-                </a:solidFill>
-                <a:latin typeface="Lucida Sans Typewriter" panose="020B0509030504030204" pitchFamily="49" charset="0"/>
-                <a:ea typeface="ＭＳ Ｐゴシック" panose="020B0600070205080204" pitchFamily="34" charset="-128"/>
-              </a:rPr>
-              <a:t>’ + s[6:]</a:t>
-            </a:r>
-          </a:p>
-          <a:p>
-            <a:pPr marL="0" indent="0">
-              <a:buFont typeface="Symbol" panose="05050102010706020507" pitchFamily="18" charset="2"/>
-              <a:buNone/>
-            </a:pPr>
-            <a:endParaRPr lang="en-US" altLang="en-US" sz="2400" dirty="0">
-              <a:latin typeface="Courier New" panose="02070309020205020404" pitchFamily="49" charset="0"/>
-              <a:ea typeface="ＭＳ Ｐゴシック" panose="020B0600070205080204" pitchFamily="34" charset="-128"/>
-              <a:cs typeface="Courier New" panose="02070309020205020404" pitchFamily="49" charset="0"/>
-            </a:endParaRPr>
-          </a:p>
-          <a:p>
-            <a:pPr marL="0" indent="0">
-              <a:lnSpc>
-                <a:spcPct val="100000"/>
-              </a:lnSpc>
-              <a:buNone/>
-            </a:pPr>
-            <a:r>
-              <a:rPr lang="en-US" altLang="en-US" sz="2500" dirty="0">
-                <a:ea typeface="ＭＳ Ｐゴシック" panose="020B0600070205080204" pitchFamily="34" charset="-128"/>
-                <a:cs typeface="Courier New" panose="02070309020205020404" pitchFamily="49" charset="0"/>
-              </a:rPr>
-              <a:t>Notice how the id of s changes!</a:t>
-            </a:r>
-          </a:p>
-        </p:txBody>
-      </p:sp>
-    </p:spTree>
-    <p:extLst>
-      <p:ext uri="{BB962C8B-B14F-4D97-AF65-F5344CB8AC3E}">
-        <p14:creationId xmlns:p14="http://schemas.microsoft.com/office/powerpoint/2010/main" val="3010718769"/>
-      </p:ext>
-    </p:extLst>
-  </p:cSld>
-  <p:clrMapOvr>
-    <a:masterClrMapping/>
-  </p:clrMapOvr>
-</p:sld>
-</file>
-
-<file path=ppt/slides/slide12.xml><?xml version="1.0" encoding="utf-8"?>
-<p:sld xmlns:a="http://schemas.openxmlformats.org/drawingml/2006/main" xmlns:r="http://schemas.openxmlformats.org/officeDocument/2006/relationships" xmlns:p="http://schemas.openxmlformats.org/presentationml/2006/main">
-  <p:cSld>
-    <p:spTree>
-      <p:nvGrpSpPr>
-        <p:cNvPr id="1" name=""/>
-        <p:cNvGrpSpPr/>
-        <p:nvPr/>
-      </p:nvGrpSpPr>
-      <p:grpSpPr>
-        <a:xfrm>
-          <a:off x="0" y="0"/>
-          <a:ext cx="0" cy="0"/>
-          <a:chOff x="0" y="0"/>
-          <a:chExt cx="0" cy="0"/>
-        </a:xfrm>
-      </p:grpSpPr>
-      <p:sp>
-        <p:nvSpPr>
-          <p:cNvPr id="2" name="Title 1">
-            <a:extLst>
-              <a:ext uri="{FF2B5EF4-FFF2-40B4-BE49-F238E27FC236}">
-                <a16:creationId xmlns:a16="http://schemas.microsoft.com/office/drawing/2014/main" id="{A3CF88B2-7D10-4512-B991-123D8BB60E9C}"/>
-              </a:ext>
-            </a:extLst>
-          </p:cNvPr>
-          <p:cNvSpPr>
-            <a:spLocks noGrp="1"/>
-          </p:cNvSpPr>
-          <p:nvPr>
-            <p:ph type="title"/>
-          </p:nvPr>
-        </p:nvSpPr>
-        <p:spPr>
-          <a:xfrm>
-            <a:off x="838200" y="365125"/>
-            <a:ext cx="10515600" cy="1325563"/>
-          </a:xfrm>
-        </p:spPr>
-        <p:txBody>
-          <a:bodyPr/>
-          <a:lstStyle/>
-          <a:p>
-            <a:r>
-              <a:rPr lang="en-US" dirty="0"/>
-              <a:t>Common String methods</a:t>
-            </a:r>
-            <a:endParaRPr lang="en-US" dirty="0">
-              <a:latin typeface="Courier New" panose="02070309020205020404" pitchFamily="49" charset="0"/>
-              <a:cs typeface="Courier New" panose="02070309020205020404" pitchFamily="49" charset="0"/>
-            </a:endParaRPr>
-          </a:p>
-        </p:txBody>
-      </p:sp>
-      <p:sp>
-        <p:nvSpPr>
-          <p:cNvPr id="3" name="Content Placeholder 2">
-            <a:extLst>
-              <a:ext uri="{FF2B5EF4-FFF2-40B4-BE49-F238E27FC236}">
-                <a16:creationId xmlns:a16="http://schemas.microsoft.com/office/drawing/2014/main" id="{5F4835C5-2666-4F19-88FF-ACF2518A749F}"/>
-              </a:ext>
-            </a:extLst>
-          </p:cNvPr>
-          <p:cNvSpPr>
-            <a:spLocks noGrp="1"/>
-          </p:cNvSpPr>
-          <p:nvPr>
-            <p:ph idx="1"/>
-          </p:nvPr>
-        </p:nvSpPr>
-        <p:spPr>
-          <a:xfrm>
-            <a:off x="838199" y="2043739"/>
-            <a:ext cx="10738607" cy="3660775"/>
-          </a:xfrm>
-        </p:spPr>
-        <p:txBody>
-          <a:bodyPr>
-            <a:normAutofit fontScale="25000" lnSpcReduction="20000"/>
-          </a:bodyPr>
-          <a:lstStyle/>
-          <a:p>
-            <a:pPr marL="0" indent="0">
-              <a:lnSpc>
-                <a:spcPct val="100000"/>
-              </a:lnSpc>
-              <a:buNone/>
-            </a:pPr>
-            <a:r>
-              <a:rPr lang="en-US" altLang="en-US" sz="5200" b="1" dirty="0" err="1">
-                <a:solidFill>
-                  <a:schemeClr val="accent2"/>
-                </a:solidFill>
-                <a:latin typeface="Lucida Sans Typewriter" panose="020B0509030504030204" pitchFamily="49" charset="0"/>
-                <a:ea typeface="ＭＳ Ｐゴシック" panose="020B0600070205080204" pitchFamily="34" charset="-128"/>
-              </a:rPr>
-              <a:t>startswith</a:t>
-            </a:r>
-            <a:r>
-              <a:rPr lang="en-US" altLang="en-US" sz="5200" dirty="0">
-                <a:solidFill>
-                  <a:schemeClr val="accent2"/>
-                </a:solidFill>
-                <a:latin typeface="Lucida Sans Typewriter" panose="020B0509030504030204" pitchFamily="49" charset="0"/>
-                <a:ea typeface="ＭＳ Ｐゴシック" panose="020B0600070205080204" pitchFamily="34" charset="-128"/>
-              </a:rPr>
-              <a:t>, </a:t>
-            </a:r>
-            <a:r>
-              <a:rPr lang="en-US" altLang="en-US" sz="5200" dirty="0" err="1">
-                <a:solidFill>
-                  <a:schemeClr val="accent2"/>
-                </a:solidFill>
-                <a:latin typeface="Lucida Sans Typewriter" panose="020B0509030504030204" pitchFamily="49" charset="0"/>
-                <a:ea typeface="ＭＳ Ｐゴシック" panose="020B0600070205080204" pitchFamily="34" charset="-128"/>
-              </a:rPr>
-              <a:t>endswith</a:t>
-            </a:r>
-            <a:r>
-              <a:rPr lang="en-US" altLang="en-US" sz="5200" dirty="0">
-                <a:solidFill>
-                  <a:schemeClr val="accent2"/>
-                </a:solidFill>
-                <a:latin typeface="Lucida Sans Typewriter" panose="020B0509030504030204" pitchFamily="49" charset="0"/>
-                <a:ea typeface="ＭＳ Ｐゴシック" panose="020B0600070205080204" pitchFamily="34" charset="-128"/>
-              </a:rPr>
-              <a:t>, index, strip, </a:t>
-            </a:r>
-            <a:r>
-              <a:rPr lang="en-US" altLang="en-US" sz="5200" dirty="0" err="1">
-                <a:solidFill>
-                  <a:schemeClr val="accent2"/>
-                </a:solidFill>
-                <a:latin typeface="Lucida Sans Typewriter" panose="020B0509030504030204" pitchFamily="49" charset="0"/>
-                <a:ea typeface="ＭＳ Ｐゴシック" panose="020B0600070205080204" pitchFamily="34" charset="-128"/>
-              </a:rPr>
-              <a:t>lstrip</a:t>
-            </a:r>
-            <a:r>
-              <a:rPr lang="en-US" altLang="en-US" sz="5200" dirty="0">
-                <a:solidFill>
-                  <a:schemeClr val="accent2"/>
-                </a:solidFill>
-                <a:latin typeface="Lucida Sans Typewriter" panose="020B0509030504030204" pitchFamily="49" charset="0"/>
-                <a:ea typeface="ＭＳ Ｐゴシック" panose="020B0600070205080204" pitchFamily="34" charset="-128"/>
-              </a:rPr>
-              <a:t>, </a:t>
-            </a:r>
-            <a:r>
-              <a:rPr lang="en-US" altLang="en-US" sz="5200" dirty="0" err="1">
-                <a:solidFill>
-                  <a:schemeClr val="accent2"/>
-                </a:solidFill>
-                <a:latin typeface="Lucida Sans Typewriter" panose="020B0509030504030204" pitchFamily="49" charset="0"/>
-                <a:ea typeface="ＭＳ Ｐゴシック" panose="020B0600070205080204" pitchFamily="34" charset="-128"/>
-              </a:rPr>
-              <a:t>rstrip</a:t>
-            </a:r>
-            <a:r>
-              <a:rPr lang="en-US" altLang="en-US" sz="5200" dirty="0">
-                <a:solidFill>
-                  <a:schemeClr val="accent2"/>
-                </a:solidFill>
-                <a:latin typeface="Lucida Sans Typewriter" panose="020B0509030504030204" pitchFamily="49" charset="0"/>
-                <a:ea typeface="ＭＳ Ｐゴシック" panose="020B0600070205080204" pitchFamily="34" charset="-128"/>
-              </a:rPr>
-              <a:t>, upper, </a:t>
-            </a:r>
-            <a:r>
-              <a:rPr lang="en-US" altLang="en-US" sz="5200" b="1" dirty="0">
-                <a:solidFill>
-                  <a:schemeClr val="accent2"/>
-                </a:solidFill>
-                <a:latin typeface="Lucida Sans Typewriter" panose="020B0509030504030204" pitchFamily="49" charset="0"/>
-                <a:ea typeface="ＭＳ Ｐゴシック" panose="020B0600070205080204" pitchFamily="34" charset="-128"/>
-              </a:rPr>
-              <a:t>lower</a:t>
-            </a:r>
-            <a:r>
-              <a:rPr lang="en-US" altLang="en-US" sz="5200" dirty="0">
-                <a:solidFill>
-                  <a:schemeClr val="accent2"/>
-                </a:solidFill>
-                <a:latin typeface="Lucida Sans Typewriter" panose="020B0509030504030204" pitchFamily="49" charset="0"/>
-                <a:ea typeface="ＭＳ Ｐゴシック" panose="020B0600070205080204" pitchFamily="34" charset="-128"/>
-              </a:rPr>
-              <a:t>, title, split</a:t>
-            </a:r>
-          </a:p>
-          <a:p>
-            <a:pPr marL="0" indent="0">
-              <a:buFont typeface="Symbol" panose="05050102010706020507" pitchFamily="18" charset="2"/>
-              <a:buNone/>
-            </a:pPr>
-            <a:endParaRPr lang="en-US" altLang="en-US" sz="2400" b="1" dirty="0">
-              <a:latin typeface="Courier New" panose="02070309020205020404" pitchFamily="49" charset="0"/>
-              <a:ea typeface="ＭＳ Ｐゴシック" panose="020B0600070205080204" pitchFamily="34" charset="-128"/>
-              <a:cs typeface="Courier New" panose="02070309020205020404" pitchFamily="49" charset="0"/>
-            </a:endParaRPr>
-          </a:p>
-          <a:p>
-            <a:pPr marL="0" indent="0">
-              <a:buFont typeface="Symbol" panose="05050102010706020507" pitchFamily="18" charset="2"/>
-              <a:buNone/>
-            </a:pPr>
-            <a:endParaRPr lang="en-US" altLang="en-US" sz="2400" b="1" dirty="0">
-              <a:latin typeface="Courier New" panose="02070309020205020404" pitchFamily="49" charset="0"/>
-              <a:ea typeface="ＭＳ Ｐゴシック" panose="020B0600070205080204" pitchFamily="34" charset="-128"/>
-              <a:cs typeface="Courier New" panose="02070309020205020404" pitchFamily="49" charset="0"/>
-            </a:endParaRPr>
-          </a:p>
-          <a:p>
-            <a:pPr marL="0" indent="0">
-              <a:buFont typeface="Symbol" panose="05050102010706020507" pitchFamily="18" charset="2"/>
-              <a:buNone/>
-            </a:pPr>
-            <a:endParaRPr lang="en-US" altLang="en-US" sz="2400" b="1" dirty="0">
-              <a:latin typeface="Courier New" panose="02070309020205020404" pitchFamily="49" charset="0"/>
-              <a:ea typeface="ＭＳ Ｐゴシック" panose="020B0600070205080204" pitchFamily="34" charset="-128"/>
-              <a:cs typeface="Courier New" panose="02070309020205020404" pitchFamily="49" charset="0"/>
-            </a:endParaRPr>
-          </a:p>
-          <a:p>
-            <a:pPr marL="0" indent="0">
-              <a:buFont typeface="Symbol" panose="05050102010706020507" pitchFamily="18" charset="2"/>
-              <a:buNone/>
-            </a:pPr>
-            <a:endParaRPr lang="en-US" altLang="en-US" sz="2400" dirty="0">
-              <a:latin typeface="Courier New" panose="02070309020205020404" pitchFamily="49" charset="0"/>
-              <a:ea typeface="ＭＳ Ｐゴシック" panose="020B0600070205080204" pitchFamily="34" charset="-128"/>
-              <a:cs typeface="Courier New" panose="02070309020205020404" pitchFamily="49" charset="0"/>
-            </a:endParaRPr>
-          </a:p>
-          <a:p>
-            <a:pPr marL="0" indent="0">
-              <a:lnSpc>
-                <a:spcPct val="120000"/>
-              </a:lnSpc>
-              <a:buNone/>
-            </a:pPr>
-            <a:r>
-              <a:rPr lang="en-US" altLang="en-US" sz="9200" dirty="0">
-                <a:ea typeface="ＭＳ Ｐゴシック" panose="020B0600070205080204" pitchFamily="34" charset="-128"/>
-                <a:cs typeface="Courier New" panose="02070309020205020404" pitchFamily="49" charset="0"/>
-              </a:rPr>
-              <a:t>Notice that a new string is returned in case </a:t>
-            </a:r>
-            <a:r>
-              <a:rPr lang="en-US" altLang="en-US" sz="9200" dirty="0" err="1">
-                <a:ea typeface="ＭＳ Ｐゴシック" panose="020B0600070205080204" pitchFamily="34" charset="-128"/>
-                <a:cs typeface="Courier New" panose="02070309020205020404" pitchFamily="49" charset="0"/>
-              </a:rPr>
-              <a:t>case</a:t>
-            </a:r>
-            <a:r>
-              <a:rPr lang="en-US" altLang="en-US" sz="9200" dirty="0">
-                <a:ea typeface="ＭＳ Ｐゴシック" panose="020B0600070205080204" pitchFamily="34" charset="-128"/>
-                <a:cs typeface="Courier New" panose="02070309020205020404" pitchFamily="49" charset="0"/>
-              </a:rPr>
-              <a:t>. (Methods don’t modify the string ‘in-place’), a new string is returned (which we must save).</a:t>
-            </a:r>
-          </a:p>
-          <a:p>
-            <a:pPr marL="0" indent="0">
-              <a:lnSpc>
-                <a:spcPct val="120000"/>
-              </a:lnSpc>
-              <a:buNone/>
-            </a:pPr>
-            <a:endParaRPr lang="en-US" altLang="en-US" sz="9200" dirty="0">
-              <a:ea typeface="ＭＳ Ｐゴシック" panose="020B0600070205080204" pitchFamily="34" charset="-128"/>
-              <a:cs typeface="Courier New" panose="02070309020205020404" pitchFamily="49" charset="0"/>
-            </a:endParaRPr>
-          </a:p>
-          <a:p>
-            <a:pPr marL="0" indent="0">
-              <a:lnSpc>
-                <a:spcPct val="120000"/>
-              </a:lnSpc>
-              <a:buNone/>
-            </a:pPr>
-            <a:r>
-              <a:rPr lang="en-US" altLang="en-US" sz="9200" dirty="0">
-                <a:ea typeface="ＭＳ Ｐゴシック" panose="020B0600070205080204" pitchFamily="34" charset="-128"/>
-                <a:cs typeface="Courier New" panose="02070309020205020404" pitchFamily="49" charset="0"/>
-              </a:rPr>
-              <a:t>This allows for method-chaining:</a:t>
-            </a:r>
-          </a:p>
-          <a:p>
-            <a:pPr marL="0" indent="0">
-              <a:buFont typeface="Symbol" panose="05050102010706020507" pitchFamily="18" charset="2"/>
-              <a:buNone/>
-            </a:pPr>
-            <a:endParaRPr lang="en-US" altLang="en-US" sz="2400" i="1" dirty="0">
-              <a:latin typeface="Courier New" panose="02070309020205020404" pitchFamily="49" charset="0"/>
-              <a:ea typeface="ＭＳ Ｐゴシック" panose="020B0600070205080204" pitchFamily="34" charset="-128"/>
-              <a:cs typeface="Courier New" panose="02070309020205020404" pitchFamily="49" charset="0"/>
-            </a:endParaRPr>
-          </a:p>
-          <a:p>
-            <a:pPr marL="0" indent="0">
-              <a:lnSpc>
-                <a:spcPct val="100000"/>
-              </a:lnSpc>
-              <a:buNone/>
-            </a:pPr>
-            <a:r>
-              <a:rPr lang="en-US" altLang="en-US" sz="5200" dirty="0">
-                <a:solidFill>
-                  <a:schemeClr val="accent2"/>
-                </a:solidFill>
-                <a:latin typeface="Lucida Sans Typewriter" panose="020B0509030504030204" pitchFamily="49" charset="0"/>
-                <a:ea typeface="ＭＳ Ｐゴシック" panose="020B0600070205080204" pitchFamily="34" charset="-128"/>
-              </a:rPr>
-              <a:t>&gt;&gt;&gt; ' Hello World! '.strip().strip('!').lower().replace('hello’, 'goodbye’).title()</a:t>
-            </a:r>
-          </a:p>
-          <a:p>
-            <a:pPr marL="0" indent="0">
-              <a:lnSpc>
-                <a:spcPct val="100000"/>
-              </a:lnSpc>
-              <a:buNone/>
-            </a:pPr>
-            <a:r>
-              <a:rPr lang="en-US" altLang="en-US" sz="5200" dirty="0">
-                <a:solidFill>
-                  <a:schemeClr val="accent2"/>
-                </a:solidFill>
-                <a:latin typeface="Lucida Sans Typewriter" panose="020B0509030504030204" pitchFamily="49" charset="0"/>
-                <a:ea typeface="ＭＳ Ｐゴシック" panose="020B0600070205080204" pitchFamily="34" charset="-128"/>
-              </a:rPr>
-              <a:t>‘Goodbye World’</a:t>
-            </a:r>
-          </a:p>
-          <a:p>
-            <a:pPr marL="0" indent="0">
-              <a:buFont typeface="Symbol" panose="05050102010706020507" pitchFamily="18" charset="2"/>
-              <a:buNone/>
-            </a:pPr>
-            <a:endParaRPr lang="en-US" altLang="en-US" sz="2400" dirty="0">
-              <a:latin typeface="Courier New" panose="02070309020205020404" pitchFamily="49" charset="0"/>
-              <a:ea typeface="ＭＳ Ｐゴシック" panose="020B0600070205080204" pitchFamily="34" charset="-128"/>
-              <a:cs typeface="Courier New" panose="02070309020205020404" pitchFamily="49" charset="0"/>
-            </a:endParaRPr>
-          </a:p>
-          <a:p>
-            <a:pPr marL="0" indent="0">
-              <a:lnSpc>
-                <a:spcPct val="120000"/>
-              </a:lnSpc>
-              <a:buNone/>
-            </a:pPr>
-            <a:r>
-              <a:rPr lang="en-US" altLang="en-US" sz="9200" dirty="0">
-                <a:ea typeface="ＭＳ Ｐゴシック" panose="020B0600070205080204" pitchFamily="34" charset="-128"/>
-                <a:cs typeface="Courier New" panose="02070309020205020404" pitchFamily="49" charset="0"/>
-              </a:rPr>
-              <a:t>Exercise 2.3</a:t>
-            </a:r>
-          </a:p>
-          <a:p>
-            <a:pPr marL="0" indent="0">
-              <a:buFont typeface="Symbol" panose="05050102010706020507" pitchFamily="18" charset="2"/>
-              <a:buNone/>
-            </a:pPr>
-            <a:endParaRPr lang="en-US" altLang="en-US" sz="2400" dirty="0">
-              <a:latin typeface="Courier New" panose="02070309020205020404" pitchFamily="49" charset="0"/>
-              <a:ea typeface="ＭＳ Ｐゴシック" panose="020B0600070205080204" pitchFamily="34" charset="-128"/>
-              <a:cs typeface="Courier New" panose="02070309020205020404" pitchFamily="49" charset="0"/>
-            </a:endParaRPr>
-          </a:p>
-          <a:p>
-            <a:pPr marL="0" indent="0">
-              <a:buFont typeface="Symbol" panose="05050102010706020507" pitchFamily="18" charset="2"/>
-              <a:buNone/>
-            </a:pPr>
-            <a:endParaRPr lang="en-US" altLang="en-US" sz="2400" dirty="0">
-              <a:latin typeface="Courier New" panose="02070309020205020404" pitchFamily="49" charset="0"/>
-              <a:ea typeface="ＭＳ Ｐゴシック" panose="020B0600070205080204" pitchFamily="34" charset="-128"/>
-              <a:cs typeface="Courier New" panose="02070309020205020404" pitchFamily="49" charset="0"/>
-            </a:endParaRPr>
-          </a:p>
-          <a:p>
-            <a:pPr marL="0" indent="0">
-              <a:buFont typeface="Symbol" panose="05050102010706020507" pitchFamily="18" charset="2"/>
-              <a:buNone/>
-            </a:pPr>
-            <a:endParaRPr lang="en-US" altLang="en-US" sz="2400" dirty="0">
-              <a:latin typeface="Courier New" panose="02070309020205020404" pitchFamily="49" charset="0"/>
-              <a:ea typeface="ＭＳ Ｐゴシック" panose="020B0600070205080204" pitchFamily="34" charset="-128"/>
-              <a:cs typeface="Courier New" panose="02070309020205020404" pitchFamily="49" charset="0"/>
-            </a:endParaRPr>
-          </a:p>
-        </p:txBody>
-      </p:sp>
-      <p:cxnSp>
-        <p:nvCxnSpPr>
-          <p:cNvPr id="7" name="Straight Arrow Connector 6">
-            <a:extLst>
-              <a:ext uri="{FF2B5EF4-FFF2-40B4-BE49-F238E27FC236}">
-                <a16:creationId xmlns:a16="http://schemas.microsoft.com/office/drawing/2014/main" id="{192247B5-C7B5-4D8E-AC1C-57E68FD99E75}"/>
-              </a:ext>
-            </a:extLst>
-          </p:cNvPr>
-          <p:cNvCxnSpPr>
-            <a:cxnSpLocks/>
-          </p:cNvCxnSpPr>
-          <p:nvPr/>
-        </p:nvCxnSpPr>
-        <p:spPr>
-          <a:xfrm flipH="1" flipV="1">
-            <a:off x="7004809" y="2274511"/>
-            <a:ext cx="1132512" cy="418355"/>
-          </a:xfrm>
-          <a:prstGeom prst="straightConnector1">
-            <a:avLst/>
-          </a:prstGeom>
-          <a:ln>
-            <a:tailEnd type="triangle"/>
-          </a:ln>
-        </p:spPr>
-        <p:style>
-          <a:lnRef idx="1">
-            <a:schemeClr val="accent1"/>
-          </a:lnRef>
-          <a:fillRef idx="0">
-            <a:schemeClr val="accent1"/>
-          </a:fillRef>
-          <a:effectRef idx="0">
-            <a:schemeClr val="accent1"/>
-          </a:effectRef>
-          <a:fontRef idx="minor">
-            <a:schemeClr val="tx1"/>
-          </a:fontRef>
-        </p:style>
-      </p:cxnSp>
-      <p:cxnSp>
-        <p:nvCxnSpPr>
-          <p:cNvPr id="9" name="Straight Arrow Connector 8">
-            <a:extLst>
-              <a:ext uri="{FF2B5EF4-FFF2-40B4-BE49-F238E27FC236}">
-                <a16:creationId xmlns:a16="http://schemas.microsoft.com/office/drawing/2014/main" id="{B8B3EB26-9933-43EB-BCA8-2A505E47BDA2}"/>
-              </a:ext>
-            </a:extLst>
-          </p:cNvPr>
-          <p:cNvCxnSpPr>
-            <a:cxnSpLocks/>
-          </p:cNvCxnSpPr>
-          <p:nvPr/>
-        </p:nvCxnSpPr>
-        <p:spPr>
-          <a:xfrm flipH="1" flipV="1">
-            <a:off x="1779168" y="2314862"/>
-            <a:ext cx="6358153" cy="478671"/>
-          </a:xfrm>
-          <a:prstGeom prst="straightConnector1">
-            <a:avLst/>
-          </a:prstGeom>
-          <a:ln>
-            <a:tailEnd type="triangle"/>
-          </a:ln>
-        </p:spPr>
-        <p:style>
-          <a:lnRef idx="1">
-            <a:schemeClr val="accent1"/>
-          </a:lnRef>
-          <a:fillRef idx="0">
-            <a:schemeClr val="accent1"/>
-          </a:fillRef>
-          <a:effectRef idx="0">
-            <a:schemeClr val="accent1"/>
-          </a:effectRef>
-          <a:fontRef idx="minor">
-            <a:schemeClr val="tx1"/>
-          </a:fontRef>
-        </p:style>
-      </p:cxnSp>
-      <p:sp>
-        <p:nvSpPr>
-          <p:cNvPr id="10" name="TextBox 9">
-            <a:extLst>
-              <a:ext uri="{FF2B5EF4-FFF2-40B4-BE49-F238E27FC236}">
-                <a16:creationId xmlns:a16="http://schemas.microsoft.com/office/drawing/2014/main" id="{408D591A-C300-40C8-8881-F863A71E3F90}"/>
-              </a:ext>
-            </a:extLst>
-          </p:cNvPr>
-          <p:cNvSpPr txBox="1"/>
-          <p:nvPr/>
-        </p:nvSpPr>
-        <p:spPr>
-          <a:xfrm>
-            <a:off x="8231319" y="2562701"/>
-            <a:ext cx="1659300" cy="461665"/>
-          </a:xfrm>
-          <a:prstGeom prst="rect">
-            <a:avLst/>
-          </a:prstGeom>
-          <a:noFill/>
-        </p:spPr>
-        <p:txBody>
-          <a:bodyPr wrap="none" rtlCol="0">
-            <a:spAutoFit/>
-          </a:bodyPr>
-          <a:lstStyle/>
-          <a:p>
-            <a:r>
-              <a:rPr lang="en-US" sz="2400" dirty="0"/>
-              <a:t>Used often!</a:t>
-            </a:r>
-          </a:p>
-        </p:txBody>
-      </p:sp>
-    </p:spTree>
-    <p:extLst>
-      <p:ext uri="{BB962C8B-B14F-4D97-AF65-F5344CB8AC3E}">
-        <p14:creationId xmlns:p14="http://schemas.microsoft.com/office/powerpoint/2010/main" val="1279812713"/>
-      </p:ext>
-    </p:extLst>
-  </p:cSld>
-  <p:clrMapOvr>
-    <a:masterClrMapping/>
-  </p:clrMapOvr>
-</p:sld>
-</file>
-
-<file path=ppt/slides/slide13.xml><?xml version="1.0" encoding="utf-8"?>
-<p:sld xmlns:a="http://schemas.openxmlformats.org/drawingml/2006/main" xmlns:r="http://schemas.openxmlformats.org/officeDocument/2006/relationships" xmlns:p="http://schemas.openxmlformats.org/presentationml/2006/main">
-  <p:cSld>
-    <p:spTree>
-      <p:nvGrpSpPr>
-        <p:cNvPr id="1" name=""/>
-        <p:cNvGrpSpPr/>
-        <p:nvPr/>
-      </p:nvGrpSpPr>
-      <p:grpSpPr>
-        <a:xfrm>
-          <a:off x="0" y="0"/>
-          <a:ext cx="0" cy="0"/>
-          <a:chOff x="0" y="0"/>
-          <a:chExt cx="0" cy="0"/>
-        </a:xfrm>
-      </p:grpSpPr>
-      <p:sp>
-        <p:nvSpPr>
-          <p:cNvPr id="2" name="Title 1">
-            <a:extLst>
-              <a:ext uri="{FF2B5EF4-FFF2-40B4-BE49-F238E27FC236}">
-                <a16:creationId xmlns:a16="http://schemas.microsoft.com/office/drawing/2014/main" id="{A3CF88B2-7D10-4512-B991-123D8BB60E9C}"/>
-              </a:ext>
-            </a:extLst>
-          </p:cNvPr>
-          <p:cNvSpPr>
-            <a:spLocks noGrp="1"/>
-          </p:cNvSpPr>
-          <p:nvPr>
-            <p:ph type="title"/>
-          </p:nvPr>
-        </p:nvSpPr>
-        <p:spPr>
-          <a:xfrm>
-            <a:off x="838200" y="365125"/>
-            <a:ext cx="10515600" cy="1325563"/>
-          </a:xfrm>
-        </p:spPr>
-        <p:txBody>
-          <a:bodyPr/>
-          <a:lstStyle/>
-          <a:p>
-            <a:r>
-              <a:rPr lang="en-US" dirty="0"/>
-              <a:t>Lists</a:t>
-            </a:r>
-            <a:endParaRPr lang="en-US" dirty="0">
-              <a:latin typeface="Courier New" panose="02070309020205020404" pitchFamily="49" charset="0"/>
-              <a:cs typeface="Courier New" panose="02070309020205020404" pitchFamily="49" charset="0"/>
-            </a:endParaRPr>
-          </a:p>
-        </p:txBody>
-      </p:sp>
-      <p:sp>
-        <p:nvSpPr>
-          <p:cNvPr id="3" name="Content Placeholder 2">
-            <a:extLst>
-              <a:ext uri="{FF2B5EF4-FFF2-40B4-BE49-F238E27FC236}">
-                <a16:creationId xmlns:a16="http://schemas.microsoft.com/office/drawing/2014/main" id="{5F4835C5-2666-4F19-88FF-ACF2518A749F}"/>
-              </a:ext>
-            </a:extLst>
-          </p:cNvPr>
-          <p:cNvSpPr>
-            <a:spLocks noGrp="1"/>
-          </p:cNvSpPr>
-          <p:nvPr>
-            <p:ph idx="1"/>
-          </p:nvPr>
-        </p:nvSpPr>
-        <p:spPr>
-          <a:xfrm>
-            <a:off x="838199" y="2043739"/>
-            <a:ext cx="10738607" cy="3660775"/>
-          </a:xfrm>
-        </p:spPr>
-        <p:txBody>
-          <a:bodyPr>
-            <a:normAutofit/>
-          </a:bodyPr>
-          <a:lstStyle/>
-          <a:p>
-            <a:pPr marL="0" indent="0">
-              <a:lnSpc>
-                <a:spcPct val="100000"/>
-              </a:lnSpc>
-              <a:buNone/>
-            </a:pPr>
-            <a:r>
-              <a:rPr lang="en-US" altLang="en-US" sz="2300" dirty="0">
-                <a:ea typeface="ＭＳ Ｐゴシック" panose="020B0600070205080204" pitchFamily="34" charset="-128"/>
-                <a:cs typeface="Courier New" panose="02070309020205020404" pitchFamily="49" charset="0"/>
-              </a:rPr>
-              <a:t>A collection of ordered stuff (Array)</a:t>
-            </a:r>
-          </a:p>
-          <a:p>
-            <a:pPr marL="0" indent="0">
-              <a:buFont typeface="Symbol" panose="05050102010706020507" pitchFamily="18" charset="2"/>
-              <a:buNone/>
-            </a:pPr>
-            <a:endParaRPr lang="en-US" altLang="en-US" sz="2400" dirty="0">
-              <a:latin typeface="Courier New" panose="02070309020205020404" pitchFamily="49" charset="0"/>
-              <a:ea typeface="ＭＳ Ｐゴシック" panose="020B0600070205080204" pitchFamily="34" charset="-128"/>
-              <a:cs typeface="Courier New" panose="02070309020205020404" pitchFamily="49" charset="0"/>
-            </a:endParaRPr>
-          </a:p>
-          <a:p>
-            <a:pPr marL="0" indent="0">
-              <a:buNone/>
-            </a:pPr>
-            <a:r>
-              <a:rPr lang="en-US" altLang="en-US" sz="1400" dirty="0">
-                <a:solidFill>
-                  <a:schemeClr val="accent2"/>
-                </a:solidFill>
-                <a:latin typeface="Lucida Sans Typewriter" panose="020B0509030504030204" pitchFamily="49" charset="0"/>
-                <a:ea typeface="ＭＳ Ｐゴシック" panose="020B0600070205080204" pitchFamily="34" charset="-128"/>
-              </a:rPr>
-              <a:t>&gt;&gt;&gt; l = [1, ‘two’, 3.14, 4]</a:t>
-            </a:r>
-          </a:p>
-          <a:p>
-            <a:pPr marL="0" indent="0">
-              <a:buNone/>
-            </a:pPr>
-            <a:r>
-              <a:rPr lang="en-US" altLang="en-US" sz="1400" dirty="0">
-                <a:solidFill>
-                  <a:schemeClr val="accent2"/>
-                </a:solidFill>
-                <a:latin typeface="Lucida Sans Typewriter" panose="020B0509030504030204" pitchFamily="49" charset="0"/>
-                <a:ea typeface="ＭＳ Ｐゴシック" panose="020B0600070205080204" pitchFamily="34" charset="-128"/>
-              </a:rPr>
-              <a:t>&gt;&gt;&gt; </a:t>
-            </a:r>
-            <a:r>
-              <a:rPr lang="en-US" altLang="en-US" sz="1400" dirty="0" err="1">
-                <a:solidFill>
-                  <a:schemeClr val="accent2"/>
-                </a:solidFill>
-                <a:latin typeface="Lucida Sans Typewriter" panose="020B0509030504030204" pitchFamily="49" charset="0"/>
-                <a:ea typeface="ＭＳ Ｐゴシック" panose="020B0600070205080204" pitchFamily="34" charset="-128"/>
-              </a:rPr>
-              <a:t>len</a:t>
-            </a:r>
-            <a:r>
-              <a:rPr lang="en-US" altLang="en-US" sz="1400" dirty="0">
-                <a:solidFill>
-                  <a:schemeClr val="accent2"/>
-                </a:solidFill>
-                <a:latin typeface="Lucida Sans Typewriter" panose="020B0509030504030204" pitchFamily="49" charset="0"/>
-                <a:ea typeface="ＭＳ Ｐゴシック" panose="020B0600070205080204" pitchFamily="34" charset="-128"/>
-              </a:rPr>
-              <a:t>(l)</a:t>
-            </a:r>
-          </a:p>
-          <a:p>
-            <a:pPr marL="0" indent="0">
-              <a:buNone/>
-            </a:pPr>
-            <a:r>
-              <a:rPr lang="en-US" altLang="en-US" sz="1400" dirty="0">
-                <a:solidFill>
-                  <a:schemeClr val="accent2"/>
-                </a:solidFill>
-                <a:latin typeface="Lucida Sans Typewriter" panose="020B0509030504030204" pitchFamily="49" charset="0"/>
-                <a:ea typeface="ＭＳ Ｐゴシック" panose="020B0600070205080204" pitchFamily="34" charset="-128"/>
-              </a:rPr>
-              <a:t>4</a:t>
-            </a:r>
-          </a:p>
-          <a:p>
-            <a:pPr marL="0" indent="0">
-              <a:buFont typeface="Symbol" panose="05050102010706020507" pitchFamily="18" charset="2"/>
-              <a:buNone/>
-            </a:pPr>
-            <a:endParaRPr lang="en-US" altLang="en-US" sz="2400" dirty="0">
-              <a:latin typeface="Courier New" panose="02070309020205020404" pitchFamily="49" charset="0"/>
-              <a:ea typeface="ＭＳ Ｐゴシック" panose="020B0600070205080204" pitchFamily="34" charset="-128"/>
-              <a:cs typeface="Courier New" panose="02070309020205020404" pitchFamily="49" charset="0"/>
-            </a:endParaRPr>
-          </a:p>
-          <a:p>
-            <a:pPr marL="0" indent="0">
-              <a:lnSpc>
-                <a:spcPct val="100000"/>
-              </a:lnSpc>
-              <a:buNone/>
-            </a:pPr>
-            <a:r>
-              <a:rPr lang="en-US" altLang="en-US" sz="2300" dirty="0">
-                <a:ea typeface="ＭＳ Ｐゴシック" panose="020B0600070205080204" pitchFamily="34" charset="-128"/>
-                <a:cs typeface="Courier New" panose="02070309020205020404" pitchFamily="49" charset="0"/>
-              </a:rPr>
-              <a:t>Indexing/Slicing works the same way as with strings:</a:t>
-            </a:r>
-          </a:p>
-          <a:p>
-            <a:pPr marL="0" indent="0">
-              <a:buNone/>
-            </a:pPr>
-            <a:r>
-              <a:rPr lang="en-US" altLang="en-US" sz="1300" dirty="0">
-                <a:solidFill>
-                  <a:schemeClr val="accent2"/>
-                </a:solidFill>
-                <a:latin typeface="Lucida Sans Typewriter" panose="020B0509030504030204" pitchFamily="49" charset="0"/>
-                <a:ea typeface="ＭＳ Ｐゴシック" panose="020B0600070205080204" pitchFamily="34" charset="-128"/>
-              </a:rPr>
-              <a:t>&gt;&gt; l[0:2]</a:t>
-            </a:r>
-          </a:p>
-          <a:p>
-            <a:pPr marL="0" indent="0">
-              <a:buNone/>
-            </a:pPr>
-            <a:r>
-              <a:rPr lang="en-US" altLang="en-US" sz="1300" dirty="0">
-                <a:solidFill>
-                  <a:schemeClr val="accent2"/>
-                </a:solidFill>
-                <a:latin typeface="Lucida Sans Typewriter" panose="020B0509030504030204" pitchFamily="49" charset="0"/>
-                <a:ea typeface="ＭＳ Ｐゴシック" panose="020B0600070205080204" pitchFamily="34" charset="-128"/>
-              </a:rPr>
-              <a:t>[1, ‘two’]</a:t>
-            </a:r>
-          </a:p>
-          <a:p>
-            <a:pPr marL="0" indent="0">
-              <a:buFont typeface="Symbol" panose="05050102010706020507" pitchFamily="18" charset="2"/>
-              <a:buNone/>
-            </a:pPr>
-            <a:endParaRPr lang="en-US" altLang="en-US" sz="2400" dirty="0">
-              <a:latin typeface="Courier New" panose="02070309020205020404" pitchFamily="49" charset="0"/>
-              <a:ea typeface="ＭＳ Ｐゴシック" panose="020B0600070205080204" pitchFamily="34" charset="-128"/>
-              <a:cs typeface="Courier New" panose="02070309020205020404" pitchFamily="49" charset="0"/>
-            </a:endParaRPr>
-          </a:p>
-          <a:p>
-            <a:pPr marL="0" indent="0">
-              <a:buFont typeface="Symbol" panose="05050102010706020507" pitchFamily="18" charset="2"/>
-              <a:buNone/>
-            </a:pPr>
-            <a:endParaRPr lang="en-US" altLang="en-US" sz="2400" dirty="0">
-              <a:latin typeface="Courier New" panose="02070309020205020404" pitchFamily="49" charset="0"/>
-              <a:ea typeface="ＭＳ Ｐゴシック" panose="020B0600070205080204" pitchFamily="34" charset="-128"/>
-              <a:cs typeface="Courier New" panose="02070309020205020404" pitchFamily="49" charset="0"/>
-            </a:endParaRPr>
-          </a:p>
-        </p:txBody>
-      </p:sp>
-    </p:spTree>
-    <p:extLst>
-      <p:ext uri="{BB962C8B-B14F-4D97-AF65-F5344CB8AC3E}">
-        <p14:creationId xmlns:p14="http://schemas.microsoft.com/office/powerpoint/2010/main" val="294572669"/>
-      </p:ext>
-    </p:extLst>
-  </p:cSld>
-  <p:clrMapOvr>
-    <a:masterClrMapping/>
-  </p:clrMapOvr>
-</p:sld>
-</file>
-
-<file path=ppt/slides/slide14.xml><?xml version="1.0" encoding="utf-8"?>
-<p:sld xmlns:a="http://schemas.openxmlformats.org/drawingml/2006/main" xmlns:r="http://schemas.openxmlformats.org/officeDocument/2006/relationships" xmlns:p="http://schemas.openxmlformats.org/presentationml/2006/main">
-  <p:cSld>
-    <p:spTree>
-      <p:nvGrpSpPr>
-        <p:cNvPr id="1" name=""/>
-        <p:cNvGrpSpPr/>
-        <p:nvPr/>
-      </p:nvGrpSpPr>
-      <p:grpSpPr>
-        <a:xfrm>
-          <a:off x="0" y="0"/>
-          <a:ext cx="0" cy="0"/>
-          <a:chOff x="0" y="0"/>
-          <a:chExt cx="0" cy="0"/>
-        </a:xfrm>
-      </p:grpSpPr>
-      <p:sp>
-        <p:nvSpPr>
-          <p:cNvPr id="2" name="Title 1">
-            <a:extLst>
-              <a:ext uri="{FF2B5EF4-FFF2-40B4-BE49-F238E27FC236}">
-                <a16:creationId xmlns:a16="http://schemas.microsoft.com/office/drawing/2014/main" id="{A3CF88B2-7D10-4512-B991-123D8BB60E9C}"/>
-              </a:ext>
-            </a:extLst>
-          </p:cNvPr>
-          <p:cNvSpPr>
-            <a:spLocks noGrp="1"/>
-          </p:cNvSpPr>
-          <p:nvPr>
-            <p:ph type="title"/>
-          </p:nvPr>
-        </p:nvSpPr>
-        <p:spPr>
-          <a:xfrm>
-            <a:off x="838200" y="365125"/>
-            <a:ext cx="10515600" cy="1325563"/>
-          </a:xfrm>
-        </p:spPr>
-        <p:txBody>
-          <a:bodyPr/>
-          <a:lstStyle/>
-          <a:p>
-            <a:r>
-              <a:rPr lang="en-US" dirty="0"/>
-              <a:t>Lists</a:t>
-            </a:r>
-            <a:endParaRPr lang="en-US" dirty="0">
-              <a:latin typeface="Courier New" panose="02070309020205020404" pitchFamily="49" charset="0"/>
-              <a:cs typeface="Courier New" panose="02070309020205020404" pitchFamily="49" charset="0"/>
-            </a:endParaRPr>
-          </a:p>
-        </p:txBody>
-      </p:sp>
-      <p:sp>
-        <p:nvSpPr>
-          <p:cNvPr id="3" name="Content Placeholder 2">
-            <a:extLst>
-              <a:ext uri="{FF2B5EF4-FFF2-40B4-BE49-F238E27FC236}">
-                <a16:creationId xmlns:a16="http://schemas.microsoft.com/office/drawing/2014/main" id="{5F4835C5-2666-4F19-88FF-ACF2518A749F}"/>
-              </a:ext>
-            </a:extLst>
-          </p:cNvPr>
-          <p:cNvSpPr>
-            <a:spLocks noGrp="1"/>
-          </p:cNvSpPr>
-          <p:nvPr>
-            <p:ph idx="1"/>
-          </p:nvPr>
-        </p:nvSpPr>
-        <p:spPr>
-          <a:xfrm>
-            <a:off x="838199" y="2043739"/>
-            <a:ext cx="10738607" cy="3518161"/>
-          </a:xfrm>
-        </p:spPr>
-        <p:txBody>
-          <a:bodyPr>
-            <a:normAutofit fontScale="32500" lnSpcReduction="20000"/>
-          </a:bodyPr>
-          <a:lstStyle/>
-          <a:p>
-            <a:pPr marL="0" indent="0">
-              <a:lnSpc>
-                <a:spcPct val="120000"/>
-              </a:lnSpc>
-              <a:buNone/>
-            </a:pPr>
-            <a:r>
-              <a:rPr lang="en-US" altLang="en-US" sz="7100" dirty="0">
-                <a:ea typeface="ＭＳ Ｐゴシック" panose="020B0600070205080204" pitchFamily="34" charset="-128"/>
-                <a:cs typeface="Courier New" panose="02070309020205020404" pitchFamily="49" charset="0"/>
-              </a:rPr>
-              <a:t>Test for membership (in keyword) :</a:t>
-            </a:r>
-          </a:p>
-          <a:p>
-            <a:pPr marL="0" indent="0">
-              <a:lnSpc>
-                <a:spcPct val="100000"/>
-              </a:lnSpc>
-              <a:buNone/>
-            </a:pPr>
-            <a:r>
-              <a:rPr lang="en-US" altLang="en-US" sz="3300" dirty="0">
-                <a:solidFill>
-                  <a:schemeClr val="accent2"/>
-                </a:solidFill>
-                <a:latin typeface="Lucida Sans Typewriter" panose="020B0509030504030204" pitchFamily="49" charset="0"/>
-                <a:ea typeface="ＭＳ Ｐゴシック" panose="020B0600070205080204" pitchFamily="34" charset="-128"/>
-              </a:rPr>
-              <a:t>&gt;&gt;&gt; 1 in l</a:t>
-            </a:r>
-          </a:p>
-          <a:p>
-            <a:pPr marL="0" indent="0">
-              <a:lnSpc>
-                <a:spcPct val="100000"/>
-              </a:lnSpc>
-              <a:buNone/>
-            </a:pPr>
-            <a:r>
-              <a:rPr lang="en-US" altLang="en-US" sz="3300" dirty="0">
-                <a:solidFill>
-                  <a:schemeClr val="accent2"/>
-                </a:solidFill>
-                <a:latin typeface="Lucida Sans Typewriter" panose="020B0509030504030204" pitchFamily="49" charset="0"/>
-                <a:ea typeface="ＭＳ Ｐゴシック" panose="020B0600070205080204" pitchFamily="34" charset="-128"/>
-              </a:rPr>
-              <a:t>True</a:t>
-            </a:r>
-          </a:p>
-          <a:p>
-            <a:pPr marL="0" indent="0">
-              <a:lnSpc>
-                <a:spcPct val="100000"/>
-              </a:lnSpc>
-              <a:buNone/>
-            </a:pPr>
-            <a:r>
-              <a:rPr lang="en-US" altLang="en-US" sz="3300" dirty="0">
-                <a:solidFill>
-                  <a:schemeClr val="accent2"/>
-                </a:solidFill>
-                <a:latin typeface="Lucida Sans Typewriter" panose="020B0509030504030204" pitchFamily="49" charset="0"/>
-                <a:ea typeface="ＭＳ Ｐゴシック" panose="020B0600070205080204" pitchFamily="34" charset="-128"/>
-              </a:rPr>
-              <a:t>&gt;&gt;&gt; ‘three’ in l</a:t>
-            </a:r>
-          </a:p>
-          <a:p>
-            <a:pPr marL="0" indent="0">
-              <a:lnSpc>
-                <a:spcPct val="100000"/>
-              </a:lnSpc>
-              <a:buNone/>
-            </a:pPr>
-            <a:r>
-              <a:rPr lang="en-US" altLang="en-US" sz="3300" dirty="0">
-                <a:solidFill>
-                  <a:schemeClr val="accent2"/>
-                </a:solidFill>
-                <a:latin typeface="Lucida Sans Typewriter" panose="020B0509030504030204" pitchFamily="49" charset="0"/>
-                <a:ea typeface="ＭＳ Ｐゴシック" panose="020B0600070205080204" pitchFamily="34" charset="-128"/>
-              </a:rPr>
-              <a:t>False</a:t>
-            </a:r>
-          </a:p>
-          <a:p>
-            <a:pPr marL="0" indent="0">
-              <a:buFont typeface="Symbol" panose="05050102010706020507" pitchFamily="18" charset="2"/>
-              <a:buNone/>
-            </a:pPr>
-            <a:endParaRPr lang="en-US" altLang="en-US" sz="2400" dirty="0">
-              <a:latin typeface="Courier New" panose="02070309020205020404" pitchFamily="49" charset="0"/>
-              <a:ea typeface="ＭＳ Ｐゴシック" panose="020B0600070205080204" pitchFamily="34" charset="-128"/>
-              <a:cs typeface="Courier New" panose="02070309020205020404" pitchFamily="49" charset="0"/>
-            </a:endParaRPr>
-          </a:p>
-          <a:p>
-            <a:pPr marL="0" indent="0">
-              <a:lnSpc>
-                <a:spcPct val="120000"/>
-              </a:lnSpc>
-              <a:buNone/>
-            </a:pPr>
-            <a:r>
-              <a:rPr lang="en-US" altLang="en-US" sz="7100" dirty="0">
-                <a:ea typeface="ＭＳ Ｐゴシック" panose="020B0600070205080204" pitchFamily="34" charset="-128"/>
-                <a:cs typeface="Courier New" panose="02070309020205020404" pitchFamily="49" charset="0"/>
-              </a:rPr>
-              <a:t>in also works for strings:</a:t>
-            </a:r>
-          </a:p>
-          <a:p>
-            <a:pPr marL="0" indent="0">
-              <a:lnSpc>
-                <a:spcPct val="100000"/>
-              </a:lnSpc>
-              <a:buNone/>
-            </a:pPr>
-            <a:r>
-              <a:rPr lang="en-US" altLang="en-US" sz="3300" dirty="0">
-                <a:solidFill>
-                  <a:schemeClr val="accent2"/>
-                </a:solidFill>
-                <a:latin typeface="Lucida Sans Typewriter" panose="020B0509030504030204" pitchFamily="49" charset="0"/>
-                <a:ea typeface="ＭＳ Ｐゴシック" panose="020B0600070205080204" pitchFamily="34" charset="-128"/>
-              </a:rPr>
-              <a:t>&gt;&gt;&gt; s = ‘Hello World’</a:t>
-            </a:r>
-          </a:p>
-          <a:p>
-            <a:pPr marL="0" indent="0">
-              <a:lnSpc>
-                <a:spcPct val="100000"/>
-              </a:lnSpc>
-              <a:buNone/>
-            </a:pPr>
-            <a:r>
-              <a:rPr lang="en-US" altLang="en-US" sz="3300" dirty="0">
-                <a:solidFill>
-                  <a:schemeClr val="accent2"/>
-                </a:solidFill>
-                <a:latin typeface="Lucida Sans Typewriter" panose="020B0509030504030204" pitchFamily="49" charset="0"/>
-                <a:ea typeface="ＭＳ Ｐゴシック" panose="020B0600070205080204" pitchFamily="34" charset="-128"/>
-              </a:rPr>
-              <a:t>&gt;&gt;&gt; ‘h’ in s</a:t>
-            </a:r>
-          </a:p>
-          <a:p>
-            <a:pPr marL="0" indent="0">
-              <a:lnSpc>
-                <a:spcPct val="100000"/>
-              </a:lnSpc>
-              <a:buNone/>
-            </a:pPr>
-            <a:r>
-              <a:rPr lang="en-US" altLang="en-US" sz="3300" dirty="0">
-                <a:solidFill>
-                  <a:schemeClr val="accent2"/>
-                </a:solidFill>
-                <a:latin typeface="Lucida Sans Typewriter" panose="020B0509030504030204" pitchFamily="49" charset="0"/>
-                <a:ea typeface="ＭＳ Ｐゴシック" panose="020B0600070205080204" pitchFamily="34" charset="-128"/>
-              </a:rPr>
-              <a:t>False</a:t>
-            </a:r>
-          </a:p>
-          <a:p>
-            <a:pPr marL="0" indent="0">
-              <a:lnSpc>
-                <a:spcPct val="100000"/>
-              </a:lnSpc>
-              <a:buNone/>
-            </a:pPr>
-            <a:r>
-              <a:rPr lang="en-US" altLang="en-US" sz="3300" dirty="0">
-                <a:solidFill>
-                  <a:schemeClr val="accent2"/>
-                </a:solidFill>
-                <a:latin typeface="Lucida Sans Typewriter" panose="020B0509030504030204" pitchFamily="49" charset="0"/>
-                <a:ea typeface="ＭＳ Ｐゴシック" panose="020B0600070205080204" pitchFamily="34" charset="-128"/>
-              </a:rPr>
-              <a:t>&gt;&gt;&gt; ‘H’ in s</a:t>
-            </a:r>
-          </a:p>
-          <a:p>
-            <a:pPr marL="0" indent="0">
-              <a:lnSpc>
-                <a:spcPct val="100000"/>
-              </a:lnSpc>
-              <a:buNone/>
-            </a:pPr>
-            <a:r>
-              <a:rPr lang="en-US" altLang="en-US" sz="3300" dirty="0">
-                <a:solidFill>
-                  <a:schemeClr val="accent2"/>
-                </a:solidFill>
-                <a:latin typeface="Lucida Sans Typewriter" panose="020B0509030504030204" pitchFamily="49" charset="0"/>
-                <a:ea typeface="ＭＳ Ｐゴシック" panose="020B0600070205080204" pitchFamily="34" charset="-128"/>
-              </a:rPr>
-              <a:t>True</a:t>
-            </a:r>
-          </a:p>
-        </p:txBody>
-      </p:sp>
-    </p:spTree>
-    <p:extLst>
-      <p:ext uri="{BB962C8B-B14F-4D97-AF65-F5344CB8AC3E}">
-        <p14:creationId xmlns:p14="http://schemas.microsoft.com/office/powerpoint/2010/main" val="3547969144"/>
-      </p:ext>
-    </p:extLst>
-  </p:cSld>
-  <p:clrMapOvr>
-    <a:masterClrMapping/>
-  </p:clrMapOvr>
-</p:sld>
-</file>
-
-<file path=ppt/slides/slide15.xml><?xml version="1.0" encoding="utf-8"?>
-<p:sld xmlns:a="http://schemas.openxmlformats.org/drawingml/2006/main" xmlns:r="http://schemas.openxmlformats.org/officeDocument/2006/relationships" xmlns:p="http://schemas.openxmlformats.org/presentationml/2006/main">
-  <p:cSld>
-    <p:spTree>
-      <p:nvGrpSpPr>
-        <p:cNvPr id="1" name=""/>
-        <p:cNvGrpSpPr/>
-        <p:nvPr/>
-      </p:nvGrpSpPr>
-      <p:grpSpPr>
-        <a:xfrm>
-          <a:off x="0" y="0"/>
-          <a:ext cx="0" cy="0"/>
-          <a:chOff x="0" y="0"/>
-          <a:chExt cx="0" cy="0"/>
-        </a:xfrm>
-      </p:grpSpPr>
-      <p:sp>
-        <p:nvSpPr>
-          <p:cNvPr id="2" name="Title 1">
-            <a:extLst>
-              <a:ext uri="{FF2B5EF4-FFF2-40B4-BE49-F238E27FC236}">
-                <a16:creationId xmlns:a16="http://schemas.microsoft.com/office/drawing/2014/main" id="{A3CF88B2-7D10-4512-B991-123D8BB60E9C}"/>
-              </a:ext>
-            </a:extLst>
-          </p:cNvPr>
-          <p:cNvSpPr>
-            <a:spLocks noGrp="1"/>
-          </p:cNvSpPr>
-          <p:nvPr>
-            <p:ph type="title"/>
-          </p:nvPr>
-        </p:nvSpPr>
-        <p:spPr>
-          <a:xfrm>
-            <a:off x="838200" y="365125"/>
-            <a:ext cx="10515600" cy="1325563"/>
-          </a:xfrm>
-        </p:spPr>
-        <p:txBody>
-          <a:bodyPr/>
-          <a:lstStyle/>
-          <a:p>
-            <a:r>
-              <a:rPr lang="en-US" dirty="0"/>
-              <a:t>Lists</a:t>
-            </a:r>
-            <a:endParaRPr lang="en-US" dirty="0">
-              <a:latin typeface="Courier New" panose="02070309020205020404" pitchFamily="49" charset="0"/>
-              <a:cs typeface="Courier New" panose="02070309020205020404" pitchFamily="49" charset="0"/>
-            </a:endParaRPr>
-          </a:p>
-        </p:txBody>
-      </p:sp>
-      <p:sp>
-        <p:nvSpPr>
-          <p:cNvPr id="3" name="Content Placeholder 2">
-            <a:extLst>
-              <a:ext uri="{FF2B5EF4-FFF2-40B4-BE49-F238E27FC236}">
-                <a16:creationId xmlns:a16="http://schemas.microsoft.com/office/drawing/2014/main" id="{5F4835C5-2666-4F19-88FF-ACF2518A749F}"/>
-              </a:ext>
-            </a:extLst>
-          </p:cNvPr>
-          <p:cNvSpPr>
-            <a:spLocks noGrp="1"/>
-          </p:cNvSpPr>
-          <p:nvPr>
-            <p:ph idx="1"/>
-          </p:nvPr>
-        </p:nvSpPr>
-        <p:spPr>
-          <a:xfrm>
-            <a:off x="838199" y="2043739"/>
-            <a:ext cx="10738607" cy="3660775"/>
-          </a:xfrm>
-        </p:spPr>
-        <p:txBody>
-          <a:bodyPr>
-            <a:normAutofit/>
-          </a:bodyPr>
-          <a:lstStyle/>
-          <a:p>
-            <a:pPr marL="0" indent="0">
-              <a:lnSpc>
-                <a:spcPct val="100000"/>
-              </a:lnSpc>
-              <a:buNone/>
-            </a:pPr>
-            <a:r>
-              <a:rPr lang="en-US" altLang="en-US" sz="2300" dirty="0">
-                <a:ea typeface="ＭＳ Ｐゴシック" panose="020B0600070205080204" pitchFamily="34" charset="-128"/>
-                <a:cs typeface="Courier New" panose="02070309020205020404" pitchFamily="49" charset="0"/>
-              </a:rPr>
-              <a:t>Lists are mutable.</a:t>
-            </a:r>
-          </a:p>
-          <a:p>
-            <a:pPr marL="0" indent="0">
-              <a:buFont typeface="Symbol" panose="05050102010706020507" pitchFamily="18" charset="2"/>
-              <a:buNone/>
-            </a:pPr>
-            <a:endParaRPr lang="en-US" altLang="en-US" sz="2400" b="1" dirty="0">
-              <a:latin typeface="Courier New" panose="02070309020205020404" pitchFamily="49" charset="0"/>
-              <a:ea typeface="ＭＳ Ｐゴシック" panose="020B0600070205080204" pitchFamily="34" charset="-128"/>
-              <a:cs typeface="Courier New" panose="02070309020205020404" pitchFamily="49" charset="0"/>
-            </a:endParaRPr>
-          </a:p>
-          <a:p>
-            <a:pPr marL="0" indent="0">
-              <a:lnSpc>
-                <a:spcPct val="80000"/>
-              </a:lnSpc>
-              <a:buNone/>
-            </a:pPr>
-            <a:r>
-              <a:rPr lang="en-US" altLang="en-US" sz="1300" dirty="0">
-                <a:solidFill>
-                  <a:schemeClr val="accent2"/>
-                </a:solidFill>
-                <a:latin typeface="Lucida Sans Typewriter" panose="020B0509030504030204" pitchFamily="49" charset="0"/>
-                <a:ea typeface="ＭＳ Ｐゴシック" panose="020B0600070205080204" pitchFamily="34" charset="-128"/>
-              </a:rPr>
-              <a:t>&gt;&gt;&gt; l[2] = 3.0</a:t>
-            </a:r>
-          </a:p>
-          <a:p>
-            <a:pPr marL="0" indent="0">
-              <a:lnSpc>
-                <a:spcPct val="80000"/>
-              </a:lnSpc>
-              <a:buNone/>
-            </a:pPr>
-            <a:r>
-              <a:rPr lang="en-US" altLang="en-US" sz="1300" dirty="0">
-                <a:solidFill>
-                  <a:schemeClr val="accent2"/>
-                </a:solidFill>
-                <a:latin typeface="Lucida Sans Typewriter" panose="020B0509030504030204" pitchFamily="49" charset="0"/>
-                <a:ea typeface="ＭＳ Ｐゴシック" panose="020B0600070205080204" pitchFamily="34" charset="-128"/>
-              </a:rPr>
-              <a:t>&gt;&gt;&gt; l</a:t>
-            </a:r>
-          </a:p>
-          <a:p>
-            <a:pPr marL="0" indent="0">
-              <a:lnSpc>
-                <a:spcPct val="80000"/>
-              </a:lnSpc>
-              <a:buNone/>
-            </a:pPr>
-            <a:r>
-              <a:rPr lang="en-US" altLang="en-US" sz="1300" dirty="0">
-                <a:solidFill>
-                  <a:schemeClr val="accent2"/>
-                </a:solidFill>
-                <a:latin typeface="Lucida Sans Typewriter" panose="020B0509030504030204" pitchFamily="49" charset="0"/>
-                <a:ea typeface="ＭＳ Ｐゴシック" panose="020B0600070205080204" pitchFamily="34" charset="-128"/>
-              </a:rPr>
-              <a:t>[1, ‘two’, 3.0, 0]</a:t>
-            </a:r>
-          </a:p>
-          <a:p>
-            <a:pPr marL="0" indent="0">
-              <a:buFont typeface="Symbol" panose="05050102010706020507" pitchFamily="18" charset="2"/>
-              <a:buNone/>
-            </a:pPr>
-            <a:endParaRPr lang="en-US" altLang="en-US" sz="2400" dirty="0">
-              <a:latin typeface="Courier New" panose="02070309020205020404" pitchFamily="49" charset="0"/>
-              <a:ea typeface="ＭＳ Ｐゴシック" panose="020B0600070205080204" pitchFamily="34" charset="-128"/>
-              <a:cs typeface="Courier New" panose="02070309020205020404" pitchFamily="49" charset="0"/>
-            </a:endParaRPr>
-          </a:p>
-          <a:p>
-            <a:pPr marL="0" indent="0">
-              <a:lnSpc>
-                <a:spcPct val="100000"/>
-              </a:lnSpc>
-              <a:buNone/>
-            </a:pPr>
-            <a:r>
-              <a:rPr lang="en-US" altLang="en-US" sz="2300" dirty="0">
-                <a:ea typeface="ＭＳ Ｐゴシック" panose="020B0600070205080204" pitchFamily="34" charset="-128"/>
-                <a:cs typeface="Courier New" panose="02070309020205020404" pitchFamily="49" charset="0"/>
-              </a:rPr>
-              <a:t>Notice that the id of l does not change.</a:t>
-            </a:r>
-          </a:p>
-        </p:txBody>
-      </p:sp>
-    </p:spTree>
-    <p:extLst>
-      <p:ext uri="{BB962C8B-B14F-4D97-AF65-F5344CB8AC3E}">
-        <p14:creationId xmlns:p14="http://schemas.microsoft.com/office/powerpoint/2010/main" val="2765914028"/>
-      </p:ext>
-    </p:extLst>
-  </p:cSld>
-  <p:clrMapOvr>
-    <a:masterClrMapping/>
-  </p:clrMapOvr>
-</p:sld>
-</file>
-
-<file path=ppt/slides/slide16.xml><?xml version="1.0" encoding="utf-8"?>
-<p:sld xmlns:a="http://schemas.openxmlformats.org/drawingml/2006/main" xmlns:r="http://schemas.openxmlformats.org/officeDocument/2006/relationships" xmlns:p="http://schemas.openxmlformats.org/presentationml/2006/main">
-  <p:cSld>
-    <p:spTree>
-      <p:nvGrpSpPr>
-        <p:cNvPr id="1" name=""/>
-        <p:cNvGrpSpPr/>
-        <p:nvPr/>
-      </p:nvGrpSpPr>
-      <p:grpSpPr>
-        <a:xfrm>
-          <a:off x="0" y="0"/>
-          <a:ext cx="0" cy="0"/>
-          <a:chOff x="0" y="0"/>
-          <a:chExt cx="0" cy="0"/>
-        </a:xfrm>
-      </p:grpSpPr>
-      <p:sp>
-        <p:nvSpPr>
-          <p:cNvPr id="2" name="Title 1">
-            <a:extLst>
-              <a:ext uri="{FF2B5EF4-FFF2-40B4-BE49-F238E27FC236}">
-                <a16:creationId xmlns:a16="http://schemas.microsoft.com/office/drawing/2014/main" id="{A3CF88B2-7D10-4512-B991-123D8BB60E9C}"/>
-              </a:ext>
-            </a:extLst>
-          </p:cNvPr>
-          <p:cNvSpPr>
-            <a:spLocks noGrp="1"/>
-          </p:cNvSpPr>
-          <p:nvPr>
-            <p:ph type="title"/>
-          </p:nvPr>
-        </p:nvSpPr>
-        <p:spPr>
-          <a:xfrm>
-            <a:off x="838200" y="365125"/>
-            <a:ext cx="10515600" cy="1325563"/>
-          </a:xfrm>
-        </p:spPr>
-        <p:txBody>
-          <a:bodyPr/>
-          <a:lstStyle/>
-          <a:p>
-            <a:r>
-              <a:rPr lang="en-US" dirty="0"/>
-              <a:t>Lists</a:t>
-            </a:r>
-            <a:endParaRPr lang="en-US" dirty="0">
-              <a:latin typeface="Courier New" panose="02070309020205020404" pitchFamily="49" charset="0"/>
-              <a:cs typeface="Courier New" panose="02070309020205020404" pitchFamily="49" charset="0"/>
-            </a:endParaRPr>
-          </a:p>
-        </p:txBody>
-      </p:sp>
-      <p:sp>
-        <p:nvSpPr>
-          <p:cNvPr id="3" name="Content Placeholder 2">
-            <a:extLst>
-              <a:ext uri="{FF2B5EF4-FFF2-40B4-BE49-F238E27FC236}">
-                <a16:creationId xmlns:a16="http://schemas.microsoft.com/office/drawing/2014/main" id="{5F4835C5-2666-4F19-88FF-ACF2518A749F}"/>
-              </a:ext>
-            </a:extLst>
-          </p:cNvPr>
-          <p:cNvSpPr>
-            <a:spLocks noGrp="1"/>
-          </p:cNvSpPr>
-          <p:nvPr>
-            <p:ph idx="1"/>
-          </p:nvPr>
-        </p:nvSpPr>
-        <p:spPr>
-          <a:xfrm>
-            <a:off x="838199" y="2043739"/>
-            <a:ext cx="10738607" cy="3660775"/>
-          </a:xfrm>
-        </p:spPr>
-        <p:txBody>
-          <a:bodyPr>
-            <a:normAutofit/>
-          </a:bodyPr>
-          <a:lstStyle/>
-          <a:p>
-            <a:pPr marL="0" indent="0">
-              <a:lnSpc>
-                <a:spcPct val="80000"/>
-              </a:lnSpc>
-              <a:buNone/>
-            </a:pPr>
-            <a:r>
-              <a:rPr lang="en-US" altLang="en-US" sz="2300" dirty="0">
-                <a:solidFill>
-                  <a:schemeClr val="accent2"/>
-                </a:solidFill>
-                <a:latin typeface="Lucida Sans Typewriter" panose="020B0509030504030204" pitchFamily="49" charset="0"/>
-                <a:ea typeface="ＭＳ Ｐゴシック" panose="020B0600070205080204" pitchFamily="34" charset="-128"/>
-              </a:rPr>
-              <a:t>&gt;&gt;&gt; q1 = [1, 2, 3]</a:t>
-            </a:r>
-          </a:p>
-          <a:p>
-            <a:pPr marL="0" indent="0">
-              <a:lnSpc>
-                <a:spcPct val="80000"/>
-              </a:lnSpc>
-              <a:buNone/>
-            </a:pPr>
-            <a:r>
-              <a:rPr lang="en-US" altLang="en-US" sz="2300" dirty="0">
-                <a:solidFill>
-                  <a:schemeClr val="accent2"/>
-                </a:solidFill>
-                <a:latin typeface="Lucida Sans Typewriter" panose="020B0509030504030204" pitchFamily="49" charset="0"/>
-                <a:ea typeface="ＭＳ Ｐゴシック" panose="020B0600070205080204" pitchFamily="34" charset="-128"/>
-              </a:rPr>
-              <a:t>&gt;&gt;&gt; q2 = q1</a:t>
-            </a:r>
-          </a:p>
-          <a:p>
-            <a:pPr marL="0" indent="0">
-              <a:lnSpc>
-                <a:spcPct val="80000"/>
-              </a:lnSpc>
-              <a:buNone/>
-            </a:pPr>
-            <a:r>
-              <a:rPr lang="en-US" altLang="en-US" sz="2300" dirty="0">
-                <a:solidFill>
-                  <a:schemeClr val="accent2"/>
-                </a:solidFill>
-                <a:latin typeface="Lucida Sans Typewriter" panose="020B0509030504030204" pitchFamily="49" charset="0"/>
-                <a:ea typeface="ＭＳ Ｐゴシック" panose="020B0600070205080204" pitchFamily="34" charset="-128"/>
-              </a:rPr>
-              <a:t>&gt;&gt;&gt; q1[2] = ‘oops’</a:t>
-            </a:r>
-          </a:p>
-          <a:p>
-            <a:pPr marL="0" indent="0">
-              <a:lnSpc>
-                <a:spcPct val="80000"/>
-              </a:lnSpc>
-              <a:buNone/>
-            </a:pPr>
-            <a:r>
-              <a:rPr lang="en-US" altLang="en-US" sz="2300" dirty="0">
-                <a:solidFill>
-                  <a:schemeClr val="accent2"/>
-                </a:solidFill>
-                <a:latin typeface="Lucida Sans Typewriter" panose="020B0509030504030204" pitchFamily="49" charset="0"/>
-                <a:ea typeface="ＭＳ Ｐゴシック" panose="020B0600070205080204" pitchFamily="34" charset="-128"/>
-              </a:rPr>
-              <a:t>&gt;&gt;&gt; q1</a:t>
-            </a:r>
-          </a:p>
-          <a:p>
-            <a:pPr marL="0" indent="0">
-              <a:lnSpc>
-                <a:spcPct val="80000"/>
-              </a:lnSpc>
-              <a:buNone/>
-            </a:pPr>
-            <a:r>
-              <a:rPr lang="en-US" altLang="en-US" sz="2300" dirty="0">
-                <a:solidFill>
-                  <a:schemeClr val="accent2"/>
-                </a:solidFill>
-                <a:latin typeface="Lucida Sans Typewriter" panose="020B0509030504030204" pitchFamily="49" charset="0"/>
-                <a:ea typeface="ＭＳ Ｐゴシック" panose="020B0600070205080204" pitchFamily="34" charset="-128"/>
-              </a:rPr>
-              <a:t>[1, 2, ‘oops’</a:t>
-            </a:r>
-          </a:p>
-          <a:p>
-            <a:pPr marL="0" indent="0">
-              <a:lnSpc>
-                <a:spcPct val="80000"/>
-              </a:lnSpc>
-              <a:buNone/>
-            </a:pPr>
-            <a:r>
-              <a:rPr lang="en-US" altLang="en-US" sz="2300" dirty="0">
-                <a:solidFill>
-                  <a:schemeClr val="accent2"/>
-                </a:solidFill>
-                <a:latin typeface="Lucida Sans Typewriter" panose="020B0509030504030204" pitchFamily="49" charset="0"/>
-                <a:ea typeface="ＭＳ Ｐゴシック" panose="020B0600070205080204" pitchFamily="34" charset="-128"/>
-              </a:rPr>
-              <a:t>&gt;&gt;&gt; q2</a:t>
-            </a:r>
-          </a:p>
-          <a:p>
-            <a:pPr marL="0" indent="0">
-              <a:lnSpc>
-                <a:spcPct val="80000"/>
-              </a:lnSpc>
-              <a:buNone/>
-            </a:pPr>
-            <a:r>
-              <a:rPr lang="en-US" altLang="en-US" sz="2300" dirty="0">
-                <a:solidFill>
-                  <a:schemeClr val="accent2"/>
-                </a:solidFill>
-                <a:latin typeface="Lucida Sans Typewriter" panose="020B0509030504030204" pitchFamily="49" charset="0"/>
-                <a:ea typeface="ＭＳ Ｐゴシック" panose="020B0600070205080204" pitchFamily="34" charset="-128"/>
-              </a:rPr>
-              <a:t>[1, 2, ‘oops’]</a:t>
-            </a:r>
-          </a:p>
-        </p:txBody>
-      </p:sp>
-      <p:pic>
-        <p:nvPicPr>
-          <p:cNvPr id="5" name="Picture 4">
-            <a:extLst>
-              <a:ext uri="{FF2B5EF4-FFF2-40B4-BE49-F238E27FC236}">
-                <a16:creationId xmlns:a16="http://schemas.microsoft.com/office/drawing/2014/main" id="{40031E7A-F49D-4E02-8A99-C7E803A93A31}"/>
-              </a:ext>
-            </a:extLst>
-          </p:cNvPr>
-          <p:cNvPicPr>
-            <a:picLocks noChangeAspect="1"/>
-          </p:cNvPicPr>
-          <p:nvPr/>
-        </p:nvPicPr>
-        <p:blipFill>
-          <a:blip r:embed="rId2">
-            <a:extLst>
-              <a:ext uri="{28A0092B-C50C-407E-A947-70E740481C1C}">
-                <a14:useLocalDpi xmlns:a14="http://schemas.microsoft.com/office/drawing/2010/main" val="0"/>
-              </a:ext>
-            </a:extLst>
-          </a:blip>
-          <a:stretch>
-            <a:fillRect/>
-          </a:stretch>
-        </p:blipFill>
-        <p:spPr>
-          <a:xfrm>
-            <a:off x="5686326" y="1959849"/>
-            <a:ext cx="4544059" cy="4153480"/>
-          </a:xfrm>
-          <a:prstGeom prst="rect">
-            <a:avLst/>
-          </a:prstGeom>
-        </p:spPr>
-      </p:pic>
-    </p:spTree>
-    <p:extLst>
-      <p:ext uri="{BB962C8B-B14F-4D97-AF65-F5344CB8AC3E}">
-        <p14:creationId xmlns:p14="http://schemas.microsoft.com/office/powerpoint/2010/main" val="2377213852"/>
-      </p:ext>
-    </p:extLst>
-  </p:cSld>
-  <p:clrMapOvr>
-    <a:masterClrMapping/>
-  </p:clrMapOvr>
-</p:sld>
-</file>
-
-<file path=ppt/slides/slide17.xml><?xml version="1.0" encoding="utf-8"?>
-<p:sld xmlns:a="http://schemas.openxmlformats.org/drawingml/2006/main" xmlns:r="http://schemas.openxmlformats.org/officeDocument/2006/relationships" xmlns:p="http://schemas.openxmlformats.org/presentationml/2006/main">
-  <p:cSld>
-    <p:spTree>
-      <p:nvGrpSpPr>
-        <p:cNvPr id="1" name=""/>
-        <p:cNvGrpSpPr/>
-        <p:nvPr/>
-      </p:nvGrpSpPr>
-      <p:grpSpPr>
-        <a:xfrm>
-          <a:off x="0" y="0"/>
-          <a:ext cx="0" cy="0"/>
-          <a:chOff x="0" y="0"/>
-          <a:chExt cx="0" cy="0"/>
-        </a:xfrm>
-      </p:grpSpPr>
-      <p:sp>
-        <p:nvSpPr>
-          <p:cNvPr id="2" name="Title 1">
-            <a:extLst>
-              <a:ext uri="{FF2B5EF4-FFF2-40B4-BE49-F238E27FC236}">
-                <a16:creationId xmlns:a16="http://schemas.microsoft.com/office/drawing/2014/main" id="{A3CF88B2-7D10-4512-B991-123D8BB60E9C}"/>
-              </a:ext>
-            </a:extLst>
-          </p:cNvPr>
-          <p:cNvSpPr>
-            <a:spLocks noGrp="1"/>
-          </p:cNvSpPr>
-          <p:nvPr>
-            <p:ph type="title"/>
-          </p:nvPr>
-        </p:nvSpPr>
-        <p:spPr>
-          <a:xfrm>
-            <a:off x="838200" y="365125"/>
-            <a:ext cx="10515600" cy="1325563"/>
-          </a:xfrm>
-        </p:spPr>
-        <p:txBody>
-          <a:bodyPr/>
-          <a:lstStyle/>
-          <a:p>
-            <a:r>
-              <a:rPr lang="en-US" dirty="0"/>
-              <a:t>Lists</a:t>
-            </a:r>
-            <a:endParaRPr lang="en-US" dirty="0">
-              <a:latin typeface="Courier New" panose="02070309020205020404" pitchFamily="49" charset="0"/>
-              <a:cs typeface="Courier New" panose="02070309020205020404" pitchFamily="49" charset="0"/>
-            </a:endParaRPr>
-          </a:p>
-        </p:txBody>
-      </p:sp>
-      <p:sp>
-        <p:nvSpPr>
-          <p:cNvPr id="3" name="Content Placeholder 2">
-            <a:extLst>
-              <a:ext uri="{FF2B5EF4-FFF2-40B4-BE49-F238E27FC236}">
-                <a16:creationId xmlns:a16="http://schemas.microsoft.com/office/drawing/2014/main" id="{5F4835C5-2666-4F19-88FF-ACF2518A749F}"/>
-              </a:ext>
-            </a:extLst>
-          </p:cNvPr>
-          <p:cNvSpPr>
-            <a:spLocks noGrp="1"/>
-          </p:cNvSpPr>
-          <p:nvPr>
-            <p:ph idx="1"/>
-          </p:nvPr>
-        </p:nvSpPr>
-        <p:spPr>
-          <a:xfrm>
-            <a:off x="838199" y="2043739"/>
-            <a:ext cx="10738607" cy="3660775"/>
-          </a:xfrm>
-        </p:spPr>
-        <p:txBody>
-          <a:bodyPr>
-            <a:normAutofit/>
-          </a:bodyPr>
-          <a:lstStyle/>
-          <a:p>
-            <a:pPr marL="0" indent="0">
-              <a:lnSpc>
-                <a:spcPct val="80000"/>
-              </a:lnSpc>
-              <a:buNone/>
-            </a:pPr>
-            <a:r>
-              <a:rPr lang="en-US" altLang="en-US" sz="2300" dirty="0">
-                <a:solidFill>
-                  <a:schemeClr val="accent2"/>
-                </a:solidFill>
-                <a:latin typeface="Lucida Sans Typewriter" panose="020B0509030504030204" pitchFamily="49" charset="0"/>
-                <a:ea typeface="ＭＳ Ｐゴシック" panose="020B0600070205080204" pitchFamily="34" charset="-128"/>
-              </a:rPr>
-              <a:t>&gt;&gt;&gt; a = 3</a:t>
-            </a:r>
-          </a:p>
-          <a:p>
-            <a:pPr marL="0" indent="0">
-              <a:lnSpc>
-                <a:spcPct val="80000"/>
-              </a:lnSpc>
-              <a:buNone/>
-            </a:pPr>
-            <a:r>
-              <a:rPr lang="en-US" altLang="en-US" sz="2300" dirty="0">
-                <a:solidFill>
-                  <a:schemeClr val="accent2"/>
-                </a:solidFill>
-                <a:latin typeface="Lucida Sans Typewriter" panose="020B0509030504030204" pitchFamily="49" charset="0"/>
-                <a:ea typeface="ＭＳ Ｐゴシック" panose="020B0600070205080204" pitchFamily="34" charset="-128"/>
-              </a:rPr>
-              <a:t>&gt;&gt;&gt; q = [1, 2, a]</a:t>
-            </a:r>
-          </a:p>
-          <a:p>
-            <a:pPr marL="0" indent="0">
-              <a:lnSpc>
-                <a:spcPct val="80000"/>
-              </a:lnSpc>
-              <a:buNone/>
-            </a:pPr>
-            <a:r>
-              <a:rPr lang="en-US" altLang="en-US" sz="2300" dirty="0">
-                <a:solidFill>
-                  <a:schemeClr val="accent2"/>
-                </a:solidFill>
-                <a:latin typeface="Lucida Sans Typewriter" panose="020B0509030504030204" pitchFamily="49" charset="0"/>
-                <a:ea typeface="ＭＳ Ｐゴシック" panose="020B0600070205080204" pitchFamily="34" charset="-128"/>
-              </a:rPr>
-              <a:t>&gt;&gt;&gt; a = 4</a:t>
-            </a:r>
-          </a:p>
-          <a:p>
-            <a:pPr marL="0" indent="0">
-              <a:lnSpc>
-                <a:spcPct val="80000"/>
-              </a:lnSpc>
-              <a:buNone/>
-            </a:pPr>
-            <a:r>
-              <a:rPr lang="en-US" altLang="en-US" sz="2300" dirty="0">
-                <a:solidFill>
-                  <a:schemeClr val="accent2"/>
-                </a:solidFill>
-                <a:latin typeface="Lucida Sans Typewriter" panose="020B0509030504030204" pitchFamily="49" charset="0"/>
-                <a:ea typeface="ＭＳ Ｐゴシック" panose="020B0600070205080204" pitchFamily="34" charset="-128"/>
-              </a:rPr>
-              <a:t>&gt;&gt;&gt; q</a:t>
-            </a:r>
-          </a:p>
-          <a:p>
-            <a:pPr marL="0" indent="0">
-              <a:lnSpc>
-                <a:spcPct val="80000"/>
-              </a:lnSpc>
-              <a:buNone/>
-            </a:pPr>
-            <a:r>
-              <a:rPr lang="en-US" altLang="en-US" sz="2300" dirty="0">
-                <a:solidFill>
-                  <a:schemeClr val="accent2"/>
-                </a:solidFill>
-                <a:latin typeface="Lucida Sans Typewriter" panose="020B0509030504030204" pitchFamily="49" charset="0"/>
-                <a:ea typeface="ＭＳ Ｐゴシック" panose="020B0600070205080204" pitchFamily="34" charset="-128"/>
-              </a:rPr>
-              <a:t>[1, 2, 3]</a:t>
-            </a:r>
-          </a:p>
-          <a:p>
-            <a:pPr marL="0" indent="0">
-              <a:lnSpc>
-                <a:spcPct val="80000"/>
-              </a:lnSpc>
-              <a:buNone/>
-            </a:pPr>
-            <a:r>
-              <a:rPr lang="en-US" altLang="en-US" sz="2300" dirty="0">
-                <a:solidFill>
-                  <a:schemeClr val="accent2"/>
-                </a:solidFill>
-                <a:latin typeface="Lucida Sans Typewriter" panose="020B0509030504030204" pitchFamily="49" charset="0"/>
-                <a:ea typeface="ＭＳ Ｐゴシック" panose="020B0600070205080204" pitchFamily="34" charset="-128"/>
-              </a:rPr>
-              <a:t>&gt;&gt;&gt; a</a:t>
-            </a:r>
-          </a:p>
-          <a:p>
-            <a:pPr marL="0" indent="0">
-              <a:lnSpc>
-                <a:spcPct val="80000"/>
-              </a:lnSpc>
-              <a:buNone/>
-            </a:pPr>
-            <a:r>
-              <a:rPr lang="en-US" altLang="en-US" sz="2300" dirty="0">
-                <a:solidFill>
-                  <a:schemeClr val="accent2"/>
-                </a:solidFill>
-                <a:latin typeface="Lucida Sans Typewriter" panose="020B0509030504030204" pitchFamily="49" charset="0"/>
-                <a:ea typeface="ＭＳ Ｐゴシック" panose="020B0600070205080204" pitchFamily="34" charset="-128"/>
-              </a:rPr>
-              <a:t>4</a:t>
-            </a:r>
-          </a:p>
-        </p:txBody>
-      </p:sp>
-      <p:pic>
-        <p:nvPicPr>
-          <p:cNvPr id="6" name="Picture 5">
-            <a:extLst>
-              <a:ext uri="{FF2B5EF4-FFF2-40B4-BE49-F238E27FC236}">
-                <a16:creationId xmlns:a16="http://schemas.microsoft.com/office/drawing/2014/main" id="{A112C8CD-EFDE-4673-BF35-9B86BF506CD5}"/>
-              </a:ext>
-            </a:extLst>
-          </p:cNvPr>
-          <p:cNvPicPr>
-            <a:picLocks noChangeAspect="1"/>
-          </p:cNvPicPr>
-          <p:nvPr/>
-        </p:nvPicPr>
-        <p:blipFill>
-          <a:blip r:embed="rId2">
-            <a:extLst>
-              <a:ext uri="{28A0092B-C50C-407E-A947-70E740481C1C}">
-                <a14:useLocalDpi xmlns:a14="http://schemas.microsoft.com/office/drawing/2010/main" val="0"/>
-              </a:ext>
-            </a:extLst>
-          </a:blip>
-          <a:stretch>
-            <a:fillRect/>
-          </a:stretch>
-        </p:blipFill>
-        <p:spPr>
-          <a:xfrm>
-            <a:off x="5629372" y="1951460"/>
-            <a:ext cx="4926416" cy="4040233"/>
-          </a:xfrm>
-          <a:prstGeom prst="rect">
-            <a:avLst/>
-          </a:prstGeom>
-        </p:spPr>
-      </p:pic>
-    </p:spTree>
-    <p:extLst>
-      <p:ext uri="{BB962C8B-B14F-4D97-AF65-F5344CB8AC3E}">
-        <p14:creationId xmlns:p14="http://schemas.microsoft.com/office/powerpoint/2010/main" val="2313711638"/>
-      </p:ext>
-    </p:extLst>
-  </p:cSld>
-  <p:clrMapOvr>
-    <a:masterClrMapping/>
-  </p:clrMapOvr>
-</p:sld>
-</file>
-
-<file path=ppt/slides/slide18.xml><?xml version="1.0" encoding="utf-8"?>
-<p:sld xmlns:a="http://schemas.openxmlformats.org/drawingml/2006/main" xmlns:r="http://schemas.openxmlformats.org/officeDocument/2006/relationships" xmlns:p="http://schemas.openxmlformats.org/presentationml/2006/main">
-  <p:cSld>
-    <p:spTree>
-      <p:nvGrpSpPr>
-        <p:cNvPr id="1" name=""/>
-        <p:cNvGrpSpPr/>
-        <p:nvPr/>
-      </p:nvGrpSpPr>
-      <p:grpSpPr>
-        <a:xfrm>
-          <a:off x="0" y="0"/>
-          <a:ext cx="0" cy="0"/>
-          <a:chOff x="0" y="0"/>
-          <a:chExt cx="0" cy="0"/>
-        </a:xfrm>
-      </p:grpSpPr>
-      <p:sp>
-        <p:nvSpPr>
-          <p:cNvPr id="2" name="Title 1">
-            <a:extLst>
-              <a:ext uri="{FF2B5EF4-FFF2-40B4-BE49-F238E27FC236}">
-                <a16:creationId xmlns:a16="http://schemas.microsoft.com/office/drawing/2014/main" id="{A3CF88B2-7D10-4512-B991-123D8BB60E9C}"/>
-              </a:ext>
-            </a:extLst>
-          </p:cNvPr>
-          <p:cNvSpPr>
-            <a:spLocks noGrp="1"/>
-          </p:cNvSpPr>
-          <p:nvPr>
-            <p:ph type="title"/>
-          </p:nvPr>
-        </p:nvSpPr>
-        <p:spPr>
-          <a:xfrm>
-            <a:off x="838200" y="365125"/>
-            <a:ext cx="10515600" cy="1325563"/>
-          </a:xfrm>
-        </p:spPr>
-        <p:txBody>
-          <a:bodyPr/>
-          <a:lstStyle/>
-          <a:p>
-            <a:r>
-              <a:rPr lang="en-US" dirty="0"/>
-              <a:t>Lists</a:t>
-            </a:r>
-            <a:endParaRPr lang="en-US" dirty="0">
-              <a:latin typeface="Courier New" panose="02070309020205020404" pitchFamily="49" charset="0"/>
-              <a:cs typeface="Courier New" panose="02070309020205020404" pitchFamily="49" charset="0"/>
-            </a:endParaRPr>
-          </a:p>
-        </p:txBody>
-      </p:sp>
-      <p:sp>
-        <p:nvSpPr>
-          <p:cNvPr id="3" name="Content Placeholder 2">
-            <a:extLst>
-              <a:ext uri="{FF2B5EF4-FFF2-40B4-BE49-F238E27FC236}">
-                <a16:creationId xmlns:a16="http://schemas.microsoft.com/office/drawing/2014/main" id="{5F4835C5-2666-4F19-88FF-ACF2518A749F}"/>
-              </a:ext>
-            </a:extLst>
-          </p:cNvPr>
-          <p:cNvSpPr>
-            <a:spLocks noGrp="1"/>
-          </p:cNvSpPr>
-          <p:nvPr>
-            <p:ph idx="1"/>
-          </p:nvPr>
-        </p:nvSpPr>
-        <p:spPr>
-          <a:xfrm>
-            <a:off x="838199" y="2043739"/>
-            <a:ext cx="10738607" cy="3660775"/>
-          </a:xfrm>
-        </p:spPr>
-        <p:txBody>
-          <a:bodyPr>
-            <a:normAutofit/>
-          </a:bodyPr>
-          <a:lstStyle/>
-          <a:p>
-            <a:pPr marL="0" indent="0">
-              <a:lnSpc>
-                <a:spcPct val="80000"/>
-              </a:lnSpc>
-              <a:buNone/>
-            </a:pPr>
-            <a:r>
-              <a:rPr lang="en-US" altLang="en-US" sz="2300" dirty="0">
-                <a:solidFill>
-                  <a:schemeClr val="accent2"/>
-                </a:solidFill>
-                <a:latin typeface="Lucida Sans Typewriter" panose="020B0509030504030204" pitchFamily="49" charset="0"/>
-                <a:ea typeface="ＭＳ Ｐゴシック" panose="020B0600070205080204" pitchFamily="34" charset="-128"/>
-              </a:rPr>
-              <a:t>&gt;&gt;&gt; a = 3</a:t>
-            </a:r>
-          </a:p>
-          <a:p>
-            <a:pPr marL="0" indent="0">
-              <a:lnSpc>
-                <a:spcPct val="80000"/>
-              </a:lnSpc>
-              <a:buNone/>
-            </a:pPr>
-            <a:r>
-              <a:rPr lang="en-US" altLang="en-US" sz="2300" dirty="0">
-                <a:solidFill>
-                  <a:schemeClr val="accent2"/>
-                </a:solidFill>
-                <a:latin typeface="Lucida Sans Typewriter" panose="020B0509030504030204" pitchFamily="49" charset="0"/>
-                <a:ea typeface="ＭＳ Ｐゴシック" panose="020B0600070205080204" pitchFamily="34" charset="-128"/>
-              </a:rPr>
-              <a:t>&gt;&gt;&gt; q = [1, 2, a]</a:t>
-            </a:r>
-          </a:p>
-          <a:p>
-            <a:pPr marL="0" indent="0">
-              <a:lnSpc>
-                <a:spcPct val="80000"/>
-              </a:lnSpc>
-              <a:buNone/>
-            </a:pPr>
-            <a:r>
-              <a:rPr lang="en-US" altLang="en-US" sz="2300" dirty="0">
-                <a:solidFill>
-                  <a:schemeClr val="accent2"/>
-                </a:solidFill>
-                <a:latin typeface="Lucida Sans Typewriter" panose="020B0509030504030204" pitchFamily="49" charset="0"/>
-                <a:ea typeface="ＭＳ Ｐゴシック" panose="020B0600070205080204" pitchFamily="34" charset="-128"/>
-              </a:rPr>
-              <a:t>&gt;&gt;&gt; q[2] = 4</a:t>
-            </a:r>
-          </a:p>
-          <a:p>
-            <a:pPr marL="0" indent="0">
-              <a:lnSpc>
-                <a:spcPct val="80000"/>
-              </a:lnSpc>
-              <a:buNone/>
-            </a:pPr>
-            <a:r>
-              <a:rPr lang="en-US" altLang="en-US" sz="2300" dirty="0">
-                <a:solidFill>
-                  <a:schemeClr val="accent2"/>
-                </a:solidFill>
-                <a:latin typeface="Lucida Sans Typewriter" panose="020B0509030504030204" pitchFamily="49" charset="0"/>
-                <a:ea typeface="ＭＳ Ｐゴシック" panose="020B0600070205080204" pitchFamily="34" charset="-128"/>
-              </a:rPr>
-              <a:t>&gt;&gt;&gt; q</a:t>
-            </a:r>
-          </a:p>
-          <a:p>
-            <a:pPr marL="0" indent="0">
-              <a:lnSpc>
-                <a:spcPct val="80000"/>
-              </a:lnSpc>
-              <a:buNone/>
-            </a:pPr>
-            <a:r>
-              <a:rPr lang="en-US" altLang="en-US" sz="2300" dirty="0">
-                <a:solidFill>
-                  <a:schemeClr val="accent2"/>
-                </a:solidFill>
-                <a:latin typeface="Lucida Sans Typewriter" panose="020B0509030504030204" pitchFamily="49" charset="0"/>
-                <a:ea typeface="ＭＳ Ｐゴシック" panose="020B0600070205080204" pitchFamily="34" charset="-128"/>
-              </a:rPr>
-              <a:t>[1, 2, 4]</a:t>
-            </a:r>
-          </a:p>
-          <a:p>
-            <a:pPr marL="0" indent="0">
-              <a:lnSpc>
-                <a:spcPct val="80000"/>
-              </a:lnSpc>
-              <a:buNone/>
-            </a:pPr>
-            <a:r>
-              <a:rPr lang="en-US" altLang="en-US" sz="2300" dirty="0">
-                <a:solidFill>
-                  <a:schemeClr val="accent2"/>
-                </a:solidFill>
-                <a:latin typeface="Lucida Sans Typewriter" panose="020B0509030504030204" pitchFamily="49" charset="0"/>
-                <a:ea typeface="ＭＳ Ｐゴシック" panose="020B0600070205080204" pitchFamily="34" charset="-128"/>
-              </a:rPr>
-              <a:t>&gt;&gt;&gt; a</a:t>
-            </a:r>
-          </a:p>
-          <a:p>
-            <a:pPr marL="0" indent="0">
-              <a:lnSpc>
-                <a:spcPct val="80000"/>
-              </a:lnSpc>
-              <a:buNone/>
-            </a:pPr>
-            <a:r>
-              <a:rPr lang="en-US" altLang="en-US" sz="2300" dirty="0">
-                <a:solidFill>
-                  <a:schemeClr val="accent2"/>
-                </a:solidFill>
-                <a:latin typeface="Lucida Sans Typewriter" panose="020B0509030504030204" pitchFamily="49" charset="0"/>
-                <a:ea typeface="ＭＳ Ｐゴシック" panose="020B0600070205080204" pitchFamily="34" charset="-128"/>
-              </a:rPr>
-              <a:t>3</a:t>
-            </a:r>
-          </a:p>
-        </p:txBody>
-      </p:sp>
-      <p:pic>
-        <p:nvPicPr>
-          <p:cNvPr id="5" name="Picture 4">
-            <a:extLst>
-              <a:ext uri="{FF2B5EF4-FFF2-40B4-BE49-F238E27FC236}">
-                <a16:creationId xmlns:a16="http://schemas.microsoft.com/office/drawing/2014/main" id="{01F47270-9B5A-4EAB-A4BE-AB41E1A14556}"/>
-              </a:ext>
-            </a:extLst>
-          </p:cNvPr>
-          <p:cNvPicPr>
-            <a:picLocks noChangeAspect="1"/>
-          </p:cNvPicPr>
-          <p:nvPr/>
-        </p:nvPicPr>
-        <p:blipFill>
-          <a:blip r:embed="rId2">
-            <a:extLst>
-              <a:ext uri="{28A0092B-C50C-407E-A947-70E740481C1C}">
-                <a14:useLocalDpi xmlns:a14="http://schemas.microsoft.com/office/drawing/2010/main" val="0"/>
-              </a:ext>
-            </a:extLst>
-          </a:blip>
-          <a:stretch>
-            <a:fillRect/>
-          </a:stretch>
-        </p:blipFill>
-        <p:spPr>
-          <a:xfrm rot="240887">
-            <a:off x="5588470" y="1847064"/>
-            <a:ext cx="4337954" cy="4499474"/>
-          </a:xfrm>
-          <a:prstGeom prst="rect">
-            <a:avLst/>
-          </a:prstGeom>
-        </p:spPr>
-      </p:pic>
-    </p:spTree>
-    <p:extLst>
-      <p:ext uri="{BB962C8B-B14F-4D97-AF65-F5344CB8AC3E}">
-        <p14:creationId xmlns:p14="http://schemas.microsoft.com/office/powerpoint/2010/main" val="1547883604"/>
-      </p:ext>
-    </p:extLst>
-  </p:cSld>
-  <p:clrMapOvr>
-    <a:masterClrMapping/>
-  </p:clrMapOvr>
-</p:sld>
-</file>
-
-<file path=ppt/slides/slide19.xml><?xml version="1.0" encoding="utf-8"?>
-<p:sld xmlns:a="http://schemas.openxmlformats.org/drawingml/2006/main" xmlns:r="http://schemas.openxmlformats.org/officeDocument/2006/relationships" xmlns:p="http://schemas.openxmlformats.org/presentationml/2006/main">
-  <p:cSld>
-    <p:spTree>
-      <p:nvGrpSpPr>
-        <p:cNvPr id="1" name=""/>
-        <p:cNvGrpSpPr/>
-        <p:nvPr/>
-      </p:nvGrpSpPr>
-      <p:grpSpPr>
-        <a:xfrm>
-          <a:off x="0" y="0"/>
-          <a:ext cx="0" cy="0"/>
-          <a:chOff x="0" y="0"/>
-          <a:chExt cx="0" cy="0"/>
-        </a:xfrm>
-      </p:grpSpPr>
-      <p:sp>
-        <p:nvSpPr>
-          <p:cNvPr id="2" name="Title 1">
-            <a:extLst>
-              <a:ext uri="{FF2B5EF4-FFF2-40B4-BE49-F238E27FC236}">
-                <a16:creationId xmlns:a16="http://schemas.microsoft.com/office/drawing/2014/main" id="{A3CF88B2-7D10-4512-B991-123D8BB60E9C}"/>
-              </a:ext>
-            </a:extLst>
-          </p:cNvPr>
-          <p:cNvSpPr>
-            <a:spLocks noGrp="1"/>
-          </p:cNvSpPr>
-          <p:nvPr>
-            <p:ph type="title"/>
-          </p:nvPr>
-        </p:nvSpPr>
-        <p:spPr>
-          <a:xfrm>
-            <a:off x="838200" y="365125"/>
-            <a:ext cx="10515600" cy="1325563"/>
-          </a:xfrm>
-        </p:spPr>
-        <p:txBody>
-          <a:bodyPr/>
-          <a:lstStyle/>
-          <a:p>
-            <a:r>
-              <a:rPr lang="en-US" dirty="0"/>
-              <a:t>Common List Methods</a:t>
-            </a:r>
-            <a:endParaRPr lang="en-US" dirty="0">
-              <a:latin typeface="Courier New" panose="02070309020205020404" pitchFamily="49" charset="0"/>
-              <a:cs typeface="Courier New" panose="02070309020205020404" pitchFamily="49" charset="0"/>
-            </a:endParaRPr>
-          </a:p>
-        </p:txBody>
-      </p:sp>
-      <p:sp>
-        <p:nvSpPr>
-          <p:cNvPr id="3" name="Content Placeholder 2">
-            <a:extLst>
-              <a:ext uri="{FF2B5EF4-FFF2-40B4-BE49-F238E27FC236}">
-                <a16:creationId xmlns:a16="http://schemas.microsoft.com/office/drawing/2014/main" id="{5F4835C5-2666-4F19-88FF-ACF2518A749F}"/>
-              </a:ext>
-            </a:extLst>
-          </p:cNvPr>
-          <p:cNvSpPr>
-            <a:spLocks noGrp="1"/>
-          </p:cNvSpPr>
-          <p:nvPr>
-            <p:ph idx="1"/>
-          </p:nvPr>
-        </p:nvSpPr>
-        <p:spPr>
-          <a:xfrm>
-            <a:off x="838199" y="2043739"/>
-            <a:ext cx="10738607" cy="2016533"/>
-          </a:xfrm>
-        </p:spPr>
-        <p:txBody>
-          <a:bodyPr>
-            <a:normAutofit/>
-          </a:bodyPr>
-          <a:lstStyle/>
-          <a:p>
-            <a:pPr marL="0" indent="0">
-              <a:lnSpc>
-                <a:spcPct val="80000"/>
-              </a:lnSpc>
-              <a:buNone/>
-            </a:pPr>
-            <a:r>
-              <a:rPr lang="en-US" altLang="en-US" sz="2300" b="1" dirty="0">
-                <a:solidFill>
-                  <a:schemeClr val="accent2"/>
-                </a:solidFill>
-                <a:latin typeface="Lucida Sans Typewriter" panose="020B0509030504030204" pitchFamily="49" charset="0"/>
-                <a:ea typeface="ＭＳ Ｐゴシック" panose="020B0600070205080204" pitchFamily="34" charset="-128"/>
-              </a:rPr>
-              <a:t>append</a:t>
-            </a:r>
-            <a:r>
-              <a:rPr lang="en-US" altLang="en-US" sz="2300" dirty="0">
-                <a:solidFill>
-                  <a:schemeClr val="accent2"/>
-                </a:solidFill>
-                <a:latin typeface="Lucida Sans Typewriter" panose="020B0509030504030204" pitchFamily="49" charset="0"/>
-                <a:ea typeface="ＭＳ Ｐゴシック" panose="020B0600070205080204" pitchFamily="34" charset="-128"/>
-              </a:rPr>
-              <a:t>, extend, index, insert, reverse, sort</a:t>
-            </a:r>
-          </a:p>
-        </p:txBody>
-      </p:sp>
-      <p:cxnSp>
-        <p:nvCxnSpPr>
-          <p:cNvPr id="4" name="Straight Arrow Connector 3">
-            <a:extLst>
-              <a:ext uri="{FF2B5EF4-FFF2-40B4-BE49-F238E27FC236}">
-                <a16:creationId xmlns:a16="http://schemas.microsoft.com/office/drawing/2014/main" id="{2B61E492-695D-4523-837F-FB88D4EBB589}"/>
-              </a:ext>
-            </a:extLst>
-          </p:cNvPr>
-          <p:cNvCxnSpPr>
-            <a:cxnSpLocks/>
-            <a:stCxn id="5" idx="1"/>
-          </p:cNvCxnSpPr>
-          <p:nvPr/>
-        </p:nvCxnSpPr>
-        <p:spPr>
-          <a:xfrm flipH="1" flipV="1">
-            <a:off x="1433818" y="2470986"/>
-            <a:ext cx="2258198" cy="811852"/>
-          </a:xfrm>
-          <a:prstGeom prst="straightConnector1">
-            <a:avLst/>
-          </a:prstGeom>
-          <a:ln>
-            <a:tailEnd type="triangle"/>
-          </a:ln>
-        </p:spPr>
-        <p:style>
-          <a:lnRef idx="1">
-            <a:schemeClr val="accent1"/>
-          </a:lnRef>
-          <a:fillRef idx="0">
-            <a:schemeClr val="accent1"/>
-          </a:fillRef>
-          <a:effectRef idx="0">
-            <a:schemeClr val="accent1"/>
-          </a:effectRef>
-          <a:fontRef idx="minor">
-            <a:schemeClr val="tx1"/>
-          </a:fontRef>
-        </p:style>
-      </p:cxnSp>
-      <p:sp>
-        <p:nvSpPr>
-          <p:cNvPr id="5" name="TextBox 4">
-            <a:extLst>
-              <a:ext uri="{FF2B5EF4-FFF2-40B4-BE49-F238E27FC236}">
-                <a16:creationId xmlns:a16="http://schemas.microsoft.com/office/drawing/2014/main" id="{F1B3428B-4E5F-4509-9501-D678C248933B}"/>
-              </a:ext>
-            </a:extLst>
-          </p:cNvPr>
-          <p:cNvSpPr txBox="1"/>
-          <p:nvPr/>
-        </p:nvSpPr>
-        <p:spPr>
-          <a:xfrm>
-            <a:off x="3692016" y="3052005"/>
-            <a:ext cx="1659300" cy="461665"/>
-          </a:xfrm>
-          <a:prstGeom prst="rect">
-            <a:avLst/>
-          </a:prstGeom>
-          <a:noFill/>
-        </p:spPr>
-        <p:txBody>
-          <a:bodyPr wrap="none" rtlCol="0">
-            <a:spAutoFit/>
-          </a:bodyPr>
-          <a:lstStyle/>
-          <a:p>
-            <a:r>
-              <a:rPr lang="en-US" sz="2400" dirty="0"/>
-              <a:t>Used often!</a:t>
-            </a:r>
-          </a:p>
-        </p:txBody>
-      </p:sp>
-      <p:cxnSp>
-        <p:nvCxnSpPr>
-          <p:cNvPr id="7" name="Straight Arrow Connector 6">
-            <a:extLst>
-              <a:ext uri="{FF2B5EF4-FFF2-40B4-BE49-F238E27FC236}">
-                <a16:creationId xmlns:a16="http://schemas.microsoft.com/office/drawing/2014/main" id="{FCAB13AD-7D45-470F-A7B2-E5FEFCD88EDB}"/>
-              </a:ext>
-            </a:extLst>
-          </p:cNvPr>
-          <p:cNvCxnSpPr>
-            <a:cxnSpLocks/>
-            <a:stCxn id="8" idx="1"/>
-          </p:cNvCxnSpPr>
-          <p:nvPr/>
-        </p:nvCxnSpPr>
-        <p:spPr>
-          <a:xfrm flipH="1" flipV="1">
-            <a:off x="7155809" y="2414847"/>
-            <a:ext cx="2287558" cy="817556"/>
-          </a:xfrm>
-          <a:prstGeom prst="straightConnector1">
-            <a:avLst/>
-          </a:prstGeom>
-          <a:ln>
-            <a:tailEnd type="triangle"/>
-          </a:ln>
-        </p:spPr>
-        <p:style>
-          <a:lnRef idx="1">
-            <a:schemeClr val="accent1"/>
-          </a:lnRef>
-          <a:fillRef idx="0">
-            <a:schemeClr val="accent1"/>
-          </a:fillRef>
-          <a:effectRef idx="0">
-            <a:schemeClr val="accent1"/>
-          </a:effectRef>
-          <a:fontRef idx="minor">
-            <a:schemeClr val="tx1"/>
-          </a:fontRef>
-        </p:style>
-      </p:cxnSp>
-      <p:sp>
-        <p:nvSpPr>
-          <p:cNvPr id="8" name="TextBox 7">
-            <a:extLst>
-              <a:ext uri="{FF2B5EF4-FFF2-40B4-BE49-F238E27FC236}">
-                <a16:creationId xmlns:a16="http://schemas.microsoft.com/office/drawing/2014/main" id="{C1B4BF21-0F55-4BAF-A902-E93DF18D7F3A}"/>
-              </a:ext>
-            </a:extLst>
-          </p:cNvPr>
-          <p:cNvSpPr txBox="1"/>
-          <p:nvPr/>
-        </p:nvSpPr>
-        <p:spPr>
-          <a:xfrm>
-            <a:off x="9443367" y="3001570"/>
-            <a:ext cx="1914178" cy="461665"/>
-          </a:xfrm>
-          <a:prstGeom prst="rect">
-            <a:avLst/>
-          </a:prstGeom>
-          <a:noFill/>
-        </p:spPr>
-        <p:txBody>
-          <a:bodyPr wrap="none" rtlCol="0">
-            <a:spAutoFit/>
-          </a:bodyPr>
-          <a:lstStyle/>
-          <a:p>
-            <a:r>
-              <a:rPr lang="en-US" sz="2400" dirty="0"/>
-              <a:t>Work in-place</a:t>
-            </a:r>
-          </a:p>
-        </p:txBody>
-      </p:sp>
-      <p:cxnSp>
-        <p:nvCxnSpPr>
-          <p:cNvPr id="11" name="Straight Arrow Connector 10">
-            <a:extLst>
-              <a:ext uri="{FF2B5EF4-FFF2-40B4-BE49-F238E27FC236}">
-                <a16:creationId xmlns:a16="http://schemas.microsoft.com/office/drawing/2014/main" id="{E6F63275-2A71-4C4A-8CED-071BC753C6FD}"/>
-              </a:ext>
-            </a:extLst>
-          </p:cNvPr>
-          <p:cNvCxnSpPr>
-            <a:cxnSpLocks/>
-          </p:cNvCxnSpPr>
-          <p:nvPr/>
-        </p:nvCxnSpPr>
-        <p:spPr>
-          <a:xfrm flipH="1" flipV="1">
-            <a:off x="8551718" y="2414847"/>
-            <a:ext cx="986565" cy="586723"/>
-          </a:xfrm>
-          <a:prstGeom prst="straightConnector1">
-            <a:avLst/>
-          </a:prstGeom>
-          <a:ln>
-            <a:tailEnd type="triangle"/>
-          </a:ln>
-        </p:spPr>
-        <p:style>
-          <a:lnRef idx="1">
-            <a:schemeClr val="accent1"/>
-          </a:lnRef>
-          <a:fillRef idx="0">
-            <a:schemeClr val="accent1"/>
-          </a:fillRef>
-          <a:effectRef idx="0">
-            <a:schemeClr val="accent1"/>
-          </a:effectRef>
-          <a:fontRef idx="minor">
-            <a:schemeClr val="tx1"/>
-          </a:fontRef>
-        </p:style>
-      </p:cxnSp>
-      <p:cxnSp>
-        <p:nvCxnSpPr>
-          <p:cNvPr id="13" name="Straight Arrow Connector 12">
-            <a:extLst>
-              <a:ext uri="{FF2B5EF4-FFF2-40B4-BE49-F238E27FC236}">
-                <a16:creationId xmlns:a16="http://schemas.microsoft.com/office/drawing/2014/main" id="{6DEECA9E-B2DC-48EB-8088-963337C78B93}"/>
-              </a:ext>
-            </a:extLst>
-          </p:cNvPr>
-          <p:cNvCxnSpPr>
-            <a:cxnSpLocks/>
-          </p:cNvCxnSpPr>
-          <p:nvPr/>
-        </p:nvCxnSpPr>
-        <p:spPr>
-          <a:xfrm flipH="1" flipV="1">
-            <a:off x="2109591" y="2414847"/>
-            <a:ext cx="7194544" cy="817555"/>
-          </a:xfrm>
-          <a:prstGeom prst="straightConnector1">
-            <a:avLst/>
-          </a:prstGeom>
-          <a:ln>
-            <a:tailEnd type="triangle"/>
-          </a:ln>
-        </p:spPr>
-        <p:style>
-          <a:lnRef idx="1">
-            <a:schemeClr val="accent1"/>
-          </a:lnRef>
-          <a:fillRef idx="0">
-            <a:schemeClr val="accent1"/>
-          </a:fillRef>
-          <a:effectRef idx="0">
-            <a:schemeClr val="accent1"/>
-          </a:effectRef>
-          <a:fontRef idx="minor">
-            <a:schemeClr val="tx1"/>
-          </a:fontRef>
-        </p:style>
-      </p:cxnSp>
-      <p:cxnSp>
-        <p:nvCxnSpPr>
-          <p:cNvPr id="16" name="Straight Arrow Connector 15">
-            <a:extLst>
-              <a:ext uri="{FF2B5EF4-FFF2-40B4-BE49-F238E27FC236}">
-                <a16:creationId xmlns:a16="http://schemas.microsoft.com/office/drawing/2014/main" id="{BB8CC27A-C66C-4301-B1BB-C36BE3F468AC}"/>
-              </a:ext>
-            </a:extLst>
-          </p:cNvPr>
-          <p:cNvCxnSpPr>
-            <a:cxnSpLocks/>
-          </p:cNvCxnSpPr>
-          <p:nvPr/>
-        </p:nvCxnSpPr>
-        <p:spPr>
-          <a:xfrm flipH="1" flipV="1">
-            <a:off x="3419305" y="2394785"/>
-            <a:ext cx="5837372" cy="752576"/>
-          </a:xfrm>
-          <a:prstGeom prst="straightConnector1">
-            <a:avLst/>
-          </a:prstGeom>
-          <a:ln>
-            <a:tailEnd type="triangle"/>
-          </a:ln>
-        </p:spPr>
-        <p:style>
-          <a:lnRef idx="1">
-            <a:schemeClr val="accent1"/>
-          </a:lnRef>
-          <a:fillRef idx="0">
-            <a:schemeClr val="accent1"/>
-          </a:fillRef>
-          <a:effectRef idx="0">
-            <a:schemeClr val="accent1"/>
-          </a:effectRef>
-          <a:fontRef idx="minor">
-            <a:schemeClr val="tx1"/>
-          </a:fontRef>
-        </p:style>
-      </p:cxnSp>
-      <p:cxnSp>
-        <p:nvCxnSpPr>
-          <p:cNvPr id="18" name="Straight Arrow Connector 17">
-            <a:extLst>
-              <a:ext uri="{FF2B5EF4-FFF2-40B4-BE49-F238E27FC236}">
-                <a16:creationId xmlns:a16="http://schemas.microsoft.com/office/drawing/2014/main" id="{11933556-D049-43F0-8E68-94FEA6E14123}"/>
-              </a:ext>
-            </a:extLst>
-          </p:cNvPr>
-          <p:cNvCxnSpPr>
-            <a:cxnSpLocks/>
-          </p:cNvCxnSpPr>
-          <p:nvPr/>
-        </p:nvCxnSpPr>
-        <p:spPr>
-          <a:xfrm flipH="1" flipV="1">
-            <a:off x="6027089" y="2403042"/>
-            <a:ext cx="2988056" cy="648963"/>
-          </a:xfrm>
-          <a:prstGeom prst="straightConnector1">
-            <a:avLst/>
-          </a:prstGeom>
-          <a:ln>
-            <a:tailEnd type="triangle"/>
-          </a:ln>
-        </p:spPr>
-        <p:style>
-          <a:lnRef idx="1">
-            <a:schemeClr val="accent1"/>
-          </a:lnRef>
-          <a:fillRef idx="0">
-            <a:schemeClr val="accent1"/>
-          </a:fillRef>
-          <a:effectRef idx="0">
-            <a:schemeClr val="accent1"/>
-          </a:effectRef>
-          <a:fontRef idx="minor">
-            <a:schemeClr val="tx1"/>
-          </a:fontRef>
-        </p:style>
-      </p:cxnSp>
-      <p:sp>
-        <p:nvSpPr>
-          <p:cNvPr id="20" name="TextBox 19">
-            <a:extLst>
-              <a:ext uri="{FF2B5EF4-FFF2-40B4-BE49-F238E27FC236}">
-                <a16:creationId xmlns:a16="http://schemas.microsoft.com/office/drawing/2014/main" id="{4C79BBF7-E3F3-4D8C-A899-ED8326A46992}"/>
-              </a:ext>
-            </a:extLst>
-          </p:cNvPr>
-          <p:cNvSpPr txBox="1"/>
-          <p:nvPr/>
-        </p:nvSpPr>
-        <p:spPr>
-          <a:xfrm>
-            <a:off x="981512" y="3993160"/>
-            <a:ext cx="10242959" cy="2118529"/>
-          </a:xfrm>
-          <a:prstGeom prst="rect">
-            <a:avLst/>
-          </a:prstGeom>
-          <a:noFill/>
-        </p:spPr>
-        <p:txBody>
-          <a:bodyPr wrap="square" rtlCol="0">
-            <a:spAutoFit/>
-          </a:bodyPr>
-          <a:lstStyle/>
-          <a:p>
-            <a:pPr>
-              <a:spcBef>
-                <a:spcPts val="1000"/>
-              </a:spcBef>
-            </a:pPr>
-            <a:r>
-              <a:rPr lang="en-US" sz="2300" dirty="0">
-                <a:ea typeface="ＭＳ Ｐゴシック" panose="020B0600070205080204" pitchFamily="34" charset="-128"/>
-                <a:cs typeface="Courier New" panose="02070309020205020404" pitchFamily="49" charset="0"/>
-              </a:rPr>
-              <a:t>How do we know which operations work in-place and which operations return a new string/list?</a:t>
-            </a:r>
-          </a:p>
-          <a:p>
-            <a:pPr>
-              <a:spcBef>
-                <a:spcPts val="1000"/>
-              </a:spcBef>
-            </a:pPr>
-            <a:endParaRPr lang="en-US" sz="2300" dirty="0">
-              <a:ea typeface="ＭＳ Ｐゴシック" panose="020B0600070205080204" pitchFamily="34" charset="-128"/>
-              <a:cs typeface="Courier New" panose="02070309020205020404" pitchFamily="49" charset="0"/>
-            </a:endParaRPr>
-          </a:p>
-          <a:p>
-            <a:pPr>
-              <a:spcBef>
-                <a:spcPts val="1000"/>
-              </a:spcBef>
-            </a:pPr>
-            <a:r>
-              <a:rPr lang="en-US" sz="2300" dirty="0">
-                <a:ea typeface="ＭＳ Ｐゴシック" panose="020B0600070205080204" pitchFamily="34" charset="-128"/>
-                <a:cs typeface="Courier New" panose="02070309020205020404" pitchFamily="49" charset="0"/>
-              </a:rPr>
-              <a:t>In general, mutable objects can be modified in place, so Python does so. But it doesn’t have to, so just try it and see.</a:t>
-            </a:r>
-          </a:p>
-        </p:txBody>
-      </p:sp>
-    </p:spTree>
-    <p:extLst>
-      <p:ext uri="{BB962C8B-B14F-4D97-AF65-F5344CB8AC3E}">
-        <p14:creationId xmlns:p14="http://schemas.microsoft.com/office/powerpoint/2010/main" val="2514501875"/>
-      </p:ext>
-    </p:extLst>
-  </p:cSld>
-  <p:clrMapOvr>
-    <a:masterClrMapping/>
-  </p:clrMapOvr>
-</p:sld>
-</file>
-
-<file path=ppt/slides/slide2.xml><?xml version="1.0" encoding="utf-8"?>
-<p:sld xmlns:a="http://schemas.openxmlformats.org/drawingml/2006/main" xmlns:r="http://schemas.openxmlformats.org/officeDocument/2006/relationships" xmlns:p="http://schemas.openxmlformats.org/presentationml/2006/main">
-  <p:cSld>
-    <p:spTree>
-      <p:nvGrpSpPr>
-        <p:cNvPr id="1" name=""/>
-        <p:cNvGrpSpPr/>
-        <p:nvPr/>
-      </p:nvGrpSpPr>
-      <p:grpSpPr>
-        <a:xfrm>
-          <a:off x="0" y="0"/>
-          <a:ext cx="0" cy="0"/>
-          <a:chOff x="0" y="0"/>
-          <a:chExt cx="0" cy="0"/>
-        </a:xfrm>
-      </p:grpSpPr>
-      <p:sp>
-        <p:nvSpPr>
-          <p:cNvPr id="2" name="Title 1">
-            <a:extLst>
-              <a:ext uri="{FF2B5EF4-FFF2-40B4-BE49-F238E27FC236}">
-                <a16:creationId xmlns:a16="http://schemas.microsoft.com/office/drawing/2014/main" id="{A3CF88B2-7D10-4512-B991-123D8BB60E9C}"/>
-              </a:ext>
-            </a:extLst>
-          </p:cNvPr>
-          <p:cNvSpPr>
-            <a:spLocks noGrp="1"/>
-          </p:cNvSpPr>
-          <p:nvPr>
-            <p:ph type="title"/>
-          </p:nvPr>
-        </p:nvSpPr>
-        <p:spPr>
-          <a:xfrm>
-            <a:off x="838200" y="365125"/>
-            <a:ext cx="10515600" cy="1325563"/>
-          </a:xfrm>
-        </p:spPr>
-        <p:txBody>
-          <a:bodyPr/>
-          <a:lstStyle/>
-          <a:p>
-            <a:r>
-              <a:rPr lang="en-US" dirty="0"/>
-              <a:t>Strings</a:t>
-            </a:r>
-            <a:endParaRPr lang="en-US" dirty="0">
-              <a:latin typeface="Courier New" panose="02070309020205020404" pitchFamily="49" charset="0"/>
-              <a:cs typeface="Courier New" panose="02070309020205020404" pitchFamily="49" charset="0"/>
-            </a:endParaRPr>
-          </a:p>
-        </p:txBody>
-      </p:sp>
-      <p:sp>
-        <p:nvSpPr>
-          <p:cNvPr id="3" name="Content Placeholder 2">
-            <a:extLst>
-              <a:ext uri="{FF2B5EF4-FFF2-40B4-BE49-F238E27FC236}">
-                <a16:creationId xmlns:a16="http://schemas.microsoft.com/office/drawing/2014/main" id="{5F4835C5-2666-4F19-88FF-ACF2518A749F}"/>
-              </a:ext>
-            </a:extLst>
-          </p:cNvPr>
-          <p:cNvSpPr>
-            <a:spLocks noGrp="1"/>
-          </p:cNvSpPr>
-          <p:nvPr>
-            <p:ph idx="1"/>
-          </p:nvPr>
-        </p:nvSpPr>
-        <p:spPr>
-          <a:xfrm>
-            <a:off x="838200" y="2043739"/>
-            <a:ext cx="10515600" cy="2981267"/>
-          </a:xfrm>
-        </p:spPr>
-        <p:txBody>
-          <a:bodyPr>
-            <a:normAutofit fontScale="25000" lnSpcReduction="20000"/>
-          </a:bodyPr>
-          <a:lstStyle/>
-          <a:p>
-            <a:pPr marL="0" indent="0">
-              <a:buFont typeface="Symbol" panose="05050102010706020507" pitchFamily="18" charset="2"/>
-              <a:buNone/>
-            </a:pPr>
-            <a:r>
-              <a:rPr lang="en-US" altLang="en-US" sz="7100" dirty="0">
-                <a:latin typeface="Calibri (body)"/>
-                <a:ea typeface="Cambria" panose="02040503050406030204" pitchFamily="18" charset="0"/>
-                <a:cs typeface="Courier New" panose="02070309020205020404" pitchFamily="49" charset="0"/>
-              </a:rPr>
-              <a:t>Any real world program deals with readings things from files, and writing things to files and/or the screen. These are passed around as ‘strings’ (though we can convert strings to numbers if we want).</a:t>
-            </a:r>
-          </a:p>
-          <a:p>
-            <a:pPr marL="0" indent="0">
-              <a:buFont typeface="Symbol" panose="05050102010706020507" pitchFamily="18" charset="2"/>
-              <a:buNone/>
-            </a:pPr>
-            <a:endParaRPr lang="en-US" altLang="en-US" sz="7100" dirty="0">
-              <a:latin typeface="Calibri (body)"/>
-              <a:ea typeface="Cambria" panose="02040503050406030204" pitchFamily="18" charset="0"/>
-              <a:cs typeface="Courier New" panose="02070309020205020404" pitchFamily="49" charset="0"/>
-            </a:endParaRPr>
-          </a:p>
-          <a:p>
-            <a:pPr marL="0" indent="0">
-              <a:buFont typeface="Symbol" panose="05050102010706020507" pitchFamily="18" charset="2"/>
-              <a:buNone/>
-            </a:pPr>
-            <a:r>
-              <a:rPr lang="en-US" altLang="en-US" sz="7100" dirty="0">
-                <a:latin typeface="Calibri (body)"/>
-                <a:ea typeface="Cambria" panose="02040503050406030204" pitchFamily="18" charset="0"/>
-                <a:cs typeface="Courier New" panose="02070309020205020404" pitchFamily="49" charset="0"/>
-              </a:rPr>
-              <a:t>Nothing surprising here:</a:t>
-            </a:r>
-          </a:p>
-          <a:p>
-            <a:pPr marL="0" indent="0">
-              <a:buNone/>
-            </a:pPr>
-            <a:r>
-              <a:rPr lang="en-US" altLang="en-US" sz="4800" dirty="0">
-                <a:solidFill>
-                  <a:schemeClr val="accent2"/>
-                </a:solidFill>
-                <a:latin typeface="Lucida Sans Typewriter" panose="020B0509030504030204" pitchFamily="49" charset="0"/>
-                <a:ea typeface="ＭＳ Ｐゴシック" panose="020B0600070205080204" pitchFamily="34" charset="-128"/>
-              </a:rPr>
-              <a:t>&gt;&gt;&gt; print(‘Hello World’)</a:t>
-            </a:r>
-          </a:p>
-          <a:p>
-            <a:pPr marL="0" indent="0">
-              <a:buFont typeface="Symbol" panose="05050102010706020507" pitchFamily="18" charset="2"/>
-              <a:buNone/>
-            </a:pPr>
-            <a:endParaRPr lang="en-US" altLang="en-US" sz="7100" dirty="0">
-              <a:latin typeface="Calibri (body)"/>
-              <a:ea typeface="Cambria" panose="02040503050406030204" pitchFamily="18" charset="0"/>
-              <a:cs typeface="Courier New" panose="02070309020205020404" pitchFamily="49" charset="0"/>
-            </a:endParaRPr>
-          </a:p>
-          <a:p>
-            <a:pPr marL="0" indent="0">
-              <a:buFont typeface="Symbol" panose="05050102010706020507" pitchFamily="18" charset="2"/>
-              <a:buNone/>
-            </a:pPr>
-            <a:r>
-              <a:rPr lang="en-US" altLang="en-US" sz="7100" dirty="0">
-                <a:latin typeface="Calibri (body)"/>
-                <a:ea typeface="Cambria" panose="02040503050406030204" pitchFamily="18" charset="0"/>
-                <a:cs typeface="Courier New" panose="02070309020205020404" pitchFamily="49" charset="0"/>
-              </a:rPr>
-              <a:t>But strings are Unicode-aware:</a:t>
-            </a:r>
-          </a:p>
-          <a:p>
-            <a:pPr marL="0" indent="0">
-              <a:buNone/>
-            </a:pPr>
-            <a:r>
-              <a:rPr lang="en-US" altLang="en-US" sz="4800" dirty="0">
-                <a:solidFill>
-                  <a:schemeClr val="accent2"/>
-                </a:solidFill>
-                <a:latin typeface="Lucida Sans Typewriter" panose="020B0509030504030204" pitchFamily="49" charset="0"/>
-                <a:ea typeface="ＭＳ Ｐゴシック" panose="020B0600070205080204" pitchFamily="34" charset="-128"/>
-              </a:rPr>
-              <a:t>&gt;&gt;&gt; print(‘</a:t>
-            </a:r>
-            <a:r>
-              <a:rPr lang="hi-IN" altLang="en-US" sz="4800" dirty="0">
-                <a:solidFill>
-                  <a:schemeClr val="accent2"/>
-                </a:solidFill>
-                <a:latin typeface="Lucida Sans Typewriter" panose="020B0509030504030204" pitchFamily="49" charset="0"/>
-                <a:ea typeface="ＭＳ Ｐゴシック" panose="020B0600070205080204" pitchFamily="34" charset="-128"/>
-              </a:rPr>
-              <a:t>नमस्ते</a:t>
-            </a:r>
-            <a:r>
-              <a:rPr lang="en-US" altLang="en-US" sz="4800" dirty="0">
-                <a:solidFill>
-                  <a:schemeClr val="accent2"/>
-                </a:solidFill>
-                <a:latin typeface="Lucida Sans Typewriter" panose="020B0509030504030204" pitchFamily="49" charset="0"/>
-                <a:ea typeface="ＭＳ Ｐゴシック" panose="020B0600070205080204" pitchFamily="34" charset="-128"/>
-              </a:rPr>
-              <a:t>’)</a:t>
-            </a:r>
-          </a:p>
-          <a:p>
-            <a:pPr marL="0" indent="0">
-              <a:buFont typeface="Symbol" panose="05050102010706020507" pitchFamily="18" charset="2"/>
-              <a:buNone/>
-            </a:pPr>
-            <a:endParaRPr lang="en-US" altLang="en-US" sz="7100" dirty="0">
-              <a:latin typeface="Calibri (body)"/>
-              <a:ea typeface="Cambria" panose="02040503050406030204" pitchFamily="18" charset="0"/>
-              <a:cs typeface="Courier New" panose="02070309020205020404" pitchFamily="49" charset="0"/>
-            </a:endParaRPr>
-          </a:p>
-          <a:p>
-            <a:pPr marL="0" indent="0">
-              <a:buFont typeface="Symbol" panose="05050102010706020507" pitchFamily="18" charset="2"/>
-              <a:buNone/>
-            </a:pPr>
-            <a:r>
-              <a:rPr lang="en-US" altLang="en-US" sz="7100" dirty="0">
-                <a:latin typeface="Calibri (body)"/>
-                <a:ea typeface="Cambria" panose="02040503050406030204" pitchFamily="18" charset="0"/>
-                <a:cs typeface="Courier New" panose="02070309020205020404" pitchFamily="49" charset="0"/>
-              </a:rPr>
-              <a:t>Try this in the terminal and the Notebook. Is there a difference?</a:t>
-            </a:r>
-          </a:p>
-          <a:p>
-            <a:pPr marL="0" indent="0">
-              <a:buFont typeface="Symbol" panose="05050102010706020507" pitchFamily="18" charset="2"/>
-              <a:buNone/>
-            </a:pPr>
-            <a:endParaRPr lang="en-US" altLang="en-US" sz="2400" dirty="0">
-              <a:latin typeface="Courier New" panose="02070309020205020404" pitchFamily="49" charset="0"/>
-              <a:ea typeface="ＭＳ Ｐゴシック" panose="020B0600070205080204" pitchFamily="34" charset="-128"/>
-              <a:cs typeface="Courier New" panose="02070309020205020404" pitchFamily="49" charset="0"/>
-            </a:endParaRPr>
-          </a:p>
-          <a:p>
-            <a:pPr marL="0" indent="0">
-              <a:buFont typeface="Symbol" panose="05050102010706020507" pitchFamily="18" charset="2"/>
-              <a:buNone/>
-            </a:pPr>
-            <a:endParaRPr lang="en-US" altLang="en-US" sz="2400" dirty="0">
-              <a:latin typeface="Courier New" panose="02070309020205020404" pitchFamily="49" charset="0"/>
-              <a:ea typeface="ＭＳ Ｐゴシック" panose="020B0600070205080204" pitchFamily="34" charset="-128"/>
-              <a:cs typeface="Courier New" panose="02070309020205020404" pitchFamily="49" charset="0"/>
-            </a:endParaRPr>
-          </a:p>
-          <a:p>
-            <a:pPr marL="0" indent="0">
-              <a:buFont typeface="Symbol" panose="05050102010706020507" pitchFamily="18" charset="2"/>
-              <a:buNone/>
-            </a:pPr>
-            <a:endParaRPr lang="en-US" altLang="en-US" sz="2400" dirty="0">
-              <a:latin typeface="Courier New" panose="02070309020205020404" pitchFamily="49" charset="0"/>
-              <a:ea typeface="ＭＳ Ｐゴシック" panose="020B0600070205080204" pitchFamily="34" charset="-128"/>
-              <a:cs typeface="Courier New" panose="02070309020205020404" pitchFamily="49" charset="0"/>
-            </a:endParaRPr>
-          </a:p>
-          <a:p>
-            <a:pPr marL="0" indent="0">
-              <a:buFont typeface="Symbol" panose="05050102010706020507" pitchFamily="18" charset="2"/>
-              <a:buNone/>
-            </a:pPr>
-            <a:endParaRPr lang="en-US" altLang="en-US" sz="2400" dirty="0">
-              <a:latin typeface="Courier New" panose="02070309020205020404" pitchFamily="49" charset="0"/>
-              <a:ea typeface="ＭＳ Ｐゴシック" panose="020B0600070205080204" pitchFamily="34" charset="-128"/>
-              <a:cs typeface="Courier New" panose="02070309020205020404" pitchFamily="49" charset="0"/>
-            </a:endParaRPr>
-          </a:p>
-          <a:p>
-            <a:pPr marL="0" indent="0">
-              <a:buFont typeface="Symbol" panose="05050102010706020507" pitchFamily="18" charset="2"/>
-              <a:buNone/>
-            </a:pPr>
-            <a:endParaRPr lang="en-US" altLang="en-US" sz="2400" dirty="0">
-              <a:latin typeface="Courier New" panose="02070309020205020404" pitchFamily="49" charset="0"/>
-              <a:ea typeface="ＭＳ Ｐゴシック" panose="020B0600070205080204" pitchFamily="34" charset="-128"/>
-              <a:cs typeface="Courier New" panose="02070309020205020404" pitchFamily="49" charset="0"/>
-            </a:endParaRPr>
-          </a:p>
-          <a:p>
-            <a:pPr marL="0" indent="0">
-              <a:buFont typeface="Symbol" panose="05050102010706020507" pitchFamily="18" charset="2"/>
-              <a:buNone/>
-            </a:pPr>
-            <a:endParaRPr lang="en-US" altLang="en-US" sz="2400" dirty="0">
-              <a:latin typeface="Courier New" panose="02070309020205020404" pitchFamily="49" charset="0"/>
-              <a:ea typeface="ＭＳ Ｐゴシック" panose="020B0600070205080204" pitchFamily="34" charset="-128"/>
-              <a:cs typeface="Courier New" panose="02070309020205020404" pitchFamily="49" charset="0"/>
-            </a:endParaRPr>
-          </a:p>
-        </p:txBody>
-      </p:sp>
-    </p:spTree>
-    <p:extLst>
-      <p:ext uri="{BB962C8B-B14F-4D97-AF65-F5344CB8AC3E}">
-        <p14:creationId xmlns:p14="http://schemas.microsoft.com/office/powerpoint/2010/main" val="2163258163"/>
-      </p:ext>
-    </p:extLst>
-  </p:cSld>
-  <p:clrMapOvr>
-    <a:masterClrMapping/>
-  </p:clrMapOvr>
-</p:sld>
-</file>
-
-<file path=ppt/slides/slide20.xml><?xml version="1.0" encoding="utf-8"?>
-<p:sld xmlns:a="http://schemas.openxmlformats.org/drawingml/2006/main" xmlns:r="http://schemas.openxmlformats.org/officeDocument/2006/relationships" xmlns:p="http://schemas.openxmlformats.org/presentationml/2006/main">
-  <p:cSld>
-    <p:spTree>
-      <p:nvGrpSpPr>
-        <p:cNvPr id="1" name=""/>
-        <p:cNvGrpSpPr/>
-        <p:nvPr/>
-      </p:nvGrpSpPr>
-      <p:grpSpPr>
-        <a:xfrm>
-          <a:off x="0" y="0"/>
-          <a:ext cx="0" cy="0"/>
-          <a:chOff x="0" y="0"/>
-          <a:chExt cx="0" cy="0"/>
-        </a:xfrm>
-      </p:grpSpPr>
-      <p:sp>
-        <p:nvSpPr>
-          <p:cNvPr id="2" name="Title 1">
-            <a:extLst>
-              <a:ext uri="{FF2B5EF4-FFF2-40B4-BE49-F238E27FC236}">
-                <a16:creationId xmlns:a16="http://schemas.microsoft.com/office/drawing/2014/main" id="{A3CF88B2-7D10-4512-B991-123D8BB60E9C}"/>
-              </a:ext>
-            </a:extLst>
-          </p:cNvPr>
-          <p:cNvSpPr>
-            <a:spLocks noGrp="1"/>
-          </p:cNvSpPr>
-          <p:nvPr>
-            <p:ph type="title"/>
-          </p:nvPr>
-        </p:nvSpPr>
-        <p:spPr>
-          <a:xfrm>
-            <a:off x="838200" y="365125"/>
-            <a:ext cx="10515600" cy="1325563"/>
-          </a:xfrm>
-        </p:spPr>
-        <p:txBody>
-          <a:bodyPr/>
-          <a:lstStyle/>
-          <a:p>
-            <a:r>
-              <a:rPr lang="en-US" dirty="0"/>
-              <a:t>Making a copy of a List</a:t>
-            </a:r>
-            <a:endParaRPr lang="en-US" dirty="0">
-              <a:latin typeface="Courier New" panose="02070309020205020404" pitchFamily="49" charset="0"/>
-              <a:cs typeface="Courier New" panose="02070309020205020404" pitchFamily="49" charset="0"/>
-            </a:endParaRPr>
-          </a:p>
-        </p:txBody>
-      </p:sp>
-      <p:sp>
-        <p:nvSpPr>
-          <p:cNvPr id="3" name="Content Placeholder 2">
-            <a:extLst>
-              <a:ext uri="{FF2B5EF4-FFF2-40B4-BE49-F238E27FC236}">
-                <a16:creationId xmlns:a16="http://schemas.microsoft.com/office/drawing/2014/main" id="{5F4835C5-2666-4F19-88FF-ACF2518A749F}"/>
-              </a:ext>
-            </a:extLst>
-          </p:cNvPr>
-          <p:cNvSpPr>
-            <a:spLocks noGrp="1"/>
-          </p:cNvSpPr>
-          <p:nvPr>
-            <p:ph idx="1"/>
-          </p:nvPr>
-        </p:nvSpPr>
-        <p:spPr>
-          <a:xfrm>
-            <a:off x="838199" y="2043739"/>
-            <a:ext cx="10738607" cy="3660775"/>
-          </a:xfrm>
-        </p:spPr>
-        <p:txBody>
-          <a:bodyPr>
-            <a:normAutofit fontScale="77500" lnSpcReduction="20000"/>
-          </a:bodyPr>
-          <a:lstStyle/>
-          <a:p>
-            <a:pPr marL="0" indent="0">
-              <a:lnSpc>
-                <a:spcPct val="100000"/>
-              </a:lnSpc>
-              <a:buNone/>
-            </a:pPr>
-            <a:r>
-              <a:rPr lang="en-US" altLang="en-US" sz="2300" dirty="0">
-                <a:solidFill>
-                  <a:schemeClr val="accent2"/>
-                </a:solidFill>
-                <a:latin typeface="Lucida Sans Typewriter" panose="020B0509030504030204" pitchFamily="49" charset="0"/>
-                <a:ea typeface="ＭＳ Ｐゴシック" panose="020B0600070205080204" pitchFamily="34" charset="-128"/>
-              </a:rPr>
-              <a:t>&gt;&gt;&gt; list1 = [1, 2, 3]</a:t>
-            </a:r>
-          </a:p>
-          <a:p>
-            <a:pPr marL="0" indent="0">
-              <a:lnSpc>
-                <a:spcPct val="100000"/>
-              </a:lnSpc>
-              <a:buNone/>
-            </a:pPr>
-            <a:r>
-              <a:rPr lang="en-US" altLang="en-US" sz="2300" dirty="0">
-                <a:solidFill>
-                  <a:schemeClr val="accent2"/>
-                </a:solidFill>
-                <a:latin typeface="Lucida Sans Typewriter" panose="020B0509030504030204" pitchFamily="49" charset="0"/>
-                <a:ea typeface="ＭＳ Ｐゴシック" panose="020B0600070205080204" pitchFamily="34" charset="-128"/>
-              </a:rPr>
-              <a:t>&gt;&gt;&gt; list2 = list1</a:t>
-            </a:r>
-          </a:p>
-          <a:p>
-            <a:pPr marL="0" indent="0">
-              <a:lnSpc>
-                <a:spcPct val="100000"/>
-              </a:lnSpc>
-              <a:buNone/>
-            </a:pPr>
-            <a:r>
-              <a:rPr lang="en-US" altLang="en-US" sz="2300" dirty="0">
-                <a:solidFill>
-                  <a:schemeClr val="accent2"/>
-                </a:solidFill>
-                <a:latin typeface="Lucida Sans Typewriter" panose="020B0509030504030204" pitchFamily="49" charset="0"/>
-                <a:ea typeface="ＭＳ Ｐゴシック" panose="020B0600070205080204" pitchFamily="34" charset="-128"/>
-              </a:rPr>
-              <a:t>&gt;&gt;&gt; list1 is list2</a:t>
-            </a:r>
-          </a:p>
-          <a:p>
-            <a:pPr marL="0" indent="0">
-              <a:lnSpc>
-                <a:spcPct val="100000"/>
-              </a:lnSpc>
-              <a:buNone/>
-            </a:pPr>
-            <a:r>
-              <a:rPr lang="en-US" altLang="en-US" sz="2300" dirty="0">
-                <a:solidFill>
-                  <a:schemeClr val="accent2"/>
-                </a:solidFill>
-                <a:latin typeface="Lucida Sans Typewriter" panose="020B0509030504030204" pitchFamily="49" charset="0"/>
-                <a:ea typeface="ＭＳ Ｐゴシック" panose="020B0600070205080204" pitchFamily="34" charset="-128"/>
-              </a:rPr>
-              <a:t>True</a:t>
-            </a:r>
-          </a:p>
-          <a:p>
-            <a:pPr marL="0" indent="0">
-              <a:lnSpc>
-                <a:spcPct val="100000"/>
-              </a:lnSpc>
-              <a:buNone/>
-            </a:pPr>
-            <a:r>
-              <a:rPr lang="en-US" altLang="en-US" sz="2300" dirty="0">
-                <a:solidFill>
-                  <a:schemeClr val="accent2"/>
-                </a:solidFill>
-                <a:latin typeface="Lucida Sans Typewriter" panose="020B0509030504030204" pitchFamily="49" charset="0"/>
-                <a:ea typeface="ＭＳ Ｐゴシック" panose="020B0600070205080204" pitchFamily="34" charset="-128"/>
-              </a:rPr>
-              <a:t>&gt;&gt;&gt; list2 = list1.copy()</a:t>
-            </a:r>
-          </a:p>
-          <a:p>
-            <a:pPr marL="0" indent="0">
-              <a:lnSpc>
-                <a:spcPct val="100000"/>
-              </a:lnSpc>
-              <a:buNone/>
-            </a:pPr>
-            <a:r>
-              <a:rPr lang="en-US" altLang="en-US" sz="2300" dirty="0">
-                <a:solidFill>
-                  <a:schemeClr val="accent2"/>
-                </a:solidFill>
-                <a:latin typeface="Lucida Sans Typewriter" panose="020B0509030504030204" pitchFamily="49" charset="0"/>
-                <a:ea typeface="ＭＳ Ｐゴシック" panose="020B0600070205080204" pitchFamily="34" charset="-128"/>
-              </a:rPr>
-              <a:t>&gt;&gt;&gt; list1 is list2</a:t>
-            </a:r>
-          </a:p>
-          <a:p>
-            <a:pPr marL="0" indent="0">
-              <a:lnSpc>
-                <a:spcPct val="100000"/>
-              </a:lnSpc>
-              <a:buNone/>
-            </a:pPr>
-            <a:r>
-              <a:rPr lang="en-US" altLang="en-US" sz="2300" dirty="0">
-                <a:solidFill>
-                  <a:schemeClr val="accent2"/>
-                </a:solidFill>
-                <a:latin typeface="Lucida Sans Typewriter" panose="020B0509030504030204" pitchFamily="49" charset="0"/>
-                <a:ea typeface="ＭＳ Ｐゴシック" panose="020B0600070205080204" pitchFamily="34" charset="-128"/>
-              </a:rPr>
-              <a:t>False</a:t>
-            </a:r>
-          </a:p>
-          <a:p>
-            <a:pPr marL="0" indent="0">
-              <a:lnSpc>
-                <a:spcPct val="100000"/>
-              </a:lnSpc>
-              <a:buNone/>
-            </a:pPr>
-            <a:r>
-              <a:rPr lang="en-US" altLang="en-US" sz="2300" dirty="0">
-                <a:solidFill>
-                  <a:schemeClr val="accent2"/>
-                </a:solidFill>
-                <a:latin typeface="Lucida Sans Typewriter" panose="020B0509030504030204" pitchFamily="49" charset="0"/>
-                <a:ea typeface="ＭＳ Ｐゴシック" panose="020B0600070205080204" pitchFamily="34" charset="-128"/>
-              </a:rPr>
-              <a:t>&gt;&gt;&gt; list2 = list1[:]</a:t>
-            </a:r>
-          </a:p>
-          <a:p>
-            <a:pPr marL="0" indent="0">
-              <a:lnSpc>
-                <a:spcPct val="100000"/>
-              </a:lnSpc>
-              <a:buNone/>
-            </a:pPr>
-            <a:r>
-              <a:rPr lang="en-US" altLang="en-US" sz="2300" dirty="0">
-                <a:solidFill>
-                  <a:schemeClr val="accent2"/>
-                </a:solidFill>
-                <a:latin typeface="Lucida Sans Typewriter" panose="020B0509030504030204" pitchFamily="49" charset="0"/>
-                <a:ea typeface="ＭＳ Ｐゴシック" panose="020B0600070205080204" pitchFamily="34" charset="-128"/>
-              </a:rPr>
-              <a:t>&gt;&gt;&gt; list1 is list2</a:t>
-            </a:r>
-          </a:p>
-          <a:p>
-            <a:pPr marL="0" indent="0">
-              <a:lnSpc>
-                <a:spcPct val="100000"/>
-              </a:lnSpc>
-              <a:buNone/>
-            </a:pPr>
-            <a:r>
-              <a:rPr lang="en-US" altLang="en-US" sz="2300" dirty="0">
-                <a:solidFill>
-                  <a:schemeClr val="accent2"/>
-                </a:solidFill>
-                <a:latin typeface="Lucida Sans Typewriter" panose="020B0509030504030204" pitchFamily="49" charset="0"/>
-                <a:ea typeface="ＭＳ Ｐゴシック" panose="020B0600070205080204" pitchFamily="34" charset="-128"/>
-              </a:rPr>
-              <a:t>False</a:t>
-            </a:r>
-          </a:p>
-        </p:txBody>
-      </p:sp>
-      <p:cxnSp>
-        <p:nvCxnSpPr>
-          <p:cNvPr id="4" name="Straight Arrow Connector 3">
-            <a:extLst>
-              <a:ext uri="{FF2B5EF4-FFF2-40B4-BE49-F238E27FC236}">
-                <a16:creationId xmlns:a16="http://schemas.microsoft.com/office/drawing/2014/main" id="{D1CAEE84-CDE5-4977-BE0F-D35936A759B7}"/>
-              </a:ext>
-            </a:extLst>
-          </p:cNvPr>
-          <p:cNvCxnSpPr>
-            <a:cxnSpLocks/>
-          </p:cNvCxnSpPr>
-          <p:nvPr/>
-        </p:nvCxnSpPr>
-        <p:spPr>
-          <a:xfrm flipH="1">
-            <a:off x="4077049" y="4608298"/>
-            <a:ext cx="2691630" cy="0"/>
-          </a:xfrm>
-          <a:prstGeom prst="straightConnector1">
-            <a:avLst/>
-          </a:prstGeom>
-          <a:ln>
-            <a:tailEnd type="triangle"/>
-          </a:ln>
-        </p:spPr>
-        <p:style>
-          <a:lnRef idx="1">
-            <a:schemeClr val="accent1"/>
-          </a:lnRef>
-          <a:fillRef idx="0">
-            <a:schemeClr val="accent1"/>
-          </a:fillRef>
-          <a:effectRef idx="0">
-            <a:schemeClr val="accent1"/>
-          </a:effectRef>
-          <a:fontRef idx="minor">
-            <a:schemeClr val="tx1"/>
-          </a:fontRef>
-        </p:style>
-      </p:cxnSp>
-      <p:sp>
-        <p:nvSpPr>
-          <p:cNvPr id="5" name="TextBox 4">
-            <a:extLst>
-              <a:ext uri="{FF2B5EF4-FFF2-40B4-BE49-F238E27FC236}">
-                <a16:creationId xmlns:a16="http://schemas.microsoft.com/office/drawing/2014/main" id="{79D07424-A51B-4098-864B-7BAB950BA5DA}"/>
-              </a:ext>
-            </a:extLst>
-          </p:cNvPr>
-          <p:cNvSpPr txBox="1"/>
-          <p:nvPr/>
-        </p:nvSpPr>
-        <p:spPr>
-          <a:xfrm>
-            <a:off x="6836911" y="4377465"/>
-            <a:ext cx="4671663" cy="461665"/>
-          </a:xfrm>
-          <a:prstGeom prst="rect">
-            <a:avLst/>
-          </a:prstGeom>
-          <a:noFill/>
-        </p:spPr>
-        <p:txBody>
-          <a:bodyPr wrap="none" rtlCol="0">
-            <a:spAutoFit/>
-          </a:bodyPr>
-          <a:lstStyle/>
-          <a:p>
-            <a:r>
-              <a:rPr lang="en-US" sz="2400" dirty="0"/>
-              <a:t>You’ll see this a lot in real programs.</a:t>
-            </a:r>
-          </a:p>
-        </p:txBody>
-      </p:sp>
-    </p:spTree>
-    <p:extLst>
-      <p:ext uri="{BB962C8B-B14F-4D97-AF65-F5344CB8AC3E}">
-        <p14:creationId xmlns:p14="http://schemas.microsoft.com/office/powerpoint/2010/main" val="4268340205"/>
-      </p:ext>
-    </p:extLst>
-  </p:cSld>
-  <p:clrMapOvr>
-    <a:masterClrMapping/>
-  </p:clrMapOvr>
-</p:sld>
-</file>
-
-<file path=ppt/slides/slide21.xml><?xml version="1.0" encoding="utf-8"?>
-<p:sld xmlns:a="http://schemas.openxmlformats.org/drawingml/2006/main" xmlns:r="http://schemas.openxmlformats.org/officeDocument/2006/relationships" xmlns:p="http://schemas.openxmlformats.org/presentationml/2006/main">
-  <p:cSld>
-    <p:spTree>
-      <p:nvGrpSpPr>
-        <p:cNvPr id="1" name=""/>
-        <p:cNvGrpSpPr/>
-        <p:nvPr/>
-      </p:nvGrpSpPr>
-      <p:grpSpPr>
-        <a:xfrm>
-          <a:off x="0" y="0"/>
-          <a:ext cx="0" cy="0"/>
-          <a:chOff x="0" y="0"/>
-          <a:chExt cx="0" cy="0"/>
-        </a:xfrm>
-      </p:grpSpPr>
-      <p:sp>
-        <p:nvSpPr>
-          <p:cNvPr id="2" name="Title 1">
-            <a:extLst>
-              <a:ext uri="{FF2B5EF4-FFF2-40B4-BE49-F238E27FC236}">
-                <a16:creationId xmlns:a16="http://schemas.microsoft.com/office/drawing/2014/main" id="{A3CF88B2-7D10-4512-B991-123D8BB60E9C}"/>
-              </a:ext>
-            </a:extLst>
-          </p:cNvPr>
-          <p:cNvSpPr>
-            <a:spLocks noGrp="1"/>
-          </p:cNvSpPr>
-          <p:nvPr>
-            <p:ph type="title"/>
-          </p:nvPr>
-        </p:nvSpPr>
-        <p:spPr>
-          <a:xfrm>
-            <a:off x="838200" y="365125"/>
-            <a:ext cx="10515600" cy="1325563"/>
-          </a:xfrm>
-        </p:spPr>
-        <p:txBody>
-          <a:bodyPr/>
-          <a:lstStyle/>
-          <a:p>
-            <a:r>
-              <a:rPr lang="en-US" dirty="0"/>
-              <a:t>Interlude: Plotting in Notebooks</a:t>
-            </a:r>
-            <a:endParaRPr lang="en-US" dirty="0">
-              <a:latin typeface="Courier New" panose="02070309020205020404" pitchFamily="49" charset="0"/>
-              <a:cs typeface="Courier New" panose="02070309020205020404" pitchFamily="49" charset="0"/>
-            </a:endParaRPr>
-          </a:p>
-        </p:txBody>
-      </p:sp>
-      <p:pic>
-        <p:nvPicPr>
-          <p:cNvPr id="11" name="Picture 10">
-            <a:extLst>
-              <a:ext uri="{FF2B5EF4-FFF2-40B4-BE49-F238E27FC236}">
-                <a16:creationId xmlns:a16="http://schemas.microsoft.com/office/drawing/2014/main" id="{9C340890-9CFC-466D-98C7-DC913EA220D9}"/>
-              </a:ext>
-            </a:extLst>
-          </p:cNvPr>
-          <p:cNvPicPr>
-            <a:picLocks noChangeAspect="1"/>
-          </p:cNvPicPr>
-          <p:nvPr/>
-        </p:nvPicPr>
-        <p:blipFill>
-          <a:blip r:embed="rId2">
-            <a:extLst>
-              <a:ext uri="{28A0092B-C50C-407E-A947-70E740481C1C}">
-                <a14:useLocalDpi xmlns:a14="http://schemas.microsoft.com/office/drawing/2010/main" val="0"/>
-              </a:ext>
-            </a:extLst>
-          </a:blip>
-          <a:stretch>
-            <a:fillRect/>
-          </a:stretch>
-        </p:blipFill>
-        <p:spPr>
-          <a:xfrm>
-            <a:off x="3609696" y="2736434"/>
-            <a:ext cx="4620270" cy="3029373"/>
-          </a:xfrm>
-          <a:prstGeom prst="rect">
-            <a:avLst/>
-          </a:prstGeom>
-        </p:spPr>
-      </p:pic>
-      <p:sp>
-        <p:nvSpPr>
-          <p:cNvPr id="12" name="Content Placeholder 2">
-            <a:extLst>
-              <a:ext uri="{FF2B5EF4-FFF2-40B4-BE49-F238E27FC236}">
-                <a16:creationId xmlns:a16="http://schemas.microsoft.com/office/drawing/2014/main" id="{7110C751-335D-4441-97EB-A0EDCB87C406}"/>
-              </a:ext>
-            </a:extLst>
-          </p:cNvPr>
-          <p:cNvSpPr>
-            <a:spLocks noGrp="1"/>
-          </p:cNvSpPr>
-          <p:nvPr>
-            <p:ph idx="1"/>
-          </p:nvPr>
-        </p:nvSpPr>
-        <p:spPr>
-          <a:xfrm>
-            <a:off x="838199" y="2043739"/>
-            <a:ext cx="10738607" cy="1068577"/>
-          </a:xfrm>
-        </p:spPr>
-        <p:txBody>
-          <a:bodyPr>
-            <a:normAutofit/>
-          </a:bodyPr>
-          <a:lstStyle/>
-          <a:p>
-            <a:pPr marL="0" indent="0">
-              <a:buFont typeface="Symbol" panose="05050102010706020507" pitchFamily="18" charset="2"/>
-              <a:buNone/>
-            </a:pPr>
-            <a:r>
-              <a:rPr lang="en-US" altLang="en-US" sz="2400" dirty="0"/>
-              <a:t>Now that we know how to create lists of numbers, let’s see how we can plot them in a </a:t>
-            </a:r>
-            <a:r>
-              <a:rPr lang="en-US" altLang="en-US" sz="2400" dirty="0" err="1"/>
-              <a:t>Jupyter</a:t>
-            </a:r>
-            <a:r>
-              <a:rPr lang="en-US" altLang="en-US" sz="2400" dirty="0"/>
-              <a:t> Notebook.</a:t>
-            </a:r>
-            <a:endParaRPr lang="en-US" altLang="en-US" sz="2400" dirty="0">
-              <a:latin typeface="Courier New" panose="02070309020205020404" pitchFamily="49" charset="0"/>
-              <a:ea typeface="ＭＳ Ｐゴシック" panose="020B0600070205080204" pitchFamily="34" charset="-128"/>
-              <a:cs typeface="Courier New" panose="02070309020205020404" pitchFamily="49" charset="0"/>
-            </a:endParaRPr>
-          </a:p>
-        </p:txBody>
-      </p:sp>
-    </p:spTree>
-    <p:extLst>
-      <p:ext uri="{BB962C8B-B14F-4D97-AF65-F5344CB8AC3E}">
-        <p14:creationId xmlns:p14="http://schemas.microsoft.com/office/powerpoint/2010/main" val="3999343036"/>
-      </p:ext>
-    </p:extLst>
-  </p:cSld>
-  <p:clrMapOvr>
-    <a:masterClrMapping/>
-  </p:clrMapOvr>
-</p:sld>
-</file>
-
-<file path=ppt/slides/slide22.xml><?xml version="1.0" encoding="utf-8"?>
-<p:sld xmlns:a="http://schemas.openxmlformats.org/drawingml/2006/main" xmlns:r="http://schemas.openxmlformats.org/officeDocument/2006/relationships" xmlns:p="http://schemas.openxmlformats.org/presentationml/2006/main">
-  <p:cSld>
-    <p:spTree>
-      <p:nvGrpSpPr>
-        <p:cNvPr id="1" name=""/>
-        <p:cNvGrpSpPr/>
-        <p:nvPr/>
-      </p:nvGrpSpPr>
-      <p:grpSpPr>
-        <a:xfrm>
-          <a:off x="0" y="0"/>
-          <a:ext cx="0" cy="0"/>
-          <a:chOff x="0" y="0"/>
-          <a:chExt cx="0" cy="0"/>
-        </a:xfrm>
-      </p:grpSpPr>
-      <p:sp>
-        <p:nvSpPr>
-          <p:cNvPr id="2" name="Title 1">
-            <a:extLst>
-              <a:ext uri="{FF2B5EF4-FFF2-40B4-BE49-F238E27FC236}">
-                <a16:creationId xmlns:a16="http://schemas.microsoft.com/office/drawing/2014/main" id="{A3CF88B2-7D10-4512-B991-123D8BB60E9C}"/>
-              </a:ext>
-            </a:extLst>
-          </p:cNvPr>
-          <p:cNvSpPr>
-            <a:spLocks noGrp="1"/>
-          </p:cNvSpPr>
-          <p:nvPr>
-            <p:ph type="title"/>
-          </p:nvPr>
-        </p:nvSpPr>
-        <p:spPr>
-          <a:xfrm>
-            <a:off x="838200" y="365125"/>
-            <a:ext cx="10515600" cy="1325563"/>
-          </a:xfrm>
-        </p:spPr>
-        <p:txBody>
-          <a:bodyPr/>
-          <a:lstStyle/>
-          <a:p>
-            <a:r>
-              <a:rPr lang="en-US" dirty="0"/>
-              <a:t>Tuples</a:t>
-            </a:r>
-            <a:endParaRPr lang="en-US" dirty="0">
-              <a:latin typeface="Courier New" panose="02070309020205020404" pitchFamily="49" charset="0"/>
-              <a:cs typeface="Courier New" panose="02070309020205020404" pitchFamily="49" charset="0"/>
-            </a:endParaRPr>
-          </a:p>
-        </p:txBody>
-      </p:sp>
-      <p:sp>
-        <p:nvSpPr>
-          <p:cNvPr id="3" name="Content Placeholder 2">
-            <a:extLst>
-              <a:ext uri="{FF2B5EF4-FFF2-40B4-BE49-F238E27FC236}">
-                <a16:creationId xmlns:a16="http://schemas.microsoft.com/office/drawing/2014/main" id="{5F4835C5-2666-4F19-88FF-ACF2518A749F}"/>
-              </a:ext>
-            </a:extLst>
-          </p:cNvPr>
-          <p:cNvSpPr>
-            <a:spLocks noGrp="1"/>
-          </p:cNvSpPr>
-          <p:nvPr>
-            <p:ph idx="1"/>
-          </p:nvPr>
-        </p:nvSpPr>
-        <p:spPr>
-          <a:xfrm>
-            <a:off x="838199" y="2043739"/>
-            <a:ext cx="10738607" cy="3660775"/>
-          </a:xfrm>
-        </p:spPr>
-        <p:txBody>
-          <a:bodyPr>
-            <a:normAutofit/>
-          </a:bodyPr>
-          <a:lstStyle/>
-          <a:p>
-            <a:pPr marL="0" indent="0">
-              <a:buFont typeface="Symbol" panose="05050102010706020507" pitchFamily="18" charset="2"/>
-              <a:buNone/>
-            </a:pPr>
-            <a:r>
-              <a:rPr lang="en-US" altLang="en-US" sz="2400" dirty="0"/>
-              <a:t>Use ‘(‘ and ‘)’ instead of ‘[‘ and ‘]’</a:t>
-            </a:r>
-          </a:p>
-          <a:p>
-            <a:pPr marL="0" indent="0">
-              <a:lnSpc>
-                <a:spcPct val="80000"/>
-              </a:lnSpc>
-              <a:buNone/>
-            </a:pPr>
-            <a:r>
-              <a:rPr lang="en-US" altLang="en-US" sz="2300" dirty="0">
-                <a:solidFill>
-                  <a:schemeClr val="accent2"/>
-                </a:solidFill>
-                <a:latin typeface="Lucida Sans Typewriter" panose="020B0509030504030204" pitchFamily="49" charset="0"/>
-                <a:ea typeface="ＭＳ Ｐゴシック" panose="020B0600070205080204" pitchFamily="34" charset="-128"/>
-              </a:rPr>
-              <a:t>&gt;&gt;&gt; t = (1, 2, 3)</a:t>
-            </a:r>
-          </a:p>
-          <a:p>
-            <a:pPr marL="0" indent="0">
-              <a:buFont typeface="Symbol" panose="05050102010706020507" pitchFamily="18" charset="2"/>
-              <a:buNone/>
-            </a:pPr>
-            <a:endParaRPr lang="en-US" altLang="en-US" sz="2400" dirty="0">
-              <a:latin typeface="Courier New" panose="02070309020205020404" pitchFamily="49" charset="0"/>
-              <a:ea typeface="ＭＳ Ｐゴシック" panose="020B0600070205080204" pitchFamily="34" charset="-128"/>
-              <a:cs typeface="Courier New" panose="02070309020205020404" pitchFamily="49" charset="0"/>
-            </a:endParaRPr>
-          </a:p>
-          <a:p>
-            <a:pPr marL="0" indent="0">
-              <a:buFont typeface="Symbol" panose="05050102010706020507" pitchFamily="18" charset="2"/>
-              <a:buNone/>
-            </a:pPr>
-            <a:r>
-              <a:rPr lang="en-US" altLang="en-US" sz="2400" dirty="0"/>
-              <a:t>Immutable version of List.</a:t>
-            </a:r>
-          </a:p>
-          <a:p>
-            <a:pPr lvl="1"/>
-            <a:r>
-              <a:rPr lang="en-US" altLang="en-US" dirty="0"/>
-              <a:t>Indexing/Slicing works the same</a:t>
-            </a:r>
-          </a:p>
-          <a:p>
-            <a:pPr lvl="1"/>
-            <a:r>
-              <a:rPr lang="en-US" altLang="en-US" dirty="0"/>
-              <a:t>Cannot insert/delete/append once created</a:t>
-            </a:r>
-          </a:p>
-          <a:p>
-            <a:pPr lvl="1"/>
-            <a:r>
-              <a:rPr lang="en-US" altLang="en-US" dirty="0"/>
-              <a:t>Fast! (items stored at consecutive memory locations)</a:t>
-            </a:r>
-          </a:p>
-          <a:p>
-            <a:pPr marL="0" indent="0">
-              <a:buFont typeface="Symbol" panose="05050102010706020507" pitchFamily="18" charset="2"/>
-              <a:buNone/>
-            </a:pPr>
-            <a:endParaRPr lang="en-US" altLang="en-US" sz="2400" dirty="0">
-              <a:latin typeface="Courier New" panose="02070309020205020404" pitchFamily="49" charset="0"/>
-              <a:ea typeface="ＭＳ Ｐゴシック" panose="020B0600070205080204" pitchFamily="34" charset="-128"/>
-              <a:cs typeface="Courier New" panose="02070309020205020404" pitchFamily="49" charset="0"/>
-            </a:endParaRPr>
-          </a:p>
-        </p:txBody>
-      </p:sp>
-    </p:spTree>
-    <p:extLst>
-      <p:ext uri="{BB962C8B-B14F-4D97-AF65-F5344CB8AC3E}">
-        <p14:creationId xmlns:p14="http://schemas.microsoft.com/office/powerpoint/2010/main" val="3639066903"/>
-      </p:ext>
-    </p:extLst>
-  </p:cSld>
-  <p:clrMapOvr>
-    <a:masterClrMapping/>
-  </p:clrMapOvr>
-</p:sld>
-</file>
-
-<file path=ppt/slides/slide23.xml><?xml version="1.0" encoding="utf-8"?>
-<p:sld xmlns:a="http://schemas.openxmlformats.org/drawingml/2006/main" xmlns:r="http://schemas.openxmlformats.org/officeDocument/2006/relationships" xmlns:p="http://schemas.openxmlformats.org/presentationml/2006/main">
-  <p:cSld>
-    <p:spTree>
-      <p:nvGrpSpPr>
-        <p:cNvPr id="1" name=""/>
-        <p:cNvGrpSpPr/>
-        <p:nvPr/>
-      </p:nvGrpSpPr>
-      <p:grpSpPr>
-        <a:xfrm>
-          <a:off x="0" y="0"/>
-          <a:ext cx="0" cy="0"/>
-          <a:chOff x="0" y="0"/>
-          <a:chExt cx="0" cy="0"/>
-        </a:xfrm>
-      </p:grpSpPr>
-      <p:sp>
-        <p:nvSpPr>
-          <p:cNvPr id="2" name="Title 1">
-            <a:extLst>
-              <a:ext uri="{FF2B5EF4-FFF2-40B4-BE49-F238E27FC236}">
-                <a16:creationId xmlns:a16="http://schemas.microsoft.com/office/drawing/2014/main" id="{A3CF88B2-7D10-4512-B991-123D8BB60E9C}"/>
-              </a:ext>
-            </a:extLst>
-          </p:cNvPr>
-          <p:cNvSpPr>
-            <a:spLocks noGrp="1"/>
-          </p:cNvSpPr>
-          <p:nvPr>
-            <p:ph type="title"/>
-          </p:nvPr>
-        </p:nvSpPr>
-        <p:spPr>
-          <a:xfrm>
-            <a:off x="838200" y="365125"/>
-            <a:ext cx="10515600" cy="1325563"/>
-          </a:xfrm>
-        </p:spPr>
-        <p:txBody>
-          <a:bodyPr/>
-          <a:lstStyle/>
-          <a:p>
-            <a:r>
-              <a:rPr lang="en-US" dirty="0"/>
-              <a:t>Tuples</a:t>
-            </a:r>
-            <a:endParaRPr lang="en-US" dirty="0">
-              <a:latin typeface="Courier New" panose="02070309020205020404" pitchFamily="49" charset="0"/>
-              <a:cs typeface="Courier New" panose="02070309020205020404" pitchFamily="49" charset="0"/>
-            </a:endParaRPr>
-          </a:p>
-        </p:txBody>
-      </p:sp>
-      <p:sp>
-        <p:nvSpPr>
-          <p:cNvPr id="3" name="Content Placeholder 2">
-            <a:extLst>
-              <a:ext uri="{FF2B5EF4-FFF2-40B4-BE49-F238E27FC236}">
-                <a16:creationId xmlns:a16="http://schemas.microsoft.com/office/drawing/2014/main" id="{5F4835C5-2666-4F19-88FF-ACF2518A749F}"/>
-              </a:ext>
-            </a:extLst>
-          </p:cNvPr>
-          <p:cNvSpPr>
-            <a:spLocks noGrp="1"/>
-          </p:cNvSpPr>
-          <p:nvPr>
-            <p:ph idx="1"/>
-          </p:nvPr>
-        </p:nvSpPr>
-        <p:spPr>
-          <a:xfrm>
-            <a:off x="838200" y="1870903"/>
-            <a:ext cx="10738607" cy="649127"/>
-          </a:xfrm>
-        </p:spPr>
-        <p:txBody>
-          <a:bodyPr>
-            <a:normAutofit fontScale="70000" lnSpcReduction="20000"/>
-          </a:bodyPr>
-          <a:lstStyle/>
-          <a:p>
-            <a:pPr marL="0" indent="0">
-              <a:buFont typeface="Symbol" panose="05050102010706020507" pitchFamily="18" charset="2"/>
-              <a:buNone/>
-            </a:pPr>
-            <a:r>
-              <a:rPr lang="en-US" altLang="en-US" dirty="0"/>
-              <a:t>Why do we need tuples at all?</a:t>
-            </a:r>
-          </a:p>
-          <a:p>
-            <a:pPr marL="0" indent="0">
-              <a:buFont typeface="Symbol" panose="05050102010706020507" pitchFamily="18" charset="2"/>
-              <a:buNone/>
-            </a:pPr>
-            <a:r>
-              <a:rPr lang="en-US" altLang="en-US" dirty="0"/>
-              <a:t>Useful when a sequence of items should not be altered.</a:t>
-            </a:r>
-          </a:p>
-          <a:p>
-            <a:pPr marL="0" indent="0">
-              <a:buFont typeface="Symbol" panose="05050102010706020507" pitchFamily="18" charset="2"/>
-              <a:buNone/>
-            </a:pPr>
-            <a:endParaRPr lang="en-US" altLang="en-US" sz="2400" dirty="0">
-              <a:latin typeface="Courier New" panose="02070309020205020404" pitchFamily="49" charset="0"/>
-              <a:ea typeface="ＭＳ Ｐゴシック" panose="020B0600070205080204" pitchFamily="34" charset="-128"/>
-              <a:cs typeface="Courier New" panose="02070309020205020404" pitchFamily="49" charset="0"/>
-            </a:endParaRPr>
-          </a:p>
-        </p:txBody>
-      </p:sp>
-      <p:pic>
-        <p:nvPicPr>
-          <p:cNvPr id="5" name="Picture 4">
-            <a:extLst>
-              <a:ext uri="{FF2B5EF4-FFF2-40B4-BE49-F238E27FC236}">
-                <a16:creationId xmlns:a16="http://schemas.microsoft.com/office/drawing/2014/main" id="{E726CA40-A946-4DB2-B6D6-87896077846E}"/>
-              </a:ext>
-            </a:extLst>
-          </p:cNvPr>
-          <p:cNvPicPr>
-            <a:picLocks noChangeAspect="1"/>
-          </p:cNvPicPr>
-          <p:nvPr/>
-        </p:nvPicPr>
-        <p:blipFill>
-          <a:blip r:embed="rId2">
-            <a:extLst>
-              <a:ext uri="{28A0092B-C50C-407E-A947-70E740481C1C}">
-                <a14:useLocalDpi xmlns:a14="http://schemas.microsoft.com/office/drawing/2010/main" val="0"/>
-              </a:ext>
-            </a:extLst>
-          </a:blip>
-          <a:stretch>
-            <a:fillRect/>
-          </a:stretch>
-        </p:blipFill>
-        <p:spPr>
-          <a:xfrm>
-            <a:off x="1369955" y="2611905"/>
-            <a:ext cx="8914947" cy="3106459"/>
-          </a:xfrm>
-          <a:prstGeom prst="rect">
-            <a:avLst/>
-          </a:prstGeom>
-        </p:spPr>
-      </p:pic>
-      <p:sp>
-        <p:nvSpPr>
-          <p:cNvPr id="6" name="TextBox 5">
-            <a:extLst>
-              <a:ext uri="{FF2B5EF4-FFF2-40B4-BE49-F238E27FC236}">
-                <a16:creationId xmlns:a16="http://schemas.microsoft.com/office/drawing/2014/main" id="{732E958F-B562-4A38-88FA-520FE8BE2534}"/>
-              </a:ext>
-            </a:extLst>
-          </p:cNvPr>
-          <p:cNvSpPr txBox="1"/>
-          <p:nvPr/>
-        </p:nvSpPr>
-        <p:spPr>
-          <a:xfrm>
-            <a:off x="167781" y="3179427"/>
-            <a:ext cx="1015067" cy="923330"/>
-          </a:xfrm>
-          <a:prstGeom prst="rect">
-            <a:avLst/>
-          </a:prstGeom>
-          <a:noFill/>
-        </p:spPr>
-        <p:txBody>
-          <a:bodyPr wrap="square" rtlCol="0">
-            <a:spAutoFit/>
-          </a:bodyPr>
-          <a:lstStyle/>
-          <a:p>
-            <a:r>
-              <a:rPr lang="en-US" dirty="0"/>
-              <a:t>Each row is a </a:t>
-            </a:r>
-            <a:r>
-              <a:rPr lang="en-US" b="1" dirty="0"/>
-              <a:t>tuple</a:t>
-            </a:r>
-          </a:p>
-        </p:txBody>
-      </p:sp>
-      <p:sp>
-        <p:nvSpPr>
-          <p:cNvPr id="8" name="Oval 7">
-            <a:extLst>
-              <a:ext uri="{FF2B5EF4-FFF2-40B4-BE49-F238E27FC236}">
-                <a16:creationId xmlns:a16="http://schemas.microsoft.com/office/drawing/2014/main" id="{C5541F4B-2083-4FFC-8FC0-8DEACF3FB347}"/>
-              </a:ext>
-            </a:extLst>
-          </p:cNvPr>
-          <p:cNvSpPr/>
-          <p:nvPr/>
-        </p:nvSpPr>
-        <p:spPr>
-          <a:xfrm>
-            <a:off x="1283516" y="3489820"/>
-            <a:ext cx="8632271" cy="343949"/>
-          </a:xfrm>
-          <a:prstGeom prst="ellipse">
-            <a:avLst/>
-          </a:prstGeom>
-          <a:noFill/>
-          <a:ln>
-            <a:solidFill>
-              <a:srgbClr val="FF0000"/>
-            </a:solidFill>
-          </a:ln>
-        </p:spPr>
-        <p:style>
-          <a:lnRef idx="2">
-            <a:schemeClr val="accent1">
-              <a:shade val="50000"/>
-            </a:schemeClr>
-          </a:lnRef>
-          <a:fillRef idx="1">
-            <a:schemeClr val="accent1"/>
-          </a:fillRef>
-          <a:effectRef idx="0">
-            <a:schemeClr val="accent1"/>
-          </a:effectRef>
-          <a:fontRef idx="minor">
-            <a:schemeClr val="lt1"/>
-          </a:fontRef>
-        </p:style>
-        <p:txBody>
-          <a:bodyPr rtlCol="0" anchor="ctr"/>
-          <a:lstStyle/>
-          <a:p>
-            <a:pPr algn="ctr"/>
-            <a:endParaRPr lang="en-US"/>
-          </a:p>
-        </p:txBody>
-      </p:sp>
-      <p:cxnSp>
-        <p:nvCxnSpPr>
-          <p:cNvPr id="10" name="Straight Arrow Connector 9">
-            <a:extLst>
-              <a:ext uri="{FF2B5EF4-FFF2-40B4-BE49-F238E27FC236}">
-                <a16:creationId xmlns:a16="http://schemas.microsoft.com/office/drawing/2014/main" id="{5AC3EA76-00F1-4C3F-9E10-A27CFF6D3BB7}"/>
-              </a:ext>
-            </a:extLst>
-          </p:cNvPr>
-          <p:cNvCxnSpPr/>
-          <p:nvPr/>
-        </p:nvCxnSpPr>
-        <p:spPr>
-          <a:xfrm>
-            <a:off x="1182848" y="4177717"/>
-            <a:ext cx="0" cy="1400962"/>
-          </a:xfrm>
-          <a:prstGeom prst="straightConnector1">
-            <a:avLst/>
-          </a:prstGeom>
-          <a:ln>
-            <a:tailEnd type="triangle"/>
-          </a:ln>
-        </p:spPr>
-        <p:style>
-          <a:lnRef idx="1">
-            <a:schemeClr val="accent1"/>
-          </a:lnRef>
-          <a:fillRef idx="0">
-            <a:schemeClr val="accent1"/>
-          </a:fillRef>
-          <a:effectRef idx="0">
-            <a:schemeClr val="accent1"/>
-          </a:effectRef>
-          <a:fontRef idx="minor">
-            <a:schemeClr val="tx1"/>
-          </a:fontRef>
-        </p:style>
-      </p:cxnSp>
-      <p:sp>
-        <p:nvSpPr>
-          <p:cNvPr id="11" name="TextBox 10">
-            <a:extLst>
-              <a:ext uri="{FF2B5EF4-FFF2-40B4-BE49-F238E27FC236}">
-                <a16:creationId xmlns:a16="http://schemas.microsoft.com/office/drawing/2014/main" id="{9F9F7E65-EF54-4CED-BA48-756BBBED5AE0}"/>
-              </a:ext>
-            </a:extLst>
-          </p:cNvPr>
-          <p:cNvSpPr txBox="1"/>
-          <p:nvPr/>
-        </p:nvSpPr>
-        <p:spPr>
-          <a:xfrm>
-            <a:off x="244556" y="4416533"/>
-            <a:ext cx="1015067" cy="923330"/>
-          </a:xfrm>
-          <a:prstGeom prst="rect">
-            <a:avLst/>
-          </a:prstGeom>
-          <a:noFill/>
-        </p:spPr>
-        <p:txBody>
-          <a:bodyPr wrap="square" rtlCol="0">
-            <a:spAutoFit/>
-          </a:bodyPr>
-          <a:lstStyle/>
-          <a:p>
-            <a:r>
-              <a:rPr lang="en-US" dirty="0"/>
-              <a:t>We have a </a:t>
-            </a:r>
-            <a:r>
-              <a:rPr lang="en-US" b="1" dirty="0"/>
-              <a:t>list</a:t>
-            </a:r>
-            <a:r>
-              <a:rPr lang="en-US" dirty="0"/>
-              <a:t> of</a:t>
-            </a:r>
-          </a:p>
-          <a:p>
-            <a:r>
-              <a:rPr lang="en-US" dirty="0"/>
-              <a:t>rows</a:t>
-            </a:r>
-          </a:p>
-        </p:txBody>
-      </p:sp>
-    </p:spTree>
-    <p:extLst>
-      <p:ext uri="{BB962C8B-B14F-4D97-AF65-F5344CB8AC3E}">
-        <p14:creationId xmlns:p14="http://schemas.microsoft.com/office/powerpoint/2010/main" val="3038406093"/>
-      </p:ext>
-    </p:extLst>
-  </p:cSld>
-  <p:clrMapOvr>
-    <a:masterClrMapping/>
-  </p:clrMapOvr>
-</p:sld>
-</file>
-
-<file path=ppt/slides/slide24.xml><?xml version="1.0" encoding="utf-8"?>
-<p:sld xmlns:a="http://schemas.openxmlformats.org/drawingml/2006/main" xmlns:r="http://schemas.openxmlformats.org/officeDocument/2006/relationships" xmlns:p="http://schemas.openxmlformats.org/presentationml/2006/main">
-  <p:cSld>
-    <p:spTree>
-      <p:nvGrpSpPr>
-        <p:cNvPr id="1" name=""/>
-        <p:cNvGrpSpPr/>
-        <p:nvPr/>
-      </p:nvGrpSpPr>
-      <p:grpSpPr>
-        <a:xfrm>
-          <a:off x="0" y="0"/>
-          <a:ext cx="0" cy="0"/>
-          <a:chOff x="0" y="0"/>
-          <a:chExt cx="0" cy="0"/>
-        </a:xfrm>
-      </p:grpSpPr>
-      <p:sp>
-        <p:nvSpPr>
-          <p:cNvPr id="2" name="Title 1">
-            <a:extLst>
-              <a:ext uri="{FF2B5EF4-FFF2-40B4-BE49-F238E27FC236}">
-                <a16:creationId xmlns:a16="http://schemas.microsoft.com/office/drawing/2014/main" id="{A3CF88B2-7D10-4512-B991-123D8BB60E9C}"/>
-              </a:ext>
-            </a:extLst>
-          </p:cNvPr>
-          <p:cNvSpPr>
-            <a:spLocks noGrp="1"/>
-          </p:cNvSpPr>
-          <p:nvPr>
-            <p:ph type="title"/>
-          </p:nvPr>
-        </p:nvSpPr>
-        <p:spPr>
-          <a:xfrm>
-            <a:off x="838200" y="365125"/>
-            <a:ext cx="10515600" cy="1325563"/>
-          </a:xfrm>
-        </p:spPr>
-        <p:txBody>
-          <a:bodyPr/>
-          <a:lstStyle/>
-          <a:p>
-            <a:r>
-              <a:rPr lang="en-US" dirty="0"/>
-              <a:t>Tuple Packing/Unpacking</a:t>
-            </a:r>
-            <a:endParaRPr lang="en-US" dirty="0">
-              <a:latin typeface="Courier New" panose="02070309020205020404" pitchFamily="49" charset="0"/>
-              <a:cs typeface="Courier New" panose="02070309020205020404" pitchFamily="49" charset="0"/>
-            </a:endParaRPr>
-          </a:p>
-        </p:txBody>
-      </p:sp>
-      <p:sp>
-        <p:nvSpPr>
-          <p:cNvPr id="3" name="Content Placeholder 2">
-            <a:extLst>
-              <a:ext uri="{FF2B5EF4-FFF2-40B4-BE49-F238E27FC236}">
-                <a16:creationId xmlns:a16="http://schemas.microsoft.com/office/drawing/2014/main" id="{5F4835C5-2666-4F19-88FF-ACF2518A749F}"/>
-              </a:ext>
-            </a:extLst>
-          </p:cNvPr>
-          <p:cNvSpPr>
-            <a:spLocks noGrp="1"/>
-          </p:cNvSpPr>
-          <p:nvPr>
-            <p:ph idx="1"/>
-          </p:nvPr>
-        </p:nvSpPr>
-        <p:spPr>
-          <a:xfrm>
-            <a:off x="838199" y="2043739"/>
-            <a:ext cx="10738607" cy="3887278"/>
-          </a:xfrm>
-        </p:spPr>
-        <p:txBody>
-          <a:bodyPr>
-            <a:normAutofit fontScale="85000" lnSpcReduction="10000"/>
-          </a:bodyPr>
-          <a:lstStyle/>
-          <a:p>
-            <a:pPr marL="0" indent="0">
-              <a:buFont typeface="Symbol" panose="05050102010706020507" pitchFamily="18" charset="2"/>
-              <a:buNone/>
-            </a:pPr>
-            <a:r>
-              <a:rPr lang="en-US" altLang="en-US" sz="2700" dirty="0"/>
-              <a:t>The ‘(‘ and ‘)’ can be omitted during assignment. Python ‘packs’ the individual items into a tuple.</a:t>
-            </a:r>
-          </a:p>
-          <a:p>
-            <a:pPr marL="0" indent="0">
-              <a:buFont typeface="Symbol" panose="05050102010706020507" pitchFamily="18" charset="2"/>
-              <a:buNone/>
-            </a:pPr>
-            <a:endParaRPr lang="en-US" altLang="en-US" sz="2400" dirty="0">
-              <a:latin typeface="Courier New" panose="02070309020205020404" pitchFamily="49" charset="0"/>
-              <a:ea typeface="ＭＳ Ｐゴシック" panose="020B0600070205080204" pitchFamily="34" charset="-128"/>
-              <a:cs typeface="Courier New" panose="02070309020205020404" pitchFamily="49" charset="0"/>
-            </a:endParaRPr>
-          </a:p>
-          <a:p>
-            <a:pPr marL="0" indent="0">
-              <a:lnSpc>
-                <a:spcPct val="100000"/>
-              </a:lnSpc>
-              <a:buNone/>
-            </a:pPr>
-            <a:r>
-              <a:rPr lang="en-US" altLang="en-US" sz="1700" dirty="0">
-                <a:solidFill>
-                  <a:schemeClr val="accent2"/>
-                </a:solidFill>
-                <a:latin typeface="Lucida Sans Typewriter" panose="020B0509030504030204" pitchFamily="49" charset="0"/>
-                <a:ea typeface="ＭＳ Ｐゴシック" panose="020B0600070205080204" pitchFamily="34" charset="-128"/>
-              </a:rPr>
-              <a:t>&gt;&gt;&gt; t = 1, 2, 3</a:t>
-            </a:r>
-          </a:p>
-          <a:p>
-            <a:pPr marL="0" indent="0">
-              <a:lnSpc>
-                <a:spcPct val="100000"/>
-              </a:lnSpc>
-              <a:buNone/>
-            </a:pPr>
-            <a:r>
-              <a:rPr lang="en-US" altLang="en-US" sz="1700" dirty="0">
-                <a:solidFill>
-                  <a:schemeClr val="accent2"/>
-                </a:solidFill>
-                <a:latin typeface="Lucida Sans Typewriter" panose="020B0509030504030204" pitchFamily="49" charset="0"/>
-                <a:ea typeface="ＭＳ Ｐゴシック" panose="020B0600070205080204" pitchFamily="34" charset="-128"/>
-              </a:rPr>
-              <a:t>&gt;&gt;&gt; type(t)</a:t>
-            </a:r>
-          </a:p>
-          <a:p>
-            <a:pPr marL="0" indent="0">
-              <a:lnSpc>
-                <a:spcPct val="100000"/>
-              </a:lnSpc>
-              <a:buNone/>
-            </a:pPr>
-            <a:r>
-              <a:rPr lang="en-US" altLang="en-US" sz="1700" dirty="0">
-                <a:solidFill>
-                  <a:schemeClr val="accent2"/>
-                </a:solidFill>
-                <a:latin typeface="Lucida Sans Typewriter" panose="020B0509030504030204" pitchFamily="49" charset="0"/>
-                <a:ea typeface="ＭＳ Ｐゴシック" panose="020B0600070205080204" pitchFamily="34" charset="-128"/>
-              </a:rPr>
-              <a:t>&lt;class ‘tuple’&gt;</a:t>
-            </a:r>
-          </a:p>
-          <a:p>
-            <a:pPr marL="0" indent="0">
-              <a:buFont typeface="Symbol" panose="05050102010706020507" pitchFamily="18" charset="2"/>
-              <a:buNone/>
-            </a:pPr>
-            <a:endParaRPr lang="en-US" altLang="en-US" sz="2400" dirty="0">
-              <a:latin typeface="Courier New" panose="02070309020205020404" pitchFamily="49" charset="0"/>
-              <a:ea typeface="ＭＳ Ｐゴシック" panose="020B0600070205080204" pitchFamily="34" charset="-128"/>
-              <a:cs typeface="Courier New" panose="02070309020205020404" pitchFamily="49" charset="0"/>
-            </a:endParaRPr>
-          </a:p>
-          <a:p>
-            <a:pPr marL="0" indent="0">
-              <a:buFont typeface="Symbol" panose="05050102010706020507" pitchFamily="18" charset="2"/>
-              <a:buNone/>
-            </a:pPr>
-            <a:r>
-              <a:rPr lang="en-US" altLang="en-US" sz="2700" dirty="0"/>
-              <a:t>Similarly, tuple unpacking is a common way of assigning multiple variables in one line:</a:t>
-            </a:r>
-          </a:p>
-          <a:p>
-            <a:pPr marL="0" indent="0">
-              <a:lnSpc>
-                <a:spcPct val="100000"/>
-              </a:lnSpc>
-              <a:buNone/>
-            </a:pPr>
-            <a:r>
-              <a:rPr lang="en-US" altLang="en-US" sz="1700" dirty="0">
-                <a:solidFill>
-                  <a:schemeClr val="accent2"/>
-                </a:solidFill>
-                <a:latin typeface="Lucida Sans Typewriter" panose="020B0509030504030204" pitchFamily="49" charset="0"/>
-                <a:ea typeface="ＭＳ Ｐゴシック" panose="020B0600070205080204" pitchFamily="34" charset="-128"/>
-              </a:rPr>
-              <a:t>&gt;&gt;&gt; a, b, c = 97, 98, 99</a:t>
-            </a:r>
-          </a:p>
-          <a:p>
-            <a:pPr marL="0" indent="0">
-              <a:lnSpc>
-                <a:spcPct val="100000"/>
-              </a:lnSpc>
-              <a:buNone/>
-            </a:pPr>
-            <a:r>
-              <a:rPr lang="en-US" altLang="en-US" sz="1700" dirty="0">
-                <a:solidFill>
-                  <a:schemeClr val="accent2"/>
-                </a:solidFill>
-                <a:latin typeface="Lucida Sans Typewriter" panose="020B0509030504030204" pitchFamily="49" charset="0"/>
-                <a:ea typeface="ＭＳ Ｐゴシック" panose="020B0600070205080204" pitchFamily="34" charset="-128"/>
-              </a:rPr>
-              <a:t>&gt;&gt;&gt; b</a:t>
-            </a:r>
-          </a:p>
-          <a:p>
-            <a:pPr marL="0" indent="0">
-              <a:lnSpc>
-                <a:spcPct val="100000"/>
-              </a:lnSpc>
-              <a:buNone/>
-            </a:pPr>
-            <a:r>
-              <a:rPr lang="en-US" altLang="en-US" sz="1700" dirty="0">
-                <a:solidFill>
-                  <a:schemeClr val="accent2"/>
-                </a:solidFill>
-                <a:latin typeface="Lucida Sans Typewriter" panose="020B0509030504030204" pitchFamily="49" charset="0"/>
-                <a:ea typeface="ＭＳ Ｐゴシック" panose="020B0600070205080204" pitchFamily="34" charset="-128"/>
-              </a:rPr>
-              <a:t>98</a:t>
-            </a:r>
-          </a:p>
-        </p:txBody>
-      </p:sp>
-    </p:spTree>
-    <p:extLst>
-      <p:ext uri="{BB962C8B-B14F-4D97-AF65-F5344CB8AC3E}">
-        <p14:creationId xmlns:p14="http://schemas.microsoft.com/office/powerpoint/2010/main" val="1211336605"/>
-      </p:ext>
-    </p:extLst>
-  </p:cSld>
-  <p:clrMapOvr>
-    <a:masterClrMapping/>
-  </p:clrMapOvr>
-</p:sld>
-</file>
-
-<file path=ppt/slides/slide25.xml><?xml version="1.0" encoding="utf-8"?>
-<p:sld xmlns:a="http://schemas.openxmlformats.org/drawingml/2006/main" xmlns:r="http://schemas.openxmlformats.org/officeDocument/2006/relationships" xmlns:p="http://schemas.openxmlformats.org/presentationml/2006/main">
-  <p:cSld>
-    <p:spTree>
-      <p:nvGrpSpPr>
-        <p:cNvPr id="1" name=""/>
-        <p:cNvGrpSpPr/>
-        <p:nvPr/>
-      </p:nvGrpSpPr>
-      <p:grpSpPr>
-        <a:xfrm>
-          <a:off x="0" y="0"/>
-          <a:ext cx="0" cy="0"/>
-          <a:chOff x="0" y="0"/>
-          <a:chExt cx="0" cy="0"/>
-        </a:xfrm>
-      </p:grpSpPr>
-      <p:sp>
-        <p:nvSpPr>
-          <p:cNvPr id="2" name="Title 1">
-            <a:extLst>
-              <a:ext uri="{FF2B5EF4-FFF2-40B4-BE49-F238E27FC236}">
-                <a16:creationId xmlns:a16="http://schemas.microsoft.com/office/drawing/2014/main" id="{A3CF88B2-7D10-4512-B991-123D8BB60E9C}"/>
-              </a:ext>
-            </a:extLst>
-          </p:cNvPr>
-          <p:cNvSpPr>
-            <a:spLocks noGrp="1"/>
-          </p:cNvSpPr>
-          <p:nvPr>
-            <p:ph type="title"/>
-          </p:nvPr>
-        </p:nvSpPr>
-        <p:spPr>
-          <a:xfrm>
-            <a:off x="838200" y="365125"/>
-            <a:ext cx="10515600" cy="1325563"/>
-          </a:xfrm>
-        </p:spPr>
-        <p:txBody>
-          <a:bodyPr/>
-          <a:lstStyle/>
-          <a:p>
-            <a:r>
-              <a:rPr lang="en-US" dirty="0"/>
-              <a:t>Tuple Packing/Unpacking</a:t>
-            </a:r>
-            <a:endParaRPr lang="en-US" dirty="0">
-              <a:latin typeface="Courier New" panose="02070309020205020404" pitchFamily="49" charset="0"/>
-              <a:cs typeface="Courier New" panose="02070309020205020404" pitchFamily="49" charset="0"/>
-            </a:endParaRPr>
-          </a:p>
-        </p:txBody>
-      </p:sp>
-      <p:sp>
-        <p:nvSpPr>
-          <p:cNvPr id="3" name="Content Placeholder 2">
-            <a:extLst>
-              <a:ext uri="{FF2B5EF4-FFF2-40B4-BE49-F238E27FC236}">
-                <a16:creationId xmlns:a16="http://schemas.microsoft.com/office/drawing/2014/main" id="{5F4835C5-2666-4F19-88FF-ACF2518A749F}"/>
-              </a:ext>
-            </a:extLst>
-          </p:cNvPr>
-          <p:cNvSpPr>
-            <a:spLocks noGrp="1"/>
-          </p:cNvSpPr>
-          <p:nvPr>
-            <p:ph idx="1"/>
-          </p:nvPr>
-        </p:nvSpPr>
-        <p:spPr>
-          <a:xfrm>
-            <a:off x="838199" y="2043739"/>
-            <a:ext cx="10738607" cy="3887278"/>
-          </a:xfrm>
-        </p:spPr>
-        <p:txBody>
-          <a:bodyPr>
-            <a:normAutofit/>
-          </a:bodyPr>
-          <a:lstStyle/>
-          <a:p>
-            <a:pPr marL="0" indent="0">
-              <a:lnSpc>
-                <a:spcPct val="80000"/>
-              </a:lnSpc>
-              <a:buNone/>
-            </a:pPr>
-            <a:r>
-              <a:rPr lang="en-US" altLang="en-US" sz="2300" dirty="0"/>
-              <a:t>This allows us to write the world’s shortest code to swap two variables:</a:t>
-            </a:r>
-          </a:p>
-          <a:p>
-            <a:pPr marL="0" indent="0">
-              <a:buFont typeface="Symbol" panose="05050102010706020507" pitchFamily="18" charset="2"/>
-              <a:buNone/>
-            </a:pPr>
-            <a:endParaRPr lang="en-US" altLang="en-US" sz="2400" dirty="0">
-              <a:latin typeface="Courier New" panose="02070309020205020404" pitchFamily="49" charset="0"/>
-              <a:ea typeface="ＭＳ Ｐゴシック" panose="020B0600070205080204" pitchFamily="34" charset="-128"/>
-              <a:cs typeface="Courier New" panose="02070309020205020404" pitchFamily="49" charset="0"/>
-            </a:endParaRPr>
-          </a:p>
-          <a:p>
-            <a:pPr marL="0" indent="0">
-              <a:lnSpc>
-                <a:spcPct val="100000"/>
-              </a:lnSpc>
-              <a:buNone/>
-            </a:pPr>
-            <a:r>
-              <a:rPr lang="en-US" altLang="en-US" sz="1500" dirty="0">
-                <a:solidFill>
-                  <a:schemeClr val="accent2"/>
-                </a:solidFill>
-                <a:latin typeface="Lucida Sans Typewriter" panose="020B0509030504030204" pitchFamily="49" charset="0"/>
-                <a:ea typeface="ＭＳ Ｐゴシック" panose="020B0600070205080204" pitchFamily="34" charset="-128"/>
-              </a:rPr>
-              <a:t>&gt;&gt;&gt; a = 1</a:t>
-            </a:r>
-          </a:p>
-          <a:p>
-            <a:pPr marL="0" indent="0">
-              <a:lnSpc>
-                <a:spcPct val="100000"/>
-              </a:lnSpc>
-              <a:buNone/>
-            </a:pPr>
-            <a:r>
-              <a:rPr lang="en-US" altLang="en-US" sz="1500" dirty="0">
-                <a:solidFill>
-                  <a:schemeClr val="accent2"/>
-                </a:solidFill>
-                <a:latin typeface="Lucida Sans Typewriter" panose="020B0509030504030204" pitchFamily="49" charset="0"/>
-                <a:ea typeface="ＭＳ Ｐゴシック" panose="020B0600070205080204" pitchFamily="34" charset="-128"/>
-              </a:rPr>
-              <a:t>&gt;&gt;&gt; b = 10</a:t>
-            </a:r>
-          </a:p>
-          <a:p>
-            <a:pPr marL="0" indent="0">
-              <a:lnSpc>
-                <a:spcPct val="100000"/>
-              </a:lnSpc>
-              <a:buNone/>
-            </a:pPr>
-            <a:r>
-              <a:rPr lang="en-US" altLang="en-US" sz="1500" dirty="0">
-                <a:solidFill>
-                  <a:schemeClr val="accent2"/>
-                </a:solidFill>
-                <a:latin typeface="Lucida Sans Typewriter" panose="020B0509030504030204" pitchFamily="49" charset="0"/>
-                <a:ea typeface="ＭＳ Ｐゴシック" panose="020B0600070205080204" pitchFamily="34" charset="-128"/>
-              </a:rPr>
-              <a:t>&gt;&gt;&gt; a, b = b, a</a:t>
-            </a:r>
-          </a:p>
-          <a:p>
-            <a:pPr marL="0" indent="0">
-              <a:lnSpc>
-                <a:spcPct val="100000"/>
-              </a:lnSpc>
-              <a:buNone/>
-            </a:pPr>
-            <a:r>
-              <a:rPr lang="en-US" altLang="en-US" sz="1500" dirty="0">
-                <a:solidFill>
-                  <a:schemeClr val="accent2"/>
-                </a:solidFill>
-                <a:latin typeface="Lucida Sans Typewriter" panose="020B0509030504030204" pitchFamily="49" charset="0"/>
-                <a:ea typeface="ＭＳ Ｐゴシック" panose="020B0600070205080204" pitchFamily="34" charset="-128"/>
-              </a:rPr>
-              <a:t>&gt;&gt;&gt; a</a:t>
-            </a:r>
-          </a:p>
-          <a:p>
-            <a:pPr marL="0" indent="0">
-              <a:lnSpc>
-                <a:spcPct val="100000"/>
-              </a:lnSpc>
-              <a:buNone/>
-            </a:pPr>
-            <a:r>
-              <a:rPr lang="en-US" altLang="en-US" sz="1500" dirty="0">
-                <a:solidFill>
-                  <a:schemeClr val="accent2"/>
-                </a:solidFill>
-                <a:latin typeface="Lucida Sans Typewriter" panose="020B0509030504030204" pitchFamily="49" charset="0"/>
-                <a:ea typeface="ＭＳ Ｐゴシック" panose="020B0600070205080204" pitchFamily="34" charset="-128"/>
-              </a:rPr>
-              <a:t>10</a:t>
-            </a:r>
-          </a:p>
-          <a:p>
-            <a:pPr marL="0" indent="0">
-              <a:lnSpc>
-                <a:spcPct val="100000"/>
-              </a:lnSpc>
-              <a:buNone/>
-            </a:pPr>
-            <a:r>
-              <a:rPr lang="en-US" altLang="en-US" sz="1500" dirty="0">
-                <a:solidFill>
-                  <a:schemeClr val="accent2"/>
-                </a:solidFill>
-                <a:latin typeface="Lucida Sans Typewriter" panose="020B0509030504030204" pitchFamily="49" charset="0"/>
-                <a:ea typeface="ＭＳ Ｐゴシック" panose="020B0600070205080204" pitchFamily="34" charset="-128"/>
-              </a:rPr>
-              <a:t>&gt;&gt;&gt; b</a:t>
-            </a:r>
-          </a:p>
-          <a:p>
-            <a:pPr marL="0" indent="0">
-              <a:lnSpc>
-                <a:spcPct val="100000"/>
-              </a:lnSpc>
-              <a:buNone/>
-            </a:pPr>
-            <a:r>
-              <a:rPr lang="en-US" altLang="en-US" sz="1500" dirty="0">
-                <a:solidFill>
-                  <a:schemeClr val="accent2"/>
-                </a:solidFill>
-                <a:latin typeface="Lucida Sans Typewriter" panose="020B0509030504030204" pitchFamily="49" charset="0"/>
-                <a:ea typeface="ＭＳ Ｐゴシック" panose="020B0600070205080204" pitchFamily="34" charset="-128"/>
-              </a:rPr>
-              <a:t>1</a:t>
-            </a:r>
-          </a:p>
-        </p:txBody>
-      </p:sp>
-    </p:spTree>
-    <p:extLst>
-      <p:ext uri="{BB962C8B-B14F-4D97-AF65-F5344CB8AC3E}">
-        <p14:creationId xmlns:p14="http://schemas.microsoft.com/office/powerpoint/2010/main" val="1430820955"/>
-      </p:ext>
-    </p:extLst>
-  </p:cSld>
-  <p:clrMapOvr>
-    <a:masterClrMapping/>
-  </p:clrMapOvr>
-</p:sld>
-</file>
-
-<file path=ppt/slides/slide26.xml><?xml version="1.0" encoding="utf-8"?>
-<p:sld xmlns:a="http://schemas.openxmlformats.org/drawingml/2006/main" xmlns:r="http://schemas.openxmlformats.org/officeDocument/2006/relationships" xmlns:p="http://schemas.openxmlformats.org/presentationml/2006/main">
-  <p:cSld>
-    <p:spTree>
-      <p:nvGrpSpPr>
-        <p:cNvPr id="1" name=""/>
-        <p:cNvGrpSpPr/>
-        <p:nvPr/>
-      </p:nvGrpSpPr>
-      <p:grpSpPr>
-        <a:xfrm>
-          <a:off x="0" y="0"/>
-          <a:ext cx="0" cy="0"/>
-          <a:chOff x="0" y="0"/>
-          <a:chExt cx="0" cy="0"/>
-        </a:xfrm>
-      </p:grpSpPr>
-      <p:sp>
-        <p:nvSpPr>
-          <p:cNvPr id="2" name="Title 1">
-            <a:extLst>
-              <a:ext uri="{FF2B5EF4-FFF2-40B4-BE49-F238E27FC236}">
-                <a16:creationId xmlns:a16="http://schemas.microsoft.com/office/drawing/2014/main" id="{A3CF88B2-7D10-4512-B991-123D8BB60E9C}"/>
-              </a:ext>
-            </a:extLst>
-          </p:cNvPr>
-          <p:cNvSpPr>
-            <a:spLocks noGrp="1"/>
-          </p:cNvSpPr>
-          <p:nvPr>
-            <p:ph type="title"/>
-          </p:nvPr>
-        </p:nvSpPr>
-        <p:spPr>
-          <a:xfrm>
-            <a:off x="838200" y="365125"/>
-            <a:ext cx="10515600" cy="1325563"/>
-          </a:xfrm>
-        </p:spPr>
-        <p:txBody>
-          <a:bodyPr/>
-          <a:lstStyle/>
-          <a:p>
-            <a:r>
               <a:rPr lang="en-US" dirty="0" err="1"/>
               <a:t>Iterables</a:t>
             </a:r>
@@ -8636,7 +3865,7 @@
 </p:sld>
 </file>
 
-<file path=ppt/slides/slide27.xml><?xml version="1.0" encoding="utf-8"?>
+<file path=ppt/slides/slide12.xml><?xml version="1.0" encoding="utf-8"?>
 <p:sld xmlns:a="http://schemas.openxmlformats.org/drawingml/2006/main" xmlns:r="http://schemas.openxmlformats.org/officeDocument/2006/relationships" xmlns:p="http://schemas.openxmlformats.org/presentationml/2006/main">
   <p:cSld>
     <p:spTree>
@@ -9326,7 +4555,7 @@
 </p:sld>
 </file>
 
-<file path=ppt/slides/slide28.xml><?xml version="1.0" encoding="utf-8"?>
+<file path=ppt/slides/slide13.xml><?xml version="1.0" encoding="utf-8"?>
 <p:sld xmlns:a="http://schemas.openxmlformats.org/drawingml/2006/main" xmlns:r="http://schemas.openxmlformats.org/officeDocument/2006/relationships" xmlns:p="http://schemas.openxmlformats.org/presentationml/2006/main">
   <p:cSld>
     <p:spTree>
@@ -9727,7 +4956,7 @@
 </p:sld>
 </file>
 
-<file path=ppt/slides/slide29.xml><?xml version="1.0" encoding="utf-8"?>
+<file path=ppt/slides/slide14.xml><?xml version="1.0" encoding="utf-8"?>
 <p:sld xmlns:a="http://schemas.openxmlformats.org/drawingml/2006/main" xmlns:r="http://schemas.openxmlformats.org/officeDocument/2006/relationships" xmlns:p="http://schemas.openxmlformats.org/presentationml/2006/main">
   <p:cSld>
     <p:spTree>
@@ -9941,7 +5170,7 @@
 </p:sld>
 </file>
 
-<file path=ppt/slides/slide3.xml><?xml version="1.0" encoding="utf-8"?>
+<file path=ppt/slides/slide15.xml><?xml version="1.0" encoding="utf-8"?>
 <p:sld xmlns:a="http://schemas.openxmlformats.org/drawingml/2006/main" xmlns:r="http://schemas.openxmlformats.org/officeDocument/2006/relationships" xmlns:p="http://schemas.openxmlformats.org/presentationml/2006/main">
   <p:cSld>
     <p:spTree>
@@ -9986,7 +5215,7 @@
           <a:p>
             <a:r>
               <a:rPr lang="en-US" dirty="0"/>
-              <a:t>Defining Strings</a:t>
+              <a:t>A note on indentation</a:t>
             </a:r>
             <a:endParaRPr lang="en-US" dirty="0">
               <a:latin typeface="Courier New" panose="02070309020205020404" pitchFamily="49" charset="0"/>
@@ -10013,78 +5242,23 @@
         </p:nvSpPr>
         <p:spPr>
           <a:xfrm>
-            <a:off x="838200" y="2043739"/>
-            <a:ext cx="10515600" cy="3845333"/>
+            <a:off x="838199" y="2043739"/>
+            <a:ext cx="10738607" cy="3887278"/>
           </a:xfrm>
         </p:spPr>
         <p:txBody>
           <a:bodyPr>
-            <a:normAutofit fontScale="70000" lnSpcReduction="20000"/>
+            <a:normAutofit fontScale="55000" lnSpcReduction="20000"/>
           </a:bodyPr>
           <a:lstStyle/>
           <a:p>
             <a:pPr marL="0" indent="0">
-              <a:buNone/>
-            </a:pPr>
-            <a:r>
-              <a:rPr lang="en-US" altLang="en-US" sz="1700" dirty="0">
-                <a:solidFill>
-                  <a:schemeClr val="accent2"/>
-                </a:solidFill>
-                <a:latin typeface="Lucida Sans Typewriter" panose="020B0509030504030204" pitchFamily="49" charset="0"/>
-                <a:ea typeface="ＭＳ Ｐゴシック" panose="020B0600070205080204" pitchFamily="34" charset="-128"/>
-              </a:rPr>
-              <a:t>&gt;&gt;&gt; greeting = ‘Hello!’</a:t>
-            </a:r>
-          </a:p>
-          <a:p>
-            <a:pPr marL="0" indent="0">
-              <a:buNone/>
-            </a:pPr>
-            <a:r>
-              <a:rPr lang="en-US" altLang="en-US" sz="1700" dirty="0">
-                <a:solidFill>
-                  <a:schemeClr val="accent2"/>
-                </a:solidFill>
-                <a:latin typeface="Lucida Sans Typewriter" panose="020B0509030504030204" pitchFamily="49" charset="0"/>
-                <a:ea typeface="ＭＳ Ｐゴシック" panose="020B0600070205080204" pitchFamily="34" charset="-128"/>
-              </a:rPr>
-              <a:t>&gt;&gt;&gt; </a:t>
-            </a:r>
-            <a:r>
-              <a:rPr lang="en-US" altLang="en-US" sz="1700" dirty="0" err="1">
-                <a:solidFill>
-                  <a:schemeClr val="accent2"/>
-                </a:solidFill>
-                <a:latin typeface="Lucida Sans Typewriter" panose="020B0509030504030204" pitchFamily="49" charset="0"/>
-                <a:ea typeface="ＭＳ Ｐゴシック" panose="020B0600070205080204" pitchFamily="34" charset="-128"/>
-              </a:rPr>
-              <a:t>long_string</a:t>
-            </a:r>
-            <a:r>
-              <a:rPr lang="en-US" altLang="en-US" sz="1700" dirty="0">
-                <a:solidFill>
-                  <a:schemeClr val="accent2"/>
-                </a:solidFill>
-                <a:latin typeface="Lucida Sans Typewriter" panose="020B0509030504030204" pitchFamily="49" charset="0"/>
-                <a:ea typeface="ＭＳ Ｐゴシック" panose="020B0600070205080204" pitchFamily="34" charset="-128"/>
-              </a:rPr>
-              <a:t> = “We hold these truths to be ‘</a:t>
-            </a:r>
-          </a:p>
-          <a:p>
-            <a:pPr marL="0" indent="0">
-              <a:buNone/>
-            </a:pPr>
-            <a:r>
-              <a:rPr lang="en-US" altLang="en-US" sz="1700" dirty="0">
-                <a:solidFill>
-                  <a:schemeClr val="accent2"/>
-                </a:solidFill>
-                <a:latin typeface="Lucida Sans Typewriter" panose="020B0509030504030204" pitchFamily="49" charset="0"/>
-                <a:ea typeface="ＭＳ Ｐゴシック" panose="020B0600070205080204" pitchFamily="34" charset="-128"/>
-              </a:rPr>
-              <a:t> ‘self evident, that all men are created equal..’</a:t>
+              <a:buFont typeface="Symbol" panose="05050102010706020507" pitchFamily="18" charset="2"/>
+              <a:buNone/>
+            </a:pPr>
+            <a:r>
+              <a:rPr lang="en-US" altLang="en-US" sz="3600" dirty="0"/>
+              <a:t>An indented block of code tells Python when the loop ends.</a:t>
             </a:r>
           </a:p>
           <a:p>
@@ -10100,16 +5274,162 @@
           </a:p>
           <a:p>
             <a:pPr marL="0" indent="0">
-              <a:buFont typeface="Symbol" panose="05050102010706020507" pitchFamily="18" charset="2"/>
-              <a:buNone/>
-            </a:pPr>
-            <a:r>
-              <a:rPr lang="en-US" altLang="en-US" sz="2400" dirty="0">
-                <a:latin typeface="Courier New" panose="02070309020205020404" pitchFamily="49" charset="0"/>
-                <a:ea typeface="ＭＳ Ｐゴシック" panose="020B0600070205080204" pitchFamily="34" charset="-128"/>
-                <a:cs typeface="Courier New" panose="02070309020205020404" pitchFamily="49" charset="0"/>
-              </a:rPr>
-              <a:t>Some operators work on strings</a:t>
+              <a:lnSpc>
+                <a:spcPct val="120000"/>
+              </a:lnSpc>
+              <a:buNone/>
+            </a:pPr>
+            <a:r>
+              <a:rPr lang="en-US" altLang="en-US" sz="2200" dirty="0" err="1">
+                <a:solidFill>
+                  <a:schemeClr val="accent2"/>
+                </a:solidFill>
+                <a:latin typeface="Lucida Sans Typewriter" panose="020B0509030504030204" pitchFamily="49" charset="0"/>
+                <a:ea typeface="ＭＳ Ｐゴシック" panose="020B0600070205080204" pitchFamily="34" charset="-128"/>
+              </a:rPr>
+              <a:t>total_salary</a:t>
+            </a:r>
+            <a:r>
+              <a:rPr lang="en-US" altLang="en-US" sz="2200" dirty="0">
+                <a:solidFill>
+                  <a:schemeClr val="accent2"/>
+                </a:solidFill>
+                <a:latin typeface="Lucida Sans Typewriter" panose="020B0509030504030204" pitchFamily="49" charset="0"/>
+                <a:ea typeface="ＭＳ Ｐゴシック" panose="020B0600070205080204" pitchFamily="34" charset="-128"/>
+              </a:rPr>
+              <a:t> = 0</a:t>
+            </a:r>
+          </a:p>
+          <a:p>
+            <a:pPr marL="0" indent="0">
+              <a:lnSpc>
+                <a:spcPct val="120000"/>
+              </a:lnSpc>
+              <a:buNone/>
+            </a:pPr>
+            <a:r>
+              <a:rPr lang="en-US" altLang="en-US" sz="2200" dirty="0">
+                <a:solidFill>
+                  <a:schemeClr val="accent2"/>
+                </a:solidFill>
+                <a:latin typeface="Lucida Sans Typewriter" panose="020B0509030504030204" pitchFamily="49" charset="0"/>
+                <a:ea typeface="ＭＳ Ｐゴシック" panose="020B0600070205080204" pitchFamily="34" charset="-128"/>
+              </a:rPr>
+              <a:t>for salary in salaries:</a:t>
+            </a:r>
+          </a:p>
+          <a:p>
+            <a:pPr marL="0" indent="0">
+              <a:lnSpc>
+                <a:spcPct val="120000"/>
+              </a:lnSpc>
+              <a:buNone/>
+            </a:pPr>
+            <a:r>
+              <a:rPr lang="en-US" altLang="en-US" sz="2200" dirty="0">
+                <a:solidFill>
+                  <a:schemeClr val="accent2"/>
+                </a:solidFill>
+                <a:latin typeface="Lucida Sans Typewriter" panose="020B0509030504030204" pitchFamily="49" charset="0"/>
+                <a:ea typeface="ＭＳ Ｐゴシック" panose="020B0600070205080204" pitchFamily="34" charset="-128"/>
+              </a:rPr>
+              <a:t>    print(‘Salary = ‘, salary)</a:t>
+            </a:r>
+          </a:p>
+          <a:p>
+            <a:pPr marL="0" indent="0">
+              <a:lnSpc>
+                <a:spcPct val="120000"/>
+              </a:lnSpc>
+              <a:buNone/>
+            </a:pPr>
+            <a:r>
+              <a:rPr lang="en-US" altLang="en-US" sz="2200" dirty="0">
+                <a:solidFill>
+                  <a:schemeClr val="accent2"/>
+                </a:solidFill>
+                <a:latin typeface="Lucida Sans Typewriter" panose="020B0509030504030204" pitchFamily="49" charset="0"/>
+                <a:ea typeface="ＭＳ Ｐゴシック" panose="020B0600070205080204" pitchFamily="34" charset="-128"/>
+              </a:rPr>
+              <a:t>    </a:t>
+            </a:r>
+            <a:r>
+              <a:rPr lang="en-US" altLang="en-US" sz="2200" dirty="0" err="1">
+                <a:solidFill>
+                  <a:schemeClr val="accent2"/>
+                </a:solidFill>
+                <a:latin typeface="Lucida Sans Typewriter" panose="020B0509030504030204" pitchFamily="49" charset="0"/>
+                <a:ea typeface="ＭＳ Ｐゴシック" panose="020B0600070205080204" pitchFamily="34" charset="-128"/>
+              </a:rPr>
+              <a:t>total_salary</a:t>
+            </a:r>
+            <a:r>
+              <a:rPr lang="en-US" altLang="en-US" sz="2200" dirty="0">
+                <a:solidFill>
+                  <a:schemeClr val="accent2"/>
+                </a:solidFill>
+                <a:latin typeface="Lucida Sans Typewriter" panose="020B0509030504030204" pitchFamily="49" charset="0"/>
+                <a:ea typeface="ＭＳ Ｐゴシック" panose="020B0600070205080204" pitchFamily="34" charset="-128"/>
+              </a:rPr>
+              <a:t> = </a:t>
+            </a:r>
+            <a:r>
+              <a:rPr lang="en-US" altLang="en-US" sz="2200" dirty="0" err="1">
+                <a:solidFill>
+                  <a:schemeClr val="accent2"/>
+                </a:solidFill>
+                <a:latin typeface="Lucida Sans Typewriter" panose="020B0509030504030204" pitchFamily="49" charset="0"/>
+                <a:ea typeface="ＭＳ Ｐゴシック" panose="020B0600070205080204" pitchFamily="34" charset="-128"/>
+              </a:rPr>
+              <a:t>total_salary</a:t>
+            </a:r>
+            <a:r>
+              <a:rPr lang="en-US" altLang="en-US" sz="2200" dirty="0">
+                <a:solidFill>
+                  <a:schemeClr val="accent2"/>
+                </a:solidFill>
+                <a:latin typeface="Lucida Sans Typewriter" panose="020B0509030504030204" pitchFamily="49" charset="0"/>
+                <a:ea typeface="ＭＳ Ｐゴシック" panose="020B0600070205080204" pitchFamily="34" charset="-128"/>
+              </a:rPr>
+              <a:t> + salary</a:t>
+            </a:r>
+          </a:p>
+          <a:p>
+            <a:pPr marL="0" indent="0">
+              <a:lnSpc>
+                <a:spcPct val="120000"/>
+              </a:lnSpc>
+              <a:buNone/>
+            </a:pPr>
+            <a:r>
+              <a:rPr lang="en-US" altLang="en-US" sz="2200" dirty="0">
+                <a:solidFill>
+                  <a:schemeClr val="accent2"/>
+                </a:solidFill>
+                <a:latin typeface="Lucida Sans Typewriter" panose="020B0509030504030204" pitchFamily="49" charset="0"/>
+                <a:ea typeface="ＭＳ Ｐゴシック" panose="020B0600070205080204" pitchFamily="34" charset="-128"/>
+              </a:rPr>
+              <a:t>print(‘Total Salary = ‘, </a:t>
+            </a:r>
+            <a:r>
+              <a:rPr lang="en-US" altLang="en-US" sz="2200" dirty="0" err="1">
+                <a:solidFill>
+                  <a:schemeClr val="accent2"/>
+                </a:solidFill>
+                <a:latin typeface="Lucida Sans Typewriter" panose="020B0509030504030204" pitchFamily="49" charset="0"/>
+                <a:ea typeface="ＭＳ Ｐゴシック" panose="020B0600070205080204" pitchFamily="34" charset="-128"/>
+              </a:rPr>
+              <a:t>total_salary</a:t>
+            </a:r>
+            <a:r>
+              <a:rPr lang="en-US" altLang="en-US" sz="2200" dirty="0">
+                <a:solidFill>
+                  <a:schemeClr val="accent2"/>
+                </a:solidFill>
+                <a:latin typeface="Lucida Sans Typewriter" panose="020B0509030504030204" pitchFamily="49" charset="0"/>
+                <a:ea typeface="ＭＳ Ｐゴシック" panose="020B0600070205080204" pitchFamily="34" charset="-128"/>
+              </a:rPr>
+              <a:t>)</a:t>
             </a:r>
           </a:p>
           <a:p>
@@ -10125,157 +5445,37 @@
           </a:p>
           <a:p>
             <a:pPr marL="0" indent="0">
-              <a:buNone/>
-            </a:pPr>
-            <a:r>
-              <a:rPr lang="en-US" altLang="en-US" sz="1900" dirty="0">
-                <a:solidFill>
-                  <a:schemeClr val="accent2"/>
-                </a:solidFill>
-                <a:latin typeface="Lucida Sans Typewriter" panose="020B0509030504030204" pitchFamily="49" charset="0"/>
-                <a:ea typeface="ＭＳ Ｐゴシック" panose="020B0600070205080204" pitchFamily="34" charset="-128"/>
-              </a:rPr>
-              <a:t>&gt;&gt;&gt; ‘a’ * 4</a:t>
-            </a:r>
-          </a:p>
-          <a:p>
-            <a:pPr marL="0" indent="0">
-              <a:buNone/>
-            </a:pPr>
-            <a:r>
-              <a:rPr lang="en-US" altLang="en-US" sz="1900" dirty="0">
-                <a:solidFill>
-                  <a:schemeClr val="accent2"/>
-                </a:solidFill>
-                <a:latin typeface="Lucida Sans Typewriter" panose="020B0509030504030204" pitchFamily="49" charset="0"/>
-                <a:ea typeface="ＭＳ Ｐゴシック" panose="020B0600070205080204" pitchFamily="34" charset="-128"/>
-              </a:rPr>
-              <a:t>&gt;&gt;&gt; ‘Hello ‘ + ‘World’</a:t>
-            </a:r>
-          </a:p>
-          <a:p>
-            <a:pPr marL="0" indent="0">
               <a:buFont typeface="Symbol" panose="05050102010706020507" pitchFamily="18" charset="2"/>
               <a:buNone/>
             </a:pPr>
-            <a:endParaRPr lang="en-US" altLang="en-US" sz="2400" dirty="0">
-              <a:latin typeface="Courier New" panose="02070309020205020404" pitchFamily="49" charset="0"/>
-              <a:ea typeface="ＭＳ Ｐゴシック" panose="020B0600070205080204" pitchFamily="34" charset="-128"/>
-              <a:cs typeface="Courier New" panose="02070309020205020404" pitchFamily="49" charset="0"/>
-            </a:endParaRPr>
+            <a:r>
+              <a:rPr lang="en-US" altLang="en-US" sz="3600" dirty="0"/>
+              <a:t>Python doesn’t care if you use spaces or tabs, but by convention, use 4 spaces for an indent (most Python editors will convert tabs to spaces).</a:t>
+            </a:r>
           </a:p>
           <a:p>
             <a:pPr marL="0" indent="0">
               <a:buFont typeface="Symbol" panose="05050102010706020507" pitchFamily="18" charset="2"/>
               <a:buNone/>
             </a:pPr>
-            <a:r>
-              <a:rPr lang="en-US" altLang="en-US" sz="2400" dirty="0">
-                <a:latin typeface="Courier New" panose="02070309020205020404" pitchFamily="49" charset="0"/>
-                <a:ea typeface="ＭＳ Ｐゴシック" panose="020B0600070205080204" pitchFamily="34" charset="-128"/>
-                <a:cs typeface="Courier New" panose="02070309020205020404" pitchFamily="49" charset="0"/>
-              </a:rPr>
-              <a:t>You might do something like this.</a:t>
-            </a:r>
-          </a:p>
-          <a:p>
-            <a:pPr marL="0" indent="0">
-              <a:buNone/>
-            </a:pPr>
-            <a:r>
-              <a:rPr lang="en-US" altLang="en-US" sz="1900" dirty="0">
-                <a:solidFill>
-                  <a:schemeClr val="accent2"/>
-                </a:solidFill>
-                <a:latin typeface="Lucida Sans Typewriter" panose="020B0509030504030204" pitchFamily="49" charset="0"/>
-                <a:ea typeface="ＭＳ Ｐゴシック" panose="020B0600070205080204" pitchFamily="34" charset="-128"/>
-              </a:rPr>
-              <a:t>&gt;&gt;&gt; str(99) + ‘ bottles of beer’</a:t>
-            </a:r>
+            <a:endParaRPr lang="en-US" altLang="en-US" sz="3600" dirty="0"/>
           </a:p>
           <a:p>
             <a:pPr marL="0" indent="0">
               <a:buFont typeface="Symbol" panose="05050102010706020507" pitchFamily="18" charset="2"/>
               <a:buNone/>
             </a:pPr>
-            <a:endParaRPr lang="en-US" altLang="en-US" sz="2400" dirty="0">
-              <a:latin typeface="Courier New" panose="02070309020205020404" pitchFamily="49" charset="0"/>
-              <a:ea typeface="ＭＳ Ｐゴシック" panose="020B0600070205080204" pitchFamily="34" charset="-128"/>
-              <a:cs typeface="Courier New" panose="02070309020205020404" pitchFamily="49" charset="0"/>
-            </a:endParaRPr>
-          </a:p>
-          <a:p>
-            <a:pPr marL="0" indent="0">
-              <a:buFont typeface="Symbol" panose="05050102010706020507" pitchFamily="18" charset="2"/>
-              <a:buNone/>
-            </a:pPr>
-            <a:r>
-              <a:rPr lang="en-US" altLang="en-US" sz="2400" b="1" dirty="0">
-                <a:latin typeface="Courier New" panose="02070309020205020404" pitchFamily="49" charset="0"/>
-                <a:ea typeface="ＭＳ Ｐゴシック" panose="020B0600070205080204" pitchFamily="34" charset="-128"/>
-                <a:cs typeface="Courier New" panose="02070309020205020404" pitchFamily="49" charset="0"/>
-              </a:rPr>
-              <a:t>Format Strings </a:t>
-            </a:r>
-            <a:r>
-              <a:rPr lang="en-US" altLang="en-US" sz="2400" dirty="0">
-                <a:latin typeface="Courier New" panose="02070309020205020404" pitchFamily="49" charset="0"/>
-                <a:ea typeface="ＭＳ Ｐゴシック" panose="020B0600070205080204" pitchFamily="34" charset="-128"/>
-                <a:cs typeface="Courier New" panose="02070309020205020404" pitchFamily="49" charset="0"/>
-              </a:rPr>
-              <a:t>are more flexible (more later).</a:t>
-            </a:r>
-          </a:p>
-          <a:p>
-            <a:pPr marL="0" indent="0">
-              <a:buFont typeface="Symbol" panose="05050102010706020507" pitchFamily="18" charset="2"/>
-              <a:buNone/>
-            </a:pPr>
-            <a:endParaRPr lang="en-US" altLang="en-US" sz="2400" dirty="0">
-              <a:latin typeface="Courier New" panose="02070309020205020404" pitchFamily="49" charset="0"/>
-              <a:ea typeface="ＭＳ Ｐゴシック" panose="020B0600070205080204" pitchFamily="34" charset="-128"/>
-              <a:cs typeface="Courier New" panose="02070309020205020404" pitchFamily="49" charset="0"/>
-            </a:endParaRPr>
-          </a:p>
-          <a:p>
-            <a:pPr marL="0" indent="0">
-              <a:buFont typeface="Symbol" panose="05050102010706020507" pitchFamily="18" charset="2"/>
-              <a:buNone/>
-            </a:pPr>
-            <a:endParaRPr lang="en-US" altLang="en-US" sz="2400" dirty="0">
-              <a:latin typeface="Courier New" panose="02070309020205020404" pitchFamily="49" charset="0"/>
-              <a:ea typeface="ＭＳ Ｐゴシック" panose="020B0600070205080204" pitchFamily="34" charset="-128"/>
-              <a:cs typeface="Courier New" panose="02070309020205020404" pitchFamily="49" charset="0"/>
-            </a:endParaRPr>
-          </a:p>
-          <a:p>
-            <a:pPr marL="0" indent="0">
-              <a:buFont typeface="Symbol" panose="05050102010706020507" pitchFamily="18" charset="2"/>
-              <a:buNone/>
-            </a:pPr>
-            <a:endParaRPr lang="en-US" altLang="en-US" sz="2400" dirty="0">
-              <a:latin typeface="Courier New" panose="02070309020205020404" pitchFamily="49" charset="0"/>
-              <a:ea typeface="ＭＳ Ｐゴシック" panose="020B0600070205080204" pitchFamily="34" charset="-128"/>
-              <a:cs typeface="Courier New" panose="02070309020205020404" pitchFamily="49" charset="0"/>
-            </a:endParaRPr>
-          </a:p>
-          <a:p>
-            <a:pPr marL="0" indent="0">
-              <a:buFont typeface="Symbol" panose="05050102010706020507" pitchFamily="18" charset="2"/>
-              <a:buNone/>
-            </a:pPr>
-            <a:endParaRPr lang="en-US" altLang="en-US" sz="2400" dirty="0">
-              <a:latin typeface="Courier New" panose="02070309020205020404" pitchFamily="49" charset="0"/>
-              <a:ea typeface="ＭＳ Ｐゴシック" panose="020B0600070205080204" pitchFamily="34" charset="-128"/>
-              <a:cs typeface="Courier New" panose="02070309020205020404" pitchFamily="49" charset="0"/>
-            </a:endParaRPr>
+            <a:r>
+              <a:rPr lang="en-US" altLang="en-US" sz="3600" dirty="0"/>
+              <a:t>Don’t mix tabs/spaces within a block (illegal), or within your program (sloppy).</a:t>
+            </a:r>
           </a:p>
         </p:txBody>
       </p:sp>
     </p:spTree>
     <p:extLst>
       <p:ext uri="{BB962C8B-B14F-4D97-AF65-F5344CB8AC3E}">
-        <p14:creationId xmlns:p14="http://schemas.microsoft.com/office/powerpoint/2010/main" val="3670378597"/>
+        <p14:creationId xmlns:p14="http://schemas.microsoft.com/office/powerpoint/2010/main" val="2456367967"/>
       </p:ext>
     </p:extLst>
   </p:cSld>
@@ -10285,7 +5485,7 @@
 </p:sld>
 </file>
 
-<file path=ppt/slides/slide30.xml><?xml version="1.0" encoding="utf-8"?>
+<file path=ppt/slides/slide16.xml><?xml version="1.0" encoding="utf-8"?>
 <p:sld xmlns:a="http://schemas.openxmlformats.org/drawingml/2006/main" xmlns:r="http://schemas.openxmlformats.org/officeDocument/2006/relationships" xmlns:p="http://schemas.openxmlformats.org/presentationml/2006/main">
   <p:cSld>
     <p:spTree>
@@ -10330,12 +5530,19 @@
           <a:p>
             <a:r>
               <a:rPr lang="en-US" dirty="0"/>
-              <a:t>A note on indentation</a:t>
-            </a:r>
-            <a:endParaRPr lang="en-US" dirty="0">
-              <a:latin typeface="Courier New" panose="02070309020205020404" pitchFamily="49" charset="0"/>
-              <a:cs typeface="Courier New" panose="02070309020205020404" pitchFamily="49" charset="0"/>
-            </a:endParaRPr>
+              <a:t>The </a:t>
+            </a:r>
+            <a:r>
+              <a:rPr lang="en-US" dirty="0">
+                <a:latin typeface="Courier New" panose="02070309020205020404" pitchFamily="49" charset="0"/>
+                <a:cs typeface="Courier New" panose="02070309020205020404" pitchFamily="49" charset="0"/>
+              </a:rPr>
+              <a:t>range</a:t>
+            </a:r>
+            <a:r>
+              <a:rPr lang="en-US" dirty="0"/>
+              <a:t> type</a:t>
+            </a:r>
           </a:p>
         </p:txBody>
       </p:sp>
@@ -10358,12 +5565,12 @@
         <p:spPr>
           <a:xfrm>
             <a:off x="838199" y="2043739"/>
-            <a:ext cx="10738607" cy="3887278"/>
+            <a:ext cx="10738607" cy="3834547"/>
           </a:xfrm>
         </p:spPr>
         <p:txBody>
           <a:bodyPr>
-            <a:normAutofit fontScale="55000" lnSpcReduction="20000"/>
+            <a:normAutofit fontScale="92500" lnSpcReduction="10000"/>
           </a:bodyPr>
           <a:lstStyle/>
           <a:p>
@@ -10372,8 +5579,44 @@
               <a:buNone/>
             </a:pPr>
             <a:r>
-              <a:rPr lang="en-US" altLang="en-US" sz="3600" dirty="0"/>
-              <a:t>An indented block of code tells Python when the loop ends.</a:t>
+              <a:rPr lang="en-US" altLang="en-US" sz="2200" dirty="0"/>
+              <a:t>We often need to refer to a sequence of consecutive numbers. For example:</a:t>
+            </a:r>
+          </a:p>
+          <a:p>
+            <a:pPr marL="0" indent="0">
+              <a:buFont typeface="Symbol" panose="05050102010706020507" pitchFamily="18" charset="2"/>
+              <a:buNone/>
+            </a:pPr>
+            <a:endParaRPr lang="en-US" altLang="en-US" sz="2200" dirty="0"/>
+          </a:p>
+          <a:p>
+            <a:pPr marL="0" indent="0">
+              <a:buFont typeface="Symbol" panose="05050102010706020507" pitchFamily="18" charset="2"/>
+              <a:buNone/>
+            </a:pPr>
+            <a:r>
+              <a:rPr lang="en-US" altLang="en-US" sz="2200" dirty="0"/>
+              <a:t>Sum up the series (1+2+3+..+99)</a:t>
+            </a:r>
+          </a:p>
+          <a:p>
+            <a:pPr marL="0" indent="0">
+              <a:buFont typeface="Symbol" panose="05050102010706020507" pitchFamily="18" charset="2"/>
+              <a:buNone/>
+            </a:pPr>
+            <a:endParaRPr lang="en-US" altLang="en-US" sz="2200" dirty="0"/>
+          </a:p>
+          <a:p>
+            <a:pPr marL="0" indent="0">
+              <a:buFont typeface="Symbol" panose="05050102010706020507" pitchFamily="18" charset="2"/>
+              <a:buNone/>
+            </a:pPr>
+            <a:r>
+              <a:rPr lang="en-US" altLang="en-US" sz="2200" dirty="0">
+                <a:latin typeface="Lucida Sans Typewriter" panose="020B0509030504030204" pitchFamily="49" charset="0"/>
+              </a:rPr>
+              <a:t>range(N) = 0, 1, 2, .. N-1</a:t>
             </a:r>
           </a:p>
           <a:p>
@@ -10395,24 +5638,14 @@
               <a:buNone/>
             </a:pPr>
             <a:r>
-              <a:rPr lang="en-US" altLang="en-US" sz="2200" dirty="0" err="1">
-                <a:solidFill>
-                  <a:schemeClr val="accent2"/>
-                </a:solidFill>
-                <a:latin typeface="Lucida Sans Typewriter" panose="020B0509030504030204" pitchFamily="49" charset="0"/>
-                <a:ea typeface="ＭＳ Ｐゴシック" panose="020B0600070205080204" pitchFamily="34" charset="-128"/>
-              </a:rPr>
-              <a:t>total_salary</a:t>
-            </a:r>
-            <a:r>
-              <a:rPr lang="en-US" altLang="en-US" sz="2200" dirty="0">
-                <a:solidFill>
-                  <a:schemeClr val="accent2"/>
-                </a:solidFill>
-                <a:latin typeface="Lucida Sans Typewriter" panose="020B0509030504030204" pitchFamily="49" charset="0"/>
-                <a:ea typeface="ＭＳ Ｐゴシック" panose="020B0600070205080204" pitchFamily="34" charset="-128"/>
-              </a:rPr>
-              <a:t> = 0</a:t>
+              <a:rPr lang="en-US" altLang="en-US" sz="1500" dirty="0">
+                <a:solidFill>
+                  <a:schemeClr val="accent2"/>
+                </a:solidFill>
+                <a:latin typeface="Lucida Sans Typewriter" panose="020B0509030504030204" pitchFamily="49" charset="0"/>
+                <a:ea typeface="ＭＳ Ｐゴシック" panose="020B0600070205080204" pitchFamily="34" charset="-128"/>
+              </a:rPr>
+              <a:t>&gt;&gt;&gt; range(10)</a:t>
             </a:r>
           </a:p>
           <a:p>
@@ -10423,14 +5656,14 @@
               <a:buNone/>
             </a:pPr>
             <a:r>
-              <a:rPr lang="en-US" altLang="en-US" sz="2200" dirty="0">
-                <a:solidFill>
-                  <a:schemeClr val="accent2"/>
-                </a:solidFill>
-                <a:latin typeface="Lucida Sans Typewriter" panose="020B0509030504030204" pitchFamily="49" charset="0"/>
-                <a:ea typeface="ＭＳ Ｐゴシック" panose="020B0600070205080204" pitchFamily="34" charset="-128"/>
-              </a:rPr>
-              <a:t>for salary in salaries:</a:t>
+              <a:rPr lang="en-US" altLang="en-US" sz="1500" dirty="0">
+                <a:solidFill>
+                  <a:schemeClr val="accent2"/>
+                </a:solidFill>
+                <a:latin typeface="Lucida Sans Typewriter" panose="020B0509030504030204" pitchFamily="49" charset="0"/>
+                <a:ea typeface="ＭＳ Ｐゴシック" panose="020B0600070205080204" pitchFamily="34" charset="-128"/>
+              </a:rPr>
+              <a:t>range(0, 10)</a:t>
             </a:r>
           </a:p>
           <a:p>
@@ -10441,14 +5674,14 @@
               <a:buNone/>
             </a:pPr>
             <a:r>
-              <a:rPr lang="en-US" altLang="en-US" sz="2200" dirty="0">
-                <a:solidFill>
-                  <a:schemeClr val="accent2"/>
-                </a:solidFill>
-                <a:latin typeface="Lucida Sans Typewriter" panose="020B0509030504030204" pitchFamily="49" charset="0"/>
-                <a:ea typeface="ＭＳ Ｐゴシック" panose="020B0600070205080204" pitchFamily="34" charset="-128"/>
-              </a:rPr>
-              <a:t>    print(‘Salary = ‘, salary)</a:t>
+              <a:rPr lang="en-US" altLang="en-US" sz="1500" dirty="0">
+                <a:solidFill>
+                  <a:schemeClr val="accent2"/>
+                </a:solidFill>
+                <a:latin typeface="Lucida Sans Typewriter" panose="020B0509030504030204" pitchFamily="49" charset="0"/>
+                <a:ea typeface="ＭＳ Ｐゴシック" panose="020B0600070205080204" pitchFamily="34" charset="-128"/>
+              </a:rPr>
+              <a:t>&gt;&gt;&gt; list(range(10))</a:t>
             </a:r>
           </a:p>
           <a:p>
@@ -10459,92 +5692,14 @@
               <a:buNone/>
             </a:pPr>
             <a:r>
-              <a:rPr lang="en-US" altLang="en-US" sz="2200" dirty="0">
-                <a:solidFill>
-                  <a:schemeClr val="accent2"/>
-                </a:solidFill>
-                <a:latin typeface="Lucida Sans Typewriter" panose="020B0509030504030204" pitchFamily="49" charset="0"/>
-                <a:ea typeface="ＭＳ Ｐゴシック" panose="020B0600070205080204" pitchFamily="34" charset="-128"/>
-              </a:rPr>
-              <a:t>    </a:t>
-            </a:r>
-            <a:r>
-              <a:rPr lang="en-US" altLang="en-US" sz="2200" dirty="0" err="1">
-                <a:solidFill>
-                  <a:schemeClr val="accent2"/>
-                </a:solidFill>
-                <a:latin typeface="Lucida Sans Typewriter" panose="020B0509030504030204" pitchFamily="49" charset="0"/>
-                <a:ea typeface="ＭＳ Ｐゴシック" panose="020B0600070205080204" pitchFamily="34" charset="-128"/>
-              </a:rPr>
-              <a:t>total_salary</a:t>
-            </a:r>
-            <a:r>
-              <a:rPr lang="en-US" altLang="en-US" sz="2200" dirty="0">
-                <a:solidFill>
-                  <a:schemeClr val="accent2"/>
-                </a:solidFill>
-                <a:latin typeface="Lucida Sans Typewriter" panose="020B0509030504030204" pitchFamily="49" charset="0"/>
-                <a:ea typeface="ＭＳ Ｐゴシック" panose="020B0600070205080204" pitchFamily="34" charset="-128"/>
-              </a:rPr>
-              <a:t> = </a:t>
-            </a:r>
-            <a:r>
-              <a:rPr lang="en-US" altLang="en-US" sz="2200" dirty="0" err="1">
-                <a:solidFill>
-                  <a:schemeClr val="accent2"/>
-                </a:solidFill>
-                <a:latin typeface="Lucida Sans Typewriter" panose="020B0509030504030204" pitchFamily="49" charset="0"/>
-                <a:ea typeface="ＭＳ Ｐゴシック" panose="020B0600070205080204" pitchFamily="34" charset="-128"/>
-              </a:rPr>
-              <a:t>total_salary</a:t>
-            </a:r>
-            <a:r>
-              <a:rPr lang="en-US" altLang="en-US" sz="2200" dirty="0">
-                <a:solidFill>
-                  <a:schemeClr val="accent2"/>
-                </a:solidFill>
-                <a:latin typeface="Lucida Sans Typewriter" panose="020B0509030504030204" pitchFamily="49" charset="0"/>
-                <a:ea typeface="ＭＳ Ｐゴシック" panose="020B0600070205080204" pitchFamily="34" charset="-128"/>
-              </a:rPr>
-              <a:t> + salary</a:t>
-            </a:r>
-          </a:p>
-          <a:p>
-            <a:pPr marL="0" indent="0">
-              <a:lnSpc>
-                <a:spcPct val="120000"/>
-              </a:lnSpc>
-              <a:buNone/>
-            </a:pPr>
-            <a:r>
-              <a:rPr lang="en-US" altLang="en-US" sz="2200" dirty="0">
-                <a:solidFill>
-                  <a:schemeClr val="accent2"/>
-                </a:solidFill>
-                <a:latin typeface="Lucida Sans Typewriter" panose="020B0509030504030204" pitchFamily="49" charset="0"/>
-                <a:ea typeface="ＭＳ Ｐゴシック" panose="020B0600070205080204" pitchFamily="34" charset="-128"/>
-              </a:rPr>
-              <a:t>print(‘Total Salary = ‘, </a:t>
-            </a:r>
-            <a:r>
-              <a:rPr lang="en-US" altLang="en-US" sz="2200" dirty="0" err="1">
-                <a:solidFill>
-                  <a:schemeClr val="accent2"/>
-                </a:solidFill>
-                <a:latin typeface="Lucida Sans Typewriter" panose="020B0509030504030204" pitchFamily="49" charset="0"/>
-                <a:ea typeface="ＭＳ Ｐゴシック" panose="020B0600070205080204" pitchFamily="34" charset="-128"/>
-              </a:rPr>
-              <a:t>total_salary</a:t>
-            </a:r>
-            <a:r>
-              <a:rPr lang="en-US" altLang="en-US" sz="2200" dirty="0">
-                <a:solidFill>
-                  <a:schemeClr val="accent2"/>
-                </a:solidFill>
-                <a:latin typeface="Lucida Sans Typewriter" panose="020B0509030504030204" pitchFamily="49" charset="0"/>
-                <a:ea typeface="ＭＳ Ｐゴシック" panose="020B0600070205080204" pitchFamily="34" charset="-128"/>
-              </a:rPr>
-              <a:t>)</a:t>
+              <a:rPr lang="en-US" altLang="en-US" sz="1500" dirty="0">
+                <a:solidFill>
+                  <a:schemeClr val="accent2"/>
+                </a:solidFill>
+                <a:latin typeface="Lucida Sans Typewriter" panose="020B0509030504030204" pitchFamily="49" charset="0"/>
+                <a:ea typeface="ＭＳ Ｐゴシック" panose="020B0600070205080204" pitchFamily="34" charset="-128"/>
+              </a:rPr>
+              <a:t>[0,1,2,3,4,5,6,7,8,9]</a:t>
             </a:r>
           </a:p>
           <a:p>
@@ -10563,34 +5718,18 @@
               <a:buFont typeface="Symbol" panose="05050102010706020507" pitchFamily="18" charset="2"/>
               <a:buNone/>
             </a:pPr>
-            <a:r>
-              <a:rPr lang="en-US" altLang="en-US" sz="3600" dirty="0"/>
-              <a:t>Python doesn’t care if you use spaces or tabs, but by convention, use 4 spaces for an indent (most Python editors will convert tabs to spaces).</a:t>
-            </a:r>
-          </a:p>
-          <a:p>
-            <a:pPr marL="0" indent="0">
-              <a:buFont typeface="Symbol" panose="05050102010706020507" pitchFamily="18" charset="2"/>
-              <a:buNone/>
-            </a:pPr>
-            <a:endParaRPr lang="en-US" altLang="en-US" sz="3600" dirty="0"/>
-          </a:p>
-          <a:p>
-            <a:pPr marL="0" indent="0">
-              <a:buFont typeface="Symbol" panose="05050102010706020507" pitchFamily="18" charset="2"/>
-              <a:buNone/>
-            </a:pPr>
-            <a:r>
-              <a:rPr lang="en-US" altLang="en-US" sz="3600" dirty="0"/>
-              <a:t>Don’t mix tabs/spaces within a block (illegal), or within your program (sloppy).</a:t>
-            </a:r>
+            <a:endParaRPr lang="en-US" altLang="en-US" sz="2400" dirty="0">
+              <a:latin typeface="Courier New" panose="02070309020205020404" pitchFamily="49" charset="0"/>
+              <a:ea typeface="ＭＳ Ｐゴシック" panose="020B0600070205080204" pitchFamily="34" charset="-128"/>
+              <a:cs typeface="Courier New" panose="02070309020205020404" pitchFamily="49" charset="0"/>
+            </a:endParaRPr>
           </a:p>
         </p:txBody>
       </p:sp>
     </p:spTree>
     <p:extLst>
       <p:ext uri="{BB962C8B-B14F-4D97-AF65-F5344CB8AC3E}">
-        <p14:creationId xmlns:p14="http://schemas.microsoft.com/office/powerpoint/2010/main" val="2456367967"/>
+        <p14:creationId xmlns:p14="http://schemas.microsoft.com/office/powerpoint/2010/main" val="2772969744"/>
       </p:ext>
     </p:extLst>
   </p:cSld>
@@ -10600,7 +5739,7 @@
 </p:sld>
 </file>
 
-<file path=ppt/slides/slide31.xml><?xml version="1.0" encoding="utf-8"?>
+<file path=ppt/slides/slide17.xml><?xml version="1.0" encoding="utf-8"?>
 <p:sld xmlns:a="http://schemas.openxmlformats.org/drawingml/2006/main" xmlns:r="http://schemas.openxmlformats.org/officeDocument/2006/relationships" xmlns:p="http://schemas.openxmlformats.org/presentationml/2006/main">
   <p:cSld>
     <p:spTree>
@@ -10644,19 +5783,15 @@
           <a:lstStyle/>
           <a:p>
             <a:r>
-              <a:rPr lang="en-US" dirty="0"/>
-              <a:t>The </a:t>
-            </a:r>
-            <a:r>
               <a:rPr lang="en-US" dirty="0">
                 <a:latin typeface="Courier New" panose="02070309020205020404" pitchFamily="49" charset="0"/>
                 <a:cs typeface="Courier New" panose="02070309020205020404" pitchFamily="49" charset="0"/>
               </a:rPr>
-              <a:t>range</a:t>
+              <a:t>for </a:t>
             </a:r>
             <a:r>
               <a:rPr lang="en-US" dirty="0"/>
-              <a:t> type</a:t>
+              <a:t>loops</a:t>
             </a:r>
           </a:p>
         </p:txBody>
@@ -10679,13 +5814,13 @@
         </p:nvSpPr>
         <p:spPr>
           <a:xfrm>
-            <a:off x="838199" y="2043739"/>
-            <a:ext cx="10738607" cy="3834547"/>
+            <a:off x="838199" y="2043740"/>
+            <a:ext cx="10738607" cy="774106"/>
           </a:xfrm>
         </p:spPr>
         <p:txBody>
           <a:bodyPr>
-            <a:normAutofit fontScale="92500" lnSpcReduction="10000"/>
+            <a:normAutofit/>
           </a:bodyPr>
           <a:lstStyle/>
           <a:p>
@@ -10694,44 +5829,8 @@
               <a:buNone/>
             </a:pPr>
             <a:r>
-              <a:rPr lang="en-US" altLang="en-US" sz="2200" dirty="0"/>
-              <a:t>We often need to refer to a sequence of consecutive numbers. For example:</a:t>
-            </a:r>
-          </a:p>
-          <a:p>
-            <a:pPr marL="0" indent="0">
-              <a:buFont typeface="Symbol" panose="05050102010706020507" pitchFamily="18" charset="2"/>
-              <a:buNone/>
-            </a:pPr>
-            <a:endParaRPr lang="en-US" altLang="en-US" sz="2200" dirty="0"/>
-          </a:p>
-          <a:p>
-            <a:pPr marL="0" indent="0">
-              <a:buFont typeface="Symbol" panose="05050102010706020507" pitchFamily="18" charset="2"/>
-              <a:buNone/>
-            </a:pPr>
-            <a:r>
-              <a:rPr lang="en-US" altLang="en-US" sz="2200" dirty="0"/>
-              <a:t>Sum up the series (1+2+3+..+99)</a:t>
-            </a:r>
-          </a:p>
-          <a:p>
-            <a:pPr marL="0" indent="0">
-              <a:buFont typeface="Symbol" panose="05050102010706020507" pitchFamily="18" charset="2"/>
-              <a:buNone/>
-            </a:pPr>
-            <a:endParaRPr lang="en-US" altLang="en-US" sz="2200" dirty="0"/>
-          </a:p>
-          <a:p>
-            <a:pPr marL="0" indent="0">
-              <a:buFont typeface="Symbol" panose="05050102010706020507" pitchFamily="18" charset="2"/>
-              <a:buNone/>
-            </a:pPr>
-            <a:r>
-              <a:rPr lang="en-US" altLang="en-US" sz="2200" dirty="0">
-                <a:latin typeface="Lucida Sans Typewriter" panose="020B0509030504030204" pitchFamily="49" charset="0"/>
-              </a:rPr>
-              <a:t>range(N) = 0, 1, 2, .. N-1</a:t>
+              <a:rPr lang="en-US" altLang="en-US" sz="2300" dirty="0"/>
+              <a:t>Exercises 2.4, 2.5</a:t>
             </a:r>
           </a:p>
           <a:p>
@@ -10745,106 +5844,12 @@
               <a:cs typeface="Courier New" panose="02070309020205020404" pitchFamily="49" charset="0"/>
             </a:endParaRPr>
           </a:p>
-          <a:p>
-            <a:pPr marL="0" indent="0">
-              <a:lnSpc>
-                <a:spcPct val="120000"/>
-              </a:lnSpc>
-              <a:buNone/>
-            </a:pPr>
-            <a:r>
-              <a:rPr lang="en-US" altLang="en-US" sz="1500" dirty="0">
-                <a:solidFill>
-                  <a:schemeClr val="accent2"/>
-                </a:solidFill>
-                <a:latin typeface="Lucida Sans Typewriter" panose="020B0509030504030204" pitchFamily="49" charset="0"/>
-                <a:ea typeface="ＭＳ Ｐゴシック" panose="020B0600070205080204" pitchFamily="34" charset="-128"/>
-              </a:rPr>
-              <a:t>&gt;&gt;&gt; range(10)</a:t>
-            </a:r>
-          </a:p>
-          <a:p>
-            <a:pPr marL="0" indent="0">
-              <a:lnSpc>
-                <a:spcPct val="120000"/>
-              </a:lnSpc>
-              <a:buNone/>
-            </a:pPr>
-            <a:r>
-              <a:rPr lang="en-US" altLang="en-US" sz="1500" dirty="0">
-                <a:solidFill>
-                  <a:schemeClr val="accent2"/>
-                </a:solidFill>
-                <a:latin typeface="Lucida Sans Typewriter" panose="020B0509030504030204" pitchFamily="49" charset="0"/>
-                <a:ea typeface="ＭＳ Ｐゴシック" panose="020B0600070205080204" pitchFamily="34" charset="-128"/>
-              </a:rPr>
-              <a:t>range(0, 10)</a:t>
-            </a:r>
-          </a:p>
-          <a:p>
-            <a:pPr marL="0" indent="0">
-              <a:lnSpc>
-                <a:spcPct val="120000"/>
-              </a:lnSpc>
-              <a:buNone/>
-            </a:pPr>
-            <a:r>
-              <a:rPr lang="en-US" altLang="en-US" sz="1500" dirty="0">
-                <a:solidFill>
-                  <a:schemeClr val="accent2"/>
-                </a:solidFill>
-                <a:latin typeface="Lucida Sans Typewriter" panose="020B0509030504030204" pitchFamily="49" charset="0"/>
-                <a:ea typeface="ＭＳ Ｐゴシック" panose="020B0600070205080204" pitchFamily="34" charset="-128"/>
-              </a:rPr>
-              <a:t>&gt;&gt;&gt; list(range(10))</a:t>
-            </a:r>
-          </a:p>
-          <a:p>
-            <a:pPr marL="0" indent="0">
-              <a:lnSpc>
-                <a:spcPct val="120000"/>
-              </a:lnSpc>
-              <a:buNone/>
-            </a:pPr>
-            <a:r>
-              <a:rPr lang="en-US" altLang="en-US" sz="1500" dirty="0">
-                <a:solidFill>
-                  <a:schemeClr val="accent2"/>
-                </a:solidFill>
-                <a:latin typeface="Lucida Sans Typewriter" panose="020B0509030504030204" pitchFamily="49" charset="0"/>
-                <a:ea typeface="ＭＳ Ｐゴシック" panose="020B0600070205080204" pitchFamily="34" charset="-128"/>
-              </a:rPr>
-              <a:t>[0,1,2,3,4,5,6,7,8,9]</a:t>
-            </a:r>
-          </a:p>
-          <a:p>
-            <a:pPr marL="0" indent="0">
-              <a:buFont typeface="Symbol" panose="05050102010706020507" pitchFamily="18" charset="2"/>
-              <a:buNone/>
-            </a:pPr>
-            <a:endParaRPr lang="en-US" altLang="en-US" sz="2400" dirty="0">
-              <a:latin typeface="Courier New" panose="02070309020205020404" pitchFamily="49" charset="0"/>
-              <a:ea typeface="ＭＳ Ｐゴシック" panose="020B0600070205080204" pitchFamily="34" charset="-128"/>
-              <a:cs typeface="Courier New" panose="02070309020205020404" pitchFamily="49" charset="0"/>
-            </a:endParaRPr>
-          </a:p>
-          <a:p>
-            <a:pPr marL="0" indent="0">
-              <a:buFont typeface="Symbol" panose="05050102010706020507" pitchFamily="18" charset="2"/>
-              <a:buNone/>
-            </a:pPr>
-            <a:endParaRPr lang="en-US" altLang="en-US" sz="2400" dirty="0">
-              <a:latin typeface="Courier New" panose="02070309020205020404" pitchFamily="49" charset="0"/>
-              <a:ea typeface="ＭＳ Ｐゴシック" panose="020B0600070205080204" pitchFamily="34" charset="-128"/>
-              <a:cs typeface="Courier New" panose="02070309020205020404" pitchFamily="49" charset="0"/>
-            </a:endParaRPr>
-          </a:p>
         </p:txBody>
       </p:sp>
     </p:spTree>
     <p:extLst>
       <p:ext uri="{BB962C8B-B14F-4D97-AF65-F5344CB8AC3E}">
-        <p14:creationId xmlns:p14="http://schemas.microsoft.com/office/powerpoint/2010/main" val="2772969744"/>
+        <p14:creationId xmlns:p14="http://schemas.microsoft.com/office/powerpoint/2010/main" val="1120994850"/>
       </p:ext>
     </p:extLst>
   </p:cSld>
@@ -10854,7 +5859,7 @@
 </p:sld>
 </file>
 
-<file path=ppt/slides/slide32.xml><?xml version="1.0" encoding="utf-8"?>
+<file path=ppt/slides/slide18.xml><?xml version="1.0" encoding="utf-8"?>
 <p:sld xmlns:a="http://schemas.openxmlformats.org/drawingml/2006/main" xmlns:r="http://schemas.openxmlformats.org/officeDocument/2006/relationships" xmlns:p="http://schemas.openxmlformats.org/presentationml/2006/main">
   <p:cSld>
     <p:spTree>
@@ -10898,15 +5903,15 @@
           <a:lstStyle/>
           <a:p>
             <a:r>
+              <a:rPr lang="en-US" dirty="0"/>
+              <a:t>Control Flow – </a:t>
+            </a:r>
+            <a:r>
               <a:rPr lang="en-US" dirty="0">
                 <a:latin typeface="Courier New" panose="02070309020205020404" pitchFamily="49" charset="0"/>
                 <a:cs typeface="Courier New" panose="02070309020205020404" pitchFamily="49" charset="0"/>
               </a:rPr>
-              <a:t>for </a:t>
-            </a:r>
-            <a:r>
-              <a:rPr lang="en-US" dirty="0"/>
-              <a:t>loops</a:t>
+              <a:t>if/else</a:t>
             </a:r>
           </a:p>
         </p:txBody>
@@ -10929,13 +5934,13 @@
         </p:nvSpPr>
         <p:spPr>
           <a:xfrm>
-            <a:off x="838199" y="2043740"/>
-            <a:ext cx="10738607" cy="774106"/>
+            <a:off x="838199" y="1875453"/>
+            <a:ext cx="10738607" cy="4422710"/>
           </a:xfrm>
         </p:spPr>
         <p:txBody>
           <a:bodyPr>
-            <a:normAutofit/>
+            <a:normAutofit fontScale="55000" lnSpcReduction="20000"/>
           </a:bodyPr>
           <a:lstStyle/>
           <a:p>
@@ -10944,8 +5949,16 @@
               <a:buNone/>
             </a:pPr>
             <a:r>
-              <a:rPr lang="en-US" altLang="en-US" sz="2300" dirty="0"/>
-              <a:t>Exercises 2.4, 2.5</a:t>
+              <a:rPr lang="en-US" altLang="en-US" sz="4200" dirty="0"/>
+              <a:t>Few computer programs are executed in a purely linear fashion. Blocks of code are usually executed </a:t>
+            </a:r>
+            <a:r>
+              <a:rPr lang="en-US" altLang="en-US" sz="4200" i="1" dirty="0"/>
+              <a:t>conditionally</a:t>
+            </a:r>
+            <a:r>
+              <a:rPr lang="en-US" altLang="en-US" sz="4200" dirty="0"/>
+              <a:t> on the basis of some test carried out on data.</a:t>
             </a:r>
           </a:p>
           <a:p>
@@ -10959,12 +5972,148 @@
               <a:cs typeface="Courier New" panose="02070309020205020404" pitchFamily="49" charset="0"/>
             </a:endParaRPr>
           </a:p>
+          <a:p>
+            <a:pPr marL="0" indent="0">
+              <a:lnSpc>
+                <a:spcPct val="130000"/>
+              </a:lnSpc>
+              <a:buNone/>
+            </a:pPr>
+            <a:r>
+              <a:rPr lang="en-US" altLang="en-US" sz="3500" dirty="0">
+                <a:solidFill>
+                  <a:schemeClr val="accent2"/>
+                </a:solidFill>
+                <a:latin typeface="Lucida Sans Typewriter" panose="020B0509030504030204" pitchFamily="49" charset="0"/>
+                <a:ea typeface="ＭＳ Ｐゴシック" panose="020B0600070205080204" pitchFamily="34" charset="-128"/>
+              </a:rPr>
+              <a:t>if &lt;logical expression 1&gt;:</a:t>
+            </a:r>
+          </a:p>
+          <a:p>
+            <a:pPr marL="0" indent="0">
+              <a:lnSpc>
+                <a:spcPct val="130000"/>
+              </a:lnSpc>
+              <a:buNone/>
+            </a:pPr>
+            <a:r>
+              <a:rPr lang="en-US" altLang="en-US" sz="3500" dirty="0">
+                <a:solidFill>
+                  <a:schemeClr val="accent2"/>
+                </a:solidFill>
+                <a:latin typeface="Lucida Sans Typewriter" panose="020B0509030504030204" pitchFamily="49" charset="0"/>
+                <a:ea typeface="ＭＳ Ｐゴシック" panose="020B0600070205080204" pitchFamily="34" charset="-128"/>
+              </a:rPr>
+              <a:t>	&lt;statements 1&gt;</a:t>
+            </a:r>
+          </a:p>
+          <a:p>
+            <a:pPr marL="0" indent="0">
+              <a:lnSpc>
+                <a:spcPct val="130000"/>
+              </a:lnSpc>
+              <a:buNone/>
+            </a:pPr>
+            <a:r>
+              <a:rPr lang="en-US" altLang="en-US" sz="3500" dirty="0" err="1">
+                <a:solidFill>
+                  <a:schemeClr val="accent2"/>
+                </a:solidFill>
+                <a:latin typeface="Lucida Sans Typewriter" panose="020B0509030504030204" pitchFamily="49" charset="0"/>
+                <a:ea typeface="ＭＳ Ｐゴシック" panose="020B0600070205080204" pitchFamily="34" charset="-128"/>
+              </a:rPr>
+              <a:t>elif</a:t>
+            </a:r>
+            <a:r>
+              <a:rPr lang="en-US" altLang="en-US" sz="3500" dirty="0">
+                <a:solidFill>
+                  <a:schemeClr val="accent2"/>
+                </a:solidFill>
+                <a:latin typeface="Lucida Sans Typewriter" panose="020B0509030504030204" pitchFamily="49" charset="0"/>
+                <a:ea typeface="ＭＳ Ｐゴシック" panose="020B0600070205080204" pitchFamily="34" charset="-128"/>
+              </a:rPr>
+              <a:t> &lt;logical expression 2&gt;:</a:t>
+            </a:r>
+          </a:p>
+          <a:p>
+            <a:pPr marL="0" indent="0">
+              <a:lnSpc>
+                <a:spcPct val="130000"/>
+              </a:lnSpc>
+              <a:buNone/>
+            </a:pPr>
+            <a:r>
+              <a:rPr lang="en-US" altLang="en-US" sz="3500" dirty="0">
+                <a:solidFill>
+                  <a:schemeClr val="accent2"/>
+                </a:solidFill>
+                <a:latin typeface="Lucida Sans Typewriter" panose="020B0509030504030204" pitchFamily="49" charset="0"/>
+                <a:ea typeface="ＭＳ Ｐゴシック" panose="020B0600070205080204" pitchFamily="34" charset="-128"/>
+              </a:rPr>
+              <a:t>	&lt;statements 2&gt;</a:t>
+            </a:r>
+          </a:p>
+          <a:p>
+            <a:pPr marL="0" indent="0">
+              <a:lnSpc>
+                <a:spcPct val="130000"/>
+              </a:lnSpc>
+              <a:buNone/>
+            </a:pPr>
+            <a:r>
+              <a:rPr lang="en-US" altLang="en-US" sz="3500" dirty="0">
+                <a:solidFill>
+                  <a:schemeClr val="accent2"/>
+                </a:solidFill>
+                <a:latin typeface="Lucida Sans Typewriter" panose="020B0509030504030204" pitchFamily="49" charset="0"/>
+                <a:ea typeface="ＭＳ Ｐゴシック" panose="020B0600070205080204" pitchFamily="34" charset="-128"/>
+              </a:rPr>
+              <a:t>...</a:t>
+            </a:r>
+          </a:p>
+          <a:p>
+            <a:pPr marL="0" indent="0">
+              <a:lnSpc>
+                <a:spcPct val="130000"/>
+              </a:lnSpc>
+              <a:buNone/>
+            </a:pPr>
+            <a:r>
+              <a:rPr lang="en-US" altLang="en-US" sz="3500" dirty="0">
+                <a:solidFill>
+                  <a:schemeClr val="accent2"/>
+                </a:solidFill>
+                <a:latin typeface="Lucida Sans Typewriter" panose="020B0509030504030204" pitchFamily="49" charset="0"/>
+                <a:ea typeface="ＭＳ Ｐゴシック" panose="020B0600070205080204" pitchFamily="34" charset="-128"/>
+              </a:rPr>
+              <a:t>else:</a:t>
+            </a:r>
+          </a:p>
+          <a:p>
+            <a:pPr marL="0" indent="0">
+              <a:lnSpc>
+                <a:spcPct val="130000"/>
+              </a:lnSpc>
+              <a:buNone/>
+            </a:pPr>
+            <a:r>
+              <a:rPr lang="en-US" altLang="en-US" sz="3500" dirty="0">
+                <a:solidFill>
+                  <a:schemeClr val="accent2"/>
+                </a:solidFill>
+                <a:latin typeface="Lucida Sans Typewriter" panose="020B0509030504030204" pitchFamily="49" charset="0"/>
+                <a:ea typeface="ＭＳ Ｐゴシック" panose="020B0600070205080204" pitchFamily="34" charset="-128"/>
+              </a:rPr>
+              <a:t>	&lt;statements&gt;</a:t>
+            </a:r>
+          </a:p>
         </p:txBody>
       </p:sp>
     </p:spTree>
     <p:extLst>
       <p:ext uri="{BB962C8B-B14F-4D97-AF65-F5344CB8AC3E}">
-        <p14:creationId xmlns:p14="http://schemas.microsoft.com/office/powerpoint/2010/main" val="1120994850"/>
+        <p14:creationId xmlns:p14="http://schemas.microsoft.com/office/powerpoint/2010/main" val="3870531537"/>
       </p:ext>
     </p:extLst>
   </p:cSld>
@@ -10974,7 +6123,7 @@
 </p:sld>
 </file>
 
-<file path=ppt/slides/slide33.xml><?xml version="1.0" encoding="utf-8"?>
+<file path=ppt/slides/slide19.xml><?xml version="1.0" encoding="utf-8"?>
 <p:sld xmlns:a="http://schemas.openxmlformats.org/drawingml/2006/main" xmlns:r="http://schemas.openxmlformats.org/officeDocument/2006/relationships" xmlns:p="http://schemas.openxmlformats.org/presentationml/2006/main">
   <p:cSld>
     <p:spTree>
@@ -11102,7 +6251,7 @@
                 <a:latin typeface="Lucida Sans Typewriter" panose="020B0509030504030204" pitchFamily="49" charset="0"/>
                 <a:ea typeface="ＭＳ Ｐゴシック" panose="020B0600070205080204" pitchFamily="34" charset="-128"/>
               </a:rPr>
-              <a:t>if &lt;logical expression 1&gt;:</a:t>
+              <a:t>for x in range(10):</a:t>
             </a:r>
           </a:p>
           <a:p>
@@ -11120,7 +6269,7 @@
                 <a:latin typeface="Lucida Sans Typewriter" panose="020B0509030504030204" pitchFamily="49" charset="0"/>
                 <a:ea typeface="ＭＳ Ｐゴシック" panose="020B0600070205080204" pitchFamily="34" charset="-128"/>
               </a:rPr>
-              <a:t>	&lt;statements 1&gt;</a:t>
+              <a:t>	if x &lt;= 3:</a:t>
             </a:r>
           </a:p>
           <a:p>
@@ -11131,6 +6280,34 @@
               <a:buNone/>
             </a:pPr>
             <a:r>
+              <a:rPr lang="en-US" altLang="en-US" sz="3500" dirty="0">
+                <a:solidFill>
+                  <a:schemeClr val="accent2"/>
+                </a:solidFill>
+                <a:latin typeface="Lucida Sans Typewriter" panose="020B0509030504030204" pitchFamily="49" charset="0"/>
+                <a:ea typeface="ＭＳ Ｐゴシック" panose="020B0600070205080204" pitchFamily="34" charset="-128"/>
+              </a:rPr>
+              <a:t>		print(x, ‘is less than or equal to 3’)</a:t>
+            </a:r>
+          </a:p>
+          <a:p>
+            <a:pPr marL="0" indent="0">
+              <a:lnSpc>
+                <a:spcPct val="130000"/>
+              </a:lnSpc>
+              <a:buNone/>
+            </a:pPr>
+            <a:r>
+              <a:rPr lang="en-US" altLang="en-US" sz="3500" dirty="0">
+                <a:solidFill>
+                  <a:schemeClr val="accent2"/>
+                </a:solidFill>
+                <a:latin typeface="Lucida Sans Typewriter" panose="020B0509030504030204" pitchFamily="49" charset="0"/>
+                <a:ea typeface="ＭＳ Ｐゴシック" panose="020B0600070205080204" pitchFamily="34" charset="-128"/>
+              </a:rPr>
+              <a:t>	</a:t>
+            </a:r>
+            <a:r>
               <a:rPr lang="en-US" altLang="en-US" sz="3500" dirty="0" err="1">
                 <a:solidFill>
                   <a:schemeClr val="accent2"/>
@@ -11148,7 +6325,7 @@
                 <a:latin typeface="Lucida Sans Typewriter" panose="020B0509030504030204" pitchFamily="49" charset="0"/>
                 <a:ea typeface="ＭＳ Ｐゴシック" panose="020B0600070205080204" pitchFamily="34" charset="-128"/>
               </a:rPr>
-              <a:t> &lt;logical expression 2&gt;:</a:t>
+              <a:t> x &gt; 5:</a:t>
             </a:r>
           </a:p>
           <a:p>
@@ -11166,7 +6343,7 @@
                 <a:latin typeface="Lucida Sans Typewriter" panose="020B0509030504030204" pitchFamily="49" charset="0"/>
                 <a:ea typeface="ＭＳ Ｐゴシック" panose="020B0600070205080204" pitchFamily="34" charset="-128"/>
               </a:rPr>
-              <a:t>	&lt;statements 2&gt;</a:t>
+              <a:t>		print(x, ‘is greater than 5’)</a:t>
             </a:r>
           </a:p>
           <a:p>
@@ -11184,7 +6361,7 @@
                 <a:latin typeface="Lucida Sans Typewriter" panose="020B0509030504030204" pitchFamily="49" charset="0"/>
                 <a:ea typeface="ＭＳ Ｐゴシック" panose="020B0600070205080204" pitchFamily="34" charset="-128"/>
               </a:rPr>
-              <a:t>...</a:t>
+              <a:t>	else:</a:t>
             </a:r>
           </a:p>
           <a:p>
@@ -11202,25 +6379,7 @@
                 <a:latin typeface="Lucida Sans Typewriter" panose="020B0509030504030204" pitchFamily="49" charset="0"/>
                 <a:ea typeface="ＭＳ Ｐゴシック" panose="020B0600070205080204" pitchFamily="34" charset="-128"/>
               </a:rPr>
-              <a:t>else:</a:t>
-            </a:r>
-          </a:p>
-          <a:p>
-            <a:pPr marL="0" indent="0">
-              <a:lnSpc>
-                <a:spcPct val="130000"/>
-              </a:lnSpc>
-              <a:buNone/>
-            </a:pPr>
-            <a:r>
-              <a:rPr lang="en-US" altLang="en-US" sz="3500" dirty="0">
-                <a:solidFill>
-                  <a:schemeClr val="accent2"/>
-                </a:solidFill>
-                <a:latin typeface="Lucida Sans Typewriter" panose="020B0509030504030204" pitchFamily="49" charset="0"/>
-                <a:ea typeface="ＭＳ Ｐゴシック" panose="020B0600070205080204" pitchFamily="34" charset="-128"/>
-              </a:rPr>
-              <a:t>	&lt;statements&gt;</a:t>
+              <a:t>		print(x, ‘must be four of five, then’)</a:t>
             </a:r>
           </a:p>
         </p:txBody>
@@ -11228,7 +6387,7 @@
     </p:spTree>
     <p:extLst>
       <p:ext uri="{BB962C8B-B14F-4D97-AF65-F5344CB8AC3E}">
-        <p14:creationId xmlns:p14="http://schemas.microsoft.com/office/powerpoint/2010/main" val="3870531537"/>
+        <p14:creationId xmlns:p14="http://schemas.microsoft.com/office/powerpoint/2010/main" val="47046077"/>
       </p:ext>
     </p:extLst>
   </p:cSld>
@@ -11238,7 +6397,7 @@
 </p:sld>
 </file>
 
-<file path=ppt/slides/slide34.xml><?xml version="1.0" encoding="utf-8"?>
+<file path=ppt/slides/slide2.xml><?xml version="1.0" encoding="utf-8"?>
 <p:sld xmlns:a="http://schemas.openxmlformats.org/drawingml/2006/main" xmlns:r="http://schemas.openxmlformats.org/officeDocument/2006/relationships" xmlns:p="http://schemas.openxmlformats.org/presentationml/2006/main">
   <p:cSld>
     <p:spTree>
@@ -11283,15 +6442,12 @@
           <a:p>
             <a:r>
               <a:rPr lang="en-US" dirty="0"/>
-              <a:t>Control Flow – </a:t>
-            </a:r>
-            <a:r>
-              <a:rPr lang="en-US" dirty="0">
-                <a:latin typeface="Courier New" panose="02070309020205020404" pitchFamily="49" charset="0"/>
-                <a:cs typeface="Courier New" panose="02070309020205020404" pitchFamily="49" charset="0"/>
-              </a:rPr>
-              <a:t>if/else</a:t>
-            </a:r>
+              <a:t>Lists</a:t>
+            </a:r>
+            <a:endParaRPr lang="en-US" dirty="0">
+              <a:latin typeface="Courier New" panose="02070309020205020404" pitchFamily="49" charset="0"/>
+              <a:cs typeface="Courier New" panose="02070309020205020404" pitchFamily="49" charset="0"/>
+            </a:endParaRPr>
           </a:p>
         </p:txBody>
       </p:sp>
@@ -11313,31 +6469,28 @@
         </p:nvSpPr>
         <p:spPr>
           <a:xfrm>
-            <a:off x="838199" y="1875453"/>
-            <a:ext cx="10738607" cy="4422710"/>
+            <a:off x="838199" y="2043739"/>
+            <a:ext cx="10738607" cy="3660775"/>
           </a:xfrm>
         </p:spPr>
         <p:txBody>
           <a:bodyPr>
-            <a:normAutofit fontScale="55000" lnSpcReduction="20000"/>
+            <a:normAutofit/>
           </a:bodyPr>
           <a:lstStyle/>
           <a:p>
             <a:pPr marL="0" indent="0">
-              <a:buFont typeface="Symbol" panose="05050102010706020507" pitchFamily="18" charset="2"/>
-              <a:buNone/>
-            </a:pPr>
-            <a:r>
-              <a:rPr lang="en-US" altLang="en-US" sz="4200" dirty="0"/>
-              <a:t>Few computer programs are executed in a purely linear fashion. Blocks of code are usually executed </a:t>
-            </a:r>
-            <a:r>
-              <a:rPr lang="en-US" altLang="en-US" sz="4200" i="1" dirty="0"/>
-              <a:t>conditionally</a:t>
-            </a:r>
-            <a:r>
-              <a:rPr lang="en-US" altLang="en-US" sz="4200" dirty="0"/>
-              <a:t> on the basis of some test carried out on data.</a:t>
+              <a:lnSpc>
+                <a:spcPct val="100000"/>
+              </a:lnSpc>
+              <a:buNone/>
+            </a:pPr>
+            <a:r>
+              <a:rPr lang="en-US" altLang="en-US" sz="2300" dirty="0">
+                <a:ea typeface="ＭＳ Ｐゴシック" panose="020B0600070205080204" pitchFamily="34" charset="-128"/>
+                <a:cs typeface="Courier New" panose="02070309020205020404" pitchFamily="49" charset="0"/>
+              </a:rPr>
+              <a:t>A collection of ordered stuff (Array)</a:t>
             </a:r>
           </a:p>
           <a:p>
@@ -11353,156 +6506,153 @@
           </a:p>
           <a:p>
             <a:pPr marL="0" indent="0">
-              <a:lnSpc>
-                <a:spcPct val="130000"/>
-              </a:lnSpc>
-              <a:buNone/>
-            </a:pPr>
-            <a:r>
-              <a:rPr lang="en-US" altLang="en-US" sz="3500" dirty="0">
-                <a:solidFill>
-                  <a:schemeClr val="accent2"/>
-                </a:solidFill>
-                <a:latin typeface="Lucida Sans Typewriter" panose="020B0509030504030204" pitchFamily="49" charset="0"/>
-                <a:ea typeface="ＭＳ Ｐゴシック" panose="020B0600070205080204" pitchFamily="34" charset="-128"/>
-              </a:rPr>
-              <a:t>for x in range(10):</a:t>
-            </a:r>
-          </a:p>
-          <a:p>
-            <a:pPr marL="0" indent="0">
-              <a:lnSpc>
-                <a:spcPct val="130000"/>
-              </a:lnSpc>
-              <a:buNone/>
-            </a:pPr>
-            <a:r>
-              <a:rPr lang="en-US" altLang="en-US" sz="3500" dirty="0">
-                <a:solidFill>
-                  <a:schemeClr val="accent2"/>
-                </a:solidFill>
-                <a:latin typeface="Lucida Sans Typewriter" panose="020B0509030504030204" pitchFamily="49" charset="0"/>
-                <a:ea typeface="ＭＳ Ｐゴシック" panose="020B0600070205080204" pitchFamily="34" charset="-128"/>
-              </a:rPr>
-              <a:t>	if x &lt;= 3:</a:t>
-            </a:r>
-          </a:p>
-          <a:p>
-            <a:pPr marL="0" indent="0">
-              <a:lnSpc>
-                <a:spcPct val="130000"/>
-              </a:lnSpc>
-              <a:buNone/>
-            </a:pPr>
-            <a:r>
-              <a:rPr lang="en-US" altLang="en-US" sz="3500" dirty="0">
-                <a:solidFill>
-                  <a:schemeClr val="accent2"/>
-                </a:solidFill>
-                <a:latin typeface="Lucida Sans Typewriter" panose="020B0509030504030204" pitchFamily="49" charset="0"/>
-                <a:ea typeface="ＭＳ Ｐゴシック" panose="020B0600070205080204" pitchFamily="34" charset="-128"/>
-              </a:rPr>
-              <a:t>		print(x, ‘is less than or equal to 3’)</a:t>
-            </a:r>
-          </a:p>
-          <a:p>
-            <a:pPr marL="0" indent="0">
-              <a:lnSpc>
-                <a:spcPct val="130000"/>
-              </a:lnSpc>
-              <a:buNone/>
-            </a:pPr>
-            <a:r>
-              <a:rPr lang="en-US" altLang="en-US" sz="3500" dirty="0">
-                <a:solidFill>
-                  <a:schemeClr val="accent2"/>
-                </a:solidFill>
-                <a:latin typeface="Lucida Sans Typewriter" panose="020B0509030504030204" pitchFamily="49" charset="0"/>
-                <a:ea typeface="ＭＳ Ｐゴシック" panose="020B0600070205080204" pitchFamily="34" charset="-128"/>
-              </a:rPr>
-              <a:t>	</a:t>
-            </a:r>
-            <a:r>
-              <a:rPr lang="en-US" altLang="en-US" sz="3500" dirty="0" err="1">
-                <a:solidFill>
-                  <a:schemeClr val="accent2"/>
-                </a:solidFill>
-                <a:latin typeface="Lucida Sans Typewriter" panose="020B0509030504030204" pitchFamily="49" charset="0"/>
-                <a:ea typeface="ＭＳ Ｐゴシック" panose="020B0600070205080204" pitchFamily="34" charset="-128"/>
-              </a:rPr>
-              <a:t>elif</a:t>
-            </a:r>
-            <a:r>
-              <a:rPr lang="en-US" altLang="en-US" sz="3500" dirty="0">
-                <a:solidFill>
-                  <a:schemeClr val="accent2"/>
-                </a:solidFill>
-                <a:latin typeface="Lucida Sans Typewriter" panose="020B0509030504030204" pitchFamily="49" charset="0"/>
-                <a:ea typeface="ＭＳ Ｐゴシック" panose="020B0600070205080204" pitchFamily="34" charset="-128"/>
-              </a:rPr>
-              <a:t> x &gt; 5:</a:t>
-            </a:r>
-          </a:p>
-          <a:p>
-            <a:pPr marL="0" indent="0">
-              <a:lnSpc>
-                <a:spcPct val="130000"/>
-              </a:lnSpc>
-              <a:buNone/>
-            </a:pPr>
-            <a:r>
-              <a:rPr lang="en-US" altLang="en-US" sz="3500" dirty="0">
-                <a:solidFill>
-                  <a:schemeClr val="accent2"/>
-                </a:solidFill>
-                <a:latin typeface="Lucida Sans Typewriter" panose="020B0509030504030204" pitchFamily="49" charset="0"/>
-                <a:ea typeface="ＭＳ Ｐゴシック" panose="020B0600070205080204" pitchFamily="34" charset="-128"/>
-              </a:rPr>
-              <a:t>		print(x, ‘is greater than 5’)</a:t>
-            </a:r>
-          </a:p>
-          <a:p>
-            <a:pPr marL="0" indent="0">
-              <a:lnSpc>
-                <a:spcPct val="130000"/>
-              </a:lnSpc>
-              <a:buNone/>
-            </a:pPr>
-            <a:r>
-              <a:rPr lang="en-US" altLang="en-US" sz="3500" dirty="0">
-                <a:solidFill>
-                  <a:schemeClr val="accent2"/>
-                </a:solidFill>
-                <a:latin typeface="Lucida Sans Typewriter" panose="020B0509030504030204" pitchFamily="49" charset="0"/>
-                <a:ea typeface="ＭＳ Ｐゴシック" panose="020B0600070205080204" pitchFamily="34" charset="-128"/>
-              </a:rPr>
-              <a:t>	else:</a:t>
-            </a:r>
-          </a:p>
-          <a:p>
-            <a:pPr marL="0" indent="0">
-              <a:lnSpc>
-                <a:spcPct val="130000"/>
-              </a:lnSpc>
-              <a:buNone/>
-            </a:pPr>
-            <a:r>
-              <a:rPr lang="en-US" altLang="en-US" sz="3500" dirty="0">
-                <a:solidFill>
-                  <a:schemeClr val="accent2"/>
-                </a:solidFill>
-                <a:latin typeface="Lucida Sans Typewriter" panose="020B0509030504030204" pitchFamily="49" charset="0"/>
-                <a:ea typeface="ＭＳ Ｐゴシック" panose="020B0600070205080204" pitchFamily="34" charset="-128"/>
-              </a:rPr>
-              <a:t>		print(x, ‘must be four of five, then’)</a:t>
-            </a:r>
+              <a:buNone/>
+            </a:pPr>
+            <a:r>
+              <a:rPr lang="en-US" altLang="en-US" sz="1400" dirty="0">
+                <a:solidFill>
+                  <a:schemeClr val="accent2"/>
+                </a:solidFill>
+                <a:latin typeface="Lucida Sans Typewriter" panose="020B0509030504030204" pitchFamily="49" charset="0"/>
+                <a:ea typeface="ＭＳ Ｐゴシック" panose="020B0600070205080204" pitchFamily="34" charset="-128"/>
+              </a:rPr>
+              <a:t>&gt;&gt;&gt; l = [1, ‘two’, 3.14, 4]</a:t>
+            </a:r>
+          </a:p>
+          <a:p>
+            <a:pPr marL="0" indent="0">
+              <a:buNone/>
+            </a:pPr>
+            <a:r>
+              <a:rPr lang="en-US" altLang="en-US" sz="1400" dirty="0">
+                <a:solidFill>
+                  <a:schemeClr val="accent2"/>
+                </a:solidFill>
+                <a:latin typeface="Lucida Sans Typewriter" panose="020B0509030504030204" pitchFamily="49" charset="0"/>
+                <a:ea typeface="ＭＳ Ｐゴシック" panose="020B0600070205080204" pitchFamily="34" charset="-128"/>
+              </a:rPr>
+              <a:t>&gt;&gt;&gt; </a:t>
+            </a:r>
+            <a:r>
+              <a:rPr lang="en-US" altLang="en-US" sz="1400" dirty="0" err="1">
+                <a:solidFill>
+                  <a:schemeClr val="accent2"/>
+                </a:solidFill>
+                <a:latin typeface="Lucida Sans Typewriter" panose="020B0509030504030204" pitchFamily="49" charset="0"/>
+                <a:ea typeface="ＭＳ Ｐゴシック" panose="020B0600070205080204" pitchFamily="34" charset="-128"/>
+              </a:rPr>
+              <a:t>len</a:t>
+            </a:r>
+            <a:r>
+              <a:rPr lang="en-US" altLang="en-US" sz="1400" dirty="0">
+                <a:solidFill>
+                  <a:schemeClr val="accent2"/>
+                </a:solidFill>
+                <a:latin typeface="Lucida Sans Typewriter" panose="020B0509030504030204" pitchFamily="49" charset="0"/>
+                <a:ea typeface="ＭＳ Ｐゴシック" panose="020B0600070205080204" pitchFamily="34" charset="-128"/>
+              </a:rPr>
+              <a:t>(l)</a:t>
+            </a:r>
+          </a:p>
+          <a:p>
+            <a:pPr marL="0" indent="0">
+              <a:buNone/>
+            </a:pPr>
+            <a:r>
+              <a:rPr lang="en-US" altLang="en-US" sz="1400" dirty="0">
+                <a:solidFill>
+                  <a:schemeClr val="accent2"/>
+                </a:solidFill>
+                <a:latin typeface="Lucida Sans Typewriter" panose="020B0509030504030204" pitchFamily="49" charset="0"/>
+                <a:ea typeface="ＭＳ Ｐゴシック" panose="020B0600070205080204" pitchFamily="34" charset="-128"/>
+              </a:rPr>
+              <a:t>4</a:t>
+            </a:r>
+          </a:p>
+          <a:p>
+            <a:pPr marL="0" indent="0">
+              <a:buFont typeface="Symbol" panose="05050102010706020507" pitchFamily="18" charset="2"/>
+              <a:buNone/>
+            </a:pPr>
+            <a:endParaRPr lang="en-US" altLang="en-US" sz="2400" dirty="0">
+              <a:latin typeface="Courier New" panose="02070309020205020404" pitchFamily="49" charset="0"/>
+              <a:ea typeface="ＭＳ Ｐゴシック" panose="020B0600070205080204" pitchFamily="34" charset="-128"/>
+              <a:cs typeface="Courier New" panose="02070309020205020404" pitchFamily="49" charset="0"/>
+            </a:endParaRPr>
+          </a:p>
+          <a:p>
+            <a:pPr marL="0" indent="0">
+              <a:lnSpc>
+                <a:spcPct val="100000"/>
+              </a:lnSpc>
+              <a:buNone/>
+            </a:pPr>
+            <a:r>
+              <a:rPr lang="en-US" altLang="en-US" sz="2300" dirty="0">
+                <a:ea typeface="ＭＳ Ｐゴシック" panose="020B0600070205080204" pitchFamily="34" charset="-128"/>
+                <a:cs typeface="Courier New" panose="02070309020205020404" pitchFamily="49" charset="0"/>
+              </a:rPr>
+              <a:t>Indexing/Slicing works the same way as with strings:</a:t>
+            </a:r>
+          </a:p>
+          <a:p>
+            <a:pPr marL="0" indent="0">
+              <a:buNone/>
+            </a:pPr>
+            <a:r>
+              <a:rPr lang="en-US" altLang="en-US" sz="1300" dirty="0">
+                <a:solidFill>
+                  <a:schemeClr val="accent2"/>
+                </a:solidFill>
+                <a:latin typeface="Lucida Sans Typewriter" panose="020B0509030504030204" pitchFamily="49" charset="0"/>
+                <a:ea typeface="ＭＳ Ｐゴシック" panose="020B0600070205080204" pitchFamily="34" charset="-128"/>
+              </a:rPr>
+              <a:t>&gt;&gt; l[0:2]</a:t>
+            </a:r>
+          </a:p>
+          <a:p>
+            <a:pPr marL="0" indent="0">
+              <a:buNone/>
+            </a:pPr>
+            <a:r>
+              <a:rPr lang="en-US" altLang="en-US" sz="1300" dirty="0">
+                <a:solidFill>
+                  <a:schemeClr val="accent2"/>
+                </a:solidFill>
+                <a:latin typeface="Lucida Sans Typewriter" panose="020B0509030504030204" pitchFamily="49" charset="0"/>
+                <a:ea typeface="ＭＳ Ｐゴシック" panose="020B0600070205080204" pitchFamily="34" charset="-128"/>
+              </a:rPr>
+              <a:t>[1, ‘two’]</a:t>
+            </a:r>
+          </a:p>
+          <a:p>
+            <a:pPr marL="0" indent="0">
+              <a:buFont typeface="Symbol" panose="05050102010706020507" pitchFamily="18" charset="2"/>
+              <a:buNone/>
+            </a:pPr>
+            <a:endParaRPr lang="en-US" altLang="en-US" sz="2400" dirty="0">
+              <a:latin typeface="Courier New" panose="02070309020205020404" pitchFamily="49" charset="0"/>
+              <a:ea typeface="ＭＳ Ｐゴシック" panose="020B0600070205080204" pitchFamily="34" charset="-128"/>
+              <a:cs typeface="Courier New" panose="02070309020205020404" pitchFamily="49" charset="0"/>
+            </a:endParaRPr>
+          </a:p>
+          <a:p>
+            <a:pPr marL="0" indent="0">
+              <a:buFont typeface="Symbol" panose="05050102010706020507" pitchFamily="18" charset="2"/>
+              <a:buNone/>
+            </a:pPr>
+            <a:endParaRPr lang="en-US" altLang="en-US" sz="2400" dirty="0">
+              <a:latin typeface="Courier New" panose="02070309020205020404" pitchFamily="49" charset="0"/>
+              <a:ea typeface="ＭＳ Ｐゴシック" panose="020B0600070205080204" pitchFamily="34" charset="-128"/>
+              <a:cs typeface="Courier New" panose="02070309020205020404" pitchFamily="49" charset="0"/>
+            </a:endParaRPr>
           </a:p>
         </p:txBody>
       </p:sp>
     </p:spTree>
     <p:extLst>
       <p:ext uri="{BB962C8B-B14F-4D97-AF65-F5344CB8AC3E}">
-        <p14:creationId xmlns:p14="http://schemas.microsoft.com/office/powerpoint/2010/main" val="47046077"/>
+        <p14:creationId xmlns:p14="http://schemas.microsoft.com/office/powerpoint/2010/main" val="294572669"/>
       </p:ext>
     </p:extLst>
   </p:cSld>
@@ -11512,7 +6662,7 @@
 </p:sld>
 </file>
 
-<file path=ppt/slides/slide35.xml><?xml version="1.0" encoding="utf-8"?>
+<file path=ppt/slides/slide20.xml><?xml version="1.0" encoding="utf-8"?>
 <p:sld xmlns:a="http://schemas.openxmlformats.org/drawingml/2006/main" xmlns:r="http://schemas.openxmlformats.org/officeDocument/2006/relationships" xmlns:p="http://schemas.openxmlformats.org/presentationml/2006/main">
   <p:cSld>
     <p:spTree>
@@ -11632,7 +6782,7 @@
 </p:sld>
 </file>
 
-<file path=ppt/slides/slide36.xml><?xml version="1.0" encoding="utf-8"?>
+<file path=ppt/slides/slide21.xml><?xml version="1.0" encoding="utf-8"?>
 <p:sld xmlns:a="http://schemas.openxmlformats.org/drawingml/2006/main" xmlns:r="http://schemas.openxmlformats.org/officeDocument/2006/relationships" xmlns:p="http://schemas.openxmlformats.org/presentationml/2006/main">
   <p:cSld>
     <p:spTree>
@@ -11988,7 +7138,7 @@
 </p:sld>
 </file>
 
-<file path=ppt/slides/slide37.xml><?xml version="1.0" encoding="utf-8"?>
+<file path=ppt/slides/slide22.xml><?xml version="1.0" encoding="utf-8"?>
 <p:sld xmlns:a="http://schemas.openxmlformats.org/drawingml/2006/main" xmlns:r="http://schemas.openxmlformats.org/officeDocument/2006/relationships" xmlns:p="http://schemas.openxmlformats.org/presentationml/2006/main">
   <p:cSld>
     <p:spTree>
@@ -12281,7 +7431,7 @@
 </p:sld>
 </file>
 
-<file path=ppt/slides/slide38.xml><?xml version="1.0" encoding="utf-8"?>
+<file path=ppt/slides/slide23.xml><?xml version="1.0" encoding="utf-8"?>
 <p:sld xmlns:a="http://schemas.openxmlformats.org/drawingml/2006/main" xmlns:r="http://schemas.openxmlformats.org/officeDocument/2006/relationships" xmlns:p="http://schemas.openxmlformats.org/presentationml/2006/main">
   <p:cSld>
     <p:spTree>
@@ -12570,7 +7720,7 @@
 </p:sld>
 </file>
 
-<file path=ppt/slides/slide39.xml><?xml version="1.0" encoding="utf-8"?>
+<file path=ppt/slides/slide24.xml><?xml version="1.0" encoding="utf-8"?>
 <p:sld xmlns:a="http://schemas.openxmlformats.org/drawingml/2006/main" xmlns:r="http://schemas.openxmlformats.org/officeDocument/2006/relationships" xmlns:p="http://schemas.openxmlformats.org/presentationml/2006/main">
   <p:cSld>
     <p:spTree>
@@ -12752,202 +7902,7 @@
 </p:sld>
 </file>
 
-<file path=ppt/slides/slide4.xml><?xml version="1.0" encoding="utf-8"?>
-<p:sld xmlns:a="http://schemas.openxmlformats.org/drawingml/2006/main" xmlns:r="http://schemas.openxmlformats.org/officeDocument/2006/relationships" xmlns:p="http://schemas.openxmlformats.org/presentationml/2006/main">
-  <p:cSld>
-    <p:spTree>
-      <p:nvGrpSpPr>
-        <p:cNvPr id="1" name=""/>
-        <p:cNvGrpSpPr/>
-        <p:nvPr/>
-      </p:nvGrpSpPr>
-      <p:grpSpPr>
-        <a:xfrm>
-          <a:off x="0" y="0"/>
-          <a:ext cx="0" cy="0"/>
-          <a:chOff x="0" y="0"/>
-          <a:chExt cx="0" cy="0"/>
-        </a:xfrm>
-      </p:grpSpPr>
-      <p:sp>
-        <p:nvSpPr>
-          <p:cNvPr id="2" name="Title 1">
-            <a:extLst>
-              <a:ext uri="{FF2B5EF4-FFF2-40B4-BE49-F238E27FC236}">
-                <a16:creationId xmlns:a16="http://schemas.microsoft.com/office/drawing/2014/main" id="{A3CF88B2-7D10-4512-B991-123D8BB60E9C}"/>
-              </a:ext>
-            </a:extLst>
-          </p:cNvPr>
-          <p:cNvSpPr>
-            <a:spLocks noGrp="1"/>
-          </p:cNvSpPr>
-          <p:nvPr>
-            <p:ph type="title"/>
-          </p:nvPr>
-        </p:nvSpPr>
-        <p:spPr>
-          <a:xfrm>
-            <a:off x="838200" y="365125"/>
-            <a:ext cx="10515600" cy="1325563"/>
-          </a:xfrm>
-        </p:spPr>
-        <p:txBody>
-          <a:bodyPr/>
-          <a:lstStyle/>
-          <a:p>
-            <a:r>
-              <a:rPr lang="en-US" dirty="0"/>
-              <a:t>Escaping Strings</a:t>
-            </a:r>
-            <a:endParaRPr lang="en-US" dirty="0">
-              <a:latin typeface="Courier New" panose="02070309020205020404" pitchFamily="49" charset="0"/>
-              <a:cs typeface="Courier New" panose="02070309020205020404" pitchFamily="49" charset="0"/>
-            </a:endParaRPr>
-          </a:p>
-        </p:txBody>
-      </p:sp>
-      <p:sp>
-        <p:nvSpPr>
-          <p:cNvPr id="3" name="Content Placeholder 2">
-            <a:extLst>
-              <a:ext uri="{FF2B5EF4-FFF2-40B4-BE49-F238E27FC236}">
-                <a16:creationId xmlns:a16="http://schemas.microsoft.com/office/drawing/2014/main" id="{5F4835C5-2666-4F19-88FF-ACF2518A749F}"/>
-              </a:ext>
-            </a:extLst>
-          </p:cNvPr>
-          <p:cNvSpPr>
-            <a:spLocks noGrp="1"/>
-          </p:cNvSpPr>
-          <p:nvPr>
-            <p:ph idx="1"/>
-          </p:nvPr>
-        </p:nvSpPr>
-        <p:spPr>
-          <a:xfrm>
-            <a:off x="838200" y="2043739"/>
-            <a:ext cx="10515600" cy="1672583"/>
-          </a:xfrm>
-        </p:spPr>
-        <p:txBody>
-          <a:bodyPr>
-            <a:normAutofit lnSpcReduction="10000"/>
-          </a:bodyPr>
-          <a:lstStyle/>
-          <a:p>
-            <a:pPr marL="0" indent="0">
-              <a:lnSpc>
-                <a:spcPct val="80000"/>
-              </a:lnSpc>
-              <a:buNone/>
-            </a:pPr>
-            <a:r>
-              <a:rPr lang="en-US" altLang="en-US" sz="2300" dirty="0">
-                <a:solidFill>
-                  <a:schemeClr val="accent2"/>
-                </a:solidFill>
-                <a:latin typeface="Lucida Sans Typewriter" panose="020B0509030504030204" pitchFamily="49" charset="0"/>
-                <a:ea typeface="ＭＳ Ｐゴシック" panose="020B0600070205080204" pitchFamily="34" charset="-128"/>
-              </a:rPr>
-              <a:t>“I’m a very stable genius.”</a:t>
-            </a:r>
-          </a:p>
-          <a:p>
-            <a:pPr marL="0" indent="0">
-              <a:lnSpc>
-                <a:spcPct val="80000"/>
-              </a:lnSpc>
-              <a:buNone/>
-            </a:pPr>
-            <a:r>
-              <a:rPr lang="en-US" altLang="en-US" sz="2300" dirty="0">
-                <a:solidFill>
-                  <a:schemeClr val="accent2"/>
-                </a:solidFill>
-                <a:latin typeface="Lucida Sans Typewriter" panose="020B0509030504030204" pitchFamily="49" charset="0"/>
-                <a:ea typeface="ＭＳ Ｐゴシック" panose="020B0600070205080204" pitchFamily="34" charset="-128"/>
-              </a:rPr>
-              <a:t>-- Donald Trump</a:t>
-            </a:r>
-          </a:p>
-          <a:p>
-            <a:pPr marL="0" indent="0">
-              <a:buFont typeface="Symbol" panose="05050102010706020507" pitchFamily="18" charset="2"/>
-              <a:buNone/>
-            </a:pPr>
-            <a:endParaRPr lang="en-US" altLang="en-US" sz="2400" dirty="0">
-              <a:latin typeface="Courier New" panose="02070309020205020404" pitchFamily="49" charset="0"/>
-              <a:ea typeface="ＭＳ Ｐゴシック" panose="020B0600070205080204" pitchFamily="34" charset="-128"/>
-              <a:cs typeface="Courier New" panose="02070309020205020404" pitchFamily="49" charset="0"/>
-            </a:endParaRPr>
-          </a:p>
-          <a:p>
-            <a:pPr marL="0" indent="0">
-              <a:buFont typeface="Symbol" panose="05050102010706020507" pitchFamily="18" charset="2"/>
-              <a:buNone/>
-            </a:pPr>
-            <a:r>
-              <a:rPr lang="en-US" altLang="en-US" sz="2400" dirty="0">
-                <a:latin typeface="Courier New" panose="02070309020205020404" pitchFamily="49" charset="0"/>
-                <a:ea typeface="ＭＳ Ｐゴシック" panose="020B0600070205080204" pitchFamily="34" charset="-128"/>
-                <a:cs typeface="Courier New" panose="02070309020205020404" pitchFamily="49" charset="0"/>
-              </a:rPr>
-              <a:t>How do we assign this exact string to a variable </a:t>
-            </a:r>
-            <a:r>
-              <a:rPr lang="en-US" altLang="en-US" sz="2400" b="1" dirty="0">
-                <a:latin typeface="Courier New" panose="02070309020205020404" pitchFamily="49" charset="0"/>
-                <a:ea typeface="ＭＳ Ｐゴシック" panose="020B0600070205080204" pitchFamily="34" charset="-128"/>
-                <a:cs typeface="Courier New" panose="02070309020205020404" pitchFamily="49" charset="0"/>
-              </a:rPr>
-              <a:t>quote</a:t>
-            </a:r>
-            <a:r>
-              <a:rPr lang="en-US" altLang="en-US" sz="2400" dirty="0">
-                <a:latin typeface="Courier New" panose="02070309020205020404" pitchFamily="49" charset="0"/>
-                <a:ea typeface="ＭＳ Ｐゴシック" panose="020B0600070205080204" pitchFamily="34" charset="-128"/>
-                <a:cs typeface="Courier New" panose="02070309020205020404" pitchFamily="49" charset="0"/>
-              </a:rPr>
-              <a:t>?</a:t>
-            </a:r>
-          </a:p>
-          <a:p>
-            <a:pPr marL="0" indent="0">
-              <a:buFont typeface="Symbol" panose="05050102010706020507" pitchFamily="18" charset="2"/>
-              <a:buNone/>
-            </a:pPr>
-            <a:endParaRPr lang="en-US" altLang="en-US" sz="2400" dirty="0">
-              <a:latin typeface="Courier New" panose="02070309020205020404" pitchFamily="49" charset="0"/>
-              <a:ea typeface="ＭＳ Ｐゴシック" panose="020B0600070205080204" pitchFamily="34" charset="-128"/>
-              <a:cs typeface="Courier New" panose="02070309020205020404" pitchFamily="49" charset="0"/>
-            </a:endParaRPr>
-          </a:p>
-          <a:p>
-            <a:pPr marL="0" indent="0">
-              <a:buFont typeface="Symbol" panose="05050102010706020507" pitchFamily="18" charset="2"/>
-              <a:buNone/>
-            </a:pPr>
-            <a:endParaRPr lang="en-US" altLang="en-US" sz="2400" dirty="0">
-              <a:latin typeface="Courier New" panose="02070309020205020404" pitchFamily="49" charset="0"/>
-              <a:ea typeface="ＭＳ Ｐゴシック" panose="020B0600070205080204" pitchFamily="34" charset="-128"/>
-              <a:cs typeface="Courier New" panose="02070309020205020404" pitchFamily="49" charset="0"/>
-            </a:endParaRPr>
-          </a:p>
-        </p:txBody>
-      </p:sp>
-    </p:spTree>
-    <p:extLst>
-      <p:ext uri="{BB962C8B-B14F-4D97-AF65-F5344CB8AC3E}">
-        <p14:creationId xmlns:p14="http://schemas.microsoft.com/office/powerpoint/2010/main" val="988334955"/>
-      </p:ext>
-    </p:extLst>
-  </p:cSld>
-  <p:clrMapOvr>
-    <a:masterClrMapping/>
-  </p:clrMapOvr>
-</p:sld>
-</file>
-
-<file path=ppt/slides/slide40.xml><?xml version="1.0" encoding="utf-8"?>
+<file path=ppt/slides/slide25.xml><?xml version="1.0" encoding="utf-8"?>
 <p:sld xmlns:a="http://schemas.openxmlformats.org/drawingml/2006/main" xmlns:r="http://schemas.openxmlformats.org/officeDocument/2006/relationships" xmlns:p="http://schemas.openxmlformats.org/presentationml/2006/main">
   <p:cSld>
     <p:spTree>
@@ -14341,7 +9296,7 @@
 </p:sld>
 </file>
 
-<file path=ppt/slides/slide41.xml><?xml version="1.0" encoding="utf-8"?>
+<file path=ppt/slides/slide26.xml><?xml version="1.0" encoding="utf-8"?>
 <p:sld xmlns:a="http://schemas.openxmlformats.org/drawingml/2006/main" xmlns:r="http://schemas.openxmlformats.org/officeDocument/2006/relationships" xmlns:p="http://schemas.openxmlformats.org/presentationml/2006/main">
   <p:cSld>
     <p:spTree>
@@ -14741,7 +9696,7 @@
 </p:sld>
 </file>
 
-<file path=ppt/slides/slide42.xml><?xml version="1.0" encoding="utf-8"?>
+<file path=ppt/slides/slide27.xml><?xml version="1.0" encoding="utf-8"?>
 <p:sld xmlns:a="http://schemas.openxmlformats.org/drawingml/2006/main" xmlns:r="http://schemas.openxmlformats.org/officeDocument/2006/relationships" xmlns:p="http://schemas.openxmlformats.org/presentationml/2006/main">
   <p:cSld>
     <p:spTree>
@@ -15020,6 +9975,507 @@
     <p:extLst>
       <p:ext uri="{BB962C8B-B14F-4D97-AF65-F5344CB8AC3E}">
         <p14:creationId xmlns:p14="http://schemas.microsoft.com/office/powerpoint/2010/main" val="2464236803"/>
+      </p:ext>
+    </p:extLst>
+  </p:cSld>
+  <p:clrMapOvr>
+    <a:masterClrMapping/>
+  </p:clrMapOvr>
+</p:sld>
+</file>
+
+<file path=ppt/slides/slide3.xml><?xml version="1.0" encoding="utf-8"?>
+<p:sld xmlns:a="http://schemas.openxmlformats.org/drawingml/2006/main" xmlns:r="http://schemas.openxmlformats.org/officeDocument/2006/relationships" xmlns:p="http://schemas.openxmlformats.org/presentationml/2006/main">
+  <p:cSld>
+    <p:spTree>
+      <p:nvGrpSpPr>
+        <p:cNvPr id="1" name=""/>
+        <p:cNvGrpSpPr/>
+        <p:nvPr/>
+      </p:nvGrpSpPr>
+      <p:grpSpPr>
+        <a:xfrm>
+          <a:off x="0" y="0"/>
+          <a:ext cx="0" cy="0"/>
+          <a:chOff x="0" y="0"/>
+          <a:chExt cx="0" cy="0"/>
+        </a:xfrm>
+      </p:grpSpPr>
+      <p:sp>
+        <p:nvSpPr>
+          <p:cNvPr id="2" name="Title 1">
+            <a:extLst>
+              <a:ext uri="{FF2B5EF4-FFF2-40B4-BE49-F238E27FC236}">
+                <a16:creationId xmlns:a16="http://schemas.microsoft.com/office/drawing/2014/main" id="{A3CF88B2-7D10-4512-B991-123D8BB60E9C}"/>
+              </a:ext>
+            </a:extLst>
+          </p:cNvPr>
+          <p:cNvSpPr>
+            <a:spLocks noGrp="1"/>
+          </p:cNvSpPr>
+          <p:nvPr>
+            <p:ph type="title"/>
+          </p:nvPr>
+        </p:nvSpPr>
+        <p:spPr>
+          <a:xfrm>
+            <a:off x="838200" y="365125"/>
+            <a:ext cx="10515600" cy="1325563"/>
+          </a:xfrm>
+        </p:spPr>
+        <p:txBody>
+          <a:bodyPr/>
+          <a:lstStyle/>
+          <a:p>
+            <a:r>
+              <a:rPr lang="en-US" dirty="0"/>
+              <a:t>Lists</a:t>
+            </a:r>
+            <a:endParaRPr lang="en-US" dirty="0">
+              <a:latin typeface="Courier New" panose="02070309020205020404" pitchFamily="49" charset="0"/>
+              <a:cs typeface="Courier New" panose="02070309020205020404" pitchFamily="49" charset="0"/>
+            </a:endParaRPr>
+          </a:p>
+        </p:txBody>
+      </p:sp>
+      <p:sp>
+        <p:nvSpPr>
+          <p:cNvPr id="3" name="Content Placeholder 2">
+            <a:extLst>
+              <a:ext uri="{FF2B5EF4-FFF2-40B4-BE49-F238E27FC236}">
+                <a16:creationId xmlns:a16="http://schemas.microsoft.com/office/drawing/2014/main" id="{5F4835C5-2666-4F19-88FF-ACF2518A749F}"/>
+              </a:ext>
+            </a:extLst>
+          </p:cNvPr>
+          <p:cNvSpPr>
+            <a:spLocks noGrp="1"/>
+          </p:cNvSpPr>
+          <p:nvPr>
+            <p:ph idx="1"/>
+          </p:nvPr>
+        </p:nvSpPr>
+        <p:spPr>
+          <a:xfrm>
+            <a:off x="838199" y="2043739"/>
+            <a:ext cx="10738607" cy="3518161"/>
+          </a:xfrm>
+        </p:spPr>
+        <p:txBody>
+          <a:bodyPr>
+            <a:normAutofit fontScale="32500" lnSpcReduction="20000"/>
+          </a:bodyPr>
+          <a:lstStyle/>
+          <a:p>
+            <a:pPr marL="0" indent="0">
+              <a:lnSpc>
+                <a:spcPct val="120000"/>
+              </a:lnSpc>
+              <a:buNone/>
+            </a:pPr>
+            <a:r>
+              <a:rPr lang="en-US" altLang="en-US" sz="7100" dirty="0">
+                <a:ea typeface="ＭＳ Ｐゴシック" panose="020B0600070205080204" pitchFamily="34" charset="-128"/>
+                <a:cs typeface="Courier New" panose="02070309020205020404" pitchFamily="49" charset="0"/>
+              </a:rPr>
+              <a:t>Test for membership (in keyword) :</a:t>
+            </a:r>
+          </a:p>
+          <a:p>
+            <a:pPr marL="0" indent="0">
+              <a:lnSpc>
+                <a:spcPct val="100000"/>
+              </a:lnSpc>
+              <a:buNone/>
+            </a:pPr>
+            <a:r>
+              <a:rPr lang="en-US" altLang="en-US" sz="3300" dirty="0">
+                <a:solidFill>
+                  <a:schemeClr val="accent2"/>
+                </a:solidFill>
+                <a:latin typeface="Lucida Sans Typewriter" panose="020B0509030504030204" pitchFamily="49" charset="0"/>
+                <a:ea typeface="ＭＳ Ｐゴシック" panose="020B0600070205080204" pitchFamily="34" charset="-128"/>
+              </a:rPr>
+              <a:t>&gt;&gt;&gt; 1 in l</a:t>
+            </a:r>
+          </a:p>
+          <a:p>
+            <a:pPr marL="0" indent="0">
+              <a:lnSpc>
+                <a:spcPct val="100000"/>
+              </a:lnSpc>
+              <a:buNone/>
+            </a:pPr>
+            <a:r>
+              <a:rPr lang="en-US" altLang="en-US" sz="3300" dirty="0">
+                <a:solidFill>
+                  <a:schemeClr val="accent2"/>
+                </a:solidFill>
+                <a:latin typeface="Lucida Sans Typewriter" panose="020B0509030504030204" pitchFamily="49" charset="0"/>
+                <a:ea typeface="ＭＳ Ｐゴシック" panose="020B0600070205080204" pitchFamily="34" charset="-128"/>
+              </a:rPr>
+              <a:t>True</a:t>
+            </a:r>
+          </a:p>
+          <a:p>
+            <a:pPr marL="0" indent="0">
+              <a:lnSpc>
+                <a:spcPct val="100000"/>
+              </a:lnSpc>
+              <a:buNone/>
+            </a:pPr>
+            <a:r>
+              <a:rPr lang="en-US" altLang="en-US" sz="3300" dirty="0">
+                <a:solidFill>
+                  <a:schemeClr val="accent2"/>
+                </a:solidFill>
+                <a:latin typeface="Lucida Sans Typewriter" panose="020B0509030504030204" pitchFamily="49" charset="0"/>
+                <a:ea typeface="ＭＳ Ｐゴシック" panose="020B0600070205080204" pitchFamily="34" charset="-128"/>
+              </a:rPr>
+              <a:t>&gt;&gt;&gt; ‘three’ in l</a:t>
+            </a:r>
+          </a:p>
+          <a:p>
+            <a:pPr marL="0" indent="0">
+              <a:lnSpc>
+                <a:spcPct val="100000"/>
+              </a:lnSpc>
+              <a:buNone/>
+            </a:pPr>
+            <a:r>
+              <a:rPr lang="en-US" altLang="en-US" sz="3300" dirty="0">
+                <a:solidFill>
+                  <a:schemeClr val="accent2"/>
+                </a:solidFill>
+                <a:latin typeface="Lucida Sans Typewriter" panose="020B0509030504030204" pitchFamily="49" charset="0"/>
+                <a:ea typeface="ＭＳ Ｐゴシック" panose="020B0600070205080204" pitchFamily="34" charset="-128"/>
+              </a:rPr>
+              <a:t>False</a:t>
+            </a:r>
+          </a:p>
+          <a:p>
+            <a:pPr marL="0" indent="0">
+              <a:buFont typeface="Symbol" panose="05050102010706020507" pitchFamily="18" charset="2"/>
+              <a:buNone/>
+            </a:pPr>
+            <a:endParaRPr lang="en-US" altLang="en-US" sz="2400" dirty="0">
+              <a:latin typeface="Courier New" panose="02070309020205020404" pitchFamily="49" charset="0"/>
+              <a:ea typeface="ＭＳ Ｐゴシック" panose="020B0600070205080204" pitchFamily="34" charset="-128"/>
+              <a:cs typeface="Courier New" panose="02070309020205020404" pitchFamily="49" charset="0"/>
+            </a:endParaRPr>
+          </a:p>
+          <a:p>
+            <a:pPr marL="0" indent="0">
+              <a:lnSpc>
+                <a:spcPct val="120000"/>
+              </a:lnSpc>
+              <a:buNone/>
+            </a:pPr>
+            <a:r>
+              <a:rPr lang="en-US" altLang="en-US" sz="7100" dirty="0">
+                <a:ea typeface="ＭＳ Ｐゴシック" panose="020B0600070205080204" pitchFamily="34" charset="-128"/>
+                <a:cs typeface="Courier New" panose="02070309020205020404" pitchFamily="49" charset="0"/>
+              </a:rPr>
+              <a:t>in also works for strings:</a:t>
+            </a:r>
+          </a:p>
+          <a:p>
+            <a:pPr marL="0" indent="0">
+              <a:lnSpc>
+                <a:spcPct val="100000"/>
+              </a:lnSpc>
+              <a:buNone/>
+            </a:pPr>
+            <a:r>
+              <a:rPr lang="en-US" altLang="en-US" sz="3300" dirty="0">
+                <a:solidFill>
+                  <a:schemeClr val="accent2"/>
+                </a:solidFill>
+                <a:latin typeface="Lucida Sans Typewriter" panose="020B0509030504030204" pitchFamily="49" charset="0"/>
+                <a:ea typeface="ＭＳ Ｐゴシック" panose="020B0600070205080204" pitchFamily="34" charset="-128"/>
+              </a:rPr>
+              <a:t>&gt;&gt;&gt; s = ‘Hello World’</a:t>
+            </a:r>
+          </a:p>
+          <a:p>
+            <a:pPr marL="0" indent="0">
+              <a:lnSpc>
+                <a:spcPct val="100000"/>
+              </a:lnSpc>
+              <a:buNone/>
+            </a:pPr>
+            <a:r>
+              <a:rPr lang="en-US" altLang="en-US" sz="3300" dirty="0">
+                <a:solidFill>
+                  <a:schemeClr val="accent2"/>
+                </a:solidFill>
+                <a:latin typeface="Lucida Sans Typewriter" panose="020B0509030504030204" pitchFamily="49" charset="0"/>
+                <a:ea typeface="ＭＳ Ｐゴシック" panose="020B0600070205080204" pitchFamily="34" charset="-128"/>
+              </a:rPr>
+              <a:t>&gt;&gt;&gt; ‘h’ in s</a:t>
+            </a:r>
+          </a:p>
+          <a:p>
+            <a:pPr marL="0" indent="0">
+              <a:lnSpc>
+                <a:spcPct val="100000"/>
+              </a:lnSpc>
+              <a:buNone/>
+            </a:pPr>
+            <a:r>
+              <a:rPr lang="en-US" altLang="en-US" sz="3300" dirty="0">
+                <a:solidFill>
+                  <a:schemeClr val="accent2"/>
+                </a:solidFill>
+                <a:latin typeface="Lucida Sans Typewriter" panose="020B0509030504030204" pitchFamily="49" charset="0"/>
+                <a:ea typeface="ＭＳ Ｐゴシック" panose="020B0600070205080204" pitchFamily="34" charset="-128"/>
+              </a:rPr>
+              <a:t>False</a:t>
+            </a:r>
+          </a:p>
+          <a:p>
+            <a:pPr marL="0" indent="0">
+              <a:lnSpc>
+                <a:spcPct val="100000"/>
+              </a:lnSpc>
+              <a:buNone/>
+            </a:pPr>
+            <a:r>
+              <a:rPr lang="en-US" altLang="en-US" sz="3300" dirty="0">
+                <a:solidFill>
+                  <a:schemeClr val="accent2"/>
+                </a:solidFill>
+                <a:latin typeface="Lucida Sans Typewriter" panose="020B0509030504030204" pitchFamily="49" charset="0"/>
+                <a:ea typeface="ＭＳ Ｐゴシック" panose="020B0600070205080204" pitchFamily="34" charset="-128"/>
+              </a:rPr>
+              <a:t>&gt;&gt;&gt; ‘H’ in s</a:t>
+            </a:r>
+          </a:p>
+          <a:p>
+            <a:pPr marL="0" indent="0">
+              <a:lnSpc>
+                <a:spcPct val="100000"/>
+              </a:lnSpc>
+              <a:buNone/>
+            </a:pPr>
+            <a:r>
+              <a:rPr lang="en-US" altLang="en-US" sz="3300" dirty="0">
+                <a:solidFill>
+                  <a:schemeClr val="accent2"/>
+                </a:solidFill>
+                <a:latin typeface="Lucida Sans Typewriter" panose="020B0509030504030204" pitchFamily="49" charset="0"/>
+                <a:ea typeface="ＭＳ Ｐゴシック" panose="020B0600070205080204" pitchFamily="34" charset="-128"/>
+              </a:rPr>
+              <a:t>True</a:t>
+            </a:r>
+          </a:p>
+        </p:txBody>
+      </p:sp>
+    </p:spTree>
+    <p:extLst>
+      <p:ext uri="{BB962C8B-B14F-4D97-AF65-F5344CB8AC3E}">
+        <p14:creationId xmlns:p14="http://schemas.microsoft.com/office/powerpoint/2010/main" val="3547969144"/>
+      </p:ext>
+    </p:extLst>
+  </p:cSld>
+  <p:clrMapOvr>
+    <a:masterClrMapping/>
+  </p:clrMapOvr>
+</p:sld>
+</file>
+
+<file path=ppt/slides/slide4.xml><?xml version="1.0" encoding="utf-8"?>
+<p:sld xmlns:a="http://schemas.openxmlformats.org/drawingml/2006/main" xmlns:r="http://schemas.openxmlformats.org/officeDocument/2006/relationships" xmlns:p="http://schemas.openxmlformats.org/presentationml/2006/main">
+  <p:cSld>
+    <p:spTree>
+      <p:nvGrpSpPr>
+        <p:cNvPr id="1" name=""/>
+        <p:cNvGrpSpPr/>
+        <p:nvPr/>
+      </p:nvGrpSpPr>
+      <p:grpSpPr>
+        <a:xfrm>
+          <a:off x="0" y="0"/>
+          <a:ext cx="0" cy="0"/>
+          <a:chOff x="0" y="0"/>
+          <a:chExt cx="0" cy="0"/>
+        </a:xfrm>
+      </p:grpSpPr>
+      <p:sp>
+        <p:nvSpPr>
+          <p:cNvPr id="2" name="Title 1">
+            <a:extLst>
+              <a:ext uri="{FF2B5EF4-FFF2-40B4-BE49-F238E27FC236}">
+                <a16:creationId xmlns:a16="http://schemas.microsoft.com/office/drawing/2014/main" id="{A3CF88B2-7D10-4512-B991-123D8BB60E9C}"/>
+              </a:ext>
+            </a:extLst>
+          </p:cNvPr>
+          <p:cNvSpPr>
+            <a:spLocks noGrp="1"/>
+          </p:cNvSpPr>
+          <p:nvPr>
+            <p:ph type="title"/>
+          </p:nvPr>
+        </p:nvSpPr>
+        <p:spPr>
+          <a:xfrm>
+            <a:off x="838200" y="365125"/>
+            <a:ext cx="10515600" cy="1325563"/>
+          </a:xfrm>
+        </p:spPr>
+        <p:txBody>
+          <a:bodyPr/>
+          <a:lstStyle/>
+          <a:p>
+            <a:r>
+              <a:rPr lang="en-US" dirty="0"/>
+              <a:t>Lists</a:t>
+            </a:r>
+            <a:endParaRPr lang="en-US" dirty="0">
+              <a:latin typeface="Courier New" panose="02070309020205020404" pitchFamily="49" charset="0"/>
+              <a:cs typeface="Courier New" panose="02070309020205020404" pitchFamily="49" charset="0"/>
+            </a:endParaRPr>
+          </a:p>
+        </p:txBody>
+      </p:sp>
+      <p:sp>
+        <p:nvSpPr>
+          <p:cNvPr id="3" name="Content Placeholder 2">
+            <a:extLst>
+              <a:ext uri="{FF2B5EF4-FFF2-40B4-BE49-F238E27FC236}">
+                <a16:creationId xmlns:a16="http://schemas.microsoft.com/office/drawing/2014/main" id="{5F4835C5-2666-4F19-88FF-ACF2518A749F}"/>
+              </a:ext>
+            </a:extLst>
+          </p:cNvPr>
+          <p:cNvSpPr>
+            <a:spLocks noGrp="1"/>
+          </p:cNvSpPr>
+          <p:nvPr>
+            <p:ph idx="1"/>
+          </p:nvPr>
+        </p:nvSpPr>
+        <p:spPr>
+          <a:xfrm>
+            <a:off x="838199" y="2043739"/>
+            <a:ext cx="10738607" cy="3660775"/>
+          </a:xfrm>
+        </p:spPr>
+        <p:txBody>
+          <a:bodyPr>
+            <a:normAutofit/>
+          </a:bodyPr>
+          <a:lstStyle/>
+          <a:p>
+            <a:pPr marL="0" indent="0">
+              <a:lnSpc>
+                <a:spcPct val="100000"/>
+              </a:lnSpc>
+              <a:buNone/>
+            </a:pPr>
+            <a:r>
+              <a:rPr lang="en-US" altLang="en-US" sz="2300" dirty="0">
+                <a:ea typeface="ＭＳ Ｐゴシック" panose="020B0600070205080204" pitchFamily="34" charset="-128"/>
+                <a:cs typeface="Courier New" panose="02070309020205020404" pitchFamily="49" charset="0"/>
+              </a:rPr>
+              <a:t>Lists are mutable.</a:t>
+            </a:r>
+          </a:p>
+          <a:p>
+            <a:pPr marL="0" indent="0">
+              <a:buFont typeface="Symbol" panose="05050102010706020507" pitchFamily="18" charset="2"/>
+              <a:buNone/>
+            </a:pPr>
+            <a:endParaRPr lang="en-US" altLang="en-US" sz="2400" b="1" dirty="0">
+              <a:latin typeface="Courier New" panose="02070309020205020404" pitchFamily="49" charset="0"/>
+              <a:ea typeface="ＭＳ Ｐゴシック" panose="020B0600070205080204" pitchFamily="34" charset="-128"/>
+              <a:cs typeface="Courier New" panose="02070309020205020404" pitchFamily="49" charset="0"/>
+            </a:endParaRPr>
+          </a:p>
+          <a:p>
+            <a:pPr marL="0" indent="0">
+              <a:lnSpc>
+                <a:spcPct val="80000"/>
+              </a:lnSpc>
+              <a:buNone/>
+            </a:pPr>
+            <a:r>
+              <a:rPr lang="en-US" altLang="en-US" sz="1300" dirty="0">
+                <a:solidFill>
+                  <a:schemeClr val="accent2"/>
+                </a:solidFill>
+                <a:latin typeface="Lucida Sans Typewriter" panose="020B0509030504030204" pitchFamily="49" charset="0"/>
+                <a:ea typeface="ＭＳ Ｐゴシック" panose="020B0600070205080204" pitchFamily="34" charset="-128"/>
+              </a:rPr>
+              <a:t>&gt;&gt;&gt; l[2] = 3.0</a:t>
+            </a:r>
+          </a:p>
+          <a:p>
+            <a:pPr marL="0" indent="0">
+              <a:lnSpc>
+                <a:spcPct val="80000"/>
+              </a:lnSpc>
+              <a:buNone/>
+            </a:pPr>
+            <a:r>
+              <a:rPr lang="en-US" altLang="en-US" sz="1300" dirty="0">
+                <a:solidFill>
+                  <a:schemeClr val="accent2"/>
+                </a:solidFill>
+                <a:latin typeface="Lucida Sans Typewriter" panose="020B0509030504030204" pitchFamily="49" charset="0"/>
+                <a:ea typeface="ＭＳ Ｐゴシック" panose="020B0600070205080204" pitchFamily="34" charset="-128"/>
+              </a:rPr>
+              <a:t>&gt;&gt;&gt; l</a:t>
+            </a:r>
+          </a:p>
+          <a:p>
+            <a:pPr marL="0" indent="0">
+              <a:lnSpc>
+                <a:spcPct val="80000"/>
+              </a:lnSpc>
+              <a:buNone/>
+            </a:pPr>
+            <a:r>
+              <a:rPr lang="en-US" altLang="en-US" sz="1300" dirty="0">
+                <a:solidFill>
+                  <a:schemeClr val="accent2"/>
+                </a:solidFill>
+                <a:latin typeface="Lucida Sans Typewriter" panose="020B0509030504030204" pitchFamily="49" charset="0"/>
+                <a:ea typeface="ＭＳ Ｐゴシック" panose="020B0600070205080204" pitchFamily="34" charset="-128"/>
+              </a:rPr>
+              <a:t>[1, ‘two’, 3.0, 0]</a:t>
+            </a:r>
+          </a:p>
+          <a:p>
+            <a:pPr marL="0" indent="0">
+              <a:buFont typeface="Symbol" panose="05050102010706020507" pitchFamily="18" charset="2"/>
+              <a:buNone/>
+            </a:pPr>
+            <a:endParaRPr lang="en-US" altLang="en-US" sz="2400" dirty="0">
+              <a:latin typeface="Courier New" panose="02070309020205020404" pitchFamily="49" charset="0"/>
+              <a:ea typeface="ＭＳ Ｐゴシック" panose="020B0600070205080204" pitchFamily="34" charset="-128"/>
+              <a:cs typeface="Courier New" panose="02070309020205020404" pitchFamily="49" charset="0"/>
+            </a:endParaRPr>
+          </a:p>
+          <a:p>
+            <a:pPr marL="0" indent="0">
+              <a:lnSpc>
+                <a:spcPct val="100000"/>
+              </a:lnSpc>
+              <a:buNone/>
+            </a:pPr>
+            <a:r>
+              <a:rPr lang="en-US" altLang="en-US" sz="2300" dirty="0">
+                <a:ea typeface="ＭＳ Ｐゴシック" panose="020B0600070205080204" pitchFamily="34" charset="-128"/>
+                <a:cs typeface="Courier New" panose="02070309020205020404" pitchFamily="49" charset="0"/>
+              </a:rPr>
+              <a:t>Notice that the id of l does not change.</a:t>
+            </a:r>
+          </a:p>
+        </p:txBody>
+      </p:sp>
+    </p:spTree>
+    <p:extLst>
+      <p:ext uri="{BB962C8B-B14F-4D97-AF65-F5344CB8AC3E}">
+        <p14:creationId xmlns:p14="http://schemas.microsoft.com/office/powerpoint/2010/main" val="2765914028"/>
       </p:ext>
     </p:extLst>
   </p:cSld>
@@ -15074,7 +10530,7 @@
           <a:p>
             <a:r>
               <a:rPr lang="en-US" dirty="0"/>
-              <a:t>Escaping Strings</a:t>
+              <a:t>Lists</a:t>
             </a:r>
             <a:endParaRPr lang="en-US" dirty="0">
               <a:latin typeface="Courier New" panose="02070309020205020404" pitchFamily="49" charset="0"/>
@@ -15102,7 +10558,7 @@
         <p:spPr>
           <a:xfrm>
             <a:off x="838199" y="2043739"/>
-            <a:ext cx="10738607" cy="1672583"/>
+            <a:ext cx="10738607" cy="3660775"/>
           </a:xfrm>
         </p:spPr>
         <p:txBody>
@@ -15113,93 +10569,171 @@
           <a:p>
             <a:pPr marL="0" indent="0">
               <a:lnSpc>
-                <a:spcPct val="70000"/>
-              </a:lnSpc>
-              <a:buNone/>
-            </a:pPr>
-            <a:r>
-              <a:rPr lang="en-US" altLang="en-US" sz="1800" dirty="0">
-                <a:solidFill>
-                  <a:schemeClr val="accent2"/>
-                </a:solidFill>
-                <a:latin typeface="Lucida Sans Typewriter" panose="020B0509030504030204" pitchFamily="49" charset="0"/>
-                <a:ea typeface="ＭＳ Ｐゴシック" panose="020B0600070205080204" pitchFamily="34" charset="-128"/>
-              </a:rPr>
-              <a:t>&gt;&gt;&gt; quote = “\”I’m a very stable genius.\”\n-- Donald Trump”</a:t>
-            </a:r>
-          </a:p>
-          <a:p>
-            <a:pPr marL="0" indent="0">
-              <a:lnSpc>
-                <a:spcPct val="70000"/>
-              </a:lnSpc>
-              <a:buNone/>
-            </a:pPr>
-            <a:endParaRPr lang="en-US" altLang="en-US" sz="1800" dirty="0">
-              <a:solidFill>
-                <a:schemeClr val="accent2"/>
-              </a:solidFill>
-              <a:latin typeface="Lucida Sans Typewriter" panose="020B0509030504030204" pitchFamily="49" charset="0"/>
-              <a:ea typeface="ＭＳ Ｐゴシック" panose="020B0600070205080204" pitchFamily="34" charset="-128"/>
-            </a:endParaRPr>
-          </a:p>
-          <a:p>
-            <a:pPr marL="0" indent="0">
-              <a:lnSpc>
-                <a:spcPct val="70000"/>
-              </a:lnSpc>
-              <a:buNone/>
-            </a:pPr>
-            <a:r>
-              <a:rPr lang="en-US" altLang="en-US" sz="1800" dirty="0">
-                <a:solidFill>
-                  <a:schemeClr val="accent2"/>
-                </a:solidFill>
-                <a:latin typeface="Lucida Sans Typewriter" panose="020B0509030504030204" pitchFamily="49" charset="0"/>
-                <a:ea typeface="ＭＳ Ｐゴシック" panose="020B0600070205080204" pitchFamily="34" charset="-128"/>
-              </a:rPr>
-              <a:t>&gt;&gt;&gt; quote = ‘”I\’m a very stable genius.”\n-- Donald Trump’</a:t>
-            </a:r>
-          </a:p>
-          <a:p>
-            <a:pPr marL="0" indent="0">
-              <a:lnSpc>
-                <a:spcPct val="70000"/>
-              </a:lnSpc>
-              <a:buNone/>
-            </a:pPr>
-            <a:endParaRPr lang="en-US" altLang="en-US" sz="1800" dirty="0">
-              <a:solidFill>
-                <a:schemeClr val="accent2"/>
-              </a:solidFill>
-              <a:latin typeface="Lucida Sans Typewriter" panose="020B0509030504030204" pitchFamily="49" charset="0"/>
-              <a:ea typeface="ＭＳ Ｐゴシック" panose="020B0600070205080204" pitchFamily="34" charset="-128"/>
-            </a:endParaRPr>
-          </a:p>
-          <a:p>
-            <a:pPr marL="0" indent="0">
-              <a:lnSpc>
-                <a:spcPct val="70000"/>
-              </a:lnSpc>
-              <a:buNone/>
-            </a:pPr>
-            <a:r>
-              <a:rPr lang="en-US" altLang="en-US" sz="1800" dirty="0">
-                <a:solidFill>
-                  <a:schemeClr val="accent2"/>
-                </a:solidFill>
-                <a:latin typeface="Lucida Sans Typewriter" panose="020B0509030504030204" pitchFamily="49" charset="0"/>
-                <a:ea typeface="ＭＳ Ｐゴシック" panose="020B0600070205080204" pitchFamily="34" charset="-128"/>
-              </a:rPr>
-              <a:t>&gt;&gt;&gt; quote = “””“I’m a very stable genius.”\n-- Donald Trump“””</a:t>
+                <a:spcPct val="80000"/>
+              </a:lnSpc>
+              <a:buNone/>
+            </a:pPr>
+            <a:r>
+              <a:rPr lang="en-US" altLang="en-US" sz="2300" dirty="0">
+                <a:solidFill>
+                  <a:schemeClr val="accent2"/>
+                </a:solidFill>
+                <a:latin typeface="Lucida Sans Typewriter" panose="020B0509030504030204" pitchFamily="49" charset="0"/>
+                <a:ea typeface="ＭＳ Ｐゴシック" panose="020B0600070205080204" pitchFamily="34" charset="-128"/>
+              </a:rPr>
+              <a:t>&gt;&gt;&gt; q1 = [1, 2, 3]</a:t>
+            </a:r>
+          </a:p>
+          <a:p>
+            <a:pPr marL="0" indent="0">
+              <a:lnSpc>
+                <a:spcPct val="80000"/>
+              </a:lnSpc>
+              <a:buNone/>
+            </a:pPr>
+            <a:r>
+              <a:rPr lang="en-US" altLang="en-US" sz="2300" dirty="0">
+                <a:solidFill>
+                  <a:schemeClr val="accent2"/>
+                </a:solidFill>
+                <a:latin typeface="Lucida Sans Typewriter" panose="020B0509030504030204" pitchFamily="49" charset="0"/>
+                <a:ea typeface="ＭＳ Ｐゴシック" panose="020B0600070205080204" pitchFamily="34" charset="-128"/>
+              </a:rPr>
+              <a:t>&gt;&gt;&gt; q2 = q1</a:t>
+            </a:r>
+          </a:p>
+          <a:p>
+            <a:pPr marL="0" indent="0">
+              <a:lnSpc>
+                <a:spcPct val="80000"/>
+              </a:lnSpc>
+              <a:buNone/>
+            </a:pPr>
+            <a:r>
+              <a:rPr lang="en-US" altLang="en-US" sz="2300" dirty="0">
+                <a:solidFill>
+                  <a:schemeClr val="accent2"/>
+                </a:solidFill>
+                <a:latin typeface="Lucida Sans Typewriter" panose="020B0509030504030204" pitchFamily="49" charset="0"/>
+                <a:ea typeface="ＭＳ Ｐゴシック" panose="020B0600070205080204" pitchFamily="34" charset="-128"/>
+              </a:rPr>
+              <a:t>&gt;&gt;&gt; q1[2] = ‘oops’</a:t>
+            </a:r>
+          </a:p>
+          <a:p>
+            <a:pPr marL="0" indent="0">
+              <a:lnSpc>
+                <a:spcPct val="80000"/>
+              </a:lnSpc>
+              <a:buNone/>
+            </a:pPr>
+            <a:r>
+              <a:rPr lang="en-US" altLang="en-US" sz="2300" dirty="0">
+                <a:solidFill>
+                  <a:schemeClr val="accent2"/>
+                </a:solidFill>
+                <a:latin typeface="Lucida Sans Typewriter" panose="020B0509030504030204" pitchFamily="49" charset="0"/>
+                <a:ea typeface="ＭＳ Ｐゴシック" panose="020B0600070205080204" pitchFamily="34" charset="-128"/>
+              </a:rPr>
+              <a:t>&gt;&gt;&gt; q1</a:t>
+            </a:r>
+          </a:p>
+          <a:p>
+            <a:pPr marL="0" indent="0">
+              <a:lnSpc>
+                <a:spcPct val="80000"/>
+              </a:lnSpc>
+              <a:buNone/>
+            </a:pPr>
+            <a:r>
+              <a:rPr lang="en-US" altLang="en-US" sz="2300" dirty="0">
+                <a:solidFill>
+                  <a:schemeClr val="accent2"/>
+                </a:solidFill>
+                <a:latin typeface="Lucida Sans Typewriter" panose="020B0509030504030204" pitchFamily="49" charset="0"/>
+                <a:ea typeface="ＭＳ Ｐゴシック" panose="020B0600070205080204" pitchFamily="34" charset="-128"/>
+              </a:rPr>
+              <a:t>[1, 2, ‘oops’</a:t>
+            </a:r>
+          </a:p>
+          <a:p>
+            <a:pPr marL="0" indent="0">
+              <a:lnSpc>
+                <a:spcPct val="80000"/>
+              </a:lnSpc>
+              <a:buNone/>
+            </a:pPr>
+            <a:r>
+              <a:rPr lang="en-US" altLang="en-US" sz="2300" dirty="0">
+                <a:solidFill>
+                  <a:schemeClr val="accent2"/>
+                </a:solidFill>
+                <a:latin typeface="Lucida Sans Typewriter" panose="020B0509030504030204" pitchFamily="49" charset="0"/>
+                <a:ea typeface="ＭＳ Ｐゴシック" panose="020B0600070205080204" pitchFamily="34" charset="-128"/>
+              </a:rPr>
+              <a:t>&gt;&gt;&gt; q2</a:t>
+            </a:r>
+          </a:p>
+          <a:p>
+            <a:pPr marL="0" indent="0">
+              <a:lnSpc>
+                <a:spcPct val="80000"/>
+              </a:lnSpc>
+              <a:buNone/>
+            </a:pPr>
+            <a:r>
+              <a:rPr lang="en-US" altLang="en-US" sz="2300" dirty="0">
+                <a:solidFill>
+                  <a:schemeClr val="accent2"/>
+                </a:solidFill>
+                <a:latin typeface="Lucida Sans Typewriter" panose="020B0509030504030204" pitchFamily="49" charset="0"/>
+                <a:ea typeface="ＭＳ Ｐゴシック" panose="020B0600070205080204" pitchFamily="34" charset="-128"/>
+              </a:rPr>
+              <a:t>[1, 2, ‘oops’]</a:t>
             </a:r>
           </a:p>
         </p:txBody>
       </p:sp>
+      <p:pic>
+        <p:nvPicPr>
+          <p:cNvPr id="5" name="Picture 4">
+            <a:extLst>
+              <a:ext uri="{FF2B5EF4-FFF2-40B4-BE49-F238E27FC236}">
+                <a16:creationId xmlns:a16="http://schemas.microsoft.com/office/drawing/2014/main" id="{40031E7A-F49D-4E02-8A99-C7E803A93A31}"/>
+              </a:ext>
+            </a:extLst>
+          </p:cNvPr>
+          <p:cNvPicPr>
+            <a:picLocks noChangeAspect="1"/>
+          </p:cNvPicPr>
+          <p:nvPr/>
+        </p:nvPicPr>
+        <p:blipFill>
+          <a:blip r:embed="rId2">
+            <a:extLst>
+              <a:ext uri="{28A0092B-C50C-407E-A947-70E740481C1C}">
+                <a14:useLocalDpi xmlns:a14="http://schemas.microsoft.com/office/drawing/2010/main" val="0"/>
+              </a:ext>
+            </a:extLst>
+          </a:blip>
+          <a:stretch>
+            <a:fillRect/>
+          </a:stretch>
+        </p:blipFill>
+        <p:spPr>
+          <a:xfrm>
+            <a:off x="5686326" y="1959849"/>
+            <a:ext cx="4544059" cy="4153480"/>
+          </a:xfrm>
+          <a:prstGeom prst="rect">
+            <a:avLst/>
+          </a:prstGeom>
+        </p:spPr>
+      </p:pic>
     </p:spTree>
     <p:extLst>
       <p:ext uri="{BB962C8B-B14F-4D97-AF65-F5344CB8AC3E}">
-        <p14:creationId xmlns:p14="http://schemas.microsoft.com/office/powerpoint/2010/main" val="1699088323"/>
+        <p14:creationId xmlns:p14="http://schemas.microsoft.com/office/powerpoint/2010/main" val="2377213852"/>
       </p:ext>
     </p:extLst>
   </p:cSld>
@@ -15254,7 +10788,7 @@
           <a:p>
             <a:r>
               <a:rPr lang="en-US" dirty="0"/>
-              <a:t>Indexing Strings</a:t>
+              <a:t>Lists</a:t>
             </a:r>
             <a:endParaRPr lang="en-US" dirty="0">
               <a:latin typeface="Courier New" panose="02070309020205020404" pitchFamily="49" charset="0"/>
@@ -15281,255 +10815,183 @@
         </p:nvSpPr>
         <p:spPr>
           <a:xfrm>
-            <a:off x="838199" y="2043738"/>
-            <a:ext cx="10738607" cy="3987945"/>
+            <a:off x="838199" y="2043739"/>
+            <a:ext cx="10738607" cy="3660775"/>
           </a:xfrm>
         </p:spPr>
         <p:txBody>
           <a:bodyPr>
-            <a:normAutofit fontScale="25000" lnSpcReduction="20000"/>
+            <a:normAutofit/>
           </a:bodyPr>
           <a:lstStyle/>
           <a:p>
             <a:pPr marL="0" indent="0">
-              <a:buFont typeface="Symbol" panose="05050102010706020507" pitchFamily="18" charset="2"/>
-              <a:buNone/>
-            </a:pPr>
-            <a:r>
-              <a:rPr lang="en-US" altLang="en-US" sz="9200" dirty="0">
-                <a:ea typeface="ＭＳ Ｐゴシック" panose="020B0600070205080204" pitchFamily="34" charset="-128"/>
-                <a:cs typeface="Courier New" panose="02070309020205020404" pitchFamily="49" charset="0"/>
-              </a:rPr>
-              <a:t>Strings are 0-indexed</a:t>
-            </a:r>
-          </a:p>
-          <a:p>
-            <a:pPr marL="0" indent="0">
-              <a:buNone/>
-            </a:pPr>
-            <a:r>
-              <a:rPr lang="en-US" altLang="en-US" sz="4800" dirty="0">
-                <a:solidFill>
-                  <a:schemeClr val="accent2"/>
-                </a:solidFill>
-                <a:latin typeface="Lucida Sans Typewriter" panose="020B0509030504030204" pitchFamily="49" charset="0"/>
-                <a:ea typeface="ＭＳ Ｐゴシック" panose="020B0600070205080204" pitchFamily="34" charset="-128"/>
-              </a:rPr>
-              <a:t>&gt;&gt;&gt; s = ‘Hello World’</a:t>
-            </a:r>
-          </a:p>
-          <a:p>
-            <a:pPr marL="0" indent="0">
-              <a:buNone/>
-            </a:pPr>
-            <a:r>
-              <a:rPr lang="en-US" altLang="en-US" sz="4800" dirty="0">
-                <a:solidFill>
-                  <a:schemeClr val="accent2"/>
-                </a:solidFill>
-                <a:latin typeface="Lucida Sans Typewriter" panose="020B0509030504030204" pitchFamily="49" charset="0"/>
-                <a:ea typeface="ＭＳ Ｐゴシック" panose="020B0600070205080204" pitchFamily="34" charset="-128"/>
-              </a:rPr>
-              <a:t>&gt;&gt;&gt; s[0]</a:t>
-            </a:r>
-          </a:p>
-          <a:p>
-            <a:pPr marL="0" indent="0">
-              <a:buNone/>
-            </a:pPr>
-            <a:r>
-              <a:rPr lang="en-US" altLang="en-US" sz="4800" dirty="0">
-                <a:solidFill>
-                  <a:schemeClr val="accent2"/>
-                </a:solidFill>
-                <a:latin typeface="Lucida Sans Typewriter" panose="020B0509030504030204" pitchFamily="49" charset="0"/>
-                <a:ea typeface="ＭＳ Ｐゴシック" panose="020B0600070205080204" pitchFamily="34" charset="-128"/>
-              </a:rPr>
-              <a:t>‘H’</a:t>
-            </a:r>
-          </a:p>
-          <a:p>
-            <a:pPr marL="0" indent="0">
-              <a:buNone/>
-            </a:pPr>
-            <a:r>
-              <a:rPr lang="en-US" altLang="en-US" sz="4800" dirty="0">
-                <a:solidFill>
-                  <a:schemeClr val="accent2"/>
-                </a:solidFill>
-                <a:latin typeface="Lucida Sans Typewriter" panose="020B0509030504030204" pitchFamily="49" charset="0"/>
-                <a:ea typeface="ＭＳ Ｐゴシック" panose="020B0600070205080204" pitchFamily="34" charset="-128"/>
-              </a:rPr>
-              <a:t>&gt;&gt;&gt; s[4]</a:t>
-            </a:r>
-          </a:p>
-          <a:p>
-            <a:pPr marL="0" indent="0">
-              <a:buNone/>
-            </a:pPr>
-            <a:r>
-              <a:rPr lang="en-US" altLang="en-US" sz="4800" dirty="0">
-                <a:solidFill>
-                  <a:schemeClr val="accent2"/>
-                </a:solidFill>
-                <a:latin typeface="Lucida Sans Typewriter" panose="020B0509030504030204" pitchFamily="49" charset="0"/>
-                <a:ea typeface="ＭＳ Ｐゴシック" panose="020B0600070205080204" pitchFamily="34" charset="-128"/>
-              </a:rPr>
-              <a:t>‘o’</a:t>
-            </a:r>
-          </a:p>
-          <a:p>
-            <a:pPr marL="0" indent="0">
-              <a:buFont typeface="Symbol" panose="05050102010706020507" pitchFamily="18" charset="2"/>
-              <a:buNone/>
-            </a:pPr>
-            <a:endParaRPr lang="en-US" altLang="en-US" sz="2400" dirty="0">
-              <a:latin typeface="Courier New" panose="02070309020205020404" pitchFamily="49" charset="0"/>
-              <a:ea typeface="ＭＳ Ｐゴシック" panose="020B0600070205080204" pitchFamily="34" charset="-128"/>
-              <a:cs typeface="Courier New" panose="02070309020205020404" pitchFamily="49" charset="0"/>
-            </a:endParaRPr>
-          </a:p>
-          <a:p>
-            <a:pPr marL="0" indent="0">
-              <a:buNone/>
-            </a:pPr>
-            <a:r>
-              <a:rPr lang="en-US" altLang="en-US" sz="9200" dirty="0">
-                <a:ea typeface="ＭＳ Ｐゴシック" panose="020B0600070205080204" pitchFamily="34" charset="-128"/>
-                <a:cs typeface="Courier New" panose="02070309020205020404" pitchFamily="49" charset="0"/>
-              </a:rPr>
-              <a:t>Use negative index to count backward, starting at -1</a:t>
-            </a:r>
-          </a:p>
-          <a:p>
-            <a:pPr marL="0" indent="0">
-              <a:buNone/>
-            </a:pPr>
-            <a:r>
-              <a:rPr lang="en-US" altLang="en-US" sz="4800" dirty="0">
-                <a:solidFill>
-                  <a:schemeClr val="accent2"/>
-                </a:solidFill>
-                <a:latin typeface="Lucida Sans Typewriter" panose="020B0509030504030204" pitchFamily="49" charset="0"/>
-                <a:ea typeface="ＭＳ Ｐゴシック" panose="020B0600070205080204" pitchFamily="34" charset="-128"/>
-              </a:rPr>
-              <a:t>&gt;&gt;&gt; s[-1]</a:t>
-            </a:r>
-          </a:p>
-          <a:p>
-            <a:pPr marL="0" indent="0">
-              <a:buNone/>
-            </a:pPr>
-            <a:r>
-              <a:rPr lang="en-US" altLang="en-US" sz="4800" dirty="0">
-                <a:solidFill>
-                  <a:schemeClr val="accent2"/>
-                </a:solidFill>
-                <a:latin typeface="Lucida Sans Typewriter" panose="020B0509030504030204" pitchFamily="49" charset="0"/>
-                <a:ea typeface="ＭＳ Ｐゴシック" panose="020B0600070205080204" pitchFamily="34" charset="-128"/>
-              </a:rPr>
-              <a:t>‘d’</a:t>
-            </a:r>
-          </a:p>
-          <a:p>
-            <a:pPr marL="0" indent="0">
-              <a:buFont typeface="Symbol" panose="05050102010706020507" pitchFamily="18" charset="2"/>
-              <a:buNone/>
-            </a:pPr>
-            <a:endParaRPr lang="en-US" altLang="en-US" sz="2400" dirty="0">
-              <a:latin typeface="Courier New" panose="02070309020205020404" pitchFamily="49" charset="0"/>
-              <a:ea typeface="ＭＳ Ｐゴシック" panose="020B0600070205080204" pitchFamily="34" charset="-128"/>
-              <a:cs typeface="Courier New" panose="02070309020205020404" pitchFamily="49" charset="0"/>
-            </a:endParaRPr>
-          </a:p>
-          <a:p>
-            <a:pPr marL="0" indent="0">
-              <a:buNone/>
-            </a:pPr>
-            <a:r>
-              <a:rPr lang="en-US" altLang="en-US" sz="9200" dirty="0">
-                <a:ea typeface="ＭＳ Ｐゴシック" panose="020B0600070205080204" pitchFamily="34" charset="-128"/>
-                <a:cs typeface="Courier New" panose="02070309020205020404" pitchFamily="49" charset="0"/>
-              </a:rPr>
-              <a:t>Don’t index outside the string length</a:t>
-            </a:r>
-          </a:p>
-          <a:p>
-            <a:pPr marL="0" indent="0">
-              <a:buNone/>
-            </a:pPr>
-            <a:r>
-              <a:rPr lang="en-US" altLang="en-US" sz="4800" dirty="0">
-                <a:solidFill>
-                  <a:schemeClr val="accent2"/>
-                </a:solidFill>
-                <a:latin typeface="Lucida Sans Typewriter" panose="020B0509030504030204" pitchFamily="49" charset="0"/>
-                <a:ea typeface="ＭＳ Ｐゴシック" panose="020B0600070205080204" pitchFamily="34" charset="-128"/>
-              </a:rPr>
-              <a:t>&gt;&gt;&gt; s[20]</a:t>
-            </a:r>
-          </a:p>
-          <a:p>
-            <a:pPr marL="0" indent="0">
-              <a:buNone/>
-            </a:pPr>
-            <a:r>
-              <a:rPr lang="en-US" altLang="en-US" sz="4800" dirty="0">
-                <a:solidFill>
-                  <a:schemeClr val="accent2"/>
-                </a:solidFill>
-                <a:latin typeface="Lucida Sans Typewriter" panose="020B0509030504030204" pitchFamily="49" charset="0"/>
-                <a:ea typeface="ＭＳ Ｐゴシック" panose="020B0600070205080204" pitchFamily="34" charset="-128"/>
-              </a:rPr>
-              <a:t>Traceback (most recent call last):</a:t>
-            </a:r>
-          </a:p>
-          <a:p>
-            <a:pPr marL="0" indent="0">
-              <a:buNone/>
-            </a:pPr>
-            <a:r>
-              <a:rPr lang="en-US" altLang="en-US" sz="4800" dirty="0">
-                <a:solidFill>
-                  <a:schemeClr val="accent2"/>
-                </a:solidFill>
-                <a:latin typeface="Lucida Sans Typewriter" panose="020B0509030504030204" pitchFamily="49" charset="0"/>
-                <a:ea typeface="ＭＳ Ｐゴシック" panose="020B0600070205080204" pitchFamily="34" charset="-128"/>
-              </a:rPr>
-              <a:t>  File "&lt;stdin&gt;", line 1, in &lt;module&gt;</a:t>
-            </a:r>
-          </a:p>
-          <a:p>
-            <a:pPr marL="0" indent="0">
-              <a:buNone/>
-            </a:pPr>
-            <a:r>
-              <a:rPr lang="en-US" altLang="en-US" sz="4800" dirty="0" err="1">
-                <a:solidFill>
-                  <a:schemeClr val="accent2"/>
-                </a:solidFill>
-                <a:latin typeface="Lucida Sans Typewriter" panose="020B0509030504030204" pitchFamily="49" charset="0"/>
-                <a:ea typeface="ＭＳ Ｐゴシック" panose="020B0600070205080204" pitchFamily="34" charset="-128"/>
-              </a:rPr>
-              <a:t>IndexError</a:t>
-            </a:r>
-            <a:r>
-              <a:rPr lang="en-US" altLang="en-US" sz="4800" dirty="0">
-                <a:solidFill>
-                  <a:schemeClr val="accent2"/>
-                </a:solidFill>
-                <a:latin typeface="Lucida Sans Typewriter" panose="020B0509030504030204" pitchFamily="49" charset="0"/>
-                <a:ea typeface="ＭＳ Ｐゴシック" panose="020B0600070205080204" pitchFamily="34" charset="-128"/>
-              </a:rPr>
-              <a:t>: string index out of range</a:t>
+              <a:lnSpc>
+                <a:spcPct val="80000"/>
+              </a:lnSpc>
+              <a:buNone/>
+            </a:pPr>
+            <a:r>
+              <a:rPr lang="en-US" altLang="en-US" sz="2300" dirty="0">
+                <a:solidFill>
+                  <a:schemeClr val="accent2"/>
+                </a:solidFill>
+                <a:latin typeface="Lucida Sans Typewriter" panose="020B0509030504030204" pitchFamily="49" charset="0"/>
+                <a:ea typeface="ＭＳ Ｐゴシック" panose="020B0600070205080204" pitchFamily="34" charset="-128"/>
+              </a:rPr>
+              <a:t>&gt;&gt;&gt; a = 3</a:t>
+            </a:r>
+          </a:p>
+          <a:p>
+            <a:pPr marL="0" indent="0">
+              <a:lnSpc>
+                <a:spcPct val="80000"/>
+              </a:lnSpc>
+              <a:buNone/>
+            </a:pPr>
+            <a:r>
+              <a:rPr lang="en-US" altLang="en-US" sz="2300" dirty="0">
+                <a:solidFill>
+                  <a:schemeClr val="accent2"/>
+                </a:solidFill>
+                <a:latin typeface="Lucida Sans Typewriter" panose="020B0509030504030204" pitchFamily="49" charset="0"/>
+                <a:ea typeface="ＭＳ Ｐゴシック" panose="020B0600070205080204" pitchFamily="34" charset="-128"/>
+              </a:rPr>
+              <a:t>&gt;&gt;&gt; q = [1, 2, a]</a:t>
+            </a:r>
+          </a:p>
+          <a:p>
+            <a:pPr marL="0" indent="0">
+              <a:lnSpc>
+                <a:spcPct val="80000"/>
+              </a:lnSpc>
+              <a:buNone/>
+            </a:pPr>
+            <a:r>
+              <a:rPr lang="en-US" altLang="en-US" sz="2300" dirty="0">
+                <a:solidFill>
+                  <a:schemeClr val="accent2"/>
+                </a:solidFill>
+                <a:latin typeface="Lucida Sans Typewriter" panose="020B0509030504030204" pitchFamily="49" charset="0"/>
+                <a:ea typeface="ＭＳ Ｐゴシック" panose="020B0600070205080204" pitchFamily="34" charset="-128"/>
+              </a:rPr>
+              <a:t>&gt;&gt;&gt; a = 4</a:t>
+            </a:r>
+          </a:p>
+          <a:p>
+            <a:pPr marL="0" indent="0">
+              <a:lnSpc>
+                <a:spcPct val="80000"/>
+              </a:lnSpc>
+              <a:buNone/>
+            </a:pPr>
+            <a:r>
+              <a:rPr lang="en-US" altLang="en-US" sz="2300" dirty="0">
+                <a:solidFill>
+                  <a:schemeClr val="accent2"/>
+                </a:solidFill>
+                <a:latin typeface="Lucida Sans Typewriter" panose="020B0509030504030204" pitchFamily="49" charset="0"/>
+                <a:ea typeface="ＭＳ Ｐゴシック" panose="020B0600070205080204" pitchFamily="34" charset="-128"/>
+              </a:rPr>
+              <a:t>&gt;&gt;&gt; q</a:t>
+            </a:r>
+          </a:p>
+          <a:p>
+            <a:pPr marL="0" indent="0">
+              <a:lnSpc>
+                <a:spcPct val="80000"/>
+              </a:lnSpc>
+              <a:buNone/>
+            </a:pPr>
+            <a:r>
+              <a:rPr lang="en-US" altLang="en-US" sz="2300" dirty="0">
+                <a:solidFill>
+                  <a:schemeClr val="accent2"/>
+                </a:solidFill>
+                <a:latin typeface="Lucida Sans Typewriter" panose="020B0509030504030204" pitchFamily="49" charset="0"/>
+                <a:ea typeface="ＭＳ Ｐゴシック" panose="020B0600070205080204" pitchFamily="34" charset="-128"/>
+              </a:rPr>
+              <a:t>[1, 2, 3]</a:t>
+            </a:r>
+          </a:p>
+          <a:p>
+            <a:pPr marL="0" indent="0">
+              <a:lnSpc>
+                <a:spcPct val="80000"/>
+              </a:lnSpc>
+              <a:buNone/>
+            </a:pPr>
+            <a:r>
+              <a:rPr lang="en-US" altLang="en-US" sz="2300" dirty="0">
+                <a:solidFill>
+                  <a:schemeClr val="accent2"/>
+                </a:solidFill>
+                <a:latin typeface="Lucida Sans Typewriter" panose="020B0509030504030204" pitchFamily="49" charset="0"/>
+                <a:ea typeface="ＭＳ Ｐゴシック" panose="020B0600070205080204" pitchFamily="34" charset="-128"/>
+              </a:rPr>
+              <a:t>&gt;&gt;&gt; a</a:t>
+            </a:r>
+          </a:p>
+          <a:p>
+            <a:pPr marL="0" indent="0">
+              <a:lnSpc>
+                <a:spcPct val="80000"/>
+              </a:lnSpc>
+              <a:buNone/>
+            </a:pPr>
+            <a:r>
+              <a:rPr lang="en-US" altLang="en-US" sz="2300" dirty="0">
+                <a:solidFill>
+                  <a:schemeClr val="accent2"/>
+                </a:solidFill>
+                <a:latin typeface="Lucida Sans Typewriter" panose="020B0509030504030204" pitchFamily="49" charset="0"/>
+                <a:ea typeface="ＭＳ Ｐゴシック" panose="020B0600070205080204" pitchFamily="34" charset="-128"/>
+              </a:rPr>
+              <a:t>4</a:t>
             </a:r>
           </a:p>
         </p:txBody>
       </p:sp>
+      <p:pic>
+        <p:nvPicPr>
+          <p:cNvPr id="6" name="Picture 5">
+            <a:extLst>
+              <a:ext uri="{FF2B5EF4-FFF2-40B4-BE49-F238E27FC236}">
+                <a16:creationId xmlns:a16="http://schemas.microsoft.com/office/drawing/2014/main" id="{A112C8CD-EFDE-4673-BF35-9B86BF506CD5}"/>
+              </a:ext>
+            </a:extLst>
+          </p:cNvPr>
+          <p:cNvPicPr>
+            <a:picLocks noChangeAspect="1"/>
+          </p:cNvPicPr>
+          <p:nvPr/>
+        </p:nvPicPr>
+        <p:blipFill>
+          <a:blip r:embed="rId2">
+            <a:extLst>
+              <a:ext uri="{28A0092B-C50C-407E-A947-70E740481C1C}">
+                <a14:useLocalDpi xmlns:a14="http://schemas.microsoft.com/office/drawing/2010/main" val="0"/>
+              </a:ext>
+            </a:extLst>
+          </a:blip>
+          <a:stretch>
+            <a:fillRect/>
+          </a:stretch>
+        </p:blipFill>
+        <p:spPr>
+          <a:xfrm>
+            <a:off x="5629372" y="1951460"/>
+            <a:ext cx="4926416" cy="4040233"/>
+          </a:xfrm>
+          <a:prstGeom prst="rect">
+            <a:avLst/>
+          </a:prstGeom>
+        </p:spPr>
+      </p:pic>
     </p:spTree>
     <p:extLst>
       <p:ext uri="{BB962C8B-B14F-4D97-AF65-F5344CB8AC3E}">
-        <p14:creationId xmlns:p14="http://schemas.microsoft.com/office/powerpoint/2010/main" val="3790244601"/>
+        <p14:creationId xmlns:p14="http://schemas.microsoft.com/office/powerpoint/2010/main" val="2313711638"/>
       </p:ext>
     </p:extLst>
   </p:cSld>
@@ -15584,7 +11046,7 @@
           <a:p>
             <a:r>
               <a:rPr lang="en-US" dirty="0"/>
-              <a:t>Slicing Strings</a:t>
+              <a:t>Lists</a:t>
             </a:r>
             <a:endParaRPr lang="en-US" dirty="0">
               <a:latin typeface="Courier New" panose="02070309020205020404" pitchFamily="49" charset="0"/>
@@ -15612,7 +11074,7 @@
         <p:spPr>
           <a:xfrm>
             <a:off x="838199" y="2043739"/>
-            <a:ext cx="10738607" cy="3652386"/>
+            <a:ext cx="10738607" cy="3660775"/>
           </a:xfrm>
         </p:spPr>
         <p:txBody>
@@ -15622,66 +11084,75 @@
           <a:lstStyle/>
           <a:p>
             <a:pPr marL="0" indent="0">
+              <a:lnSpc>
+                <a:spcPct val="80000"/>
+              </a:lnSpc>
               <a:buNone/>
             </a:pPr>
             <a:r>
               <a:rPr lang="en-US" altLang="en-US" sz="2300" dirty="0">
-                <a:ea typeface="ＭＳ Ｐゴシック" panose="020B0600070205080204" pitchFamily="34" charset="-128"/>
-                <a:cs typeface="Courier New" panose="02070309020205020404" pitchFamily="49" charset="0"/>
-              </a:rPr>
-              <a:t>s[</a:t>
-            </a:r>
-            <a:r>
-              <a:rPr lang="en-US" altLang="en-US" sz="2300" dirty="0" err="1">
-                <a:ea typeface="ＭＳ Ｐゴシック" panose="020B0600070205080204" pitchFamily="34" charset="-128"/>
-                <a:cs typeface="Courier New" panose="02070309020205020404" pitchFamily="49" charset="0"/>
-              </a:rPr>
-              <a:t>i:j</a:t>
-            </a:r>
+                <a:solidFill>
+                  <a:schemeClr val="accent2"/>
+                </a:solidFill>
+                <a:latin typeface="Lucida Sans Typewriter" panose="020B0509030504030204" pitchFamily="49" charset="0"/>
+                <a:ea typeface="ＭＳ Ｐゴシック" panose="020B0600070205080204" pitchFamily="34" charset="-128"/>
+              </a:rPr>
+              <a:t>&gt;&gt;&gt; a = 3</a:t>
+            </a:r>
+          </a:p>
+          <a:p>
+            <a:pPr marL="0" indent="0">
+              <a:lnSpc>
+                <a:spcPct val="80000"/>
+              </a:lnSpc>
+              <a:buNone/>
+            </a:pPr>
             <a:r>
               <a:rPr lang="en-US" altLang="en-US" sz="2300" dirty="0">
-                <a:ea typeface="ＭＳ Ｐゴシック" panose="020B0600070205080204" pitchFamily="34" charset="-128"/>
-                <a:cs typeface="Courier New" panose="02070309020205020404" pitchFamily="49" charset="0"/>
-              </a:rPr>
-              <a:t>] = Substring between index </a:t>
-            </a:r>
-            <a:r>
-              <a:rPr lang="en-US" altLang="en-US" sz="2300" dirty="0" err="1">
-                <a:ea typeface="ＭＳ Ｐゴシック" panose="020B0600070205080204" pitchFamily="34" charset="-128"/>
-                <a:cs typeface="Courier New" panose="02070309020205020404" pitchFamily="49" charset="0"/>
-              </a:rPr>
-              <a:t>i</a:t>
-            </a:r>
+                <a:solidFill>
+                  <a:schemeClr val="accent2"/>
+                </a:solidFill>
+                <a:latin typeface="Lucida Sans Typewriter" panose="020B0509030504030204" pitchFamily="49" charset="0"/>
+                <a:ea typeface="ＭＳ Ｐゴシック" panose="020B0600070205080204" pitchFamily="34" charset="-128"/>
+              </a:rPr>
+              <a:t>&gt;&gt;&gt; q = [1, 2, a]</a:t>
+            </a:r>
+          </a:p>
+          <a:p>
+            <a:pPr marL="0" indent="0">
+              <a:lnSpc>
+                <a:spcPct val="80000"/>
+              </a:lnSpc>
+              <a:buNone/>
+            </a:pPr>
             <a:r>
               <a:rPr lang="en-US" altLang="en-US" sz="2300" dirty="0">
-                <a:ea typeface="ＭＳ Ｐゴシック" panose="020B0600070205080204" pitchFamily="34" charset="-128"/>
-                <a:cs typeface="Courier New" panose="02070309020205020404" pitchFamily="49" charset="0"/>
-              </a:rPr>
-              <a:t> and j, including </a:t>
-            </a:r>
-            <a:r>
-              <a:rPr lang="en-US" altLang="en-US" sz="2300" dirty="0" err="1">
-                <a:ea typeface="ＭＳ Ｐゴシック" panose="020B0600070205080204" pitchFamily="34" charset="-128"/>
-                <a:cs typeface="Courier New" panose="02070309020205020404" pitchFamily="49" charset="0"/>
-              </a:rPr>
-              <a:t>i</a:t>
-            </a:r>
+                <a:solidFill>
+                  <a:schemeClr val="accent2"/>
+                </a:solidFill>
+                <a:latin typeface="Lucida Sans Typewriter" panose="020B0509030504030204" pitchFamily="49" charset="0"/>
+                <a:ea typeface="ＭＳ Ｐゴシック" panose="020B0600070205080204" pitchFamily="34" charset="-128"/>
+              </a:rPr>
+              <a:t>&gt;&gt;&gt; q[2] = 4</a:t>
+            </a:r>
+          </a:p>
+          <a:p>
+            <a:pPr marL="0" indent="0">
+              <a:lnSpc>
+                <a:spcPct val="80000"/>
+              </a:lnSpc>
+              <a:buNone/>
+            </a:pPr>
             <a:r>
               <a:rPr lang="en-US" altLang="en-US" sz="2300" dirty="0">
-                <a:ea typeface="ＭＳ Ｐゴシック" panose="020B0600070205080204" pitchFamily="34" charset="-128"/>
-                <a:cs typeface="Courier New" panose="02070309020205020404" pitchFamily="49" charset="0"/>
-              </a:rPr>
-              <a:t> but excluding j</a:t>
-            </a:r>
-          </a:p>
-          <a:p>
-            <a:pPr marL="0" indent="0">
-              <a:buNone/>
-            </a:pPr>
-            <a:endParaRPr lang="en-US" altLang="en-US" sz="2300" dirty="0">
-              <a:ea typeface="ＭＳ Ｐゴシック" panose="020B0600070205080204" pitchFamily="34" charset="-128"/>
-              <a:cs typeface="Courier New" panose="02070309020205020404" pitchFamily="49" charset="0"/>
-            </a:endParaRPr>
+                <a:solidFill>
+                  <a:schemeClr val="accent2"/>
+                </a:solidFill>
+                <a:latin typeface="Lucida Sans Typewriter" panose="020B0509030504030204" pitchFamily="49" charset="0"/>
+                <a:ea typeface="ＭＳ Ｐゴシック" panose="020B0600070205080204" pitchFamily="34" charset="-128"/>
+              </a:rPr>
+              <a:t>&gt;&gt;&gt; q</a:t>
+            </a:r>
           </a:p>
           <a:p>
             <a:pPr marL="0" indent="0">
@@ -15691,14 +11162,14 @@
               <a:buNone/>
             </a:pPr>
             <a:r>
-              <a:rPr lang="en-US" altLang="en-US" sz="1300" dirty="0">
-                <a:solidFill>
-                  <a:schemeClr val="accent2"/>
-                </a:solidFill>
-                <a:latin typeface="Lucida Sans Typewriter" panose="020B0509030504030204" pitchFamily="49" charset="0"/>
-                <a:ea typeface="ＭＳ Ｐゴシック" panose="020B0600070205080204" pitchFamily="34" charset="-128"/>
-              </a:rPr>
-              <a:t>&gt;&gt;&gt; s[0:3]</a:t>
+              <a:rPr lang="en-US" altLang="en-US" sz="2300" dirty="0">
+                <a:solidFill>
+                  <a:schemeClr val="accent2"/>
+                </a:solidFill>
+                <a:latin typeface="Lucida Sans Typewriter" panose="020B0509030504030204" pitchFamily="49" charset="0"/>
+                <a:ea typeface="ＭＳ Ｐゴシック" panose="020B0600070205080204" pitchFamily="34" charset="-128"/>
+              </a:rPr>
+              <a:t>[1, 2, 4]</a:t>
             </a:r>
           </a:p>
           <a:p>
@@ -15709,14 +11180,14 @@
               <a:buNone/>
             </a:pPr>
             <a:r>
-              <a:rPr lang="en-US" altLang="en-US" sz="1300" dirty="0">
-                <a:solidFill>
-                  <a:schemeClr val="accent2"/>
-                </a:solidFill>
-                <a:latin typeface="Lucida Sans Typewriter" panose="020B0509030504030204" pitchFamily="49" charset="0"/>
-                <a:ea typeface="ＭＳ Ｐゴシック" panose="020B0600070205080204" pitchFamily="34" charset="-128"/>
-              </a:rPr>
-              <a:t>‘Hel’</a:t>
+              <a:rPr lang="en-US" altLang="en-US" sz="2300" dirty="0">
+                <a:solidFill>
+                  <a:schemeClr val="accent2"/>
+                </a:solidFill>
+                <a:latin typeface="Lucida Sans Typewriter" panose="020B0509030504030204" pitchFamily="49" charset="0"/>
+                <a:ea typeface="ＭＳ Ｐゴシック" panose="020B0600070205080204" pitchFamily="34" charset="-128"/>
+              </a:rPr>
+              <a:t>&gt;&gt;&gt; a</a:t>
             </a:r>
           </a:p>
           <a:p>
@@ -15727,107 +11198,58 @@
               <a:buNone/>
             </a:pPr>
             <a:r>
-              <a:rPr lang="en-US" altLang="en-US" sz="1300" dirty="0">
-                <a:solidFill>
-                  <a:schemeClr val="accent2"/>
-                </a:solidFill>
-                <a:latin typeface="Lucida Sans Typewriter" panose="020B0509030504030204" pitchFamily="49" charset="0"/>
-                <a:ea typeface="ＭＳ Ｐゴシック" panose="020B0600070205080204" pitchFamily="34" charset="-128"/>
-              </a:rPr>
-              <a:t>&gt;&gt;&gt; s[2:6]</a:t>
-            </a:r>
-          </a:p>
-          <a:p>
-            <a:pPr marL="0" indent="0">
-              <a:lnSpc>
-                <a:spcPct val="80000"/>
-              </a:lnSpc>
-              <a:buNone/>
-            </a:pPr>
-            <a:r>
-              <a:rPr lang="en-US" altLang="en-US" sz="1300" dirty="0">
-                <a:solidFill>
-                  <a:schemeClr val="accent2"/>
-                </a:solidFill>
-                <a:latin typeface="Lucida Sans Typewriter" panose="020B0509030504030204" pitchFamily="49" charset="0"/>
-                <a:ea typeface="ＭＳ Ｐゴシック" panose="020B0600070205080204" pitchFamily="34" charset="-128"/>
-              </a:rPr>
-              <a:t>‘</a:t>
-            </a:r>
-            <a:r>
-              <a:rPr lang="en-US" altLang="en-US" sz="1300" dirty="0" err="1">
-                <a:solidFill>
-                  <a:schemeClr val="accent2"/>
-                </a:solidFill>
-                <a:latin typeface="Lucida Sans Typewriter" panose="020B0509030504030204" pitchFamily="49" charset="0"/>
-                <a:ea typeface="ＭＳ Ｐゴシック" panose="020B0600070205080204" pitchFamily="34" charset="-128"/>
-              </a:rPr>
-              <a:t>llo</a:t>
-            </a:r>
-            <a:r>
-              <a:rPr lang="en-US" altLang="en-US" sz="1300" dirty="0">
-                <a:solidFill>
-                  <a:schemeClr val="accent2"/>
-                </a:solidFill>
-                <a:latin typeface="Lucida Sans Typewriter" panose="020B0509030504030204" pitchFamily="49" charset="0"/>
-                <a:ea typeface="ＭＳ Ｐゴシック" panose="020B0600070205080204" pitchFamily="34" charset="-128"/>
-              </a:rPr>
-              <a:t> ‘</a:t>
-            </a:r>
-          </a:p>
-          <a:p>
-            <a:pPr marL="0" indent="0">
-              <a:buNone/>
-            </a:pPr>
-            <a:endParaRPr lang="en-US" altLang="en-US" sz="2300" dirty="0">
-              <a:ea typeface="ＭＳ Ｐゴシック" panose="020B0600070205080204" pitchFamily="34" charset="-128"/>
-              <a:cs typeface="Courier New" panose="02070309020205020404" pitchFamily="49" charset="0"/>
-            </a:endParaRPr>
-          </a:p>
-          <a:p>
-            <a:pPr marL="0" indent="0">
-              <a:buNone/>
-            </a:pPr>
-            <a:r>
               <a:rPr lang="en-US" altLang="en-US" sz="2300" dirty="0">
-                <a:ea typeface="ＭＳ Ｐゴシック" panose="020B0600070205080204" pitchFamily="34" charset="-128"/>
-                <a:cs typeface="Courier New" panose="02070309020205020404" pitchFamily="49" charset="0"/>
-              </a:rPr>
-              <a:t>Why the asymmetry between how </a:t>
-            </a:r>
-            <a:r>
-              <a:rPr lang="en-US" altLang="en-US" sz="2300" dirty="0" err="1">
-                <a:ea typeface="ＭＳ Ｐゴシック" panose="020B0600070205080204" pitchFamily="34" charset="-128"/>
-                <a:cs typeface="Courier New" panose="02070309020205020404" pitchFamily="49" charset="0"/>
-              </a:rPr>
-              <a:t>i</a:t>
-            </a:r>
-            <a:r>
-              <a:rPr lang="en-US" altLang="en-US" sz="2300" dirty="0">
-                <a:ea typeface="ＭＳ Ｐゴシック" panose="020B0600070205080204" pitchFamily="34" charset="-128"/>
-                <a:cs typeface="Courier New" panose="02070309020205020404" pitchFamily="49" charset="0"/>
-              </a:rPr>
-              <a:t> and j are treated?</a:t>
-            </a:r>
-          </a:p>
-          <a:p>
-            <a:pPr marL="0" indent="0">
-              <a:buNone/>
-            </a:pPr>
-            <a:r>
-              <a:rPr lang="en-US" altLang="en-US" sz="2300" dirty="0">
-                <a:ea typeface="ＭＳ Ｐゴシック" panose="020B0600070205080204" pitchFamily="34" charset="-128"/>
-                <a:cs typeface="Courier New" panose="02070309020205020404" pitchFamily="49" charset="0"/>
-              </a:rPr>
-              <a:t>Hint: What’s the length of the resulting string?</a:t>
+                <a:solidFill>
+                  <a:schemeClr val="accent2"/>
+                </a:solidFill>
+                <a:latin typeface="Lucida Sans Typewriter" panose="020B0509030504030204" pitchFamily="49" charset="0"/>
+                <a:ea typeface="ＭＳ Ｐゴシック" panose="020B0600070205080204" pitchFamily="34" charset="-128"/>
+              </a:rPr>
+              <a:t>3</a:t>
             </a:r>
           </a:p>
         </p:txBody>
       </p:sp>
+      <p:pic>
+        <p:nvPicPr>
+          <p:cNvPr id="5" name="Picture 4">
+            <a:extLst>
+              <a:ext uri="{FF2B5EF4-FFF2-40B4-BE49-F238E27FC236}">
+                <a16:creationId xmlns:a16="http://schemas.microsoft.com/office/drawing/2014/main" id="{01F47270-9B5A-4EAB-A4BE-AB41E1A14556}"/>
+              </a:ext>
+            </a:extLst>
+          </p:cNvPr>
+          <p:cNvPicPr>
+            <a:picLocks noChangeAspect="1"/>
+          </p:cNvPicPr>
+          <p:nvPr/>
+        </p:nvPicPr>
+        <p:blipFill>
+          <a:blip r:embed="rId2">
+            <a:extLst>
+              <a:ext uri="{28A0092B-C50C-407E-A947-70E740481C1C}">
+                <a14:useLocalDpi xmlns:a14="http://schemas.microsoft.com/office/drawing/2010/main" val="0"/>
+              </a:ext>
+            </a:extLst>
+          </a:blip>
+          <a:stretch>
+            <a:fillRect/>
+          </a:stretch>
+        </p:blipFill>
+        <p:spPr>
+          <a:xfrm rot="240887">
+            <a:off x="5588470" y="1847064"/>
+            <a:ext cx="4337954" cy="4499474"/>
+          </a:xfrm>
+          <a:prstGeom prst="rect">
+            <a:avLst/>
+          </a:prstGeom>
+        </p:spPr>
+      </p:pic>
     </p:spTree>
     <p:extLst>
       <p:ext uri="{BB962C8B-B14F-4D97-AF65-F5344CB8AC3E}">
-        <p14:creationId xmlns:p14="http://schemas.microsoft.com/office/powerpoint/2010/main" val="1884971803"/>
+        <p14:creationId xmlns:p14="http://schemas.microsoft.com/office/powerpoint/2010/main" val="1547883604"/>
       </p:ext>
     </p:extLst>
   </p:cSld>
@@ -15882,7 +11304,7 @@
           <a:p>
             <a:r>
               <a:rPr lang="en-US" dirty="0"/>
-              <a:t>Slicing Strings</a:t>
+              <a:t>Common List Methods</a:t>
             </a:r>
             <a:endParaRPr lang="en-US" dirty="0">
               <a:latin typeface="Courier New" panose="02070309020205020404" pitchFamily="49" charset="0"/>
@@ -15910,215 +11332,426 @@
         <p:spPr>
           <a:xfrm>
             <a:off x="838199" y="2043739"/>
-            <a:ext cx="10738607" cy="3652386"/>
+            <a:ext cx="10738607" cy="2016533"/>
           </a:xfrm>
         </p:spPr>
         <p:txBody>
           <a:bodyPr>
-            <a:normAutofit fontScale="85000" lnSpcReduction="20000"/>
+            <a:normAutofit/>
           </a:bodyPr>
           <a:lstStyle/>
           <a:p>
             <a:pPr marL="0" indent="0">
-              <a:buNone/>
-            </a:pPr>
-            <a:r>
-              <a:rPr lang="en-US" altLang="en-US" sz="1900" dirty="0">
-                <a:solidFill>
-                  <a:schemeClr val="accent2"/>
-                </a:solidFill>
-                <a:latin typeface="Lucida Sans Typewriter" panose="020B0509030504030204" pitchFamily="49" charset="0"/>
-                <a:ea typeface="ＭＳ Ｐゴシック" panose="020B0600070205080204" pitchFamily="34" charset="-128"/>
-              </a:rPr>
-              <a:t>&gt;&gt;&gt; </a:t>
-            </a:r>
-            <a:r>
-              <a:rPr lang="en-US" altLang="en-US" sz="1900" dirty="0" err="1">
-                <a:solidFill>
-                  <a:schemeClr val="accent2"/>
-                </a:solidFill>
-                <a:latin typeface="Lucida Sans Typewriter" panose="020B0509030504030204" pitchFamily="49" charset="0"/>
-                <a:ea typeface="ＭＳ Ｐゴシック" panose="020B0600070205080204" pitchFamily="34" charset="-128"/>
-              </a:rPr>
-              <a:t>len</a:t>
-            </a:r>
-            <a:r>
-              <a:rPr lang="en-US" altLang="en-US" sz="1900" dirty="0">
-                <a:solidFill>
-                  <a:schemeClr val="accent2"/>
-                </a:solidFill>
-                <a:latin typeface="Lucida Sans Typewriter" panose="020B0509030504030204" pitchFamily="49" charset="0"/>
-                <a:ea typeface="ＭＳ Ｐゴシック" panose="020B0600070205080204" pitchFamily="34" charset="-128"/>
-              </a:rPr>
-              <a:t>(s)</a:t>
-            </a:r>
-          </a:p>
-          <a:p>
-            <a:pPr marL="0" indent="0">
-              <a:buNone/>
-            </a:pPr>
-            <a:r>
-              <a:rPr lang="en-US" altLang="en-US" sz="1900" dirty="0">
-                <a:solidFill>
-                  <a:schemeClr val="accent2"/>
-                </a:solidFill>
-                <a:latin typeface="Lucida Sans Typewriter" panose="020B0509030504030204" pitchFamily="49" charset="0"/>
-                <a:ea typeface="ＭＳ Ｐゴシック" panose="020B0600070205080204" pitchFamily="34" charset="-128"/>
-              </a:rPr>
-              <a:t>11</a:t>
-            </a:r>
-          </a:p>
-          <a:p>
-            <a:pPr marL="0" indent="0">
-              <a:buNone/>
-            </a:pPr>
-            <a:r>
-              <a:rPr lang="en-US" altLang="en-US" sz="1900" dirty="0">
-                <a:solidFill>
-                  <a:schemeClr val="accent2"/>
-                </a:solidFill>
-                <a:latin typeface="Lucida Sans Typewriter" panose="020B0509030504030204" pitchFamily="49" charset="0"/>
-                <a:ea typeface="ＭＳ Ｐゴシック" panose="020B0600070205080204" pitchFamily="34" charset="-128"/>
-              </a:rPr>
-              <a:t>&gt;&gt;&gt; s[0:len(s)]</a:t>
-            </a:r>
-          </a:p>
-          <a:p>
-            <a:pPr marL="0" indent="0">
-              <a:buNone/>
-            </a:pPr>
-            <a:r>
-              <a:rPr lang="en-US" altLang="en-US" sz="1900" dirty="0">
-                <a:solidFill>
-                  <a:schemeClr val="accent2"/>
-                </a:solidFill>
-                <a:latin typeface="Lucida Sans Typewriter" panose="020B0509030504030204" pitchFamily="49" charset="0"/>
-                <a:ea typeface="ＭＳ Ｐゴシック" panose="020B0600070205080204" pitchFamily="34" charset="-128"/>
-              </a:rPr>
-              <a:t>‘Hello World’</a:t>
-            </a:r>
-          </a:p>
-          <a:p>
-            <a:pPr marL="0" indent="0">
-              <a:buFont typeface="Symbol" panose="05050102010706020507" pitchFamily="18" charset="2"/>
-              <a:buNone/>
-            </a:pPr>
-            <a:endParaRPr lang="en-US" altLang="en-US" sz="2400" dirty="0">
-              <a:latin typeface="Courier New" panose="02070309020205020404" pitchFamily="49" charset="0"/>
+              <a:lnSpc>
+                <a:spcPct val="80000"/>
+              </a:lnSpc>
+              <a:buNone/>
+            </a:pPr>
+            <a:r>
+              <a:rPr lang="en-US" altLang="en-US" sz="2300" b="1" dirty="0">
+                <a:solidFill>
+                  <a:schemeClr val="accent2"/>
+                </a:solidFill>
+                <a:latin typeface="Lucida Sans Typewriter" panose="020B0509030504030204" pitchFamily="49" charset="0"/>
+                <a:ea typeface="ＭＳ Ｐゴシック" panose="020B0600070205080204" pitchFamily="34" charset="-128"/>
+              </a:rPr>
+              <a:t>append</a:t>
+            </a:r>
+            <a:r>
+              <a:rPr lang="en-US" altLang="en-US" sz="2300" dirty="0">
+                <a:solidFill>
+                  <a:schemeClr val="accent2"/>
+                </a:solidFill>
+                <a:latin typeface="Lucida Sans Typewriter" panose="020B0509030504030204" pitchFamily="49" charset="0"/>
+                <a:ea typeface="ＭＳ Ｐゴシック" panose="020B0600070205080204" pitchFamily="34" charset="-128"/>
+              </a:rPr>
+              <a:t>, extend, index, insert, reverse, sort</a:t>
+            </a:r>
+          </a:p>
+        </p:txBody>
+      </p:sp>
+      <p:cxnSp>
+        <p:nvCxnSpPr>
+          <p:cNvPr id="4" name="Straight Arrow Connector 3">
+            <a:extLst>
+              <a:ext uri="{FF2B5EF4-FFF2-40B4-BE49-F238E27FC236}">
+                <a16:creationId xmlns:a16="http://schemas.microsoft.com/office/drawing/2014/main" id="{2B61E492-695D-4523-837F-FB88D4EBB589}"/>
+              </a:ext>
+            </a:extLst>
+          </p:cNvPr>
+          <p:cNvCxnSpPr>
+            <a:cxnSpLocks/>
+            <a:stCxn id="5" idx="1"/>
+          </p:cNvCxnSpPr>
+          <p:nvPr/>
+        </p:nvCxnSpPr>
+        <p:spPr>
+          <a:xfrm flipH="1" flipV="1">
+            <a:off x="1433818" y="2470986"/>
+            <a:ext cx="2258198" cy="811852"/>
+          </a:xfrm>
+          <a:prstGeom prst="straightConnector1">
+            <a:avLst/>
+          </a:prstGeom>
+          <a:ln>
+            <a:tailEnd type="triangle"/>
+          </a:ln>
+        </p:spPr>
+        <p:style>
+          <a:lnRef idx="1">
+            <a:schemeClr val="accent1"/>
+          </a:lnRef>
+          <a:fillRef idx="0">
+            <a:schemeClr val="accent1"/>
+          </a:fillRef>
+          <a:effectRef idx="0">
+            <a:schemeClr val="accent1"/>
+          </a:effectRef>
+          <a:fontRef idx="minor">
+            <a:schemeClr val="tx1"/>
+          </a:fontRef>
+        </p:style>
+      </p:cxnSp>
+      <p:sp>
+        <p:nvSpPr>
+          <p:cNvPr id="5" name="TextBox 4">
+            <a:extLst>
+              <a:ext uri="{FF2B5EF4-FFF2-40B4-BE49-F238E27FC236}">
+                <a16:creationId xmlns:a16="http://schemas.microsoft.com/office/drawing/2014/main" id="{F1B3428B-4E5F-4509-9501-D678C248933B}"/>
+              </a:ext>
+            </a:extLst>
+          </p:cNvPr>
+          <p:cNvSpPr txBox="1"/>
+          <p:nvPr/>
+        </p:nvSpPr>
+        <p:spPr>
+          <a:xfrm>
+            <a:off x="3692016" y="3052005"/>
+            <a:ext cx="1659300" cy="461665"/>
+          </a:xfrm>
+          <a:prstGeom prst="rect">
+            <a:avLst/>
+          </a:prstGeom>
+          <a:noFill/>
+        </p:spPr>
+        <p:txBody>
+          <a:bodyPr wrap="none" rtlCol="0">
+            <a:spAutoFit/>
+          </a:bodyPr>
+          <a:lstStyle/>
+          <a:p>
+            <a:r>
+              <a:rPr lang="en-US" sz="2400" dirty="0"/>
+              <a:t>Used often!</a:t>
+            </a:r>
+          </a:p>
+        </p:txBody>
+      </p:sp>
+      <p:cxnSp>
+        <p:nvCxnSpPr>
+          <p:cNvPr id="7" name="Straight Arrow Connector 6">
+            <a:extLst>
+              <a:ext uri="{FF2B5EF4-FFF2-40B4-BE49-F238E27FC236}">
+                <a16:creationId xmlns:a16="http://schemas.microsoft.com/office/drawing/2014/main" id="{FCAB13AD-7D45-470F-A7B2-E5FEFCD88EDB}"/>
+              </a:ext>
+            </a:extLst>
+          </p:cNvPr>
+          <p:cNvCxnSpPr>
+            <a:cxnSpLocks/>
+            <a:stCxn id="8" idx="1"/>
+          </p:cNvCxnSpPr>
+          <p:nvPr/>
+        </p:nvCxnSpPr>
+        <p:spPr>
+          <a:xfrm flipH="1" flipV="1">
+            <a:off x="7155809" y="2414847"/>
+            <a:ext cx="2287558" cy="817556"/>
+          </a:xfrm>
+          <a:prstGeom prst="straightConnector1">
+            <a:avLst/>
+          </a:prstGeom>
+          <a:ln>
+            <a:tailEnd type="triangle"/>
+          </a:ln>
+        </p:spPr>
+        <p:style>
+          <a:lnRef idx="1">
+            <a:schemeClr val="accent1"/>
+          </a:lnRef>
+          <a:fillRef idx="0">
+            <a:schemeClr val="accent1"/>
+          </a:fillRef>
+          <a:effectRef idx="0">
+            <a:schemeClr val="accent1"/>
+          </a:effectRef>
+          <a:fontRef idx="minor">
+            <a:schemeClr val="tx1"/>
+          </a:fontRef>
+        </p:style>
+      </p:cxnSp>
+      <p:sp>
+        <p:nvSpPr>
+          <p:cNvPr id="8" name="TextBox 7">
+            <a:extLst>
+              <a:ext uri="{FF2B5EF4-FFF2-40B4-BE49-F238E27FC236}">
+                <a16:creationId xmlns:a16="http://schemas.microsoft.com/office/drawing/2014/main" id="{C1B4BF21-0F55-4BAF-A902-E93DF18D7F3A}"/>
+              </a:ext>
+            </a:extLst>
+          </p:cNvPr>
+          <p:cNvSpPr txBox="1"/>
+          <p:nvPr/>
+        </p:nvSpPr>
+        <p:spPr>
+          <a:xfrm>
+            <a:off x="9443367" y="3001570"/>
+            <a:ext cx="1914178" cy="461665"/>
+          </a:xfrm>
+          <a:prstGeom prst="rect">
+            <a:avLst/>
+          </a:prstGeom>
+          <a:noFill/>
+        </p:spPr>
+        <p:txBody>
+          <a:bodyPr wrap="none" rtlCol="0">
+            <a:spAutoFit/>
+          </a:bodyPr>
+          <a:lstStyle/>
+          <a:p>
+            <a:r>
+              <a:rPr lang="en-US" sz="2400" dirty="0"/>
+              <a:t>Work in-place</a:t>
+            </a:r>
+          </a:p>
+        </p:txBody>
+      </p:sp>
+      <p:cxnSp>
+        <p:nvCxnSpPr>
+          <p:cNvPr id="11" name="Straight Arrow Connector 10">
+            <a:extLst>
+              <a:ext uri="{FF2B5EF4-FFF2-40B4-BE49-F238E27FC236}">
+                <a16:creationId xmlns:a16="http://schemas.microsoft.com/office/drawing/2014/main" id="{E6F63275-2A71-4C4A-8CED-071BC753C6FD}"/>
+              </a:ext>
+            </a:extLst>
+          </p:cNvPr>
+          <p:cNvCxnSpPr>
+            <a:cxnSpLocks/>
+          </p:cNvCxnSpPr>
+          <p:nvPr/>
+        </p:nvCxnSpPr>
+        <p:spPr>
+          <a:xfrm flipH="1" flipV="1">
+            <a:off x="8551718" y="2414847"/>
+            <a:ext cx="986565" cy="586723"/>
+          </a:xfrm>
+          <a:prstGeom prst="straightConnector1">
+            <a:avLst/>
+          </a:prstGeom>
+          <a:ln>
+            <a:tailEnd type="triangle"/>
+          </a:ln>
+        </p:spPr>
+        <p:style>
+          <a:lnRef idx="1">
+            <a:schemeClr val="accent1"/>
+          </a:lnRef>
+          <a:fillRef idx="0">
+            <a:schemeClr val="accent1"/>
+          </a:fillRef>
+          <a:effectRef idx="0">
+            <a:schemeClr val="accent1"/>
+          </a:effectRef>
+          <a:fontRef idx="minor">
+            <a:schemeClr val="tx1"/>
+          </a:fontRef>
+        </p:style>
+      </p:cxnSp>
+      <p:cxnSp>
+        <p:nvCxnSpPr>
+          <p:cNvPr id="13" name="Straight Arrow Connector 12">
+            <a:extLst>
+              <a:ext uri="{FF2B5EF4-FFF2-40B4-BE49-F238E27FC236}">
+                <a16:creationId xmlns:a16="http://schemas.microsoft.com/office/drawing/2014/main" id="{6DEECA9E-B2DC-48EB-8088-963337C78B93}"/>
+              </a:ext>
+            </a:extLst>
+          </p:cNvPr>
+          <p:cNvCxnSpPr>
+            <a:cxnSpLocks/>
+          </p:cNvCxnSpPr>
+          <p:nvPr/>
+        </p:nvCxnSpPr>
+        <p:spPr>
+          <a:xfrm flipH="1" flipV="1">
+            <a:off x="2109591" y="2414847"/>
+            <a:ext cx="7194544" cy="817555"/>
+          </a:xfrm>
+          <a:prstGeom prst="straightConnector1">
+            <a:avLst/>
+          </a:prstGeom>
+          <a:ln>
+            <a:tailEnd type="triangle"/>
+          </a:ln>
+        </p:spPr>
+        <p:style>
+          <a:lnRef idx="1">
+            <a:schemeClr val="accent1"/>
+          </a:lnRef>
+          <a:fillRef idx="0">
+            <a:schemeClr val="accent1"/>
+          </a:fillRef>
+          <a:effectRef idx="0">
+            <a:schemeClr val="accent1"/>
+          </a:effectRef>
+          <a:fontRef idx="minor">
+            <a:schemeClr val="tx1"/>
+          </a:fontRef>
+        </p:style>
+      </p:cxnSp>
+      <p:cxnSp>
+        <p:nvCxnSpPr>
+          <p:cNvPr id="16" name="Straight Arrow Connector 15">
+            <a:extLst>
+              <a:ext uri="{FF2B5EF4-FFF2-40B4-BE49-F238E27FC236}">
+                <a16:creationId xmlns:a16="http://schemas.microsoft.com/office/drawing/2014/main" id="{BB8CC27A-C66C-4301-B1BB-C36BE3F468AC}"/>
+              </a:ext>
+            </a:extLst>
+          </p:cNvPr>
+          <p:cNvCxnSpPr>
+            <a:cxnSpLocks/>
+          </p:cNvCxnSpPr>
+          <p:nvPr/>
+        </p:nvCxnSpPr>
+        <p:spPr>
+          <a:xfrm flipH="1" flipV="1">
+            <a:off x="3419305" y="2394785"/>
+            <a:ext cx="5837372" cy="752576"/>
+          </a:xfrm>
+          <a:prstGeom prst="straightConnector1">
+            <a:avLst/>
+          </a:prstGeom>
+          <a:ln>
+            <a:tailEnd type="triangle"/>
+          </a:ln>
+        </p:spPr>
+        <p:style>
+          <a:lnRef idx="1">
+            <a:schemeClr val="accent1"/>
+          </a:lnRef>
+          <a:fillRef idx="0">
+            <a:schemeClr val="accent1"/>
+          </a:fillRef>
+          <a:effectRef idx="0">
+            <a:schemeClr val="accent1"/>
+          </a:effectRef>
+          <a:fontRef idx="minor">
+            <a:schemeClr val="tx1"/>
+          </a:fontRef>
+        </p:style>
+      </p:cxnSp>
+      <p:cxnSp>
+        <p:nvCxnSpPr>
+          <p:cNvPr id="18" name="Straight Arrow Connector 17">
+            <a:extLst>
+              <a:ext uri="{FF2B5EF4-FFF2-40B4-BE49-F238E27FC236}">
+                <a16:creationId xmlns:a16="http://schemas.microsoft.com/office/drawing/2014/main" id="{11933556-D049-43F0-8E68-94FEA6E14123}"/>
+              </a:ext>
+            </a:extLst>
+          </p:cNvPr>
+          <p:cNvCxnSpPr>
+            <a:cxnSpLocks/>
+          </p:cNvCxnSpPr>
+          <p:nvPr/>
+        </p:nvCxnSpPr>
+        <p:spPr>
+          <a:xfrm flipH="1" flipV="1">
+            <a:off x="6027089" y="2403042"/>
+            <a:ext cx="2988056" cy="648963"/>
+          </a:xfrm>
+          <a:prstGeom prst="straightConnector1">
+            <a:avLst/>
+          </a:prstGeom>
+          <a:ln>
+            <a:tailEnd type="triangle"/>
+          </a:ln>
+        </p:spPr>
+        <p:style>
+          <a:lnRef idx="1">
+            <a:schemeClr val="accent1"/>
+          </a:lnRef>
+          <a:fillRef idx="0">
+            <a:schemeClr val="accent1"/>
+          </a:fillRef>
+          <a:effectRef idx="0">
+            <a:schemeClr val="accent1"/>
+          </a:effectRef>
+          <a:fontRef idx="minor">
+            <a:schemeClr val="tx1"/>
+          </a:fontRef>
+        </p:style>
+      </p:cxnSp>
+      <p:sp>
+        <p:nvSpPr>
+          <p:cNvPr id="20" name="TextBox 19">
+            <a:extLst>
+              <a:ext uri="{FF2B5EF4-FFF2-40B4-BE49-F238E27FC236}">
+                <a16:creationId xmlns:a16="http://schemas.microsoft.com/office/drawing/2014/main" id="{4C79BBF7-E3F3-4D8C-A899-ED8326A46992}"/>
+              </a:ext>
+            </a:extLst>
+          </p:cNvPr>
+          <p:cNvSpPr txBox="1"/>
+          <p:nvPr/>
+        </p:nvSpPr>
+        <p:spPr>
+          <a:xfrm>
+            <a:off x="981512" y="3993160"/>
+            <a:ext cx="10242959" cy="2118529"/>
+          </a:xfrm>
+          <a:prstGeom prst="rect">
+            <a:avLst/>
+          </a:prstGeom>
+          <a:noFill/>
+        </p:spPr>
+        <p:txBody>
+          <a:bodyPr wrap="square" rtlCol="0">
+            <a:spAutoFit/>
+          </a:bodyPr>
+          <a:lstStyle/>
+          <a:p>
+            <a:pPr>
+              <a:spcBef>
+                <a:spcPts val="1000"/>
+              </a:spcBef>
+            </a:pPr>
+            <a:r>
+              <a:rPr lang="en-US" sz="2300" dirty="0">
+                <a:ea typeface="ＭＳ Ｐゴシック" panose="020B0600070205080204" pitchFamily="34" charset="-128"/>
+                <a:cs typeface="Courier New" panose="02070309020205020404" pitchFamily="49" charset="0"/>
+              </a:rPr>
+              <a:t>How do we know which operations work in-place and which operations return a new string/list?</a:t>
+            </a:r>
+          </a:p>
+          <a:p>
+            <a:pPr>
+              <a:spcBef>
+                <a:spcPts val="1000"/>
+              </a:spcBef>
+            </a:pPr>
+            <a:endParaRPr lang="en-US" sz="2300" dirty="0">
               <a:ea typeface="ＭＳ Ｐゴシック" panose="020B0600070205080204" pitchFamily="34" charset="-128"/>
               <a:cs typeface="Courier New" panose="02070309020205020404" pitchFamily="49" charset="0"/>
             </a:endParaRPr>
           </a:p>
           <a:p>
-            <a:pPr marL="0" indent="0">
-              <a:lnSpc>
-                <a:spcPct val="110000"/>
-              </a:lnSpc>
-              <a:buNone/>
-            </a:pPr>
-            <a:r>
-              <a:rPr lang="en-US" altLang="en-US" sz="2700" dirty="0" err="1">
+            <a:pPr>
+              <a:spcBef>
+                <a:spcPts val="1000"/>
+              </a:spcBef>
+            </a:pPr>
+            <a:r>
+              <a:rPr lang="en-US" sz="2300" dirty="0">
                 <a:ea typeface="ＭＳ Ｐゴシック" panose="020B0600070205080204" pitchFamily="34" charset="-128"/>
                 <a:cs typeface="Courier New" panose="02070309020205020404" pitchFamily="49" charset="0"/>
               </a:rPr>
-              <a:t>i</a:t>
-            </a:r>
-            <a:r>
-              <a:rPr lang="en-US" altLang="en-US" sz="2700" dirty="0">
-                <a:ea typeface="ＭＳ Ｐゴシック" panose="020B0600070205080204" pitchFamily="34" charset="-128"/>
-                <a:cs typeface="Courier New" panose="02070309020205020404" pitchFamily="49" charset="0"/>
-              </a:rPr>
-              <a:t> or j (or both!) can be left out.</a:t>
-            </a:r>
-          </a:p>
-          <a:p>
-            <a:pPr marL="0" indent="0">
-              <a:buNone/>
-            </a:pPr>
-            <a:r>
-              <a:rPr lang="en-US" altLang="en-US" sz="1700" dirty="0">
-                <a:solidFill>
-                  <a:schemeClr val="accent2"/>
-                </a:solidFill>
-                <a:latin typeface="Lucida Sans Typewriter" panose="020B0509030504030204" pitchFamily="49" charset="0"/>
-                <a:ea typeface="ＭＳ Ｐゴシック" panose="020B0600070205080204" pitchFamily="34" charset="-128"/>
-              </a:rPr>
-              <a:t>&gt;&gt;&gt; s[:5]</a:t>
-            </a:r>
-          </a:p>
-          <a:p>
-            <a:pPr marL="0" indent="0">
-              <a:buNone/>
-            </a:pPr>
-            <a:r>
-              <a:rPr lang="en-US" altLang="en-US" sz="1700" dirty="0">
-                <a:solidFill>
-                  <a:schemeClr val="accent2"/>
-                </a:solidFill>
-                <a:latin typeface="Lucida Sans Typewriter" panose="020B0509030504030204" pitchFamily="49" charset="0"/>
-                <a:ea typeface="ＭＳ Ｐゴシック" panose="020B0600070205080204" pitchFamily="34" charset="-128"/>
-              </a:rPr>
-              <a:t>‘Hello’</a:t>
-            </a:r>
-          </a:p>
-          <a:p>
-            <a:pPr marL="0" indent="0">
-              <a:buNone/>
-            </a:pPr>
-            <a:r>
-              <a:rPr lang="en-US" altLang="en-US" sz="1700" dirty="0">
-                <a:solidFill>
-                  <a:schemeClr val="accent2"/>
-                </a:solidFill>
-                <a:latin typeface="Lucida Sans Typewriter" panose="020B0509030504030204" pitchFamily="49" charset="0"/>
-                <a:ea typeface="ＭＳ Ｐゴシック" panose="020B0600070205080204" pitchFamily="34" charset="-128"/>
-              </a:rPr>
-              <a:t>&gt;&gt;&gt; s[6:]</a:t>
-            </a:r>
-          </a:p>
-          <a:p>
-            <a:pPr marL="0" indent="0">
-              <a:buNone/>
-            </a:pPr>
-            <a:r>
-              <a:rPr lang="en-US" altLang="en-US" sz="1700" dirty="0">
-                <a:solidFill>
-                  <a:schemeClr val="accent2"/>
-                </a:solidFill>
-                <a:latin typeface="Lucida Sans Typewriter" panose="020B0509030504030204" pitchFamily="49" charset="0"/>
-                <a:ea typeface="ＭＳ Ｐゴシック" panose="020B0600070205080204" pitchFamily="34" charset="-128"/>
-              </a:rPr>
-              <a:t>‘World’</a:t>
-            </a:r>
-          </a:p>
-          <a:p>
-            <a:pPr marL="0" indent="0">
-              <a:buNone/>
-            </a:pPr>
-            <a:r>
-              <a:rPr lang="en-US" altLang="en-US" sz="1700" dirty="0">
-                <a:solidFill>
-                  <a:schemeClr val="accent2"/>
-                </a:solidFill>
-                <a:latin typeface="Lucida Sans Typewriter" panose="020B0509030504030204" pitchFamily="49" charset="0"/>
-                <a:ea typeface="ＭＳ Ｐゴシック" panose="020B0600070205080204" pitchFamily="34" charset="-128"/>
-              </a:rPr>
-              <a:t>&gt;&gt;&gt; s[:]</a:t>
-            </a:r>
-          </a:p>
-          <a:p>
-            <a:pPr marL="0" indent="0">
-              <a:buNone/>
-            </a:pPr>
-            <a:r>
-              <a:rPr lang="en-US" altLang="en-US" sz="1700" dirty="0">
-                <a:solidFill>
-                  <a:schemeClr val="accent2"/>
-                </a:solidFill>
-                <a:latin typeface="Lucida Sans Typewriter" panose="020B0509030504030204" pitchFamily="49" charset="0"/>
-                <a:ea typeface="ＭＳ Ｐゴシック" panose="020B0600070205080204" pitchFamily="34" charset="-128"/>
-              </a:rPr>
-              <a:t>‘Hello World’</a:t>
+              <a:t>In general, mutable objects can be modified in place, so Python does so. But it doesn’t have to, so just try it and see.</a:t>
             </a:r>
           </a:p>
         </p:txBody>
@@ -16126,7 +11759,7 @@
     </p:spTree>
     <p:extLst>
       <p:ext uri="{BB962C8B-B14F-4D97-AF65-F5344CB8AC3E}">
-        <p14:creationId xmlns:p14="http://schemas.microsoft.com/office/powerpoint/2010/main" val="2113307244"/>
+        <p14:creationId xmlns:p14="http://schemas.microsoft.com/office/powerpoint/2010/main" val="2514501875"/>
       </p:ext>
     </p:extLst>
   </p:cSld>
@@ -16181,7 +11814,7 @@
           <a:p>
             <a:r>
               <a:rPr lang="en-US" dirty="0"/>
-              <a:t>Slicing Strings</a:t>
+              <a:t>Making a copy of a List</a:t>
             </a:r>
             <a:endParaRPr lang="en-US" dirty="0">
               <a:latin typeface="Courier New" panose="02070309020205020404" pitchFamily="49" charset="0"/>
@@ -16209,170 +11842,268 @@
         <p:spPr>
           <a:xfrm>
             <a:off x="838199" y="2043739"/>
-            <a:ext cx="10738607" cy="3652386"/>
+            <a:ext cx="10738607" cy="3660775"/>
           </a:xfrm>
         </p:spPr>
         <p:txBody>
           <a:bodyPr>
-            <a:normAutofit/>
+            <a:normAutofit fontScale="77500" lnSpcReduction="20000"/>
           </a:bodyPr>
           <a:lstStyle/>
           <a:p>
             <a:pPr marL="0" indent="0">
+              <a:lnSpc>
+                <a:spcPct val="100000"/>
+              </a:lnSpc>
               <a:buNone/>
             </a:pPr>
             <a:r>
               <a:rPr lang="en-US" altLang="en-US" sz="2300" dirty="0">
-                <a:ea typeface="ＭＳ Ｐゴシック" panose="020B0600070205080204" pitchFamily="34" charset="-128"/>
-                <a:cs typeface="Courier New" panose="02070309020205020404" pitchFamily="49" charset="0"/>
-              </a:rPr>
-              <a:t>Stride (optional)</a:t>
-            </a:r>
-          </a:p>
-          <a:p>
-            <a:pPr marL="0" indent="0">
-              <a:buFont typeface="Symbol" panose="05050102010706020507" pitchFamily="18" charset="2"/>
-              <a:buNone/>
-            </a:pPr>
-            <a:endParaRPr lang="en-US" altLang="en-US" sz="2400" dirty="0">
-              <a:latin typeface="Courier New" panose="02070309020205020404" pitchFamily="49" charset="0"/>
-              <a:ea typeface="ＭＳ Ｐゴシック" panose="020B0600070205080204" pitchFamily="34" charset="-128"/>
-              <a:cs typeface="Courier New" panose="02070309020205020404" pitchFamily="49" charset="0"/>
-            </a:endParaRPr>
-          </a:p>
-          <a:p>
-            <a:pPr marL="0" indent="0">
-              <a:lnSpc>
-                <a:spcPct val="70000"/>
-              </a:lnSpc>
-              <a:buNone/>
-            </a:pPr>
-            <a:r>
-              <a:rPr lang="en-US" altLang="en-US" sz="1200" dirty="0">
-                <a:solidFill>
-                  <a:schemeClr val="accent2"/>
-                </a:solidFill>
-                <a:latin typeface="Lucida Sans Typewriter" panose="020B0509030504030204" pitchFamily="49" charset="0"/>
-                <a:ea typeface="ＭＳ Ｐゴシック" panose="020B0600070205080204" pitchFamily="34" charset="-128"/>
-              </a:rPr>
-              <a:t>&gt;&gt;&gt; s[::2]</a:t>
-            </a:r>
-          </a:p>
-          <a:p>
-            <a:pPr marL="0" indent="0">
-              <a:lnSpc>
-                <a:spcPct val="70000"/>
-              </a:lnSpc>
-              <a:buNone/>
-            </a:pPr>
-            <a:r>
-              <a:rPr lang="en-US" altLang="en-US" sz="1200" dirty="0">
-                <a:solidFill>
-                  <a:schemeClr val="accent2"/>
-                </a:solidFill>
-                <a:latin typeface="Lucida Sans Typewriter" panose="020B0509030504030204" pitchFamily="49" charset="0"/>
-                <a:ea typeface="ＭＳ Ｐゴシック" panose="020B0600070205080204" pitchFamily="34" charset="-128"/>
-              </a:rPr>
-              <a:t>‘</a:t>
-            </a:r>
-            <a:r>
-              <a:rPr lang="en-US" altLang="en-US" sz="1200" dirty="0" err="1">
-                <a:solidFill>
-                  <a:schemeClr val="accent2"/>
-                </a:solidFill>
-                <a:latin typeface="Lucida Sans Typewriter" panose="020B0509030504030204" pitchFamily="49" charset="0"/>
-                <a:ea typeface="ＭＳ Ｐゴシック" panose="020B0600070205080204" pitchFamily="34" charset="-128"/>
-              </a:rPr>
-              <a:t>HloWrd</a:t>
-            </a:r>
-            <a:r>
-              <a:rPr lang="en-US" altLang="en-US" sz="1200" dirty="0">
-                <a:solidFill>
-                  <a:schemeClr val="accent2"/>
-                </a:solidFill>
-                <a:latin typeface="Lucida Sans Typewriter" panose="020B0509030504030204" pitchFamily="49" charset="0"/>
-                <a:ea typeface="ＭＳ Ｐゴシック" panose="020B0600070205080204" pitchFamily="34" charset="-128"/>
-              </a:rPr>
-              <a:t>’</a:t>
-            </a:r>
-          </a:p>
-          <a:p>
-            <a:pPr marL="0" indent="0">
-              <a:buFont typeface="Symbol" panose="05050102010706020507" pitchFamily="18" charset="2"/>
-              <a:buNone/>
-            </a:pPr>
-            <a:endParaRPr lang="en-US" altLang="en-US" sz="2400" dirty="0">
-              <a:latin typeface="Courier New" panose="02070309020205020404" pitchFamily="49" charset="0"/>
-              <a:ea typeface="ＭＳ Ｐゴシック" panose="020B0600070205080204" pitchFamily="34" charset="-128"/>
-              <a:cs typeface="Courier New" panose="02070309020205020404" pitchFamily="49" charset="0"/>
-            </a:endParaRPr>
-          </a:p>
-          <a:p>
-            <a:pPr marL="0" indent="0">
+                <a:solidFill>
+                  <a:schemeClr val="accent2"/>
+                </a:solidFill>
+                <a:latin typeface="Lucida Sans Typewriter" panose="020B0509030504030204" pitchFamily="49" charset="0"/>
+                <a:ea typeface="ＭＳ Ｐゴシック" panose="020B0600070205080204" pitchFamily="34" charset="-128"/>
+              </a:rPr>
+              <a:t>&gt;&gt;&gt; list1 = [1, 2, 3]</a:t>
+            </a:r>
+          </a:p>
+          <a:p>
+            <a:pPr marL="0" indent="0">
+              <a:lnSpc>
+                <a:spcPct val="100000"/>
+              </a:lnSpc>
               <a:buNone/>
             </a:pPr>
             <a:r>
               <a:rPr lang="en-US" altLang="en-US" sz="2300" dirty="0">
-                <a:ea typeface="ＭＳ Ｐゴシック" panose="020B0600070205080204" pitchFamily="34" charset="-128"/>
-                <a:cs typeface="Courier New" panose="02070309020205020404" pitchFamily="49" charset="0"/>
-              </a:rPr>
-              <a:t>Strides can be negative</a:t>
-            </a:r>
-          </a:p>
-          <a:p>
-            <a:pPr marL="0" indent="0">
-              <a:lnSpc>
-                <a:spcPct val="70000"/>
-              </a:lnSpc>
-              <a:buNone/>
-            </a:pPr>
-            <a:r>
-              <a:rPr lang="en-US" altLang="en-US" sz="1200" dirty="0">
-                <a:solidFill>
-                  <a:schemeClr val="accent2"/>
-                </a:solidFill>
-                <a:latin typeface="Lucida Sans Typewriter" panose="020B0509030504030204" pitchFamily="49" charset="0"/>
-                <a:ea typeface="ＭＳ Ｐゴシック" panose="020B0600070205080204" pitchFamily="34" charset="-128"/>
-              </a:rPr>
-              <a:t>&gt;&gt;&gt; s[4:0:-1]</a:t>
-            </a:r>
-          </a:p>
-          <a:p>
-            <a:pPr marL="0" indent="0">
-              <a:lnSpc>
-                <a:spcPct val="70000"/>
-              </a:lnSpc>
-              <a:buNone/>
-            </a:pPr>
-            <a:r>
-              <a:rPr lang="en-US" altLang="en-US" sz="1200" dirty="0">
-                <a:solidFill>
-                  <a:schemeClr val="accent2"/>
-                </a:solidFill>
-                <a:latin typeface="Lucida Sans Typewriter" panose="020B0509030504030204" pitchFamily="49" charset="0"/>
-                <a:ea typeface="ＭＳ Ｐゴシック" panose="020B0600070205080204" pitchFamily="34" charset="-128"/>
-              </a:rPr>
-              <a:t>‘</a:t>
-            </a:r>
-            <a:r>
-              <a:rPr lang="en-US" altLang="en-US" sz="1200" dirty="0" err="1">
-                <a:solidFill>
-                  <a:schemeClr val="accent2"/>
-                </a:solidFill>
-                <a:latin typeface="Lucida Sans Typewriter" panose="020B0509030504030204" pitchFamily="49" charset="0"/>
-                <a:ea typeface="ＭＳ Ｐゴシック" panose="020B0600070205080204" pitchFamily="34" charset="-128"/>
-              </a:rPr>
-              <a:t>olle</a:t>
-            </a:r>
-            <a:r>
-              <a:rPr lang="en-US" altLang="en-US" sz="1200" dirty="0">
-                <a:solidFill>
-                  <a:schemeClr val="accent2"/>
-                </a:solidFill>
-                <a:latin typeface="Lucida Sans Typewriter" panose="020B0509030504030204" pitchFamily="49" charset="0"/>
-                <a:ea typeface="ＭＳ Ｐゴシック" panose="020B0600070205080204" pitchFamily="34" charset="-128"/>
-              </a:rPr>
-              <a:t>’</a:t>
+                <a:solidFill>
+                  <a:schemeClr val="accent2"/>
+                </a:solidFill>
+                <a:latin typeface="Lucida Sans Typewriter" panose="020B0509030504030204" pitchFamily="49" charset="0"/>
+                <a:ea typeface="ＭＳ Ｐゴシック" panose="020B0600070205080204" pitchFamily="34" charset="-128"/>
+              </a:rPr>
+              <a:t>&gt;&gt;&gt; list2 = list1</a:t>
+            </a:r>
+          </a:p>
+          <a:p>
+            <a:pPr marL="0" indent="0">
+              <a:lnSpc>
+                <a:spcPct val="100000"/>
+              </a:lnSpc>
+              <a:buNone/>
+            </a:pPr>
+            <a:r>
+              <a:rPr lang="en-US" altLang="en-US" sz="2300" dirty="0">
+                <a:solidFill>
+                  <a:schemeClr val="accent2"/>
+                </a:solidFill>
+                <a:latin typeface="Lucida Sans Typewriter" panose="020B0509030504030204" pitchFamily="49" charset="0"/>
+                <a:ea typeface="ＭＳ Ｐゴシック" panose="020B0600070205080204" pitchFamily="34" charset="-128"/>
+              </a:rPr>
+              <a:t>&gt;&gt;&gt; list1 is list2</a:t>
+            </a:r>
+          </a:p>
+          <a:p>
+            <a:pPr marL="0" indent="0">
+              <a:lnSpc>
+                <a:spcPct val="100000"/>
+              </a:lnSpc>
+              <a:buNone/>
+            </a:pPr>
+            <a:r>
+              <a:rPr lang="en-US" altLang="en-US" sz="2300" dirty="0">
+                <a:solidFill>
+                  <a:schemeClr val="accent2"/>
+                </a:solidFill>
+                <a:latin typeface="Lucida Sans Typewriter" panose="020B0509030504030204" pitchFamily="49" charset="0"/>
+                <a:ea typeface="ＭＳ Ｐゴシック" panose="020B0600070205080204" pitchFamily="34" charset="-128"/>
+              </a:rPr>
+              <a:t>True</a:t>
+            </a:r>
+          </a:p>
+          <a:p>
+            <a:pPr marL="0" indent="0">
+              <a:lnSpc>
+                <a:spcPct val="100000"/>
+              </a:lnSpc>
+              <a:buNone/>
+            </a:pPr>
+            <a:r>
+              <a:rPr lang="en-US" altLang="en-US" sz="2300" dirty="0">
+                <a:solidFill>
+                  <a:schemeClr val="accent2"/>
+                </a:solidFill>
+                <a:latin typeface="Lucida Sans Typewriter" panose="020B0509030504030204" pitchFamily="49" charset="0"/>
+                <a:ea typeface="ＭＳ Ｐゴシック" panose="020B0600070205080204" pitchFamily="34" charset="-128"/>
+              </a:rPr>
+              <a:t>&gt;&gt;&gt; list2 = list1.copy()</a:t>
+            </a:r>
+          </a:p>
+          <a:p>
+            <a:pPr marL="0" indent="0">
+              <a:lnSpc>
+                <a:spcPct val="100000"/>
+              </a:lnSpc>
+              <a:buNone/>
+            </a:pPr>
+            <a:r>
+              <a:rPr lang="en-US" altLang="en-US" sz="2300" dirty="0">
+                <a:solidFill>
+                  <a:schemeClr val="accent2"/>
+                </a:solidFill>
+                <a:latin typeface="Lucida Sans Typewriter" panose="020B0509030504030204" pitchFamily="49" charset="0"/>
+                <a:ea typeface="ＭＳ Ｐゴシック" panose="020B0600070205080204" pitchFamily="34" charset="-128"/>
+              </a:rPr>
+              <a:t>&gt;&gt;&gt; list1 is list2</a:t>
+            </a:r>
+          </a:p>
+          <a:p>
+            <a:pPr marL="0" indent="0">
+              <a:lnSpc>
+                <a:spcPct val="100000"/>
+              </a:lnSpc>
+              <a:buNone/>
+            </a:pPr>
+            <a:r>
+              <a:rPr lang="en-US" altLang="en-US" sz="2300" dirty="0">
+                <a:solidFill>
+                  <a:schemeClr val="accent2"/>
+                </a:solidFill>
+                <a:latin typeface="Lucida Sans Typewriter" panose="020B0509030504030204" pitchFamily="49" charset="0"/>
+                <a:ea typeface="ＭＳ Ｐゴシック" panose="020B0600070205080204" pitchFamily="34" charset="-128"/>
+              </a:rPr>
+              <a:t>False</a:t>
+            </a:r>
+          </a:p>
+          <a:p>
+            <a:pPr marL="0" indent="0">
+              <a:lnSpc>
+                <a:spcPct val="100000"/>
+              </a:lnSpc>
+              <a:buNone/>
+            </a:pPr>
+            <a:r>
+              <a:rPr lang="en-US" altLang="en-US" sz="2300" dirty="0">
+                <a:solidFill>
+                  <a:schemeClr val="accent2"/>
+                </a:solidFill>
+                <a:latin typeface="Lucida Sans Typewriter" panose="020B0509030504030204" pitchFamily="49" charset="0"/>
+                <a:ea typeface="ＭＳ Ｐゴシック" panose="020B0600070205080204" pitchFamily="34" charset="-128"/>
+              </a:rPr>
+              <a:t>&gt;&gt;&gt; list2 = list1[:]</a:t>
+            </a:r>
+          </a:p>
+          <a:p>
+            <a:pPr marL="0" indent="0">
+              <a:lnSpc>
+                <a:spcPct val="100000"/>
+              </a:lnSpc>
+              <a:buNone/>
+            </a:pPr>
+            <a:r>
+              <a:rPr lang="en-US" altLang="en-US" sz="2300" dirty="0">
+                <a:solidFill>
+                  <a:schemeClr val="accent2"/>
+                </a:solidFill>
+                <a:latin typeface="Lucida Sans Typewriter" panose="020B0509030504030204" pitchFamily="49" charset="0"/>
+                <a:ea typeface="ＭＳ Ｐゴシック" panose="020B0600070205080204" pitchFamily="34" charset="-128"/>
+              </a:rPr>
+              <a:t>&gt;&gt;&gt; list1 is list2</a:t>
+            </a:r>
+          </a:p>
+          <a:p>
+            <a:pPr marL="0" indent="0">
+              <a:lnSpc>
+                <a:spcPct val="100000"/>
+              </a:lnSpc>
+              <a:buNone/>
+            </a:pPr>
+            <a:r>
+              <a:rPr lang="en-US" altLang="en-US" sz="2300" dirty="0">
+                <a:solidFill>
+                  <a:schemeClr val="accent2"/>
+                </a:solidFill>
+                <a:latin typeface="Lucida Sans Typewriter" panose="020B0509030504030204" pitchFamily="49" charset="0"/>
+                <a:ea typeface="ＭＳ Ｐゴシック" panose="020B0600070205080204" pitchFamily="34" charset="-128"/>
+              </a:rPr>
+              <a:t>False</a:t>
+            </a:r>
+          </a:p>
+        </p:txBody>
+      </p:sp>
+      <p:cxnSp>
+        <p:nvCxnSpPr>
+          <p:cNvPr id="4" name="Straight Arrow Connector 3">
+            <a:extLst>
+              <a:ext uri="{FF2B5EF4-FFF2-40B4-BE49-F238E27FC236}">
+                <a16:creationId xmlns:a16="http://schemas.microsoft.com/office/drawing/2014/main" id="{D1CAEE84-CDE5-4977-BE0F-D35936A759B7}"/>
+              </a:ext>
+            </a:extLst>
+          </p:cNvPr>
+          <p:cNvCxnSpPr>
+            <a:cxnSpLocks/>
+          </p:cNvCxnSpPr>
+          <p:nvPr/>
+        </p:nvCxnSpPr>
+        <p:spPr>
+          <a:xfrm flipH="1">
+            <a:off x="4077049" y="4608298"/>
+            <a:ext cx="2691630" cy="0"/>
+          </a:xfrm>
+          <a:prstGeom prst="straightConnector1">
+            <a:avLst/>
+          </a:prstGeom>
+          <a:ln>
+            <a:tailEnd type="triangle"/>
+          </a:ln>
+        </p:spPr>
+        <p:style>
+          <a:lnRef idx="1">
+            <a:schemeClr val="accent1"/>
+          </a:lnRef>
+          <a:fillRef idx="0">
+            <a:schemeClr val="accent1"/>
+          </a:fillRef>
+          <a:effectRef idx="0">
+            <a:schemeClr val="accent1"/>
+          </a:effectRef>
+          <a:fontRef idx="minor">
+            <a:schemeClr val="tx1"/>
+          </a:fontRef>
+        </p:style>
+      </p:cxnSp>
+      <p:sp>
+        <p:nvSpPr>
+          <p:cNvPr id="5" name="TextBox 4">
+            <a:extLst>
+              <a:ext uri="{FF2B5EF4-FFF2-40B4-BE49-F238E27FC236}">
+                <a16:creationId xmlns:a16="http://schemas.microsoft.com/office/drawing/2014/main" id="{79D07424-A51B-4098-864B-7BAB950BA5DA}"/>
+              </a:ext>
+            </a:extLst>
+          </p:cNvPr>
+          <p:cNvSpPr txBox="1"/>
+          <p:nvPr/>
+        </p:nvSpPr>
+        <p:spPr>
+          <a:xfrm>
+            <a:off x="6836911" y="4377465"/>
+            <a:ext cx="4671663" cy="461665"/>
+          </a:xfrm>
+          <a:prstGeom prst="rect">
+            <a:avLst/>
+          </a:prstGeom>
+          <a:noFill/>
+        </p:spPr>
+        <p:txBody>
+          <a:bodyPr wrap="none" rtlCol="0">
+            <a:spAutoFit/>
+          </a:bodyPr>
+          <a:lstStyle/>
+          <a:p>
+            <a:r>
+              <a:rPr lang="en-US" sz="2400" dirty="0"/>
+              <a:t>You’ll see this a lot in real programs.</a:t>
             </a:r>
           </a:p>
         </p:txBody>
@@ -16380,7 +12111,7 @@
     </p:spTree>
     <p:extLst>
       <p:ext uri="{BB962C8B-B14F-4D97-AF65-F5344CB8AC3E}">
-        <p14:creationId xmlns:p14="http://schemas.microsoft.com/office/powerpoint/2010/main" val="3680336797"/>
+        <p14:creationId xmlns:p14="http://schemas.microsoft.com/office/powerpoint/2010/main" val="4268340205"/>
       </p:ext>
     </p:extLst>
   </p:cSld>

--- a/slides/03 Lists_Loops_Files.pptx
+++ b/slides/03 Lists_Loops_Files.pptx
@@ -473,7 +473,7 @@
           <a:p>
             <a:fld id="{9819AC5B-5C28-4682-8A2A-3D2C4E3BE131}" type="datetimeFigureOut">
               <a:rPr lang="en-US" smtClean="0"/>
-              <a:t>7/10/2018</a:t>
+              <a:t>8/14/2018</a:t>
             </a:fld>
             <a:endParaRPr lang="en-US"/>
           </a:p>
@@ -681,7 +681,7 @@
           <a:p>
             <a:fld id="{9819AC5B-5C28-4682-8A2A-3D2C4E3BE131}" type="datetimeFigureOut">
               <a:rPr lang="en-US" smtClean="0"/>
-              <a:t>7/10/2018</a:t>
+              <a:t>8/14/2018</a:t>
             </a:fld>
             <a:endParaRPr lang="en-US"/>
           </a:p>
@@ -1135,7 +1135,7 @@
           <a:p>
             <a:fld id="{9819AC5B-5C28-4682-8A2A-3D2C4E3BE131}" type="datetimeFigureOut">
               <a:rPr lang="en-US" smtClean="0"/>
-              <a:t>7/10/2018</a:t>
+              <a:t>8/14/2018</a:t>
             </a:fld>
             <a:endParaRPr lang="en-US"/>
           </a:p>
@@ -1400,7 +1400,7 @@
           <a:p>
             <a:fld id="{9819AC5B-5C28-4682-8A2A-3D2C4E3BE131}" type="datetimeFigureOut">
               <a:rPr lang="en-US" smtClean="0"/>
-              <a:t>7/10/2018</a:t>
+              <a:t>8/14/2018</a:t>
             </a:fld>
             <a:endParaRPr lang="en-US"/>
           </a:p>
@@ -1812,7 +1812,7 @@
           <a:p>
             <a:fld id="{9819AC5B-5C28-4682-8A2A-3D2C4E3BE131}" type="datetimeFigureOut">
               <a:rPr lang="en-US" smtClean="0"/>
-              <a:t>7/10/2018</a:t>
+              <a:t>8/14/2018</a:t>
             </a:fld>
             <a:endParaRPr lang="en-US"/>
           </a:p>
@@ -1953,7 +1953,7 @@
           <a:p>
             <a:fld id="{9819AC5B-5C28-4682-8A2A-3D2C4E3BE131}" type="datetimeFigureOut">
               <a:rPr lang="en-US" smtClean="0"/>
-              <a:t>7/10/2018</a:t>
+              <a:t>8/14/2018</a:t>
             </a:fld>
             <a:endParaRPr lang="en-US"/>
           </a:p>
@@ -2066,7 +2066,7 @@
           <a:p>
             <a:fld id="{9819AC5B-5C28-4682-8A2A-3D2C4E3BE131}" type="datetimeFigureOut">
               <a:rPr lang="en-US" smtClean="0"/>
-              <a:t>7/10/2018</a:t>
+              <a:t>8/14/2018</a:t>
             </a:fld>
             <a:endParaRPr lang="en-US"/>
           </a:p>
@@ -2377,7 +2377,7 @@
           <a:p>
             <a:fld id="{9819AC5B-5C28-4682-8A2A-3D2C4E3BE131}" type="datetimeFigureOut">
               <a:rPr lang="en-US" smtClean="0"/>
-              <a:t>7/10/2018</a:t>
+              <a:t>8/14/2018</a:t>
             </a:fld>
             <a:endParaRPr lang="en-US"/>
           </a:p>
@@ -2665,7 +2665,7 @@
           <a:p>
             <a:fld id="{9819AC5B-5C28-4682-8A2A-3D2C4E3BE131}" type="datetimeFigureOut">
               <a:rPr lang="en-US" smtClean="0"/>
-              <a:t>7/10/2018</a:t>
+              <a:t>8/14/2018</a:t>
             </a:fld>
             <a:endParaRPr lang="en-US"/>
           </a:p>
@@ -2906,7 +2906,7 @@
           <a:p>
             <a:fld id="{9819AC5B-5C28-4682-8A2A-3D2C4E3BE131}" type="datetimeFigureOut">
               <a:rPr lang="en-US" smtClean="0"/>
-              <a:t>7/10/2018</a:t>
+              <a:t>8/14/2018</a:t>
             </a:fld>
             <a:endParaRPr lang="en-US"/>
           </a:p>
@@ -3569,6 +3569,222 @@
           </a:p>
         </p:txBody>
       </p:sp>
+      <p:sp>
+        <p:nvSpPr>
+          <p:cNvPr id="5" name="Content Placeholder 2">
+            <a:extLst>
+              <a:ext uri="{FF2B5EF4-FFF2-40B4-BE49-F238E27FC236}">
+                <a16:creationId xmlns:a16="http://schemas.microsoft.com/office/drawing/2014/main" id="{2895EDD4-A1DB-46AD-90D6-4CB20A4CFD69}"/>
+              </a:ext>
+            </a:extLst>
+          </p:cNvPr>
+          <p:cNvSpPr txBox="1">
+            <a:spLocks/>
+          </p:cNvSpPr>
+          <p:nvPr/>
+        </p:nvSpPr>
+        <p:spPr>
+          <a:xfrm>
+            <a:off x="615193" y="5765807"/>
+            <a:ext cx="10738607" cy="597395"/>
+          </a:xfrm>
+          <a:prstGeom prst="rect">
+            <a:avLst/>
+          </a:prstGeom>
+        </p:spPr>
+        <p:txBody>
+          <a:bodyPr vert="horz" lIns="91440" tIns="45720" rIns="91440" bIns="45720" rtlCol="0">
+            <a:normAutofit/>
+          </a:bodyPr>
+          <a:lstStyle>
+            <a:lvl1pPr marL="228600" indent="-228600" algn="l" defTabSz="914400" rtl="0" eaLnBrk="1" latinLnBrk="0" hangingPunct="1">
+              <a:lnSpc>
+                <a:spcPct val="90000"/>
+              </a:lnSpc>
+              <a:spcBef>
+                <a:spcPts val="1000"/>
+              </a:spcBef>
+              <a:buFont typeface="Arial" panose="020B0604020202020204" pitchFamily="34" charset="0"/>
+              <a:buChar char="•"/>
+              <a:defRPr sz="2800" kern="1200">
+                <a:solidFill>
+                  <a:schemeClr val="tx1"/>
+                </a:solidFill>
+                <a:latin typeface="+mn-lt"/>
+                <a:ea typeface="+mn-ea"/>
+                <a:cs typeface="+mn-cs"/>
+              </a:defRPr>
+            </a:lvl1pPr>
+            <a:lvl2pPr marL="685800" indent="-228600" algn="l" defTabSz="914400" rtl="0" eaLnBrk="1" latinLnBrk="0" hangingPunct="1">
+              <a:lnSpc>
+                <a:spcPct val="90000"/>
+              </a:lnSpc>
+              <a:spcBef>
+                <a:spcPts val="500"/>
+              </a:spcBef>
+              <a:buFont typeface="Arial" panose="020B0604020202020204" pitchFamily="34" charset="0"/>
+              <a:buChar char="•"/>
+              <a:defRPr sz="2400" kern="1200">
+                <a:solidFill>
+                  <a:schemeClr val="tx1"/>
+                </a:solidFill>
+                <a:latin typeface="+mn-lt"/>
+                <a:ea typeface="+mn-ea"/>
+                <a:cs typeface="+mn-cs"/>
+              </a:defRPr>
+            </a:lvl2pPr>
+            <a:lvl3pPr marL="1143000" indent="-228600" algn="l" defTabSz="914400" rtl="0" eaLnBrk="1" latinLnBrk="0" hangingPunct="1">
+              <a:lnSpc>
+                <a:spcPct val="90000"/>
+              </a:lnSpc>
+              <a:spcBef>
+                <a:spcPts val="500"/>
+              </a:spcBef>
+              <a:buFont typeface="Arial" panose="020B0604020202020204" pitchFamily="34" charset="0"/>
+              <a:buChar char="•"/>
+              <a:defRPr sz="2000" kern="1200">
+                <a:solidFill>
+                  <a:schemeClr val="tx1"/>
+                </a:solidFill>
+                <a:latin typeface="+mn-lt"/>
+                <a:ea typeface="+mn-ea"/>
+                <a:cs typeface="+mn-cs"/>
+              </a:defRPr>
+            </a:lvl3pPr>
+            <a:lvl4pPr marL="1600200" indent="-228600" algn="l" defTabSz="914400" rtl="0" eaLnBrk="1" latinLnBrk="0" hangingPunct="1">
+              <a:lnSpc>
+                <a:spcPct val="90000"/>
+              </a:lnSpc>
+              <a:spcBef>
+                <a:spcPts val="500"/>
+              </a:spcBef>
+              <a:buFont typeface="Arial" panose="020B0604020202020204" pitchFamily="34" charset="0"/>
+              <a:buChar char="•"/>
+              <a:defRPr sz="1800" kern="1200">
+                <a:solidFill>
+                  <a:schemeClr val="tx1"/>
+                </a:solidFill>
+                <a:latin typeface="+mn-lt"/>
+                <a:ea typeface="+mn-ea"/>
+                <a:cs typeface="+mn-cs"/>
+              </a:defRPr>
+            </a:lvl4pPr>
+            <a:lvl5pPr marL="2057400" indent="-228600" algn="l" defTabSz="914400" rtl="0" eaLnBrk="1" latinLnBrk="0" hangingPunct="1">
+              <a:lnSpc>
+                <a:spcPct val="90000"/>
+              </a:lnSpc>
+              <a:spcBef>
+                <a:spcPts val="500"/>
+              </a:spcBef>
+              <a:buFont typeface="Arial" panose="020B0604020202020204" pitchFamily="34" charset="0"/>
+              <a:buChar char="•"/>
+              <a:defRPr sz="1800" kern="1200">
+                <a:solidFill>
+                  <a:schemeClr val="tx1"/>
+                </a:solidFill>
+                <a:latin typeface="+mn-lt"/>
+                <a:ea typeface="+mn-ea"/>
+                <a:cs typeface="+mn-cs"/>
+              </a:defRPr>
+            </a:lvl5pPr>
+            <a:lvl6pPr marL="2514600" indent="-228600" algn="l" defTabSz="914400" rtl="0" eaLnBrk="1" latinLnBrk="0" hangingPunct="1">
+              <a:lnSpc>
+                <a:spcPct val="90000"/>
+              </a:lnSpc>
+              <a:spcBef>
+                <a:spcPts val="500"/>
+              </a:spcBef>
+              <a:buFont typeface="Arial" panose="020B0604020202020204" pitchFamily="34" charset="0"/>
+              <a:buChar char="•"/>
+              <a:defRPr sz="1800" kern="1200">
+                <a:solidFill>
+                  <a:schemeClr val="tx1"/>
+                </a:solidFill>
+                <a:latin typeface="+mn-lt"/>
+                <a:ea typeface="+mn-ea"/>
+                <a:cs typeface="+mn-cs"/>
+              </a:defRPr>
+            </a:lvl6pPr>
+            <a:lvl7pPr marL="2971800" indent="-228600" algn="l" defTabSz="914400" rtl="0" eaLnBrk="1" latinLnBrk="0" hangingPunct="1">
+              <a:lnSpc>
+                <a:spcPct val="90000"/>
+              </a:lnSpc>
+              <a:spcBef>
+                <a:spcPts val="500"/>
+              </a:spcBef>
+              <a:buFont typeface="Arial" panose="020B0604020202020204" pitchFamily="34" charset="0"/>
+              <a:buChar char="•"/>
+              <a:defRPr sz="1800" kern="1200">
+                <a:solidFill>
+                  <a:schemeClr val="tx1"/>
+                </a:solidFill>
+                <a:latin typeface="+mn-lt"/>
+                <a:ea typeface="+mn-ea"/>
+                <a:cs typeface="+mn-cs"/>
+              </a:defRPr>
+            </a:lvl7pPr>
+            <a:lvl8pPr marL="3429000" indent="-228600" algn="l" defTabSz="914400" rtl="0" eaLnBrk="1" latinLnBrk="0" hangingPunct="1">
+              <a:lnSpc>
+                <a:spcPct val="90000"/>
+              </a:lnSpc>
+              <a:spcBef>
+                <a:spcPts val="500"/>
+              </a:spcBef>
+              <a:buFont typeface="Arial" panose="020B0604020202020204" pitchFamily="34" charset="0"/>
+              <a:buChar char="•"/>
+              <a:defRPr sz="1800" kern="1200">
+                <a:solidFill>
+                  <a:schemeClr val="tx1"/>
+                </a:solidFill>
+                <a:latin typeface="+mn-lt"/>
+                <a:ea typeface="+mn-ea"/>
+                <a:cs typeface="+mn-cs"/>
+              </a:defRPr>
+            </a:lvl8pPr>
+            <a:lvl9pPr marL="3886200" indent="-228600" algn="l" defTabSz="914400" rtl="0" eaLnBrk="1" latinLnBrk="0" hangingPunct="1">
+              <a:lnSpc>
+                <a:spcPct val="90000"/>
+              </a:lnSpc>
+              <a:spcBef>
+                <a:spcPts val="500"/>
+              </a:spcBef>
+              <a:buFont typeface="Arial" panose="020B0604020202020204" pitchFamily="34" charset="0"/>
+              <a:buChar char="•"/>
+              <a:defRPr sz="1800" kern="1200">
+                <a:solidFill>
+                  <a:schemeClr val="tx1"/>
+                </a:solidFill>
+                <a:latin typeface="+mn-lt"/>
+                <a:ea typeface="+mn-ea"/>
+                <a:cs typeface="+mn-cs"/>
+              </a:defRPr>
+            </a:lvl9pPr>
+          </a:lstStyle>
+          <a:p>
+            <a:pPr marL="0" indent="0">
+              <a:buFont typeface="Symbol" panose="05050102010706020507" pitchFamily="18" charset="2"/>
+              <a:buNone/>
+            </a:pPr>
+            <a:r>
+              <a:rPr lang="en-US" altLang="en-US" sz="2400" dirty="0"/>
+              <a:t>Let’s head over to the </a:t>
+            </a:r>
+            <a:r>
+              <a:rPr lang="en-US" altLang="en-US" sz="2400" dirty="0" err="1"/>
+              <a:t>Jupyter</a:t>
+            </a:r>
+            <a:r>
+              <a:rPr lang="en-US" altLang="en-US" sz="2400" dirty="0"/>
+              <a:t> Notebook..</a:t>
+            </a:r>
+            <a:endParaRPr lang="en-US" altLang="en-US" sz="2400" dirty="0">
+              <a:latin typeface="Courier New" panose="02070309020205020404" pitchFamily="49" charset="0"/>
+              <a:ea typeface="ＭＳ Ｐゴシック" panose="020B0600070205080204" pitchFamily="34" charset="-128"/>
+              <a:cs typeface="Courier New" panose="02070309020205020404" pitchFamily="49" charset="0"/>
+            </a:endParaRPr>
+          </a:p>
+        </p:txBody>
+      </p:sp>
     </p:spTree>
     <p:extLst>
       <p:ext uri="{BB962C8B-B14F-4D97-AF65-F5344CB8AC3E}">
@@ -5830,7 +6046,7 @@
             </a:pPr>
             <a:r>
               <a:rPr lang="en-US" altLang="en-US" sz="2300" dirty="0"/>
-              <a:t>Exercises 2.4, 2.5</a:t>
+              <a:t>Exercises 1, 2</a:t>
             </a:r>
           </a:p>
           <a:p>
@@ -6753,7 +6969,7 @@
             </a:pPr>
             <a:r>
               <a:rPr lang="en-US" altLang="en-US" sz="2300" dirty="0"/>
-              <a:t>Exercises 2.6, 2.7</a:t>
+              <a:t>Exercises 3, 4</a:t>
             </a:r>
           </a:p>
           <a:p>
@@ -7810,7 +8026,7 @@
               <a:buNone/>
             </a:pPr>
             <a:r>
-              <a:rPr lang="en-US" altLang="en-US" sz="2300" dirty="0"/>
+              <a:rPr lang="en-US" altLang="en-US" sz="2300" b="1" dirty="0"/>
               <a:t>Exercise</a:t>
             </a:r>
           </a:p>
@@ -9944,7 +10160,7 @@
             </a:pPr>
             <a:r>
               <a:rPr lang="en-US" altLang="en-US" sz="2500" dirty="0"/>
-              <a:t>Exercises 2.8, 2.9, 2.10</a:t>
+              <a:t>Exercises 5, 6</a:t>
             </a:r>
           </a:p>
           <a:p>
